--- a/doc/20200623 Showcase.pptx
+++ b/doc/20200623 Showcase.pptx
@@ -125,6 +125,11 @@
       </a:defRPr>
     </a:lvl9pPr>
   </p:defaultTextStyle>
+  <p:extLst>
+    <p:ext uri="{EFAFB233-063F-42B5-8137-9DF3F51BA10A}">
+      <p15:sldGuideLst xmlns:p15="http://schemas.microsoft.com/office/powerpoint/2012/main"/>
+    </p:ext>
+  </p:extLst>
 </p:presentation>
 </file>
 

--- a/doc/20200623 Showcase.pptx
+++ b/doc/20200623 Showcase.pptx
@@ -5,28 +5,29 @@
     <p:sldMasterId id="2147483660" r:id="rId1"/>
   </p:sldMasterIdLst>
   <p:notesMasterIdLst>
-    <p:notesMasterId r:id="rId21"/>
+    <p:notesMasterId r:id="rId22"/>
   </p:notesMasterIdLst>
   <p:sldIdLst>
     <p:sldId id="256" r:id="rId2"/>
     <p:sldId id="258" r:id="rId3"/>
     <p:sldId id="264" r:id="rId4"/>
     <p:sldId id="257" r:id="rId5"/>
-    <p:sldId id="271" r:id="rId6"/>
-    <p:sldId id="272" r:id="rId7"/>
-    <p:sldId id="265" r:id="rId8"/>
-    <p:sldId id="280" r:id="rId9"/>
-    <p:sldId id="274" r:id="rId10"/>
-    <p:sldId id="282" r:id="rId11"/>
-    <p:sldId id="273" r:id="rId12"/>
-    <p:sldId id="277" r:id="rId13"/>
-    <p:sldId id="260" r:id="rId14"/>
-    <p:sldId id="278" r:id="rId15"/>
-    <p:sldId id="276" r:id="rId16"/>
-    <p:sldId id="261" r:id="rId17"/>
-    <p:sldId id="262" r:id="rId18"/>
-    <p:sldId id="269" r:id="rId19"/>
-    <p:sldId id="279" r:id="rId20"/>
+    <p:sldId id="283" r:id="rId6"/>
+    <p:sldId id="271" r:id="rId7"/>
+    <p:sldId id="272" r:id="rId8"/>
+    <p:sldId id="265" r:id="rId9"/>
+    <p:sldId id="280" r:id="rId10"/>
+    <p:sldId id="274" r:id="rId11"/>
+    <p:sldId id="282" r:id="rId12"/>
+    <p:sldId id="273" r:id="rId13"/>
+    <p:sldId id="277" r:id="rId14"/>
+    <p:sldId id="260" r:id="rId15"/>
+    <p:sldId id="278" r:id="rId16"/>
+    <p:sldId id="276" r:id="rId17"/>
+    <p:sldId id="261" r:id="rId18"/>
+    <p:sldId id="262" r:id="rId19"/>
+    <p:sldId id="269" r:id="rId20"/>
+    <p:sldId id="279" r:id="rId21"/>
   </p:sldIdLst>
   <p:sldSz cx="12192000" cy="6858000"/>
   <p:notesSz cx="6858000" cy="9144000"/>
@@ -16228,7 +16229,7 @@
           <a:p>
             <a:fld id="{303AB7D7-D5A4-4A9C-8AD6-2C55E0D1ABF5}" type="slidenum">
               <a:rPr lang="zh-CN" altLang="en-US" smtClean="0"/>
-              <a:t>10</a:t>
+              <a:t>11</a:t>
             </a:fld>
             <a:endParaRPr lang="zh-CN" altLang="en-US"/>
           </a:p>
@@ -19709,6 +19710,368 @@
 <file path=ppt/slides/slide10.xml><?xml version="1.0" encoding="utf-8"?>
 <p:sld xmlns:a="http://schemas.openxmlformats.org/drawingml/2006/main" xmlns:r="http://schemas.openxmlformats.org/officeDocument/2006/relationships" xmlns:p="http://schemas.openxmlformats.org/presentationml/2006/main">
   <p:cSld>
+    <p:bg>
+      <p:bgPr>
+        <a:solidFill>
+          <a:schemeClr val="bg1"/>
+        </a:solidFill>
+        <a:effectLst/>
+      </p:bgPr>
+    </p:bg>
+    <p:spTree>
+      <p:nvGrpSpPr>
+        <p:cNvPr id="1" name=""/>
+        <p:cNvGrpSpPr/>
+        <p:nvPr/>
+      </p:nvGrpSpPr>
+      <p:grpSpPr>
+        <a:xfrm>
+          <a:off x="0" y="0"/>
+          <a:ext cx="0" cy="0"/>
+          <a:chOff x="0" y="0"/>
+          <a:chExt cx="0" cy="0"/>
+        </a:xfrm>
+      </p:grpSpPr>
+      <p:sp>
+        <p:nvSpPr>
+          <p:cNvPr id="15" name="Rectangle 14">
+            <a:extLst>
+              <a:ext uri="{FF2B5EF4-FFF2-40B4-BE49-F238E27FC236}">
+                <a16:creationId xmlns:a16="http://schemas.microsoft.com/office/drawing/2014/main" id="{B1CCD5EF-766D-43B9-A25D-19122E5FB181}"/>
+              </a:ext>
+              <a:ext uri="{C183D7F6-B498-43B3-948B-1728B52AA6E4}">
+                <adec:decorative xmlns:adec="http://schemas.microsoft.com/office/drawing/2017/decorative" val="1"/>
+              </a:ext>
+            </a:extLst>
+          </p:cNvPr>
+          <p:cNvSpPr>
+            <a:spLocks noGrp="1" noRot="1" noChangeAspect="1" noMove="1" noResize="1" noEditPoints="1" noAdjustHandles="1" noChangeArrowheads="1" noChangeShapeType="1" noTextEdit="1"/>
+          </p:cNvSpPr>
+          <p:nvPr>
+            <p:extLst>
+              <p:ext uri="{386F3935-93C4-4BCD-93E2-E3B085C9AB24}">
+                <p16:designElem xmlns:p16="http://schemas.microsoft.com/office/powerpoint/2015/main" val="1"/>
+              </p:ext>
+            </p:extLst>
+          </p:nvPr>
+        </p:nvSpPr>
+        <p:spPr>
+          <a:xfrm>
+            <a:off x="643467" y="643467"/>
+            <a:ext cx="10905065" cy="1989682"/>
+          </a:xfrm>
+          <a:prstGeom prst="rect">
+            <a:avLst/>
+          </a:prstGeom>
+          <a:solidFill>
+            <a:schemeClr val="accent1"/>
+          </a:solidFill>
+          <a:ln cap="sq">
+            <a:noFill/>
+            <a:miter lim="800000"/>
+          </a:ln>
+        </p:spPr>
+        <p:style>
+          <a:lnRef idx="2">
+            <a:schemeClr val="accent1">
+              <a:shade val="50000"/>
+            </a:schemeClr>
+          </a:lnRef>
+          <a:fillRef idx="1">
+            <a:schemeClr val="accent1"/>
+          </a:fillRef>
+          <a:effectRef idx="0">
+            <a:schemeClr val="accent1"/>
+          </a:effectRef>
+          <a:fontRef idx="minor">
+            <a:schemeClr val="lt1"/>
+          </a:fontRef>
+        </p:style>
+        <p:txBody>
+          <a:bodyPr rtlCol="0" anchor="ctr"/>
+          <a:lstStyle/>
+          <a:p>
+            <a:pPr algn="ctr"/>
+            <a:endParaRPr lang="en-US"/>
+          </a:p>
+        </p:txBody>
+      </p:sp>
+      <p:sp>
+        <p:nvSpPr>
+          <p:cNvPr id="17" name="Rectangle 16">
+            <a:extLst>
+              <a:ext uri="{FF2B5EF4-FFF2-40B4-BE49-F238E27FC236}">
+                <a16:creationId xmlns:a16="http://schemas.microsoft.com/office/drawing/2014/main" id="{FD9699C9-77F1-4E33-A750-CB78C7EA29E6}"/>
+              </a:ext>
+              <a:ext uri="{C183D7F6-B498-43B3-948B-1728B52AA6E4}">
+                <adec:decorative xmlns:adec="http://schemas.microsoft.com/office/drawing/2017/decorative" val="1"/>
+              </a:ext>
+            </a:extLst>
+          </p:cNvPr>
+          <p:cNvSpPr>
+            <a:spLocks noGrp="1" noRot="1" noChangeAspect="1" noMove="1" noResize="1" noEditPoints="1" noAdjustHandles="1" noChangeArrowheads="1" noChangeShapeType="1" noTextEdit="1"/>
+          </p:cNvSpPr>
+          <p:nvPr>
+            <p:extLst>
+              <p:ext uri="{386F3935-93C4-4BCD-93E2-E3B085C9AB24}">
+                <p16:designElem xmlns:p16="http://schemas.microsoft.com/office/powerpoint/2015/main" val="1"/>
+              </p:ext>
+            </p:extLst>
+          </p:nvPr>
+        </p:nvSpPr>
+        <p:spPr>
+          <a:xfrm>
+            <a:off x="806195" y="806204"/>
+            <a:ext cx="10579608" cy="1664208"/>
+          </a:xfrm>
+          <a:prstGeom prst="rect">
+            <a:avLst/>
+          </a:prstGeom>
+          <a:noFill/>
+          <a:ln cap="sq">
+            <a:solidFill>
+              <a:schemeClr val="bg1"/>
+            </a:solidFill>
+            <a:miter lim="800000"/>
+          </a:ln>
+        </p:spPr>
+        <p:style>
+          <a:lnRef idx="2">
+            <a:schemeClr val="accent1">
+              <a:shade val="50000"/>
+            </a:schemeClr>
+          </a:lnRef>
+          <a:fillRef idx="1">
+            <a:schemeClr val="accent1"/>
+          </a:fillRef>
+          <a:effectRef idx="0">
+            <a:schemeClr val="accent1"/>
+          </a:effectRef>
+          <a:fontRef idx="minor">
+            <a:schemeClr val="lt1"/>
+          </a:fontRef>
+        </p:style>
+        <p:txBody>
+          <a:bodyPr rtlCol="0" anchor="ctr"/>
+          <a:lstStyle/>
+          <a:p>
+            <a:pPr algn="ctr"/>
+            <a:endParaRPr lang="en-US"/>
+          </a:p>
+        </p:txBody>
+      </p:sp>
+      <p:sp>
+        <p:nvSpPr>
+          <p:cNvPr id="2" name="Title 1">
+            <a:extLst>
+              <a:ext uri="{FF2B5EF4-FFF2-40B4-BE49-F238E27FC236}">
+                <a16:creationId xmlns:a16="http://schemas.microsoft.com/office/drawing/2014/main" id="{659F1D8C-506F-412B-A3A2-61432E38C95C}"/>
+              </a:ext>
+            </a:extLst>
+          </p:cNvPr>
+          <p:cNvSpPr>
+            <a:spLocks noGrp="1"/>
+          </p:cNvSpPr>
+          <p:nvPr>
+            <p:ph type="title"/>
+          </p:nvPr>
+        </p:nvSpPr>
+        <p:spPr>
+          <a:xfrm>
+            <a:off x="1071846" y="1059736"/>
+            <a:ext cx="10040233" cy="1228130"/>
+          </a:xfrm>
+        </p:spPr>
+        <p:txBody>
+          <a:bodyPr vert="horz" lIns="91440" tIns="45720" rIns="91440" bIns="45720" rtlCol="0" anchor="ctr">
+            <a:normAutofit/>
+          </a:bodyPr>
+          <a:lstStyle/>
+          <a:p>
+            <a:r>
+              <a:rPr lang="en-US" altLang="zh-CN">
+                <a:solidFill>
+                  <a:srgbClr val="FFFFFF"/>
+                </a:solidFill>
+              </a:rPr>
+              <a:t>Modeling output</a:t>
+            </a:r>
+          </a:p>
+        </p:txBody>
+      </p:sp>
+      <p:sp>
+        <p:nvSpPr>
+          <p:cNvPr id="10" name="TextBox 9">
+            <a:extLst>
+              <a:ext uri="{FF2B5EF4-FFF2-40B4-BE49-F238E27FC236}">
+                <a16:creationId xmlns:a16="http://schemas.microsoft.com/office/drawing/2014/main" id="{F9C725A4-111A-4544-B4FF-85250A89FCA9}"/>
+              </a:ext>
+            </a:extLst>
+          </p:cNvPr>
+          <p:cNvSpPr txBox="1"/>
+          <p:nvPr/>
+        </p:nvSpPr>
+        <p:spPr>
+          <a:xfrm>
+            <a:off x="1071846" y="2973313"/>
+            <a:ext cx="10040233" cy="2903099"/>
+          </a:xfrm>
+          <a:prstGeom prst="rect">
+            <a:avLst/>
+          </a:prstGeom>
+        </p:spPr>
+        <p:txBody>
+          <a:bodyPr vert="horz" lIns="91440" tIns="45720" rIns="91440" bIns="45720" rtlCol="0">
+            <a:normAutofit/>
+          </a:bodyPr>
+          <a:lstStyle/>
+          <a:p>
+            <a:pPr defTabSz="914400">
+              <a:lnSpc>
+                <a:spcPct val="85000"/>
+              </a:lnSpc>
+              <a:spcAft>
+                <a:spcPts val="600"/>
+              </a:spcAft>
+              <a:buFont typeface="Arial" pitchFamily="34" charset="0"/>
+              <a:buChar char=" "/>
+            </a:pPr>
+            <a:r>
+              <a:rPr lang="en-US" altLang="zh-CN" dirty="0">
+                <a:solidFill>
+                  <a:schemeClr val="tx1">
+                    <a:lumMod val="85000"/>
+                    <a:lumOff val="15000"/>
+                  </a:schemeClr>
+                </a:solidFill>
+              </a:rPr>
+              <a:t>Based on the cluster information and model score, user can pick individual clusters for prediction.</a:t>
+            </a:r>
+          </a:p>
+        </p:txBody>
+      </p:sp>
+      <p:pic>
+        <p:nvPicPr>
+          <p:cNvPr id="13" name="Picture 12">
+            <a:extLst>
+              <a:ext uri="{FF2B5EF4-FFF2-40B4-BE49-F238E27FC236}">
+                <a16:creationId xmlns:a16="http://schemas.microsoft.com/office/drawing/2014/main" id="{840CE239-FC35-43EF-A06A-EEF4D084E6C5}"/>
+              </a:ext>
+            </a:extLst>
+          </p:cNvPr>
+          <p:cNvPicPr>
+            <a:picLocks noChangeAspect="1"/>
+          </p:cNvPicPr>
+          <p:nvPr/>
+        </p:nvPicPr>
+        <p:blipFill>
+          <a:blip r:embed="rId2"/>
+          <a:stretch>
+            <a:fillRect/>
+          </a:stretch>
+        </p:blipFill>
+        <p:spPr>
+          <a:xfrm>
+            <a:off x="171029" y="3290418"/>
+            <a:ext cx="6435045" cy="3446284"/>
+          </a:xfrm>
+          <a:prstGeom prst="rect">
+            <a:avLst/>
+          </a:prstGeom>
+        </p:spPr>
+      </p:pic>
+      <p:pic>
+        <p:nvPicPr>
+          <p:cNvPr id="14" name="Picture 2">
+            <a:extLst>
+              <a:ext uri="{FF2B5EF4-FFF2-40B4-BE49-F238E27FC236}">
+                <a16:creationId xmlns:a16="http://schemas.microsoft.com/office/drawing/2014/main" id="{1442F651-9B5E-4A33-A2C0-AD4529A8FC05}"/>
+              </a:ext>
+            </a:extLst>
+          </p:cNvPr>
+          <p:cNvPicPr>
+            <a:picLocks noChangeAspect="1" noChangeArrowheads="1"/>
+          </p:cNvPicPr>
+          <p:nvPr/>
+        </p:nvPicPr>
+        <p:blipFill>
+          <a:blip r:embed="rId3">
+            <a:extLst>
+              <a:ext uri="{28A0092B-C50C-407E-A947-70E740481C1C}">
+                <a14:useLocalDpi xmlns:a14="http://schemas.microsoft.com/office/drawing/2010/main" val="0"/>
+              </a:ext>
+            </a:extLst>
+          </a:blip>
+          <a:srcRect/>
+          <a:stretch>
+            <a:fillRect/>
+          </a:stretch>
+        </p:blipFill>
+        <p:spPr bwMode="auto">
+          <a:xfrm>
+            <a:off x="7657724" y="3290418"/>
+            <a:ext cx="3629025" cy="2362200"/>
+          </a:xfrm>
+          <a:prstGeom prst="rect">
+            <a:avLst/>
+          </a:prstGeom>
+          <a:noFill/>
+          <a:extLst>
+            <a:ext uri="{909E8E84-426E-40DD-AFC4-6F175D3DCCD1}">
+              <a14:hiddenFill xmlns:a14="http://schemas.microsoft.com/office/drawing/2010/main">
+                <a:solidFill>
+                  <a:srgbClr val="FFFFFF"/>
+                </a:solidFill>
+              </a14:hiddenFill>
+            </a:ext>
+          </a:extLst>
+        </p:spPr>
+      </p:pic>
+      <p:pic>
+        <p:nvPicPr>
+          <p:cNvPr id="16" name="Picture 15">
+            <a:extLst>
+              <a:ext uri="{FF2B5EF4-FFF2-40B4-BE49-F238E27FC236}">
+                <a16:creationId xmlns:a16="http://schemas.microsoft.com/office/drawing/2014/main" id="{7345388F-93DC-4531-A1F1-8F09780FE5EE}"/>
+              </a:ext>
+            </a:extLst>
+          </p:cNvPr>
+          <p:cNvPicPr>
+            <a:picLocks noChangeAspect="1"/>
+          </p:cNvPicPr>
+          <p:nvPr/>
+        </p:nvPicPr>
+        <p:blipFill rotWithShape="1">
+          <a:blip r:embed="rId4"/>
+          <a:srcRect r="26736"/>
+          <a:stretch/>
+        </p:blipFill>
+        <p:spPr>
+          <a:xfrm>
+            <a:off x="4052628" y="5724057"/>
+            <a:ext cx="7968343" cy="980952"/>
+          </a:xfrm>
+          <a:prstGeom prst="rect">
+            <a:avLst/>
+          </a:prstGeom>
+        </p:spPr>
+      </p:pic>
+    </p:spTree>
+    <p:extLst>
+      <p:ext uri="{BB962C8B-B14F-4D97-AF65-F5344CB8AC3E}">
+        <p14:creationId xmlns:p14="http://schemas.microsoft.com/office/powerpoint/2010/main" val="1070122799"/>
+      </p:ext>
+    </p:extLst>
+  </p:cSld>
+  <p:clrMapOvr>
+    <a:masterClrMapping/>
+  </p:clrMapOvr>
+</p:sld>
+</file>
+
+<file path=ppt/slides/slide11.xml><?xml version="1.0" encoding="utf-8"?>
+<p:sld xmlns:a="http://schemas.openxmlformats.org/drawingml/2006/main" xmlns:r="http://schemas.openxmlformats.org/officeDocument/2006/relationships" xmlns:p="http://schemas.openxmlformats.org/presentationml/2006/main">
+  <p:cSld>
     <p:spTree>
       <p:nvGrpSpPr>
         <p:cNvPr id="1" name=""/>
@@ -20116,7 +20479,7 @@
 </p:sld>
 </file>
 
-<file path=ppt/slides/slide11.xml><?xml version="1.0" encoding="utf-8"?>
+<file path=ppt/slides/slide12.xml><?xml version="1.0" encoding="utf-8"?>
 <p:sld xmlns:a="http://schemas.openxmlformats.org/drawingml/2006/main" xmlns:r="http://schemas.openxmlformats.org/officeDocument/2006/relationships" xmlns:p="http://schemas.openxmlformats.org/presentationml/2006/main">
   <p:cSld>
     <p:bg>
@@ -20245,7 +20608,7 @@
 </p:sld>
 </file>
 
-<file path=ppt/slides/slide12.xml><?xml version="1.0" encoding="utf-8"?>
+<file path=ppt/slides/slide13.xml><?xml version="1.0" encoding="utf-8"?>
 <p:sld xmlns:a="http://schemas.openxmlformats.org/drawingml/2006/main" xmlns:r="http://schemas.openxmlformats.org/officeDocument/2006/relationships" xmlns:p="http://schemas.openxmlformats.org/presentationml/2006/main">
   <p:cSld>
     <p:bg>
@@ -20532,7 +20895,7 @@
 </p:sld>
 </file>
 
-<file path=ppt/slides/slide13.xml><?xml version="1.0" encoding="utf-8"?>
+<file path=ppt/slides/slide14.xml><?xml version="1.0" encoding="utf-8"?>
 <p:sld xmlns:a="http://schemas.openxmlformats.org/drawingml/2006/main" xmlns:r="http://schemas.openxmlformats.org/officeDocument/2006/relationships" xmlns:p="http://schemas.openxmlformats.org/presentationml/2006/main">
   <p:cSld>
     <p:bg>
@@ -20856,7 +21219,7 @@
 </p:sld>
 </file>
 
-<file path=ppt/slides/slide14.xml><?xml version="1.0" encoding="utf-8"?>
+<file path=ppt/slides/slide15.xml><?xml version="1.0" encoding="utf-8"?>
 <p:sld xmlns:a="http://schemas.openxmlformats.org/drawingml/2006/main" xmlns:r="http://schemas.openxmlformats.org/officeDocument/2006/relationships" xmlns:p="http://schemas.openxmlformats.org/presentationml/2006/main">
   <p:cSld>
     <p:bg>
@@ -21308,7 +21671,7 @@
 </p:sld>
 </file>
 
-<file path=ppt/slides/slide15.xml><?xml version="1.0" encoding="utf-8"?>
+<file path=ppt/slides/slide16.xml><?xml version="1.0" encoding="utf-8"?>
 <p:sld xmlns:a="http://schemas.openxmlformats.org/drawingml/2006/main" xmlns:r="http://schemas.openxmlformats.org/officeDocument/2006/relationships" xmlns:p="http://schemas.openxmlformats.org/presentationml/2006/main">
   <p:cSld>
     <p:spTree>
@@ -21464,7 +21827,7 @@
 </p:sld>
 </file>
 
-<file path=ppt/slides/slide16.xml><?xml version="1.0" encoding="utf-8"?>
+<file path=ppt/slides/slide17.xml><?xml version="1.0" encoding="utf-8"?>
 <p:sld xmlns:a="http://schemas.openxmlformats.org/drawingml/2006/main" xmlns:r="http://schemas.openxmlformats.org/officeDocument/2006/relationships" xmlns:p="http://schemas.openxmlformats.org/presentationml/2006/main">
   <p:cSld>
     <p:bg>
@@ -21566,7 +21929,7 @@
 </p:sld>
 </file>
 
-<file path=ppt/slides/slide17.xml><?xml version="1.0" encoding="utf-8"?>
+<file path=ppt/slides/slide18.xml><?xml version="1.0" encoding="utf-8"?>
 <p:sld xmlns:a="http://schemas.openxmlformats.org/drawingml/2006/main" xmlns:r="http://schemas.openxmlformats.org/officeDocument/2006/relationships" xmlns:p="http://schemas.openxmlformats.org/presentationml/2006/main">
   <p:cSld>
     <p:bg>
@@ -21895,7 +22258,7 @@
 </p:sld>
 </file>
 
-<file path=ppt/slides/slide18.xml><?xml version="1.0" encoding="utf-8"?>
+<file path=ppt/slides/slide19.xml><?xml version="1.0" encoding="utf-8"?>
 <p:sld xmlns:a="http://schemas.openxmlformats.org/drawingml/2006/main" xmlns:r="http://schemas.openxmlformats.org/officeDocument/2006/relationships" xmlns:p="http://schemas.openxmlformats.org/presentationml/2006/main">
   <p:cSld>
     <p:bg>
@@ -22107,330 +22470,6 @@
     <p:extLst>
       <p:ext uri="{BB962C8B-B14F-4D97-AF65-F5344CB8AC3E}">
         <p14:creationId xmlns:p14="http://schemas.microsoft.com/office/powerpoint/2010/main" val="3025338571"/>
-      </p:ext>
-    </p:extLst>
-  </p:cSld>
-  <p:clrMapOvr>
-    <a:masterClrMapping/>
-  </p:clrMapOvr>
-</p:sld>
-</file>
-
-<file path=ppt/slides/slide19.xml><?xml version="1.0" encoding="utf-8"?>
-<p:sld xmlns:a="http://schemas.openxmlformats.org/drawingml/2006/main" xmlns:r="http://schemas.openxmlformats.org/officeDocument/2006/relationships" xmlns:p="http://schemas.openxmlformats.org/presentationml/2006/main">
-  <p:cSld>
-    <p:bg>
-      <p:bgPr>
-        <a:solidFill>
-          <a:schemeClr val="bg1"/>
-        </a:solidFill>
-        <a:effectLst/>
-      </p:bgPr>
-    </p:bg>
-    <p:spTree>
-      <p:nvGrpSpPr>
-        <p:cNvPr id="1" name=""/>
-        <p:cNvGrpSpPr/>
-        <p:nvPr/>
-      </p:nvGrpSpPr>
-      <p:grpSpPr>
-        <a:xfrm>
-          <a:off x="0" y="0"/>
-          <a:ext cx="0" cy="0"/>
-          <a:chOff x="0" y="0"/>
-          <a:chExt cx="0" cy="0"/>
-        </a:xfrm>
-      </p:grpSpPr>
-      <p:sp>
-        <p:nvSpPr>
-          <p:cNvPr id="7" name="Rectangle 6">
-            <a:extLst>
-              <a:ext uri="{FF2B5EF4-FFF2-40B4-BE49-F238E27FC236}">
-                <a16:creationId xmlns:a16="http://schemas.microsoft.com/office/drawing/2014/main" id="{BD976C13-68E6-4E25-B13E-FC3A2D3F66E3}"/>
-              </a:ext>
-              <a:ext uri="{C183D7F6-B498-43B3-948B-1728B52AA6E4}">
-                <adec:decorative xmlns:adec="http://schemas.microsoft.com/office/drawing/2017/decorative" val="1"/>
-              </a:ext>
-            </a:extLst>
-          </p:cNvPr>
-          <p:cNvSpPr>
-            <a:spLocks noGrp="1" noRot="1" noChangeAspect="1" noMove="1" noResize="1" noEditPoints="1" noAdjustHandles="1" noChangeArrowheads="1" noChangeShapeType="1" noTextEdit="1"/>
-          </p:cNvSpPr>
-          <p:nvPr>
-            <p:extLst>
-              <p:ext uri="{386F3935-93C4-4BCD-93E2-E3B085C9AB24}">
-                <p16:designElem xmlns:p16="http://schemas.microsoft.com/office/powerpoint/2015/main" val="1"/>
-              </p:ext>
-            </p:extLst>
-          </p:nvPr>
-        </p:nvSpPr>
-        <p:spPr>
-          <a:xfrm>
-            <a:off x="0" y="0"/>
-            <a:ext cx="12192000" cy="6858000"/>
-          </a:xfrm>
-          <a:prstGeom prst="rect">
-            <a:avLst/>
-          </a:prstGeom>
-          <a:ln>
-            <a:noFill/>
-          </a:ln>
-        </p:spPr>
-        <p:style>
-          <a:lnRef idx="2">
-            <a:schemeClr val="accent1">
-              <a:shade val="50000"/>
-            </a:schemeClr>
-          </a:lnRef>
-          <a:fillRef idx="1">
-            <a:schemeClr val="accent1"/>
-          </a:fillRef>
-          <a:effectRef idx="0">
-            <a:schemeClr val="accent1"/>
-          </a:effectRef>
-          <a:fontRef idx="minor">
-            <a:schemeClr val="lt1"/>
-          </a:fontRef>
-        </p:style>
-      </p:sp>
-      <p:sp useBgFill="1">
-        <p:nvSpPr>
-          <p:cNvPr id="9" name="Rectangle 8">
-            <a:extLst>
-              <a:ext uri="{FF2B5EF4-FFF2-40B4-BE49-F238E27FC236}">
-                <a16:creationId xmlns:a16="http://schemas.microsoft.com/office/drawing/2014/main" id="{1E24A02E-5FD2-428E-A1E4-FDF96B0B6CE8}"/>
-              </a:ext>
-              <a:ext uri="{C183D7F6-B498-43B3-948B-1728B52AA6E4}">
-                <adec:decorative xmlns:adec="http://schemas.microsoft.com/office/drawing/2017/decorative" val="1"/>
-              </a:ext>
-            </a:extLst>
-          </p:cNvPr>
-          <p:cNvSpPr>
-            <a:spLocks noGrp="1" noRot="1" noChangeAspect="1" noMove="1" noResize="1" noEditPoints="1" noAdjustHandles="1" noChangeArrowheads="1" noChangeShapeType="1" noTextEdit="1"/>
-          </p:cNvSpPr>
-          <p:nvPr>
-            <p:extLst>
-              <p:ext uri="{386F3935-93C4-4BCD-93E2-E3B085C9AB24}">
-                <p16:designElem xmlns:p16="http://schemas.microsoft.com/office/powerpoint/2015/main" val="1"/>
-              </p:ext>
-            </p:extLst>
-          </p:nvPr>
-        </p:nvSpPr>
-        <p:spPr>
-          <a:xfrm>
-            <a:off x="0" y="0"/>
-            <a:ext cx="12192000" cy="6858000"/>
-          </a:xfrm>
-          <a:prstGeom prst="rect">
-            <a:avLst/>
-          </a:prstGeom>
-          <a:ln>
-            <a:noFill/>
-          </a:ln>
-        </p:spPr>
-        <p:style>
-          <a:lnRef idx="2">
-            <a:schemeClr val="accent1">
-              <a:shade val="50000"/>
-            </a:schemeClr>
-          </a:lnRef>
-          <a:fillRef idx="1">
-            <a:schemeClr val="accent1"/>
-          </a:fillRef>
-          <a:effectRef idx="0">
-            <a:schemeClr val="accent1"/>
-          </a:effectRef>
-          <a:fontRef idx="minor">
-            <a:schemeClr val="lt1"/>
-          </a:fontRef>
-        </p:style>
-        <p:txBody>
-          <a:bodyPr rtlCol="0" anchor="ctr"/>
-          <a:lstStyle/>
-          <a:p>
-            <a:pPr algn="ctr"/>
-            <a:endParaRPr lang="en-US"/>
-          </a:p>
-        </p:txBody>
-      </p:sp>
-      <p:sp>
-        <p:nvSpPr>
-          <p:cNvPr id="11" name="Rectangle 10">
-            <a:extLst>
-              <a:ext uri="{FF2B5EF4-FFF2-40B4-BE49-F238E27FC236}">
-                <a16:creationId xmlns:a16="http://schemas.microsoft.com/office/drawing/2014/main" id="{2808B93E-0C39-407B-943D-71F2BAFB4CB4}"/>
-              </a:ext>
-              <a:ext uri="{C183D7F6-B498-43B3-948B-1728B52AA6E4}">
-                <adec:decorative xmlns:adec="http://schemas.microsoft.com/office/drawing/2017/decorative" val="1"/>
-              </a:ext>
-            </a:extLst>
-          </p:cNvPr>
-          <p:cNvSpPr>
-            <a:spLocks noGrp="1" noRot="1" noChangeAspect="1" noMove="1" noResize="1" noEditPoints="1" noAdjustHandles="1" noChangeArrowheads="1" noChangeShapeType="1" noTextEdit="1"/>
-          </p:cNvSpPr>
-          <p:nvPr>
-            <p:extLst>
-              <p:ext uri="{386F3935-93C4-4BCD-93E2-E3B085C9AB24}">
-                <p16:designElem xmlns:p16="http://schemas.microsoft.com/office/powerpoint/2015/main" val="1"/>
-              </p:ext>
-            </p:extLst>
-          </p:nvPr>
-        </p:nvSpPr>
-        <p:spPr>
-          <a:xfrm>
-            <a:off x="0" y="0"/>
-            <a:ext cx="12192000" cy="6858000"/>
-          </a:xfrm>
-          <a:prstGeom prst="rect">
-            <a:avLst/>
-          </a:prstGeom>
-          <a:solidFill>
-            <a:srgbClr val="F2F2F2"/>
-          </a:solidFill>
-          <a:ln>
-            <a:noFill/>
-          </a:ln>
-        </p:spPr>
-        <p:style>
-          <a:lnRef idx="2">
-            <a:schemeClr val="accent1">
-              <a:shade val="50000"/>
-            </a:schemeClr>
-          </a:lnRef>
-          <a:fillRef idx="1">
-            <a:schemeClr val="accent1"/>
-          </a:fillRef>
-          <a:effectRef idx="0">
-            <a:schemeClr val="accent1"/>
-          </a:effectRef>
-          <a:fontRef idx="minor">
-            <a:schemeClr val="lt1"/>
-          </a:fontRef>
-        </p:style>
-        <p:txBody>
-          <a:bodyPr rtlCol="0" anchor="ctr"/>
-          <a:lstStyle/>
-          <a:p>
-            <a:pPr algn="ctr"/>
-            <a:endParaRPr lang="en-US"/>
-          </a:p>
-        </p:txBody>
-      </p:sp>
-      <p:sp>
-        <p:nvSpPr>
-          <p:cNvPr id="2" name="Title 1">
-            <a:extLst>
-              <a:ext uri="{FF2B5EF4-FFF2-40B4-BE49-F238E27FC236}">
-                <a16:creationId xmlns:a16="http://schemas.microsoft.com/office/drawing/2014/main" id="{0B0596D4-FECE-4E26-9D6E-5AC47021D4FB}"/>
-              </a:ext>
-            </a:extLst>
-          </p:cNvPr>
-          <p:cNvSpPr>
-            <a:spLocks noGrp="1"/>
-          </p:cNvSpPr>
-          <p:nvPr>
-            <p:ph type="title"/>
-          </p:nvPr>
-        </p:nvSpPr>
-        <p:spPr>
-          <a:xfrm>
-            <a:off x="603503" y="770466"/>
-            <a:ext cx="9292209" cy="4123267"/>
-          </a:xfrm>
-        </p:spPr>
-        <p:txBody>
-          <a:bodyPr vert="horz" lIns="91440" tIns="45720" rIns="91440" bIns="45720" rtlCol="0" anchor="b">
-            <a:normAutofit/>
-          </a:bodyPr>
-          <a:lstStyle/>
-          <a:p>
-            <a:pPr>
-              <a:lnSpc>
-                <a:spcPct val="80000"/>
-              </a:lnSpc>
-            </a:pPr>
-            <a:r>
-              <a:rPr lang="en-US" altLang="zh-CN" sz="9600">
-                <a:solidFill>
-                  <a:schemeClr val="accent1">
-                    <a:lumMod val="75000"/>
-                  </a:schemeClr>
-                </a:solidFill>
-              </a:rPr>
-              <a:t>Thanks!</a:t>
-            </a:r>
-          </a:p>
-        </p:txBody>
-      </p:sp>
-      <p:sp>
-        <p:nvSpPr>
-          <p:cNvPr id="13" name="Rectangle 12">
-            <a:extLst>
-              <a:ext uri="{FF2B5EF4-FFF2-40B4-BE49-F238E27FC236}">
-                <a16:creationId xmlns:a16="http://schemas.microsoft.com/office/drawing/2014/main" id="{7C7E1896-2992-48D4-85AC-95AB8AB147EA}"/>
-              </a:ext>
-              <a:ext uri="{C183D7F6-B498-43B3-948B-1728B52AA6E4}">
-                <adec:decorative xmlns:adec="http://schemas.microsoft.com/office/drawing/2017/decorative" val="1"/>
-              </a:ext>
-            </a:extLst>
-          </p:cNvPr>
-          <p:cNvSpPr>
-            <a:spLocks noGrp="1" noRot="1" noChangeAspect="1" noMove="1" noResize="1" noEditPoints="1" noAdjustHandles="1" noChangeArrowheads="1" noChangeShapeType="1" noTextEdit="1"/>
-          </p:cNvSpPr>
-          <p:nvPr>
-            <p:extLst>
-              <p:ext uri="{386F3935-93C4-4BCD-93E2-E3B085C9AB24}">
-                <p16:designElem xmlns:p16="http://schemas.microsoft.com/office/powerpoint/2015/main" val="1"/>
-              </p:ext>
-            </p:extLst>
-          </p:nvPr>
-        </p:nvSpPr>
-        <p:spPr>
-          <a:xfrm>
-            <a:off x="0" y="5215466"/>
-            <a:ext cx="12192000" cy="1642534"/>
-          </a:xfrm>
-          <a:prstGeom prst="rect">
-            <a:avLst/>
-          </a:prstGeom>
-          <a:solidFill>
-            <a:schemeClr val="accent1">
-              <a:lumMod val="75000"/>
-            </a:schemeClr>
-          </a:solidFill>
-          <a:ln>
-            <a:noFill/>
-          </a:ln>
-        </p:spPr>
-        <p:style>
-          <a:lnRef idx="2">
-            <a:schemeClr val="accent1">
-              <a:shade val="50000"/>
-            </a:schemeClr>
-          </a:lnRef>
-          <a:fillRef idx="1">
-            <a:schemeClr val="accent1"/>
-          </a:fillRef>
-          <a:effectRef idx="0">
-            <a:schemeClr val="accent1"/>
-          </a:effectRef>
-          <a:fontRef idx="minor">
-            <a:schemeClr val="lt1"/>
-          </a:fontRef>
-        </p:style>
-        <p:txBody>
-          <a:bodyPr rtlCol="0" anchor="ctr"/>
-          <a:lstStyle/>
-          <a:p>
-            <a:pPr algn="ctr"/>
-            <a:endParaRPr lang="en-US"/>
-          </a:p>
-        </p:txBody>
-      </p:sp>
-    </p:spTree>
-    <p:extLst>
-      <p:ext uri="{BB962C8B-B14F-4D97-AF65-F5344CB8AC3E}">
-        <p14:creationId xmlns:p14="http://schemas.microsoft.com/office/powerpoint/2010/main" val="227348378"/>
       </p:ext>
     </p:extLst>
   </p:cSld>
@@ -22764,6 +22803,330 @@
 </p:sld>
 </file>
 
+<file path=ppt/slides/slide20.xml><?xml version="1.0" encoding="utf-8"?>
+<p:sld xmlns:a="http://schemas.openxmlformats.org/drawingml/2006/main" xmlns:r="http://schemas.openxmlformats.org/officeDocument/2006/relationships" xmlns:p="http://schemas.openxmlformats.org/presentationml/2006/main">
+  <p:cSld>
+    <p:bg>
+      <p:bgPr>
+        <a:solidFill>
+          <a:schemeClr val="bg1"/>
+        </a:solidFill>
+        <a:effectLst/>
+      </p:bgPr>
+    </p:bg>
+    <p:spTree>
+      <p:nvGrpSpPr>
+        <p:cNvPr id="1" name=""/>
+        <p:cNvGrpSpPr/>
+        <p:nvPr/>
+      </p:nvGrpSpPr>
+      <p:grpSpPr>
+        <a:xfrm>
+          <a:off x="0" y="0"/>
+          <a:ext cx="0" cy="0"/>
+          <a:chOff x="0" y="0"/>
+          <a:chExt cx="0" cy="0"/>
+        </a:xfrm>
+      </p:grpSpPr>
+      <p:sp>
+        <p:nvSpPr>
+          <p:cNvPr id="7" name="Rectangle 6">
+            <a:extLst>
+              <a:ext uri="{FF2B5EF4-FFF2-40B4-BE49-F238E27FC236}">
+                <a16:creationId xmlns:a16="http://schemas.microsoft.com/office/drawing/2014/main" id="{BD976C13-68E6-4E25-B13E-FC3A2D3F66E3}"/>
+              </a:ext>
+              <a:ext uri="{C183D7F6-B498-43B3-948B-1728B52AA6E4}">
+                <adec:decorative xmlns:adec="http://schemas.microsoft.com/office/drawing/2017/decorative" val="1"/>
+              </a:ext>
+            </a:extLst>
+          </p:cNvPr>
+          <p:cNvSpPr>
+            <a:spLocks noGrp="1" noRot="1" noChangeAspect="1" noMove="1" noResize="1" noEditPoints="1" noAdjustHandles="1" noChangeArrowheads="1" noChangeShapeType="1" noTextEdit="1"/>
+          </p:cNvSpPr>
+          <p:nvPr>
+            <p:extLst>
+              <p:ext uri="{386F3935-93C4-4BCD-93E2-E3B085C9AB24}">
+                <p16:designElem xmlns:p16="http://schemas.microsoft.com/office/powerpoint/2015/main" val="1"/>
+              </p:ext>
+            </p:extLst>
+          </p:nvPr>
+        </p:nvSpPr>
+        <p:spPr>
+          <a:xfrm>
+            <a:off x="0" y="0"/>
+            <a:ext cx="12192000" cy="6858000"/>
+          </a:xfrm>
+          <a:prstGeom prst="rect">
+            <a:avLst/>
+          </a:prstGeom>
+          <a:ln>
+            <a:noFill/>
+          </a:ln>
+        </p:spPr>
+        <p:style>
+          <a:lnRef idx="2">
+            <a:schemeClr val="accent1">
+              <a:shade val="50000"/>
+            </a:schemeClr>
+          </a:lnRef>
+          <a:fillRef idx="1">
+            <a:schemeClr val="accent1"/>
+          </a:fillRef>
+          <a:effectRef idx="0">
+            <a:schemeClr val="accent1"/>
+          </a:effectRef>
+          <a:fontRef idx="minor">
+            <a:schemeClr val="lt1"/>
+          </a:fontRef>
+        </p:style>
+      </p:sp>
+      <p:sp useBgFill="1">
+        <p:nvSpPr>
+          <p:cNvPr id="9" name="Rectangle 8">
+            <a:extLst>
+              <a:ext uri="{FF2B5EF4-FFF2-40B4-BE49-F238E27FC236}">
+                <a16:creationId xmlns:a16="http://schemas.microsoft.com/office/drawing/2014/main" id="{1E24A02E-5FD2-428E-A1E4-FDF96B0B6CE8}"/>
+              </a:ext>
+              <a:ext uri="{C183D7F6-B498-43B3-948B-1728B52AA6E4}">
+                <adec:decorative xmlns:adec="http://schemas.microsoft.com/office/drawing/2017/decorative" val="1"/>
+              </a:ext>
+            </a:extLst>
+          </p:cNvPr>
+          <p:cNvSpPr>
+            <a:spLocks noGrp="1" noRot="1" noChangeAspect="1" noMove="1" noResize="1" noEditPoints="1" noAdjustHandles="1" noChangeArrowheads="1" noChangeShapeType="1" noTextEdit="1"/>
+          </p:cNvSpPr>
+          <p:nvPr>
+            <p:extLst>
+              <p:ext uri="{386F3935-93C4-4BCD-93E2-E3B085C9AB24}">
+                <p16:designElem xmlns:p16="http://schemas.microsoft.com/office/powerpoint/2015/main" val="1"/>
+              </p:ext>
+            </p:extLst>
+          </p:nvPr>
+        </p:nvSpPr>
+        <p:spPr>
+          <a:xfrm>
+            <a:off x="0" y="0"/>
+            <a:ext cx="12192000" cy="6858000"/>
+          </a:xfrm>
+          <a:prstGeom prst="rect">
+            <a:avLst/>
+          </a:prstGeom>
+          <a:ln>
+            <a:noFill/>
+          </a:ln>
+        </p:spPr>
+        <p:style>
+          <a:lnRef idx="2">
+            <a:schemeClr val="accent1">
+              <a:shade val="50000"/>
+            </a:schemeClr>
+          </a:lnRef>
+          <a:fillRef idx="1">
+            <a:schemeClr val="accent1"/>
+          </a:fillRef>
+          <a:effectRef idx="0">
+            <a:schemeClr val="accent1"/>
+          </a:effectRef>
+          <a:fontRef idx="minor">
+            <a:schemeClr val="lt1"/>
+          </a:fontRef>
+        </p:style>
+        <p:txBody>
+          <a:bodyPr rtlCol="0" anchor="ctr"/>
+          <a:lstStyle/>
+          <a:p>
+            <a:pPr algn="ctr"/>
+            <a:endParaRPr lang="en-US"/>
+          </a:p>
+        </p:txBody>
+      </p:sp>
+      <p:sp>
+        <p:nvSpPr>
+          <p:cNvPr id="11" name="Rectangle 10">
+            <a:extLst>
+              <a:ext uri="{FF2B5EF4-FFF2-40B4-BE49-F238E27FC236}">
+                <a16:creationId xmlns:a16="http://schemas.microsoft.com/office/drawing/2014/main" id="{2808B93E-0C39-407B-943D-71F2BAFB4CB4}"/>
+              </a:ext>
+              <a:ext uri="{C183D7F6-B498-43B3-948B-1728B52AA6E4}">
+                <adec:decorative xmlns:adec="http://schemas.microsoft.com/office/drawing/2017/decorative" val="1"/>
+              </a:ext>
+            </a:extLst>
+          </p:cNvPr>
+          <p:cNvSpPr>
+            <a:spLocks noGrp="1" noRot="1" noChangeAspect="1" noMove="1" noResize="1" noEditPoints="1" noAdjustHandles="1" noChangeArrowheads="1" noChangeShapeType="1" noTextEdit="1"/>
+          </p:cNvSpPr>
+          <p:nvPr>
+            <p:extLst>
+              <p:ext uri="{386F3935-93C4-4BCD-93E2-E3B085C9AB24}">
+                <p16:designElem xmlns:p16="http://schemas.microsoft.com/office/powerpoint/2015/main" val="1"/>
+              </p:ext>
+            </p:extLst>
+          </p:nvPr>
+        </p:nvSpPr>
+        <p:spPr>
+          <a:xfrm>
+            <a:off x="0" y="0"/>
+            <a:ext cx="12192000" cy="6858000"/>
+          </a:xfrm>
+          <a:prstGeom prst="rect">
+            <a:avLst/>
+          </a:prstGeom>
+          <a:solidFill>
+            <a:srgbClr val="F2F2F2"/>
+          </a:solidFill>
+          <a:ln>
+            <a:noFill/>
+          </a:ln>
+        </p:spPr>
+        <p:style>
+          <a:lnRef idx="2">
+            <a:schemeClr val="accent1">
+              <a:shade val="50000"/>
+            </a:schemeClr>
+          </a:lnRef>
+          <a:fillRef idx="1">
+            <a:schemeClr val="accent1"/>
+          </a:fillRef>
+          <a:effectRef idx="0">
+            <a:schemeClr val="accent1"/>
+          </a:effectRef>
+          <a:fontRef idx="minor">
+            <a:schemeClr val="lt1"/>
+          </a:fontRef>
+        </p:style>
+        <p:txBody>
+          <a:bodyPr rtlCol="0" anchor="ctr"/>
+          <a:lstStyle/>
+          <a:p>
+            <a:pPr algn="ctr"/>
+            <a:endParaRPr lang="en-US"/>
+          </a:p>
+        </p:txBody>
+      </p:sp>
+      <p:sp>
+        <p:nvSpPr>
+          <p:cNvPr id="2" name="Title 1">
+            <a:extLst>
+              <a:ext uri="{FF2B5EF4-FFF2-40B4-BE49-F238E27FC236}">
+                <a16:creationId xmlns:a16="http://schemas.microsoft.com/office/drawing/2014/main" id="{0B0596D4-FECE-4E26-9D6E-5AC47021D4FB}"/>
+              </a:ext>
+            </a:extLst>
+          </p:cNvPr>
+          <p:cNvSpPr>
+            <a:spLocks noGrp="1"/>
+          </p:cNvSpPr>
+          <p:nvPr>
+            <p:ph type="title"/>
+          </p:nvPr>
+        </p:nvSpPr>
+        <p:spPr>
+          <a:xfrm>
+            <a:off x="603503" y="770466"/>
+            <a:ext cx="9292209" cy="4123267"/>
+          </a:xfrm>
+        </p:spPr>
+        <p:txBody>
+          <a:bodyPr vert="horz" lIns="91440" tIns="45720" rIns="91440" bIns="45720" rtlCol="0" anchor="b">
+            <a:normAutofit/>
+          </a:bodyPr>
+          <a:lstStyle/>
+          <a:p>
+            <a:pPr>
+              <a:lnSpc>
+                <a:spcPct val="80000"/>
+              </a:lnSpc>
+            </a:pPr>
+            <a:r>
+              <a:rPr lang="en-US" altLang="zh-CN" sz="9600">
+                <a:solidFill>
+                  <a:schemeClr val="accent1">
+                    <a:lumMod val="75000"/>
+                  </a:schemeClr>
+                </a:solidFill>
+              </a:rPr>
+              <a:t>Thanks!</a:t>
+            </a:r>
+          </a:p>
+        </p:txBody>
+      </p:sp>
+      <p:sp>
+        <p:nvSpPr>
+          <p:cNvPr id="13" name="Rectangle 12">
+            <a:extLst>
+              <a:ext uri="{FF2B5EF4-FFF2-40B4-BE49-F238E27FC236}">
+                <a16:creationId xmlns:a16="http://schemas.microsoft.com/office/drawing/2014/main" id="{7C7E1896-2992-48D4-85AC-95AB8AB147EA}"/>
+              </a:ext>
+              <a:ext uri="{C183D7F6-B498-43B3-948B-1728B52AA6E4}">
+                <adec:decorative xmlns:adec="http://schemas.microsoft.com/office/drawing/2017/decorative" val="1"/>
+              </a:ext>
+            </a:extLst>
+          </p:cNvPr>
+          <p:cNvSpPr>
+            <a:spLocks noGrp="1" noRot="1" noChangeAspect="1" noMove="1" noResize="1" noEditPoints="1" noAdjustHandles="1" noChangeArrowheads="1" noChangeShapeType="1" noTextEdit="1"/>
+          </p:cNvSpPr>
+          <p:nvPr>
+            <p:extLst>
+              <p:ext uri="{386F3935-93C4-4BCD-93E2-E3B085C9AB24}">
+                <p16:designElem xmlns:p16="http://schemas.microsoft.com/office/powerpoint/2015/main" val="1"/>
+              </p:ext>
+            </p:extLst>
+          </p:nvPr>
+        </p:nvSpPr>
+        <p:spPr>
+          <a:xfrm>
+            <a:off x="0" y="5215466"/>
+            <a:ext cx="12192000" cy="1642534"/>
+          </a:xfrm>
+          <a:prstGeom prst="rect">
+            <a:avLst/>
+          </a:prstGeom>
+          <a:solidFill>
+            <a:schemeClr val="accent1">
+              <a:lumMod val="75000"/>
+            </a:schemeClr>
+          </a:solidFill>
+          <a:ln>
+            <a:noFill/>
+          </a:ln>
+        </p:spPr>
+        <p:style>
+          <a:lnRef idx="2">
+            <a:schemeClr val="accent1">
+              <a:shade val="50000"/>
+            </a:schemeClr>
+          </a:lnRef>
+          <a:fillRef idx="1">
+            <a:schemeClr val="accent1"/>
+          </a:fillRef>
+          <a:effectRef idx="0">
+            <a:schemeClr val="accent1"/>
+          </a:effectRef>
+          <a:fontRef idx="minor">
+            <a:schemeClr val="lt1"/>
+          </a:fontRef>
+        </p:style>
+        <p:txBody>
+          <a:bodyPr rtlCol="0" anchor="ctr"/>
+          <a:lstStyle/>
+          <a:p>
+            <a:pPr algn="ctr"/>
+            <a:endParaRPr lang="en-US"/>
+          </a:p>
+        </p:txBody>
+      </p:sp>
+    </p:spTree>
+    <p:extLst>
+      <p:ext uri="{BB962C8B-B14F-4D97-AF65-F5344CB8AC3E}">
+        <p14:creationId xmlns:p14="http://schemas.microsoft.com/office/powerpoint/2010/main" val="227348378"/>
+      </p:ext>
+    </p:extLst>
+  </p:cSld>
+  <p:clrMapOvr>
+    <a:masterClrMapping/>
+  </p:clrMapOvr>
+</p:sld>
+</file>
+
 <file path=ppt/slides/slide3.xml><?xml version="1.0" encoding="utf-8"?>
 <p:sld xmlns:a="http://schemas.openxmlformats.org/drawingml/2006/main" xmlns:r="http://schemas.openxmlformats.org/officeDocument/2006/relationships" xmlns:p="http://schemas.openxmlformats.org/presentationml/2006/main">
   <p:cSld>
@@ -23077,6 +23440,296 @@
 </file>
 
 <file path=ppt/slides/slide5.xml><?xml version="1.0" encoding="utf-8"?>
+<p:sld xmlns:a="http://schemas.openxmlformats.org/drawingml/2006/main" xmlns:r="http://schemas.openxmlformats.org/officeDocument/2006/relationships" xmlns:p="http://schemas.openxmlformats.org/presentationml/2006/main">
+  <p:cSld>
+    <p:bg>
+      <p:bgPr>
+        <a:solidFill>
+          <a:schemeClr val="bg1"/>
+        </a:solidFill>
+        <a:effectLst/>
+      </p:bgPr>
+    </p:bg>
+    <p:spTree>
+      <p:nvGrpSpPr>
+        <p:cNvPr id="1" name=""/>
+        <p:cNvGrpSpPr/>
+        <p:nvPr/>
+      </p:nvGrpSpPr>
+      <p:grpSpPr>
+        <a:xfrm>
+          <a:off x="0" y="0"/>
+          <a:ext cx="0" cy="0"/>
+          <a:chOff x="0" y="0"/>
+          <a:chExt cx="0" cy="0"/>
+        </a:xfrm>
+      </p:grpSpPr>
+      <p:sp>
+        <p:nvSpPr>
+          <p:cNvPr id="8" name="Rectangle 7">
+            <a:extLst>
+              <a:ext uri="{FF2B5EF4-FFF2-40B4-BE49-F238E27FC236}">
+                <a16:creationId xmlns:a16="http://schemas.microsoft.com/office/drawing/2014/main" id="{AD6F6937-3B5A-4391-9F37-58A571B362A9}"/>
+              </a:ext>
+              <a:ext uri="{C183D7F6-B498-43B3-948B-1728B52AA6E4}">
+                <adec:decorative xmlns:adec="http://schemas.microsoft.com/office/drawing/2017/decorative" val="1"/>
+              </a:ext>
+            </a:extLst>
+          </p:cNvPr>
+          <p:cNvSpPr>
+            <a:spLocks noGrp="1" noRot="1" noChangeAspect="1" noMove="1" noResize="1" noEditPoints="1" noAdjustHandles="1" noChangeArrowheads="1" noChangeShapeType="1" noTextEdit="1"/>
+          </p:cNvSpPr>
+          <p:nvPr>
+            <p:extLst>
+              <p:ext uri="{386F3935-93C4-4BCD-93E2-E3B085C9AB24}">
+                <p16:designElem xmlns:p16="http://schemas.microsoft.com/office/powerpoint/2015/main" val="1"/>
+              </p:ext>
+            </p:extLst>
+          </p:nvPr>
+        </p:nvSpPr>
+        <p:spPr>
+          <a:xfrm>
+            <a:off x="0" y="0"/>
+            <a:ext cx="4059080" cy="6858000"/>
+          </a:xfrm>
+          <a:prstGeom prst="rect">
+            <a:avLst/>
+          </a:prstGeom>
+          <a:solidFill>
+            <a:schemeClr val="accent1"/>
+          </a:solidFill>
+          <a:ln>
+            <a:noFill/>
+          </a:ln>
+        </p:spPr>
+        <p:style>
+          <a:lnRef idx="2">
+            <a:schemeClr val="accent1">
+              <a:shade val="50000"/>
+            </a:schemeClr>
+          </a:lnRef>
+          <a:fillRef idx="1">
+            <a:schemeClr val="accent1"/>
+          </a:fillRef>
+          <a:effectRef idx="0">
+            <a:schemeClr val="accent1"/>
+          </a:effectRef>
+          <a:fontRef idx="minor">
+            <a:schemeClr val="lt1"/>
+          </a:fontRef>
+        </p:style>
+        <p:txBody>
+          <a:bodyPr rtlCol="0" anchor="ctr"/>
+          <a:lstStyle/>
+          <a:p>
+            <a:pPr algn="ctr"/>
+            <a:endParaRPr lang="en-US"/>
+          </a:p>
+        </p:txBody>
+      </p:sp>
+      <p:sp>
+        <p:nvSpPr>
+          <p:cNvPr id="2" name="Title 1">
+            <a:extLst>
+              <a:ext uri="{FF2B5EF4-FFF2-40B4-BE49-F238E27FC236}">
+                <a16:creationId xmlns:a16="http://schemas.microsoft.com/office/drawing/2014/main" id="{70B11480-DC07-4DA8-90BD-2BBECBB89784}"/>
+              </a:ext>
+            </a:extLst>
+          </p:cNvPr>
+          <p:cNvSpPr>
+            <a:spLocks noGrp="1"/>
+          </p:cNvSpPr>
+          <p:nvPr>
+            <p:ph type="title"/>
+          </p:nvPr>
+        </p:nvSpPr>
+        <p:spPr>
+          <a:xfrm>
+            <a:off x="657224" y="936711"/>
+            <a:ext cx="2988265" cy="4984578"/>
+          </a:xfrm>
+        </p:spPr>
+        <p:txBody>
+          <a:bodyPr>
+            <a:normAutofit/>
+          </a:bodyPr>
+          <a:lstStyle/>
+          <a:p>
+            <a:r>
+              <a:rPr lang="en-US" altLang="zh-CN" sz="4400">
+                <a:solidFill>
+                  <a:srgbClr val="FFFFFF"/>
+                </a:solidFill>
+              </a:rPr>
+              <a:t>User case</a:t>
+            </a:r>
+            <a:endParaRPr lang="zh-CN" altLang="en-US" sz="4400">
+              <a:solidFill>
+                <a:srgbClr val="FFFFFF"/>
+              </a:solidFill>
+            </a:endParaRPr>
+          </a:p>
+        </p:txBody>
+      </p:sp>
+      <p:sp>
+        <p:nvSpPr>
+          <p:cNvPr id="3" name="Content Placeholder 2">
+            <a:extLst>
+              <a:ext uri="{FF2B5EF4-FFF2-40B4-BE49-F238E27FC236}">
+                <a16:creationId xmlns:a16="http://schemas.microsoft.com/office/drawing/2014/main" id="{91BB9684-6BF2-4ED6-A979-8CDD6D3D8AED}"/>
+              </a:ext>
+            </a:extLst>
+          </p:cNvPr>
+          <p:cNvSpPr>
+            <a:spLocks noGrp="1"/>
+          </p:cNvSpPr>
+          <p:nvPr>
+            <p:ph idx="1"/>
+          </p:nvPr>
+        </p:nvSpPr>
+        <p:spPr>
+          <a:xfrm>
+            <a:off x="4614389" y="936711"/>
+            <a:ext cx="6815992" cy="4984578"/>
+          </a:xfrm>
+        </p:spPr>
+        <p:txBody>
+          <a:bodyPr anchor="ctr">
+            <a:normAutofit/>
+          </a:bodyPr>
+          <a:lstStyle/>
+          <a:p>
+            <a:r>
+              <a:rPr lang="en-US" altLang="zh-CN" sz="2200"/>
+              <a:t>Users: HRMS instrument users </a:t>
+            </a:r>
+          </a:p>
+          <a:p>
+            <a:r>
+              <a:rPr lang="en-US" altLang="zh-CN" sz="2200"/>
+              <a:t>Usage:</a:t>
+            </a:r>
+            <a:r>
+              <a:rPr lang="zh-CN" altLang="en-US" sz="2200"/>
+              <a:t> </a:t>
+            </a:r>
+            <a:endParaRPr lang="en-US" altLang="zh-CN" sz="2200"/>
+          </a:p>
+          <a:p>
+            <a:pPr lvl="1"/>
+            <a:r>
+              <a:rPr lang="en-US" altLang="zh-CN" sz="2200"/>
+              <a:t>Data</a:t>
+            </a:r>
+            <a:r>
+              <a:rPr lang="zh-CN" altLang="en-US" sz="2200"/>
+              <a:t> </a:t>
+            </a:r>
+            <a:r>
+              <a:rPr lang="en-US" altLang="zh-CN" sz="2200"/>
+              <a:t>import</a:t>
+            </a:r>
+          </a:p>
+          <a:p>
+            <a:pPr lvl="1"/>
+            <a:r>
+              <a:rPr lang="en-US" altLang="zh-CN" sz="2200"/>
+              <a:t>Translation to readable format</a:t>
+            </a:r>
+          </a:p>
+          <a:p>
+            <a:pPr lvl="1"/>
+            <a:r>
+              <a:rPr lang="en-US" altLang="zh-CN" sz="2200"/>
+              <a:t>Visualization</a:t>
+            </a:r>
+          </a:p>
+          <a:p>
+            <a:pPr lvl="1"/>
+            <a:r>
+              <a:rPr lang="en-US" altLang="zh-CN" sz="2200"/>
+              <a:t>Find end member</a:t>
+            </a:r>
+          </a:p>
+          <a:p>
+            <a:pPr lvl="1"/>
+            <a:r>
+              <a:rPr lang="en-US" altLang="zh-CN" sz="2200"/>
+              <a:t>Advanced analysis</a:t>
+            </a:r>
+          </a:p>
+          <a:p>
+            <a:r>
+              <a:rPr lang="en-US" altLang="zh-CN" sz="2200"/>
+              <a:t>Input data:</a:t>
+            </a:r>
+          </a:p>
+          <a:p>
+            <a:pPr lvl="1"/>
+            <a:r>
+              <a:rPr lang="en-US" altLang="zh-CN" sz="2200"/>
+              <a:t>Converted HRMS data in .</a:t>
+            </a:r>
+            <a:r>
+              <a:rPr lang="en-US" altLang="zh-CN" sz="2200" err="1"/>
+              <a:t>mzml</a:t>
+            </a:r>
+            <a:r>
+              <a:rPr lang="en-US" altLang="zh-CN" sz="2200"/>
+              <a:t> format</a:t>
+            </a:r>
+          </a:p>
+          <a:p>
+            <a:r>
+              <a:rPr lang="en-US" altLang="zh-CN" sz="2200"/>
+              <a:t>Outputs:</a:t>
+            </a:r>
+          </a:p>
+          <a:p>
+            <a:pPr lvl="1"/>
+            <a:r>
+              <a:rPr lang="en-US" altLang="zh-CN" sz="2200"/>
+              <a:t>Data report</a:t>
+            </a:r>
+          </a:p>
+          <a:p>
+            <a:pPr lvl="1"/>
+            <a:r>
+              <a:rPr lang="en-US" altLang="zh-CN" sz="2200"/>
+              <a:t>Visualization plots</a:t>
+            </a:r>
+          </a:p>
+          <a:p>
+            <a:pPr lvl="1"/>
+            <a:r>
+              <a:rPr lang="en-US" altLang="zh-CN" sz="2200"/>
+              <a:t>Data analysis results based on user settings</a:t>
+            </a:r>
+          </a:p>
+          <a:p>
+            <a:pPr lvl="1"/>
+            <a:endParaRPr lang="en-US" altLang="zh-CN" sz="2200"/>
+          </a:p>
+          <a:p>
+            <a:pPr lvl="1"/>
+            <a:endParaRPr lang="en-US" altLang="zh-CN" sz="2200"/>
+          </a:p>
+        </p:txBody>
+      </p:sp>
+    </p:spTree>
+    <p:extLst>
+      <p:ext uri="{BB962C8B-B14F-4D97-AF65-F5344CB8AC3E}">
+        <p14:creationId xmlns:p14="http://schemas.microsoft.com/office/powerpoint/2010/main" val="1185393893"/>
+      </p:ext>
+    </p:extLst>
+  </p:cSld>
+  <p:clrMapOvr>
+    <a:masterClrMapping/>
+  </p:clrMapOvr>
+</p:sld>
+</file>
+
+<file path=ppt/slides/slide6.xml><?xml version="1.0" encoding="utf-8"?>
 <p:sld xmlns:a="http://schemas.openxmlformats.org/drawingml/2006/main" xmlns:r="http://schemas.openxmlformats.org/officeDocument/2006/relationships" xmlns:p="http://schemas.openxmlformats.org/presentationml/2006/main">
   <p:cSld>
     <p:bg>
@@ -24036,7 +24689,7 @@
 </p:sld>
 </file>
 
-<file path=ppt/slides/slide6.xml><?xml version="1.0" encoding="utf-8"?>
+<file path=ppt/slides/slide7.xml><?xml version="1.0" encoding="utf-8"?>
 <p:sld xmlns:a="http://schemas.openxmlformats.org/drawingml/2006/main" xmlns:r="http://schemas.openxmlformats.org/officeDocument/2006/relationships" xmlns:p="http://schemas.openxmlformats.org/presentationml/2006/main">
   <p:cSld>
     <p:spTree>
@@ -24203,7 +24856,7 @@
 </p:sld>
 </file>
 
-<file path=ppt/slides/slide7.xml><?xml version="1.0" encoding="utf-8"?>
+<file path=ppt/slides/slide8.xml><?xml version="1.0" encoding="utf-8"?>
 <p:sld xmlns:a="http://schemas.openxmlformats.org/drawingml/2006/main" xmlns:r="http://schemas.openxmlformats.org/officeDocument/2006/relationships" xmlns:p="http://schemas.openxmlformats.org/presentationml/2006/main">
   <p:cSld>
     <p:bg>
@@ -24464,7 +25117,7 @@
 </p:sld>
 </file>
 
-<file path=ppt/slides/slide8.xml><?xml version="1.0" encoding="utf-8"?>
+<file path=ppt/slides/slide9.xml><?xml version="1.0" encoding="utf-8"?>
 <p:sld xmlns:a="http://schemas.openxmlformats.org/drawingml/2006/main" xmlns:r="http://schemas.openxmlformats.org/officeDocument/2006/relationships" xmlns:p="http://schemas.openxmlformats.org/presentationml/2006/main">
   <p:cSld>
     <p:bg>
@@ -24560,368 +25213,6 @@
     <p:extLst>
       <p:ext uri="{BB962C8B-B14F-4D97-AF65-F5344CB8AC3E}">
         <p14:creationId xmlns:p14="http://schemas.microsoft.com/office/powerpoint/2010/main" val="1867728301"/>
-      </p:ext>
-    </p:extLst>
-  </p:cSld>
-  <p:clrMapOvr>
-    <a:masterClrMapping/>
-  </p:clrMapOvr>
-</p:sld>
-</file>
-
-<file path=ppt/slides/slide9.xml><?xml version="1.0" encoding="utf-8"?>
-<p:sld xmlns:a="http://schemas.openxmlformats.org/drawingml/2006/main" xmlns:r="http://schemas.openxmlformats.org/officeDocument/2006/relationships" xmlns:p="http://schemas.openxmlformats.org/presentationml/2006/main">
-  <p:cSld>
-    <p:bg>
-      <p:bgPr>
-        <a:solidFill>
-          <a:schemeClr val="bg1"/>
-        </a:solidFill>
-        <a:effectLst/>
-      </p:bgPr>
-    </p:bg>
-    <p:spTree>
-      <p:nvGrpSpPr>
-        <p:cNvPr id="1" name=""/>
-        <p:cNvGrpSpPr/>
-        <p:nvPr/>
-      </p:nvGrpSpPr>
-      <p:grpSpPr>
-        <a:xfrm>
-          <a:off x="0" y="0"/>
-          <a:ext cx="0" cy="0"/>
-          <a:chOff x="0" y="0"/>
-          <a:chExt cx="0" cy="0"/>
-        </a:xfrm>
-      </p:grpSpPr>
-      <p:sp>
-        <p:nvSpPr>
-          <p:cNvPr id="15" name="Rectangle 14">
-            <a:extLst>
-              <a:ext uri="{FF2B5EF4-FFF2-40B4-BE49-F238E27FC236}">
-                <a16:creationId xmlns:a16="http://schemas.microsoft.com/office/drawing/2014/main" id="{B1CCD5EF-766D-43B9-A25D-19122E5FB181}"/>
-              </a:ext>
-              <a:ext uri="{C183D7F6-B498-43B3-948B-1728B52AA6E4}">
-                <adec:decorative xmlns:adec="http://schemas.microsoft.com/office/drawing/2017/decorative" val="1"/>
-              </a:ext>
-            </a:extLst>
-          </p:cNvPr>
-          <p:cNvSpPr>
-            <a:spLocks noGrp="1" noRot="1" noChangeAspect="1" noMove="1" noResize="1" noEditPoints="1" noAdjustHandles="1" noChangeArrowheads="1" noChangeShapeType="1" noTextEdit="1"/>
-          </p:cNvSpPr>
-          <p:nvPr>
-            <p:extLst>
-              <p:ext uri="{386F3935-93C4-4BCD-93E2-E3B085C9AB24}">
-                <p16:designElem xmlns:p16="http://schemas.microsoft.com/office/powerpoint/2015/main" val="1"/>
-              </p:ext>
-            </p:extLst>
-          </p:nvPr>
-        </p:nvSpPr>
-        <p:spPr>
-          <a:xfrm>
-            <a:off x="643467" y="643467"/>
-            <a:ext cx="10905065" cy="1989682"/>
-          </a:xfrm>
-          <a:prstGeom prst="rect">
-            <a:avLst/>
-          </a:prstGeom>
-          <a:solidFill>
-            <a:schemeClr val="accent1"/>
-          </a:solidFill>
-          <a:ln cap="sq">
-            <a:noFill/>
-            <a:miter lim="800000"/>
-          </a:ln>
-        </p:spPr>
-        <p:style>
-          <a:lnRef idx="2">
-            <a:schemeClr val="accent1">
-              <a:shade val="50000"/>
-            </a:schemeClr>
-          </a:lnRef>
-          <a:fillRef idx="1">
-            <a:schemeClr val="accent1"/>
-          </a:fillRef>
-          <a:effectRef idx="0">
-            <a:schemeClr val="accent1"/>
-          </a:effectRef>
-          <a:fontRef idx="minor">
-            <a:schemeClr val="lt1"/>
-          </a:fontRef>
-        </p:style>
-        <p:txBody>
-          <a:bodyPr rtlCol="0" anchor="ctr"/>
-          <a:lstStyle/>
-          <a:p>
-            <a:pPr algn="ctr"/>
-            <a:endParaRPr lang="en-US"/>
-          </a:p>
-        </p:txBody>
-      </p:sp>
-      <p:sp>
-        <p:nvSpPr>
-          <p:cNvPr id="17" name="Rectangle 16">
-            <a:extLst>
-              <a:ext uri="{FF2B5EF4-FFF2-40B4-BE49-F238E27FC236}">
-                <a16:creationId xmlns:a16="http://schemas.microsoft.com/office/drawing/2014/main" id="{FD9699C9-77F1-4E33-A750-CB78C7EA29E6}"/>
-              </a:ext>
-              <a:ext uri="{C183D7F6-B498-43B3-948B-1728B52AA6E4}">
-                <adec:decorative xmlns:adec="http://schemas.microsoft.com/office/drawing/2017/decorative" val="1"/>
-              </a:ext>
-            </a:extLst>
-          </p:cNvPr>
-          <p:cNvSpPr>
-            <a:spLocks noGrp="1" noRot="1" noChangeAspect="1" noMove="1" noResize="1" noEditPoints="1" noAdjustHandles="1" noChangeArrowheads="1" noChangeShapeType="1" noTextEdit="1"/>
-          </p:cNvSpPr>
-          <p:nvPr>
-            <p:extLst>
-              <p:ext uri="{386F3935-93C4-4BCD-93E2-E3B085C9AB24}">
-                <p16:designElem xmlns:p16="http://schemas.microsoft.com/office/powerpoint/2015/main" val="1"/>
-              </p:ext>
-            </p:extLst>
-          </p:nvPr>
-        </p:nvSpPr>
-        <p:spPr>
-          <a:xfrm>
-            <a:off x="806195" y="806204"/>
-            <a:ext cx="10579608" cy="1664208"/>
-          </a:xfrm>
-          <a:prstGeom prst="rect">
-            <a:avLst/>
-          </a:prstGeom>
-          <a:noFill/>
-          <a:ln cap="sq">
-            <a:solidFill>
-              <a:schemeClr val="bg1"/>
-            </a:solidFill>
-            <a:miter lim="800000"/>
-          </a:ln>
-        </p:spPr>
-        <p:style>
-          <a:lnRef idx="2">
-            <a:schemeClr val="accent1">
-              <a:shade val="50000"/>
-            </a:schemeClr>
-          </a:lnRef>
-          <a:fillRef idx="1">
-            <a:schemeClr val="accent1"/>
-          </a:fillRef>
-          <a:effectRef idx="0">
-            <a:schemeClr val="accent1"/>
-          </a:effectRef>
-          <a:fontRef idx="minor">
-            <a:schemeClr val="lt1"/>
-          </a:fontRef>
-        </p:style>
-        <p:txBody>
-          <a:bodyPr rtlCol="0" anchor="ctr"/>
-          <a:lstStyle/>
-          <a:p>
-            <a:pPr algn="ctr"/>
-            <a:endParaRPr lang="en-US"/>
-          </a:p>
-        </p:txBody>
-      </p:sp>
-      <p:sp>
-        <p:nvSpPr>
-          <p:cNvPr id="2" name="Title 1">
-            <a:extLst>
-              <a:ext uri="{FF2B5EF4-FFF2-40B4-BE49-F238E27FC236}">
-                <a16:creationId xmlns:a16="http://schemas.microsoft.com/office/drawing/2014/main" id="{659F1D8C-506F-412B-A3A2-61432E38C95C}"/>
-              </a:ext>
-            </a:extLst>
-          </p:cNvPr>
-          <p:cNvSpPr>
-            <a:spLocks noGrp="1"/>
-          </p:cNvSpPr>
-          <p:nvPr>
-            <p:ph type="title"/>
-          </p:nvPr>
-        </p:nvSpPr>
-        <p:spPr>
-          <a:xfrm>
-            <a:off x="1071846" y="1059736"/>
-            <a:ext cx="10040233" cy="1228130"/>
-          </a:xfrm>
-        </p:spPr>
-        <p:txBody>
-          <a:bodyPr vert="horz" lIns="91440" tIns="45720" rIns="91440" bIns="45720" rtlCol="0" anchor="ctr">
-            <a:normAutofit/>
-          </a:bodyPr>
-          <a:lstStyle/>
-          <a:p>
-            <a:r>
-              <a:rPr lang="en-US" altLang="zh-CN">
-                <a:solidFill>
-                  <a:srgbClr val="FFFFFF"/>
-                </a:solidFill>
-              </a:rPr>
-              <a:t>Modeling output</a:t>
-            </a:r>
-          </a:p>
-        </p:txBody>
-      </p:sp>
-      <p:sp>
-        <p:nvSpPr>
-          <p:cNvPr id="10" name="TextBox 9">
-            <a:extLst>
-              <a:ext uri="{FF2B5EF4-FFF2-40B4-BE49-F238E27FC236}">
-                <a16:creationId xmlns:a16="http://schemas.microsoft.com/office/drawing/2014/main" id="{F9C725A4-111A-4544-B4FF-85250A89FCA9}"/>
-              </a:ext>
-            </a:extLst>
-          </p:cNvPr>
-          <p:cNvSpPr txBox="1"/>
-          <p:nvPr/>
-        </p:nvSpPr>
-        <p:spPr>
-          <a:xfrm>
-            <a:off x="1071846" y="2973313"/>
-            <a:ext cx="10040233" cy="2903099"/>
-          </a:xfrm>
-          <a:prstGeom prst="rect">
-            <a:avLst/>
-          </a:prstGeom>
-        </p:spPr>
-        <p:txBody>
-          <a:bodyPr vert="horz" lIns="91440" tIns="45720" rIns="91440" bIns="45720" rtlCol="0">
-            <a:normAutofit/>
-          </a:bodyPr>
-          <a:lstStyle/>
-          <a:p>
-            <a:pPr defTabSz="914400">
-              <a:lnSpc>
-                <a:spcPct val="85000"/>
-              </a:lnSpc>
-              <a:spcAft>
-                <a:spcPts val="600"/>
-              </a:spcAft>
-              <a:buFont typeface="Arial" pitchFamily="34" charset="0"/>
-              <a:buChar char=" "/>
-            </a:pPr>
-            <a:r>
-              <a:rPr lang="en-US" altLang="zh-CN" dirty="0">
-                <a:solidFill>
-                  <a:schemeClr val="tx1">
-                    <a:lumMod val="85000"/>
-                    <a:lumOff val="15000"/>
-                  </a:schemeClr>
-                </a:solidFill>
-              </a:rPr>
-              <a:t>Based on the cluster information and model score, user can pick individual clusters for prediction.</a:t>
-            </a:r>
-          </a:p>
-        </p:txBody>
-      </p:sp>
-      <p:pic>
-        <p:nvPicPr>
-          <p:cNvPr id="13" name="Picture 12">
-            <a:extLst>
-              <a:ext uri="{FF2B5EF4-FFF2-40B4-BE49-F238E27FC236}">
-                <a16:creationId xmlns:a16="http://schemas.microsoft.com/office/drawing/2014/main" id="{840CE239-FC35-43EF-A06A-EEF4D084E6C5}"/>
-              </a:ext>
-            </a:extLst>
-          </p:cNvPr>
-          <p:cNvPicPr>
-            <a:picLocks noChangeAspect="1"/>
-          </p:cNvPicPr>
-          <p:nvPr/>
-        </p:nvPicPr>
-        <p:blipFill>
-          <a:blip r:embed="rId2"/>
-          <a:stretch>
-            <a:fillRect/>
-          </a:stretch>
-        </p:blipFill>
-        <p:spPr>
-          <a:xfrm>
-            <a:off x="171029" y="3290418"/>
-            <a:ext cx="6435045" cy="3446284"/>
-          </a:xfrm>
-          <a:prstGeom prst="rect">
-            <a:avLst/>
-          </a:prstGeom>
-        </p:spPr>
-      </p:pic>
-      <p:pic>
-        <p:nvPicPr>
-          <p:cNvPr id="14" name="Picture 2">
-            <a:extLst>
-              <a:ext uri="{FF2B5EF4-FFF2-40B4-BE49-F238E27FC236}">
-                <a16:creationId xmlns:a16="http://schemas.microsoft.com/office/drawing/2014/main" id="{1442F651-9B5E-4A33-A2C0-AD4529A8FC05}"/>
-              </a:ext>
-            </a:extLst>
-          </p:cNvPr>
-          <p:cNvPicPr>
-            <a:picLocks noChangeAspect="1" noChangeArrowheads="1"/>
-          </p:cNvPicPr>
-          <p:nvPr/>
-        </p:nvPicPr>
-        <p:blipFill>
-          <a:blip r:embed="rId3">
-            <a:extLst>
-              <a:ext uri="{28A0092B-C50C-407E-A947-70E740481C1C}">
-                <a14:useLocalDpi xmlns:a14="http://schemas.microsoft.com/office/drawing/2010/main" val="0"/>
-              </a:ext>
-            </a:extLst>
-          </a:blip>
-          <a:srcRect/>
-          <a:stretch>
-            <a:fillRect/>
-          </a:stretch>
-        </p:blipFill>
-        <p:spPr bwMode="auto">
-          <a:xfrm>
-            <a:off x="7657724" y="3290418"/>
-            <a:ext cx="3629025" cy="2362200"/>
-          </a:xfrm>
-          <a:prstGeom prst="rect">
-            <a:avLst/>
-          </a:prstGeom>
-          <a:noFill/>
-          <a:extLst>
-            <a:ext uri="{909E8E84-426E-40DD-AFC4-6F175D3DCCD1}">
-              <a14:hiddenFill xmlns:a14="http://schemas.microsoft.com/office/drawing/2010/main">
-                <a:solidFill>
-                  <a:srgbClr val="FFFFFF"/>
-                </a:solidFill>
-              </a14:hiddenFill>
-            </a:ext>
-          </a:extLst>
-        </p:spPr>
-      </p:pic>
-      <p:pic>
-        <p:nvPicPr>
-          <p:cNvPr id="16" name="Picture 15">
-            <a:extLst>
-              <a:ext uri="{FF2B5EF4-FFF2-40B4-BE49-F238E27FC236}">
-                <a16:creationId xmlns:a16="http://schemas.microsoft.com/office/drawing/2014/main" id="{7345388F-93DC-4531-A1F1-8F09780FE5EE}"/>
-              </a:ext>
-            </a:extLst>
-          </p:cNvPr>
-          <p:cNvPicPr>
-            <a:picLocks noChangeAspect="1"/>
-          </p:cNvPicPr>
-          <p:nvPr/>
-        </p:nvPicPr>
-        <p:blipFill rotWithShape="1">
-          <a:blip r:embed="rId4"/>
-          <a:srcRect r="26736"/>
-          <a:stretch/>
-        </p:blipFill>
-        <p:spPr>
-          <a:xfrm>
-            <a:off x="4052628" y="5724057"/>
-            <a:ext cx="7968343" cy="980952"/>
-          </a:xfrm>
-          <a:prstGeom prst="rect">
-            <a:avLst/>
-          </a:prstGeom>
-        </p:spPr>
-      </p:pic>
-    </p:spTree>
-    <p:extLst>
-      <p:ext uri="{BB962C8B-B14F-4D97-AF65-F5344CB8AC3E}">
-        <p14:creationId xmlns:p14="http://schemas.microsoft.com/office/powerpoint/2010/main" val="1070122799"/>
       </p:ext>
     </p:extLst>
   </p:cSld>

--- a/doc/20200623 Showcase.pptx
+++ b/doc/20200623 Showcase.pptx
@@ -5,7 +5,7 @@
     <p:sldMasterId id="2147483660" r:id="rId1"/>
   </p:sldMasterIdLst>
   <p:notesMasterIdLst>
-    <p:notesMasterId r:id="rId22"/>
+    <p:notesMasterId r:id="rId23"/>
   </p:notesMasterIdLst>
   <p:sldIdLst>
     <p:sldId id="256" r:id="rId2"/>
@@ -15,19 +15,20 @@
     <p:sldId id="283" r:id="rId6"/>
     <p:sldId id="271" r:id="rId7"/>
     <p:sldId id="272" r:id="rId8"/>
-    <p:sldId id="265" r:id="rId9"/>
-    <p:sldId id="280" r:id="rId10"/>
-    <p:sldId id="274" r:id="rId11"/>
-    <p:sldId id="282" r:id="rId12"/>
-    <p:sldId id="273" r:id="rId13"/>
-    <p:sldId id="277" r:id="rId14"/>
-    <p:sldId id="260" r:id="rId15"/>
-    <p:sldId id="278" r:id="rId16"/>
-    <p:sldId id="276" r:id="rId17"/>
-    <p:sldId id="261" r:id="rId18"/>
-    <p:sldId id="262" r:id="rId19"/>
-    <p:sldId id="269" r:id="rId20"/>
-    <p:sldId id="279" r:id="rId21"/>
+    <p:sldId id="284" r:id="rId9"/>
+    <p:sldId id="265" r:id="rId10"/>
+    <p:sldId id="280" r:id="rId11"/>
+    <p:sldId id="274" r:id="rId12"/>
+    <p:sldId id="282" r:id="rId13"/>
+    <p:sldId id="273" r:id="rId14"/>
+    <p:sldId id="277" r:id="rId15"/>
+    <p:sldId id="260" r:id="rId16"/>
+    <p:sldId id="278" r:id="rId17"/>
+    <p:sldId id="276" r:id="rId18"/>
+    <p:sldId id="261" r:id="rId19"/>
+    <p:sldId id="262" r:id="rId20"/>
+    <p:sldId id="269" r:id="rId21"/>
+    <p:sldId id="279" r:id="rId22"/>
   </p:sldIdLst>
   <p:sldSz cx="12192000" cy="6858000"/>
   <p:notesSz cx="6858000" cy="9144000"/>
@@ -135,6 +136,755 @@
 </file>
 
 <file path=ppt/diagrams/colors1.xml><?xml version="1.0" encoding="utf-8"?>
+<dgm:colorsDef xmlns:dgm="http://schemas.openxmlformats.org/drawingml/2006/diagram" xmlns:a="http://schemas.openxmlformats.org/drawingml/2006/main" uniqueId="urn:microsoft.com/office/officeart/2018/5/colors/Iconchunking_neutralbg_accent1_2">
+  <dgm:title val=""/>
+  <dgm:desc val=""/>
+  <dgm:catLst>
+    <dgm:cat type="accent1" pri="11200"/>
+  </dgm:catLst>
+  <dgm:styleLbl name="node0">
+    <dgm:fillClrLst meth="repeat">
+      <a:schemeClr val="accent1"/>
+    </dgm:fillClrLst>
+    <dgm:linClrLst meth="repeat">
+      <a:schemeClr val="lt1"/>
+    </dgm:linClrLst>
+    <dgm:effectClrLst/>
+    <dgm:txLinClrLst/>
+    <dgm:txFillClrLst/>
+    <dgm:txEffectClrLst/>
+  </dgm:styleLbl>
+  <dgm:styleLbl name="alignNode1">
+    <dgm:fillClrLst meth="repeat">
+      <a:schemeClr val="accent1"/>
+    </dgm:fillClrLst>
+    <dgm:linClrLst meth="repeat">
+      <a:schemeClr val="accent1"/>
+    </dgm:linClrLst>
+    <dgm:effectClrLst/>
+    <dgm:txLinClrLst/>
+    <dgm:txFillClrLst/>
+    <dgm:txEffectClrLst/>
+  </dgm:styleLbl>
+  <dgm:styleLbl name="node1">
+    <dgm:fillClrLst meth="repeat">
+      <a:schemeClr val="accent1"/>
+    </dgm:fillClrLst>
+    <dgm:linClrLst meth="repeat">
+      <a:schemeClr val="lt1">
+        <a:alpha val="0"/>
+      </a:schemeClr>
+    </dgm:linClrLst>
+    <dgm:effectClrLst/>
+    <dgm:txLinClrLst/>
+    <dgm:txFillClrLst/>
+    <dgm:txEffectClrLst/>
+  </dgm:styleLbl>
+  <dgm:styleLbl name="lnNode1">
+    <dgm:fillClrLst meth="repeat">
+      <a:schemeClr val="accent1"/>
+    </dgm:fillClrLst>
+    <dgm:linClrLst meth="repeat">
+      <a:schemeClr val="lt1"/>
+    </dgm:linClrLst>
+    <dgm:effectClrLst/>
+    <dgm:txLinClrLst/>
+    <dgm:txFillClrLst/>
+    <dgm:txEffectClrLst/>
+  </dgm:styleLbl>
+  <dgm:styleLbl name="vennNode1">
+    <dgm:fillClrLst meth="repeat">
+      <a:schemeClr val="accent1">
+        <a:alpha val="50000"/>
+      </a:schemeClr>
+    </dgm:fillClrLst>
+    <dgm:linClrLst meth="repeat">
+      <a:schemeClr val="lt1"/>
+    </dgm:linClrLst>
+    <dgm:effectClrLst/>
+    <dgm:txLinClrLst/>
+    <dgm:txFillClrLst/>
+    <dgm:txEffectClrLst/>
+  </dgm:styleLbl>
+  <dgm:styleLbl name="node2">
+    <dgm:fillClrLst meth="repeat">
+      <a:schemeClr val="accent1"/>
+    </dgm:fillClrLst>
+    <dgm:linClrLst meth="repeat">
+      <a:schemeClr val="lt1"/>
+    </dgm:linClrLst>
+    <dgm:effectClrLst/>
+    <dgm:txLinClrLst/>
+    <dgm:txFillClrLst/>
+    <dgm:txEffectClrLst/>
+  </dgm:styleLbl>
+  <dgm:styleLbl name="node3">
+    <dgm:fillClrLst meth="repeat">
+      <a:schemeClr val="accent1"/>
+    </dgm:fillClrLst>
+    <dgm:linClrLst meth="repeat">
+      <a:schemeClr val="lt1"/>
+    </dgm:linClrLst>
+    <dgm:effectClrLst/>
+    <dgm:txLinClrLst/>
+    <dgm:txFillClrLst/>
+    <dgm:txEffectClrLst/>
+  </dgm:styleLbl>
+  <dgm:styleLbl name="node4">
+    <dgm:fillClrLst meth="repeat">
+      <a:schemeClr val="accent1"/>
+    </dgm:fillClrLst>
+    <dgm:linClrLst meth="repeat">
+      <a:schemeClr val="lt1"/>
+    </dgm:linClrLst>
+    <dgm:effectClrLst/>
+    <dgm:txLinClrLst/>
+    <dgm:txFillClrLst/>
+    <dgm:txEffectClrLst/>
+  </dgm:styleLbl>
+  <dgm:styleLbl name="fgImgPlace1">
+    <dgm:fillClrLst meth="repeat">
+      <a:schemeClr val="accent1">
+        <a:tint val="50000"/>
+      </a:schemeClr>
+    </dgm:fillClrLst>
+    <dgm:linClrLst meth="repeat">
+      <a:schemeClr val="lt1"/>
+    </dgm:linClrLst>
+    <dgm:effectClrLst/>
+    <dgm:txLinClrLst/>
+    <dgm:txFillClrLst meth="repeat">
+      <a:schemeClr val="lt1"/>
+    </dgm:txFillClrLst>
+    <dgm:txEffectClrLst/>
+  </dgm:styleLbl>
+  <dgm:styleLbl name="alignImgPlace1">
+    <dgm:fillClrLst meth="repeat">
+      <a:schemeClr val="accent1">
+        <a:tint val="50000"/>
+      </a:schemeClr>
+    </dgm:fillClrLst>
+    <dgm:linClrLst meth="repeat">
+      <a:schemeClr val="lt1"/>
+    </dgm:linClrLst>
+    <dgm:effectClrLst/>
+    <dgm:txLinClrLst/>
+    <dgm:txFillClrLst meth="repeat">
+      <a:schemeClr val="lt1"/>
+    </dgm:txFillClrLst>
+    <dgm:txEffectClrLst/>
+  </dgm:styleLbl>
+  <dgm:styleLbl name="bgImgPlace1">
+    <dgm:fillClrLst meth="repeat">
+      <a:schemeClr val="accent1">
+        <a:tint val="50000"/>
+      </a:schemeClr>
+    </dgm:fillClrLst>
+    <dgm:linClrLst meth="repeat">
+      <a:schemeClr val="lt1"/>
+    </dgm:linClrLst>
+    <dgm:effectClrLst/>
+    <dgm:txLinClrLst/>
+    <dgm:txFillClrLst meth="repeat">
+      <a:schemeClr val="lt1"/>
+    </dgm:txFillClrLst>
+    <dgm:txEffectClrLst/>
+  </dgm:styleLbl>
+  <dgm:styleLbl name="sibTrans2D1">
+    <dgm:fillClrLst meth="repeat">
+      <a:schemeClr val="accent1">
+        <a:tint val="60000"/>
+      </a:schemeClr>
+    </dgm:fillClrLst>
+    <dgm:linClrLst meth="repeat">
+      <a:schemeClr val="accent1">
+        <a:tint val="60000"/>
+      </a:schemeClr>
+    </dgm:linClrLst>
+    <dgm:effectClrLst/>
+    <dgm:txLinClrLst/>
+    <dgm:txFillClrLst/>
+    <dgm:txEffectClrLst/>
+  </dgm:styleLbl>
+  <dgm:styleLbl name="fgSibTrans2D1">
+    <dgm:fillClrLst meth="repeat">
+      <a:schemeClr val="accent1">
+        <a:tint val="60000"/>
+      </a:schemeClr>
+    </dgm:fillClrLst>
+    <dgm:linClrLst meth="repeat">
+      <a:schemeClr val="accent1">
+        <a:tint val="60000"/>
+      </a:schemeClr>
+    </dgm:linClrLst>
+    <dgm:effectClrLst/>
+    <dgm:txLinClrLst/>
+    <dgm:txFillClrLst/>
+    <dgm:txEffectClrLst/>
+  </dgm:styleLbl>
+  <dgm:styleLbl name="bgSibTrans2D1">
+    <dgm:fillClrLst meth="repeat">
+      <a:schemeClr val="accent1">
+        <a:tint val="60000"/>
+      </a:schemeClr>
+    </dgm:fillClrLst>
+    <dgm:linClrLst meth="repeat">
+      <a:schemeClr val="accent1">
+        <a:tint val="60000"/>
+      </a:schemeClr>
+    </dgm:linClrLst>
+    <dgm:effectClrLst/>
+    <dgm:txLinClrLst/>
+    <dgm:txFillClrLst/>
+    <dgm:txEffectClrLst/>
+  </dgm:styleLbl>
+  <dgm:styleLbl name="sibTrans1D1">
+    <dgm:fillClrLst meth="repeat">
+      <a:schemeClr val="accent1"/>
+    </dgm:fillClrLst>
+    <dgm:linClrLst meth="repeat">
+      <a:schemeClr val="accent1"/>
+    </dgm:linClrLst>
+    <dgm:effectClrLst/>
+    <dgm:txLinClrLst/>
+    <dgm:txFillClrLst meth="repeat">
+      <a:schemeClr val="tx1"/>
+    </dgm:txFillClrLst>
+    <dgm:txEffectClrLst/>
+  </dgm:styleLbl>
+  <dgm:styleLbl name="callout">
+    <dgm:fillClrLst meth="repeat">
+      <a:schemeClr val="accent1"/>
+    </dgm:fillClrLst>
+    <dgm:linClrLst meth="repeat">
+      <a:schemeClr val="accent1">
+        <a:tint val="50000"/>
+      </a:schemeClr>
+    </dgm:linClrLst>
+    <dgm:effectClrLst/>
+    <dgm:txLinClrLst/>
+    <dgm:txFillClrLst meth="repeat">
+      <a:schemeClr val="tx1"/>
+    </dgm:txFillClrLst>
+    <dgm:txEffectClrLst/>
+  </dgm:styleLbl>
+  <dgm:styleLbl name="asst0">
+    <dgm:fillClrLst meth="repeat">
+      <a:schemeClr val="accent1"/>
+    </dgm:fillClrLst>
+    <dgm:linClrLst meth="repeat">
+      <a:schemeClr val="lt1"/>
+    </dgm:linClrLst>
+    <dgm:effectClrLst/>
+    <dgm:txLinClrLst/>
+    <dgm:txFillClrLst/>
+    <dgm:txEffectClrLst/>
+  </dgm:styleLbl>
+  <dgm:styleLbl name="asst1">
+    <dgm:fillClrLst meth="repeat">
+      <a:schemeClr val="accent1"/>
+    </dgm:fillClrLst>
+    <dgm:linClrLst meth="repeat">
+      <a:schemeClr val="lt1"/>
+    </dgm:linClrLst>
+    <dgm:effectClrLst/>
+    <dgm:txLinClrLst/>
+    <dgm:txFillClrLst/>
+    <dgm:txEffectClrLst/>
+  </dgm:styleLbl>
+  <dgm:styleLbl name="asst2">
+    <dgm:fillClrLst meth="repeat">
+      <a:schemeClr val="accent1"/>
+    </dgm:fillClrLst>
+    <dgm:linClrLst meth="repeat">
+      <a:schemeClr val="lt1"/>
+    </dgm:linClrLst>
+    <dgm:effectClrLst/>
+    <dgm:txLinClrLst/>
+    <dgm:txFillClrLst/>
+    <dgm:txEffectClrLst/>
+  </dgm:styleLbl>
+  <dgm:styleLbl name="asst3">
+    <dgm:fillClrLst meth="repeat">
+      <a:schemeClr val="accent1"/>
+    </dgm:fillClrLst>
+    <dgm:linClrLst meth="repeat">
+      <a:schemeClr val="lt1"/>
+    </dgm:linClrLst>
+    <dgm:effectClrLst/>
+    <dgm:txLinClrLst/>
+    <dgm:txFillClrLst/>
+    <dgm:txEffectClrLst/>
+  </dgm:styleLbl>
+  <dgm:styleLbl name="asst4">
+    <dgm:fillClrLst meth="repeat">
+      <a:schemeClr val="accent1"/>
+    </dgm:fillClrLst>
+    <dgm:linClrLst meth="repeat">
+      <a:schemeClr val="lt1"/>
+    </dgm:linClrLst>
+    <dgm:effectClrLst/>
+    <dgm:txLinClrLst/>
+    <dgm:txFillClrLst/>
+    <dgm:txEffectClrLst/>
+  </dgm:styleLbl>
+  <dgm:styleLbl name="parChTrans2D1">
+    <dgm:fillClrLst meth="repeat">
+      <a:schemeClr val="accent1">
+        <a:tint val="60000"/>
+      </a:schemeClr>
+    </dgm:fillClrLst>
+    <dgm:linClrLst meth="repeat">
+      <a:schemeClr val="accent1">
+        <a:tint val="60000"/>
+      </a:schemeClr>
+    </dgm:linClrLst>
+    <dgm:effectClrLst/>
+    <dgm:txLinClrLst/>
+    <dgm:txFillClrLst meth="repeat">
+      <a:schemeClr val="lt1"/>
+    </dgm:txFillClrLst>
+    <dgm:txEffectClrLst/>
+  </dgm:styleLbl>
+  <dgm:styleLbl name="parChTrans2D2">
+    <dgm:fillClrLst meth="repeat">
+      <a:schemeClr val="accent1"/>
+    </dgm:fillClrLst>
+    <dgm:linClrLst meth="repeat">
+      <a:schemeClr val="accent1"/>
+    </dgm:linClrLst>
+    <dgm:effectClrLst/>
+    <dgm:txLinClrLst/>
+    <dgm:txFillClrLst meth="repeat">
+      <a:schemeClr val="lt1"/>
+    </dgm:txFillClrLst>
+    <dgm:txEffectClrLst/>
+  </dgm:styleLbl>
+  <dgm:styleLbl name="parChTrans2D3">
+    <dgm:fillClrLst meth="repeat">
+      <a:schemeClr val="accent1"/>
+    </dgm:fillClrLst>
+    <dgm:linClrLst meth="repeat">
+      <a:schemeClr val="accent1"/>
+    </dgm:linClrLst>
+    <dgm:effectClrLst/>
+    <dgm:txLinClrLst/>
+    <dgm:txFillClrLst meth="repeat">
+      <a:schemeClr val="lt1"/>
+    </dgm:txFillClrLst>
+    <dgm:txEffectClrLst/>
+  </dgm:styleLbl>
+  <dgm:styleLbl name="parChTrans2D4">
+    <dgm:fillClrLst meth="repeat">
+      <a:schemeClr val="accent1"/>
+    </dgm:fillClrLst>
+    <dgm:linClrLst meth="repeat">
+      <a:schemeClr val="accent1"/>
+    </dgm:linClrLst>
+    <dgm:effectClrLst/>
+    <dgm:txLinClrLst/>
+    <dgm:txFillClrLst meth="repeat">
+      <a:schemeClr val="lt1"/>
+    </dgm:txFillClrLst>
+    <dgm:txEffectClrLst/>
+  </dgm:styleLbl>
+  <dgm:styleLbl name="parChTrans1D1">
+    <dgm:fillClrLst meth="repeat">
+      <a:schemeClr val="accent1"/>
+    </dgm:fillClrLst>
+    <dgm:linClrLst meth="repeat">
+      <a:schemeClr val="accent1">
+        <a:shade val="60000"/>
+      </a:schemeClr>
+    </dgm:linClrLst>
+    <dgm:effectClrLst/>
+    <dgm:txLinClrLst/>
+    <dgm:txFillClrLst meth="repeat">
+      <a:schemeClr val="tx1"/>
+    </dgm:txFillClrLst>
+    <dgm:txEffectClrLst/>
+  </dgm:styleLbl>
+  <dgm:styleLbl name="parChTrans1D2">
+    <dgm:fillClrLst meth="repeat">
+      <a:schemeClr val="accent1"/>
+    </dgm:fillClrLst>
+    <dgm:linClrLst meth="repeat">
+      <a:schemeClr val="accent1">
+        <a:shade val="60000"/>
+      </a:schemeClr>
+    </dgm:linClrLst>
+    <dgm:effectClrLst/>
+    <dgm:txLinClrLst/>
+    <dgm:txFillClrLst meth="repeat">
+      <a:schemeClr val="tx1"/>
+    </dgm:txFillClrLst>
+    <dgm:txEffectClrLst/>
+  </dgm:styleLbl>
+  <dgm:styleLbl name="parChTrans1D3">
+    <dgm:fillClrLst meth="repeat">
+      <a:schemeClr val="accent1"/>
+    </dgm:fillClrLst>
+    <dgm:linClrLst meth="repeat">
+      <a:schemeClr val="accent1">
+        <a:shade val="80000"/>
+      </a:schemeClr>
+    </dgm:linClrLst>
+    <dgm:effectClrLst/>
+    <dgm:txLinClrLst/>
+    <dgm:txFillClrLst meth="repeat">
+      <a:schemeClr val="tx1"/>
+    </dgm:txFillClrLst>
+    <dgm:txEffectClrLst/>
+  </dgm:styleLbl>
+  <dgm:styleLbl name="parChTrans1D4">
+    <dgm:fillClrLst meth="repeat">
+      <a:schemeClr val="accent1"/>
+    </dgm:fillClrLst>
+    <dgm:linClrLst meth="repeat">
+      <a:schemeClr val="accent1">
+        <a:shade val="80000"/>
+      </a:schemeClr>
+    </dgm:linClrLst>
+    <dgm:effectClrLst/>
+    <dgm:txLinClrLst/>
+    <dgm:txFillClrLst meth="repeat">
+      <a:schemeClr val="tx1"/>
+    </dgm:txFillClrLst>
+    <dgm:txEffectClrLst/>
+  </dgm:styleLbl>
+  <dgm:styleLbl name="fgAcc1">
+    <dgm:fillClrLst meth="repeat">
+      <a:schemeClr val="lt1">
+        <a:alpha val="90000"/>
+      </a:schemeClr>
+    </dgm:fillClrLst>
+    <dgm:linClrLst meth="repeat">
+      <a:schemeClr val="accent1"/>
+    </dgm:linClrLst>
+    <dgm:effectClrLst/>
+    <dgm:txLinClrLst/>
+    <dgm:txFillClrLst meth="repeat">
+      <a:schemeClr val="dk1"/>
+    </dgm:txFillClrLst>
+    <dgm:txEffectClrLst/>
+  </dgm:styleLbl>
+  <dgm:styleLbl name="conFgAcc1">
+    <dgm:fillClrLst meth="repeat">
+      <a:schemeClr val="lt1">
+        <a:alpha val="90000"/>
+      </a:schemeClr>
+    </dgm:fillClrLst>
+    <dgm:linClrLst meth="repeat">
+      <a:schemeClr val="accent1"/>
+    </dgm:linClrLst>
+    <dgm:effectClrLst/>
+    <dgm:txLinClrLst/>
+    <dgm:txFillClrLst meth="repeat">
+      <a:schemeClr val="dk1"/>
+    </dgm:txFillClrLst>
+    <dgm:txEffectClrLst/>
+  </dgm:styleLbl>
+  <dgm:styleLbl name="alignAcc1">
+    <dgm:fillClrLst meth="repeat">
+      <a:schemeClr val="lt1">
+        <a:alpha val="90000"/>
+      </a:schemeClr>
+    </dgm:fillClrLst>
+    <dgm:linClrLst meth="repeat">
+      <a:schemeClr val="accent1"/>
+    </dgm:linClrLst>
+    <dgm:effectClrLst/>
+    <dgm:txLinClrLst/>
+    <dgm:txFillClrLst meth="repeat">
+      <a:schemeClr val="dk1"/>
+    </dgm:txFillClrLst>
+    <dgm:txEffectClrLst/>
+  </dgm:styleLbl>
+  <dgm:styleLbl name="trAlignAcc1">
+    <dgm:fillClrLst meth="repeat">
+      <a:schemeClr val="lt1">
+        <a:alpha val="40000"/>
+      </a:schemeClr>
+    </dgm:fillClrLst>
+    <dgm:linClrLst meth="repeat">
+      <a:schemeClr val="accent1"/>
+    </dgm:linClrLst>
+    <dgm:effectClrLst/>
+    <dgm:txLinClrLst/>
+    <dgm:txFillClrLst meth="repeat">
+      <a:schemeClr val="dk1"/>
+    </dgm:txFillClrLst>
+    <dgm:txEffectClrLst/>
+  </dgm:styleLbl>
+  <dgm:styleLbl name="bgAcc1">
+    <dgm:fillClrLst meth="repeat">
+      <a:schemeClr val="lt1">
+        <a:alpha val="90000"/>
+      </a:schemeClr>
+    </dgm:fillClrLst>
+    <dgm:linClrLst meth="repeat">
+      <a:schemeClr val="accent1"/>
+    </dgm:linClrLst>
+    <dgm:effectClrLst/>
+    <dgm:txLinClrLst/>
+    <dgm:txFillClrLst meth="repeat">
+      <a:schemeClr val="dk1"/>
+    </dgm:txFillClrLst>
+    <dgm:txEffectClrLst/>
+  </dgm:styleLbl>
+  <dgm:styleLbl name="solidFgAcc1">
+    <dgm:fillClrLst meth="repeat">
+      <a:schemeClr val="lt1"/>
+    </dgm:fillClrLst>
+    <dgm:linClrLst meth="repeat">
+      <a:schemeClr val="accent1"/>
+    </dgm:linClrLst>
+    <dgm:effectClrLst/>
+    <dgm:txLinClrLst/>
+    <dgm:txFillClrLst meth="repeat">
+      <a:schemeClr val="dk1"/>
+    </dgm:txFillClrLst>
+    <dgm:txEffectClrLst/>
+  </dgm:styleLbl>
+  <dgm:styleLbl name="solidAlignAcc1">
+    <dgm:fillClrLst meth="repeat">
+      <a:schemeClr val="lt1"/>
+    </dgm:fillClrLst>
+    <dgm:linClrLst meth="repeat">
+      <a:schemeClr val="accent1"/>
+    </dgm:linClrLst>
+    <dgm:effectClrLst/>
+    <dgm:txLinClrLst/>
+    <dgm:txFillClrLst meth="repeat">
+      <a:schemeClr val="dk1"/>
+    </dgm:txFillClrLst>
+    <dgm:txEffectClrLst/>
+  </dgm:styleLbl>
+  <dgm:styleLbl name="solidBgAcc1">
+    <dgm:fillClrLst meth="repeat">
+      <a:schemeClr val="lt1"/>
+    </dgm:fillClrLst>
+    <dgm:linClrLst meth="repeat">
+      <a:schemeClr val="accent1"/>
+    </dgm:linClrLst>
+    <dgm:effectClrLst/>
+    <dgm:txLinClrLst/>
+    <dgm:txFillClrLst meth="repeat">
+      <a:schemeClr val="dk1"/>
+    </dgm:txFillClrLst>
+    <dgm:txEffectClrLst/>
+  </dgm:styleLbl>
+  <dgm:styleLbl name="fgAccFollowNode1">
+    <dgm:fillClrLst meth="repeat">
+      <a:schemeClr val="accent1">
+        <a:alpha val="90000"/>
+        <a:tint val="40000"/>
+      </a:schemeClr>
+    </dgm:fillClrLst>
+    <dgm:linClrLst meth="repeat">
+      <a:schemeClr val="accent1">
+        <a:alpha val="90000"/>
+        <a:tint val="40000"/>
+      </a:schemeClr>
+    </dgm:linClrLst>
+    <dgm:effectClrLst/>
+    <dgm:txLinClrLst/>
+    <dgm:txFillClrLst meth="repeat">
+      <a:schemeClr val="dk1"/>
+    </dgm:txFillClrLst>
+    <dgm:txEffectClrLst/>
+  </dgm:styleLbl>
+  <dgm:styleLbl name="alignAccFollowNode1">
+    <dgm:fillClrLst meth="repeat">
+      <a:schemeClr val="accent1">
+        <a:alpha val="90000"/>
+        <a:tint val="40000"/>
+      </a:schemeClr>
+    </dgm:fillClrLst>
+    <dgm:linClrLst meth="repeat">
+      <a:schemeClr val="accent1">
+        <a:alpha val="90000"/>
+        <a:tint val="40000"/>
+      </a:schemeClr>
+    </dgm:linClrLst>
+    <dgm:effectClrLst/>
+    <dgm:txLinClrLst/>
+    <dgm:txFillClrLst meth="repeat">
+      <a:schemeClr val="dk1"/>
+    </dgm:txFillClrLst>
+    <dgm:txEffectClrLst/>
+  </dgm:styleLbl>
+  <dgm:styleLbl name="bgAccFollowNode1">
+    <dgm:fillClrLst meth="repeat">
+      <a:schemeClr val="accent1">
+        <a:alpha val="90000"/>
+        <a:tint val="40000"/>
+      </a:schemeClr>
+    </dgm:fillClrLst>
+    <dgm:linClrLst meth="repeat">
+      <a:schemeClr val="accent1">
+        <a:alpha val="90000"/>
+        <a:tint val="40000"/>
+      </a:schemeClr>
+    </dgm:linClrLst>
+    <dgm:effectClrLst/>
+    <dgm:txLinClrLst/>
+    <dgm:txFillClrLst meth="repeat">
+      <a:schemeClr val="dk1"/>
+    </dgm:txFillClrLst>
+    <dgm:txEffectClrLst/>
+  </dgm:styleLbl>
+  <dgm:styleLbl name="fgAcc0">
+    <dgm:fillClrLst meth="repeat">
+      <a:schemeClr val="lt1">
+        <a:alpha val="90000"/>
+      </a:schemeClr>
+    </dgm:fillClrLst>
+    <dgm:linClrLst meth="repeat">
+      <a:schemeClr val="accent1"/>
+    </dgm:linClrLst>
+    <dgm:effectClrLst/>
+    <dgm:txLinClrLst/>
+    <dgm:txFillClrLst meth="repeat">
+      <a:schemeClr val="dk1"/>
+    </dgm:txFillClrLst>
+    <dgm:txEffectClrLst/>
+  </dgm:styleLbl>
+  <dgm:styleLbl name="fgAcc2">
+    <dgm:fillClrLst meth="repeat">
+      <a:schemeClr val="lt1">
+        <a:alpha val="90000"/>
+      </a:schemeClr>
+    </dgm:fillClrLst>
+    <dgm:linClrLst meth="repeat">
+      <a:schemeClr val="accent1"/>
+    </dgm:linClrLst>
+    <dgm:effectClrLst/>
+    <dgm:txLinClrLst/>
+    <dgm:txFillClrLst meth="repeat">
+      <a:schemeClr val="dk1"/>
+    </dgm:txFillClrLst>
+    <dgm:txEffectClrLst/>
+  </dgm:styleLbl>
+  <dgm:styleLbl name="fgAcc3">
+    <dgm:fillClrLst meth="repeat">
+      <a:schemeClr val="lt1">
+        <a:alpha val="90000"/>
+      </a:schemeClr>
+    </dgm:fillClrLst>
+    <dgm:linClrLst meth="repeat">
+      <a:schemeClr val="accent1"/>
+    </dgm:linClrLst>
+    <dgm:effectClrLst/>
+    <dgm:txLinClrLst/>
+    <dgm:txFillClrLst meth="repeat">
+      <a:schemeClr val="dk1"/>
+    </dgm:txFillClrLst>
+    <dgm:txEffectClrLst/>
+  </dgm:styleLbl>
+  <dgm:styleLbl name="fgAcc4">
+    <dgm:fillClrLst meth="repeat">
+      <a:schemeClr val="lt1">
+        <a:alpha val="90000"/>
+      </a:schemeClr>
+    </dgm:fillClrLst>
+    <dgm:linClrLst meth="repeat">
+      <a:schemeClr val="accent1"/>
+    </dgm:linClrLst>
+    <dgm:effectClrLst/>
+    <dgm:txLinClrLst/>
+    <dgm:txFillClrLst meth="repeat">
+      <a:schemeClr val="dk1"/>
+    </dgm:txFillClrLst>
+    <dgm:txEffectClrLst/>
+  </dgm:styleLbl>
+  <dgm:styleLbl name="bgShp">
+    <dgm:fillClrLst meth="repeat">
+      <a:schemeClr val="bg1">
+        <a:lumMod val="95000"/>
+      </a:schemeClr>
+    </dgm:fillClrLst>
+    <dgm:linClrLst meth="repeat">
+      <a:schemeClr val="accent1"/>
+    </dgm:linClrLst>
+    <dgm:effectClrLst/>
+    <dgm:txLinClrLst/>
+    <dgm:txFillClrLst meth="repeat">
+      <a:schemeClr val="dk1"/>
+    </dgm:txFillClrLst>
+    <dgm:txEffectClrLst/>
+  </dgm:styleLbl>
+  <dgm:styleLbl name="dkBgShp">
+    <dgm:fillClrLst meth="repeat">
+      <a:schemeClr val="accent1">
+        <a:shade val="80000"/>
+      </a:schemeClr>
+    </dgm:fillClrLst>
+    <dgm:linClrLst meth="repeat">
+      <a:schemeClr val="accent1"/>
+    </dgm:linClrLst>
+    <dgm:effectClrLst/>
+    <dgm:txLinClrLst/>
+    <dgm:txFillClrLst meth="repeat">
+      <a:schemeClr val="lt1"/>
+    </dgm:txFillClrLst>
+    <dgm:txEffectClrLst/>
+  </dgm:styleLbl>
+  <dgm:styleLbl name="trBgShp">
+    <dgm:fillClrLst meth="repeat">
+      <a:schemeClr val="accent1">
+        <a:tint val="50000"/>
+        <a:alpha val="40000"/>
+      </a:schemeClr>
+    </dgm:fillClrLst>
+    <dgm:linClrLst meth="repeat">
+      <a:schemeClr val="accent1"/>
+    </dgm:linClrLst>
+    <dgm:effectClrLst/>
+    <dgm:txLinClrLst/>
+    <dgm:txFillClrLst meth="repeat">
+      <a:schemeClr val="lt1"/>
+    </dgm:txFillClrLst>
+    <dgm:txEffectClrLst/>
+  </dgm:styleLbl>
+  <dgm:styleLbl name="fgShp">
+    <dgm:fillClrLst meth="repeat">
+      <a:schemeClr val="accent1">
+        <a:tint val="60000"/>
+      </a:schemeClr>
+    </dgm:fillClrLst>
+    <dgm:linClrLst meth="repeat">
+      <a:schemeClr val="lt1"/>
+    </dgm:linClrLst>
+    <dgm:effectClrLst/>
+    <dgm:txLinClrLst/>
+    <dgm:txFillClrLst meth="repeat">
+      <a:schemeClr val="dk1"/>
+    </dgm:txFillClrLst>
+    <dgm:txEffectClrLst/>
+  </dgm:styleLbl>
+  <dgm:styleLbl name="revTx">
+    <dgm:fillClrLst meth="repeat">
+      <a:schemeClr val="lt1">
+        <a:alpha val="0"/>
+      </a:schemeClr>
+    </dgm:fillClrLst>
+    <dgm:linClrLst meth="repeat">
+      <a:schemeClr val="dk1">
+        <a:alpha val="0"/>
+      </a:schemeClr>
+    </dgm:linClrLst>
+    <dgm:effectClrLst/>
+    <dgm:txLinClrLst/>
+    <dgm:txFillClrLst meth="repeat">
+      <a:schemeClr val="tx1"/>
+    </dgm:txFillClrLst>
+    <dgm:txEffectClrLst/>
+  </dgm:styleLbl>
+</dgm:colorsDef>
+</file>
+
+<file path=ppt/diagrams/colors2.xml><?xml version="1.0" encoding="utf-8"?>
 <dgm:colorsDef xmlns:dgm="http://schemas.openxmlformats.org/drawingml/2006/diagram" xmlns:a="http://schemas.openxmlformats.org/drawingml/2006/main" uniqueId="urn:microsoft.com/office/officeart/2018/5/colors/Iconchunking_neutralbg_colorful1">
   <dgm:title val=""/>
   <dgm:desc val=""/>
@@ -1055,7 +1805,7 @@
 </dgm:colorsDef>
 </file>
 
-<file path=ppt/diagrams/colors2.xml><?xml version="1.0" encoding="utf-8"?>
+<file path=ppt/diagrams/colors3.xml><?xml version="1.0" encoding="utf-8"?>
 <dgm:colorsDef xmlns:dgm="http://schemas.openxmlformats.org/drawingml/2006/diagram" xmlns:a="http://schemas.openxmlformats.org/drawingml/2006/main" uniqueId="urn:microsoft.com/office/officeart/2005/8/colors/colorful5">
   <dgm:title val=""/>
   <dgm:desc val=""/>
@@ -1837,43 +2587,31 @@
 </dgm:colorsDef>
 </file>
 
-<file path=ppt/diagrams/colors3.xml><?xml version="1.0" encoding="utf-8"?>
-<dgm:colorsDef xmlns:dgm="http://schemas.openxmlformats.org/drawingml/2006/diagram" xmlns:a="http://schemas.openxmlformats.org/drawingml/2006/main" uniqueId="urn:microsoft.com/office/officeart/2018/5/colors/Iconchunking_neutralbg_accent0_3">
+<file path=ppt/diagrams/colors4.xml><?xml version="1.0" encoding="utf-8"?>
+<dgm:colorsDef xmlns:dgm="http://schemas.openxmlformats.org/drawingml/2006/diagram" xmlns:a="http://schemas.openxmlformats.org/drawingml/2006/main" uniqueId="urn:microsoft.com/office/officeart/2018/5/colors/Iconchunking_neutralbg_accent6_2">
   <dgm:title val=""/>
   <dgm:desc val=""/>
   <dgm:catLst>
-    <dgm:cat type="mainScheme" pri="10300"/>
+    <dgm:cat type="accent6" pri="16200"/>
   </dgm:catLst>
   <dgm:styleLbl name="node0">
     <dgm:fillClrLst meth="repeat">
-      <a:schemeClr val="dk2"/>
+      <a:schemeClr val="accent6"/>
     </dgm:fillClrLst>
     <dgm:linClrLst meth="repeat">
-      <a:schemeClr val="lt2"/>
+      <a:schemeClr val="lt1"/>
     </dgm:linClrLst>
     <dgm:effectClrLst/>
     <dgm:txLinClrLst/>
     <dgm:txFillClrLst/>
     <dgm:txEffectClrLst/>
   </dgm:styleLbl>
-  <dgm:styleLbl name="alignNode1">
+  <dgm:styleLbl name="node1">
     <dgm:fillClrLst meth="repeat">
-      <a:schemeClr val="dk2"/>
+      <a:schemeClr val="accent6"/>
     </dgm:fillClrLst>
     <dgm:linClrLst meth="repeat">
-      <a:schemeClr val="dk2"/>
-    </dgm:linClrLst>
-    <dgm:effectClrLst/>
-    <dgm:txLinClrLst/>
-    <dgm:txFillClrLst/>
-    <dgm:txEffectClrLst/>
-  </dgm:styleLbl>
-  <dgm:styleLbl name="node1">
-    <dgm:fillClrLst meth="repeat">
-      <a:schemeClr val="dk2"/>
-    </dgm:fillClrLst>
-    <dgm:linClrLst meth="repeat">
-      <a:schemeClr val="lt2">
+      <a:schemeClr val="lt1">
         <a:alpha val="0"/>
       </a:schemeClr>
     </dgm:linClrLst>
@@ -1882,128 +2620,136 @@
     <dgm:txFillClrLst/>
     <dgm:txEffectClrLst/>
   </dgm:styleLbl>
-  <dgm:styleLbl name="lnNode1">
+  <dgm:styleLbl name="alignNode1">
     <dgm:fillClrLst meth="repeat">
-      <a:schemeClr val="dk2"/>
+      <a:schemeClr val="accent6"/>
     </dgm:fillClrLst>
     <dgm:linClrLst meth="repeat">
-      <a:schemeClr val="lt2"/>
+      <a:schemeClr val="accent6"/>
     </dgm:linClrLst>
     <dgm:effectClrLst/>
     <dgm:txLinClrLst/>
     <dgm:txFillClrLst/>
     <dgm:txEffectClrLst/>
   </dgm:styleLbl>
-  <dgm:styleLbl name="vennNode1">
+  <dgm:styleLbl name="lnNode1">
     <dgm:fillClrLst meth="repeat">
-      <a:schemeClr val="dk2">
-        <a:alpha val="50000"/>
-      </a:schemeClr>
+      <a:schemeClr val="accent6"/>
     </dgm:fillClrLst>
     <dgm:linClrLst meth="repeat">
-      <a:schemeClr val="lt2"/>
+      <a:schemeClr val="lt1"/>
     </dgm:linClrLst>
     <dgm:effectClrLst/>
     <dgm:txLinClrLst/>
     <dgm:txFillClrLst/>
     <dgm:txEffectClrLst/>
   </dgm:styleLbl>
-  <dgm:styleLbl name="node2">
+  <dgm:styleLbl name="vennNode1">
     <dgm:fillClrLst meth="repeat">
-      <a:schemeClr val="dk2"/>
+      <a:schemeClr val="accent6">
+        <a:alpha val="50000"/>
+      </a:schemeClr>
     </dgm:fillClrLst>
     <dgm:linClrLst meth="repeat">
-      <a:schemeClr val="lt2"/>
+      <a:schemeClr val="lt1"/>
     </dgm:linClrLst>
     <dgm:effectClrLst/>
     <dgm:txLinClrLst/>
     <dgm:txFillClrLst/>
     <dgm:txEffectClrLst/>
   </dgm:styleLbl>
-  <dgm:styleLbl name="node3">
+  <dgm:styleLbl name="node2">
     <dgm:fillClrLst meth="repeat">
-      <a:schemeClr val="dk2"/>
+      <a:schemeClr val="accent6"/>
     </dgm:fillClrLst>
     <dgm:linClrLst meth="repeat">
-      <a:schemeClr val="lt2"/>
+      <a:schemeClr val="lt1"/>
     </dgm:linClrLst>
     <dgm:effectClrLst/>
     <dgm:txLinClrLst/>
     <dgm:txFillClrLst/>
     <dgm:txEffectClrLst/>
   </dgm:styleLbl>
-  <dgm:styleLbl name="node4">
+  <dgm:styleLbl name="node3">
     <dgm:fillClrLst meth="repeat">
-      <a:schemeClr val="dk2"/>
+      <a:schemeClr val="accent6"/>
     </dgm:fillClrLst>
     <dgm:linClrLst meth="repeat">
-      <a:schemeClr val="lt2"/>
+      <a:schemeClr val="lt1"/>
     </dgm:linClrLst>
     <dgm:effectClrLst/>
     <dgm:txLinClrLst/>
     <dgm:txFillClrLst/>
     <dgm:txEffectClrLst/>
   </dgm:styleLbl>
+  <dgm:styleLbl name="node4">
+    <dgm:fillClrLst meth="repeat">
+      <a:schemeClr val="accent6"/>
+    </dgm:fillClrLst>
+    <dgm:linClrLst meth="repeat">
+      <a:schemeClr val="lt1"/>
+    </dgm:linClrLst>
+    <dgm:effectClrLst/>
+    <dgm:txLinClrLst/>
+    <dgm:txFillClrLst/>
+    <dgm:txEffectClrLst/>
+  </dgm:styleLbl>
   <dgm:styleLbl name="fgImgPlace1">
     <dgm:fillClrLst meth="repeat">
-      <a:schemeClr val="dk2">
+      <a:schemeClr val="accent6">
         <a:tint val="50000"/>
       </a:schemeClr>
     </dgm:fillClrLst>
     <dgm:linClrLst meth="repeat">
-      <a:schemeClr val="lt2"/>
+      <a:schemeClr val="lt1"/>
     </dgm:linClrLst>
     <dgm:effectClrLst/>
     <dgm:txLinClrLst/>
     <dgm:txFillClrLst meth="repeat">
-      <a:schemeClr val="lt2"/>
+      <a:schemeClr val="lt1"/>
     </dgm:txFillClrLst>
     <dgm:txEffectClrLst/>
   </dgm:styleLbl>
   <dgm:styleLbl name="alignImgPlace1">
     <dgm:fillClrLst meth="repeat">
-      <a:schemeClr val="dk2">
+      <a:schemeClr val="accent6">
         <a:tint val="50000"/>
       </a:schemeClr>
     </dgm:fillClrLst>
     <dgm:linClrLst meth="repeat">
-      <a:schemeClr val="dk2">
-        <a:shade val="80000"/>
-      </a:schemeClr>
+      <a:schemeClr val="lt1"/>
     </dgm:linClrLst>
     <dgm:effectClrLst/>
     <dgm:txLinClrLst/>
     <dgm:txFillClrLst meth="repeat">
-      <a:schemeClr val="lt2"/>
+      <a:schemeClr val="lt1"/>
     </dgm:txFillClrLst>
     <dgm:txEffectClrLst/>
   </dgm:styleLbl>
   <dgm:styleLbl name="bgImgPlace1">
     <dgm:fillClrLst meth="repeat">
-      <a:schemeClr val="dk2">
+      <a:schemeClr val="accent6">
         <a:tint val="50000"/>
       </a:schemeClr>
     </dgm:fillClrLst>
     <dgm:linClrLst meth="repeat">
-      <a:schemeClr val="dk2">
-        <a:shade val="80000"/>
-      </a:schemeClr>
+      <a:schemeClr val="lt1"/>
     </dgm:linClrLst>
     <dgm:effectClrLst/>
     <dgm:txLinClrLst/>
     <dgm:txFillClrLst meth="repeat">
-      <a:schemeClr val="lt2"/>
+      <a:schemeClr val="lt1"/>
     </dgm:txFillClrLst>
     <dgm:txEffectClrLst/>
   </dgm:styleLbl>
   <dgm:styleLbl name="sibTrans2D1">
     <dgm:fillClrLst meth="repeat">
-      <a:schemeClr val="dk2">
+      <a:schemeClr val="accent6">
         <a:tint val="60000"/>
       </a:schemeClr>
     </dgm:fillClrLst>
     <dgm:linClrLst meth="repeat">
-      <a:schemeClr val="dk2">
+      <a:schemeClr val="accent6">
         <a:tint val="60000"/>
       </a:schemeClr>
     </dgm:linClrLst>
@@ -2014,12 +2760,12 @@
   </dgm:styleLbl>
   <dgm:styleLbl name="fgSibTrans2D1">
     <dgm:fillClrLst meth="repeat">
-      <a:schemeClr val="dk2">
+      <a:schemeClr val="accent6">
         <a:tint val="60000"/>
       </a:schemeClr>
     </dgm:fillClrLst>
     <dgm:linClrLst meth="repeat">
-      <a:schemeClr val="dk2">
+      <a:schemeClr val="accent6">
         <a:tint val="60000"/>
       </a:schemeClr>
     </dgm:linClrLst>
@@ -2030,12 +2776,12 @@
   </dgm:styleLbl>
   <dgm:styleLbl name="bgSibTrans2D1">
     <dgm:fillClrLst meth="repeat">
-      <a:schemeClr val="dk2">
+      <a:schemeClr val="accent6">
         <a:tint val="60000"/>
       </a:schemeClr>
     </dgm:fillClrLst>
     <dgm:linClrLst meth="repeat">
-      <a:schemeClr val="dk2">
+      <a:schemeClr val="accent6">
         <a:tint val="60000"/>
       </a:schemeClr>
     </dgm:linClrLst>
@@ -2046,40 +2792,40 @@
   </dgm:styleLbl>
   <dgm:styleLbl name="sibTrans1D1">
     <dgm:fillClrLst meth="repeat">
-      <a:schemeClr val="dk2"/>
+      <a:schemeClr val="accent6"/>
     </dgm:fillClrLst>
     <dgm:linClrLst meth="repeat">
-      <a:schemeClr val="dk2"/>
+      <a:schemeClr val="accent6"/>
     </dgm:linClrLst>
     <dgm:effectClrLst/>
     <dgm:txLinClrLst/>
     <dgm:txFillClrLst meth="repeat">
-      <a:schemeClr val="lt2"/>
+      <a:schemeClr val="tx1"/>
     </dgm:txFillClrLst>
     <dgm:txEffectClrLst/>
   </dgm:styleLbl>
   <dgm:styleLbl name="callout">
     <dgm:fillClrLst meth="repeat">
-      <a:schemeClr val="dk2"/>
+      <a:schemeClr val="accent6"/>
     </dgm:fillClrLst>
     <dgm:linClrLst meth="repeat">
-      <a:schemeClr val="dk2">
+      <a:schemeClr val="accent6">
         <a:tint val="50000"/>
       </a:schemeClr>
     </dgm:linClrLst>
     <dgm:effectClrLst/>
     <dgm:txLinClrLst/>
     <dgm:txFillClrLst meth="repeat">
-      <a:schemeClr val="lt2"/>
+      <a:schemeClr val="tx1"/>
     </dgm:txFillClrLst>
     <dgm:txEffectClrLst/>
   </dgm:styleLbl>
   <dgm:styleLbl name="asst0">
     <dgm:fillClrLst meth="repeat">
-      <a:schemeClr val="dk2"/>
+      <a:schemeClr val="accent6"/>
     </dgm:fillClrLst>
     <dgm:linClrLst meth="repeat">
-      <a:schemeClr val="lt2"/>
+      <a:schemeClr val="lt1"/>
     </dgm:linClrLst>
     <dgm:effectClrLst/>
     <dgm:txLinClrLst/>
@@ -2088,10 +2834,10 @@
   </dgm:styleLbl>
   <dgm:styleLbl name="asst1">
     <dgm:fillClrLst meth="repeat">
-      <a:schemeClr val="dk2"/>
+      <a:schemeClr val="accent6"/>
     </dgm:fillClrLst>
     <dgm:linClrLst meth="repeat">
-      <a:schemeClr val="lt2"/>
+      <a:schemeClr val="lt1"/>
     </dgm:linClrLst>
     <dgm:effectClrLst/>
     <dgm:txLinClrLst/>
@@ -2100,10 +2846,10 @@
   </dgm:styleLbl>
   <dgm:styleLbl name="asst2">
     <dgm:fillClrLst meth="repeat">
-      <a:schemeClr val="dk2"/>
+      <a:schemeClr val="accent6"/>
     </dgm:fillClrLst>
     <dgm:linClrLst meth="repeat">
-      <a:schemeClr val="lt2"/>
+      <a:schemeClr val="lt1"/>
     </dgm:linClrLst>
     <dgm:effectClrLst/>
     <dgm:txLinClrLst/>
@@ -2112,10 +2858,10 @@
   </dgm:styleLbl>
   <dgm:styleLbl name="asst3">
     <dgm:fillClrLst meth="repeat">
-      <a:schemeClr val="dk2"/>
+      <a:schemeClr val="accent6"/>
     </dgm:fillClrLst>
     <dgm:linClrLst meth="repeat">
-      <a:schemeClr val="lt2"/>
+      <a:schemeClr val="lt1"/>
     </dgm:linClrLst>
     <dgm:effectClrLst/>
     <dgm:txLinClrLst/>
@@ -2124,10 +2870,10 @@
   </dgm:styleLbl>
   <dgm:styleLbl name="asst4">
     <dgm:fillClrLst meth="repeat">
-      <a:schemeClr val="dk2"/>
+      <a:schemeClr val="accent6"/>
     </dgm:fillClrLst>
     <dgm:linClrLst meth="repeat">
-      <a:schemeClr val="lt2"/>
+      <a:schemeClr val="lt1"/>
     </dgm:linClrLst>
     <dgm:effectClrLst/>
     <dgm:txLinClrLst/>
@@ -2136,70 +2882,70 @@
   </dgm:styleLbl>
   <dgm:styleLbl name="parChTrans2D1">
     <dgm:fillClrLst meth="repeat">
-      <a:schemeClr val="dk2">
+      <a:schemeClr val="accent6">
         <a:tint val="60000"/>
       </a:schemeClr>
     </dgm:fillClrLst>
     <dgm:linClrLst meth="repeat">
-      <a:schemeClr val="dk2">
+      <a:schemeClr val="accent6">
         <a:tint val="60000"/>
       </a:schemeClr>
     </dgm:linClrLst>
     <dgm:effectClrLst/>
     <dgm:txLinClrLst/>
     <dgm:txFillClrLst meth="repeat">
-      <a:schemeClr val="lt2"/>
+      <a:schemeClr val="lt1"/>
     </dgm:txFillClrLst>
     <dgm:txEffectClrLst/>
   </dgm:styleLbl>
   <dgm:styleLbl name="parChTrans2D2">
     <dgm:fillClrLst meth="repeat">
-      <a:schemeClr val="dk2"/>
+      <a:schemeClr val="accent6"/>
     </dgm:fillClrLst>
     <dgm:linClrLst meth="repeat">
-      <a:schemeClr val="dk2"/>
+      <a:schemeClr val="accent6"/>
     </dgm:linClrLst>
     <dgm:effectClrLst/>
     <dgm:txLinClrLst/>
     <dgm:txFillClrLst meth="repeat">
-      <a:schemeClr val="lt2"/>
+      <a:schemeClr val="lt1"/>
     </dgm:txFillClrLst>
     <dgm:txEffectClrLst/>
   </dgm:styleLbl>
   <dgm:styleLbl name="parChTrans2D3">
     <dgm:fillClrLst meth="repeat">
-      <a:schemeClr val="dk2"/>
+      <a:schemeClr val="accent6"/>
     </dgm:fillClrLst>
     <dgm:linClrLst meth="repeat">
-      <a:schemeClr val="dk2"/>
+      <a:schemeClr val="accent6"/>
     </dgm:linClrLst>
     <dgm:effectClrLst/>
     <dgm:txLinClrLst/>
     <dgm:txFillClrLst meth="repeat">
-      <a:schemeClr val="lt2"/>
+      <a:schemeClr val="lt1"/>
     </dgm:txFillClrLst>
     <dgm:txEffectClrLst/>
   </dgm:styleLbl>
   <dgm:styleLbl name="parChTrans2D4">
     <dgm:fillClrLst meth="repeat">
-      <a:schemeClr val="dk2"/>
+      <a:schemeClr val="accent6"/>
     </dgm:fillClrLst>
     <dgm:linClrLst meth="repeat">
-      <a:schemeClr val="dk2"/>
+      <a:schemeClr val="accent6"/>
     </dgm:linClrLst>
     <dgm:effectClrLst/>
     <dgm:txLinClrLst/>
     <dgm:txFillClrLst meth="repeat">
-      <a:schemeClr val="lt2"/>
+      <a:schemeClr val="lt1"/>
     </dgm:txFillClrLst>
     <dgm:txEffectClrLst/>
   </dgm:styleLbl>
   <dgm:styleLbl name="parChTrans1D1">
     <dgm:fillClrLst meth="repeat">
-      <a:schemeClr val="dk2"/>
+      <a:schemeClr val="accent6"/>
     </dgm:fillClrLst>
     <dgm:linClrLst meth="repeat">
-      <a:schemeClr val="dk2">
+      <a:schemeClr val="accent6">
         <a:shade val="60000"/>
       </a:schemeClr>
     </dgm:linClrLst>
@@ -2212,10 +2958,10 @@
   </dgm:styleLbl>
   <dgm:styleLbl name="parChTrans1D2">
     <dgm:fillClrLst meth="repeat">
-      <a:schemeClr val="dk2"/>
+      <a:schemeClr val="accent6"/>
     </dgm:fillClrLst>
     <dgm:linClrLst meth="repeat">
-      <a:schemeClr val="dk2">
+      <a:schemeClr val="accent6">
         <a:shade val="60000"/>
       </a:schemeClr>
     </dgm:linClrLst>
@@ -2228,10 +2974,10 @@
   </dgm:styleLbl>
   <dgm:styleLbl name="parChTrans1D3">
     <dgm:fillClrLst meth="repeat">
-      <a:schemeClr val="dk2"/>
+      <a:schemeClr val="accent6"/>
     </dgm:fillClrLst>
     <dgm:linClrLst meth="repeat">
-      <a:schemeClr val="dk2">
+      <a:schemeClr val="accent6">
         <a:shade val="80000"/>
       </a:schemeClr>
     </dgm:linClrLst>
@@ -2244,10 +2990,10 @@
   </dgm:styleLbl>
   <dgm:styleLbl name="parChTrans1D4">
     <dgm:fillClrLst meth="repeat">
-      <a:schemeClr val="dk2"/>
+      <a:schemeClr val="accent6"/>
     </dgm:fillClrLst>
     <dgm:linClrLst meth="repeat">
-      <a:schemeClr val="dk2">
+      <a:schemeClr val="accent6">
         <a:shade val="80000"/>
       </a:schemeClr>
     </dgm:linClrLst>
@@ -2260,12 +3006,12 @@
   </dgm:styleLbl>
   <dgm:styleLbl name="fgAcc1">
     <dgm:fillClrLst meth="repeat">
-      <a:schemeClr val="lt2">
+      <a:schemeClr val="lt1">
         <a:alpha val="90000"/>
       </a:schemeClr>
     </dgm:fillClrLst>
     <dgm:linClrLst meth="repeat">
-      <a:schemeClr val="dk2"/>
+      <a:schemeClr val="accent6"/>
     </dgm:linClrLst>
     <dgm:effectClrLst/>
     <dgm:txLinClrLst/>
@@ -2276,12 +3022,12 @@
   </dgm:styleLbl>
   <dgm:styleLbl name="conFgAcc1">
     <dgm:fillClrLst meth="repeat">
-      <a:schemeClr val="lt2">
+      <a:schemeClr val="lt1">
         <a:alpha val="90000"/>
       </a:schemeClr>
     </dgm:fillClrLst>
     <dgm:linClrLst meth="repeat">
-      <a:schemeClr val="dk2"/>
+      <a:schemeClr val="accent6"/>
     </dgm:linClrLst>
     <dgm:effectClrLst/>
     <dgm:txLinClrLst/>
@@ -2292,12 +3038,12 @@
   </dgm:styleLbl>
   <dgm:styleLbl name="alignAcc1">
     <dgm:fillClrLst meth="repeat">
-      <a:schemeClr val="lt2">
+      <a:schemeClr val="lt1">
         <a:alpha val="90000"/>
       </a:schemeClr>
     </dgm:fillClrLst>
     <dgm:linClrLst meth="repeat">
-      <a:schemeClr val="dk2"/>
+      <a:schemeClr val="accent6"/>
     </dgm:linClrLst>
     <dgm:effectClrLst/>
     <dgm:txLinClrLst/>
@@ -2308,12 +3054,12 @@
   </dgm:styleLbl>
   <dgm:styleLbl name="trAlignAcc1">
     <dgm:fillClrLst meth="repeat">
-      <a:schemeClr val="lt2">
+      <a:schemeClr val="lt1">
         <a:alpha val="40000"/>
       </a:schemeClr>
     </dgm:fillClrLst>
     <dgm:linClrLst meth="repeat">
-      <a:schemeClr val="dk2"/>
+      <a:schemeClr val="accent6"/>
     </dgm:linClrLst>
     <dgm:effectClrLst/>
     <dgm:txLinClrLst/>
@@ -2324,12 +3070,12 @@
   </dgm:styleLbl>
   <dgm:styleLbl name="bgAcc1">
     <dgm:fillClrLst meth="repeat">
-      <a:schemeClr val="lt2">
+      <a:schemeClr val="lt1">
         <a:alpha val="90000"/>
       </a:schemeClr>
     </dgm:fillClrLst>
     <dgm:linClrLst meth="repeat">
-      <a:schemeClr val="dk2"/>
+      <a:schemeClr val="accent6"/>
     </dgm:linClrLst>
     <dgm:effectClrLst/>
     <dgm:txLinClrLst/>
@@ -2340,10 +3086,10 @@
   </dgm:styleLbl>
   <dgm:styleLbl name="solidFgAcc1">
     <dgm:fillClrLst meth="repeat">
-      <a:schemeClr val="lt2"/>
+      <a:schemeClr val="lt1"/>
     </dgm:fillClrLst>
     <dgm:linClrLst meth="repeat">
-      <a:schemeClr val="dk2"/>
+      <a:schemeClr val="accent6"/>
     </dgm:linClrLst>
     <dgm:effectClrLst/>
     <dgm:txLinClrLst/>
@@ -2354,10 +3100,10 @@
   </dgm:styleLbl>
   <dgm:styleLbl name="solidAlignAcc1">
     <dgm:fillClrLst meth="repeat">
-      <a:schemeClr val="lt2"/>
+      <a:schemeClr val="lt1"/>
     </dgm:fillClrLst>
     <dgm:linClrLst meth="repeat">
-      <a:schemeClr val="dk2"/>
+      <a:schemeClr val="accent6"/>
     </dgm:linClrLst>
     <dgm:effectClrLst/>
     <dgm:txLinClrLst/>
@@ -2368,10 +3114,10 @@
   </dgm:styleLbl>
   <dgm:styleLbl name="solidBgAcc1">
     <dgm:fillClrLst meth="repeat">
-      <a:schemeClr val="lt2"/>
+      <a:schemeClr val="lt1"/>
     </dgm:fillClrLst>
     <dgm:linClrLst meth="repeat">
-      <a:schemeClr val="dk2"/>
+      <a:schemeClr val="accent6"/>
     </dgm:linClrLst>
     <dgm:effectClrLst/>
     <dgm:txLinClrLst/>
@@ -2382,13 +3128,13 @@
   </dgm:styleLbl>
   <dgm:styleLbl name="fgAccFollowNode1">
     <dgm:fillClrLst meth="repeat">
-      <a:schemeClr val="dk2">
+      <a:schemeClr val="accent6">
         <a:alpha val="90000"/>
         <a:tint val="40000"/>
       </a:schemeClr>
     </dgm:fillClrLst>
     <dgm:linClrLst meth="repeat">
-      <a:schemeClr val="dk2">
+      <a:schemeClr val="accent6">
         <a:alpha val="90000"/>
         <a:tint val="40000"/>
       </a:schemeClr>
@@ -2402,13 +3148,13 @@
   </dgm:styleLbl>
   <dgm:styleLbl name="alignAccFollowNode1">
     <dgm:fillClrLst meth="repeat">
-      <a:schemeClr val="dk2">
+      <a:schemeClr val="accent6">
         <a:alpha val="90000"/>
         <a:tint val="40000"/>
       </a:schemeClr>
     </dgm:fillClrLst>
     <dgm:linClrLst meth="repeat">
-      <a:schemeClr val="dk2">
+      <a:schemeClr val="accent6">
         <a:alpha val="90000"/>
         <a:tint val="40000"/>
       </a:schemeClr>
@@ -2422,13 +3168,13 @@
   </dgm:styleLbl>
   <dgm:styleLbl name="bgAccFollowNode1">
     <dgm:fillClrLst meth="repeat">
-      <a:schemeClr val="dk2">
+      <a:schemeClr val="accent6">
         <a:alpha val="90000"/>
         <a:tint val="40000"/>
       </a:schemeClr>
     </dgm:fillClrLst>
     <dgm:linClrLst meth="repeat">
-      <a:schemeClr val="dk2">
+      <a:schemeClr val="accent6">
         <a:alpha val="90000"/>
         <a:tint val="40000"/>
       </a:schemeClr>
@@ -2442,12 +3188,12 @@
   </dgm:styleLbl>
   <dgm:styleLbl name="fgAcc0">
     <dgm:fillClrLst meth="repeat">
-      <a:schemeClr val="lt2">
+      <a:schemeClr val="lt1">
         <a:alpha val="90000"/>
       </a:schemeClr>
     </dgm:fillClrLst>
     <dgm:linClrLst meth="repeat">
-      <a:schemeClr val="dk2"/>
+      <a:schemeClr val="accent6"/>
     </dgm:linClrLst>
     <dgm:effectClrLst/>
     <dgm:txLinClrLst/>
@@ -2458,12 +3204,12 @@
   </dgm:styleLbl>
   <dgm:styleLbl name="fgAcc2">
     <dgm:fillClrLst meth="repeat">
-      <a:schemeClr val="lt2">
+      <a:schemeClr val="lt1">
         <a:alpha val="90000"/>
       </a:schemeClr>
     </dgm:fillClrLst>
     <dgm:linClrLst meth="repeat">
-      <a:schemeClr val="dk2"/>
+      <a:schemeClr val="accent6"/>
     </dgm:linClrLst>
     <dgm:effectClrLst/>
     <dgm:txLinClrLst/>
@@ -2474,12 +3220,12 @@
   </dgm:styleLbl>
   <dgm:styleLbl name="fgAcc3">
     <dgm:fillClrLst meth="repeat">
-      <a:schemeClr val="lt2">
+      <a:schemeClr val="lt1">
         <a:alpha val="90000"/>
       </a:schemeClr>
     </dgm:fillClrLst>
     <dgm:linClrLst meth="repeat">
-      <a:schemeClr val="dk2"/>
+      <a:schemeClr val="accent6"/>
     </dgm:linClrLst>
     <dgm:effectClrLst/>
     <dgm:txLinClrLst/>
@@ -2490,12 +3236,12 @@
   </dgm:styleLbl>
   <dgm:styleLbl name="fgAcc4">
     <dgm:fillClrLst meth="repeat">
-      <a:schemeClr val="lt2">
+      <a:schemeClr val="lt1">
         <a:alpha val="90000"/>
       </a:schemeClr>
     </dgm:fillClrLst>
     <dgm:linClrLst meth="repeat">
-      <a:schemeClr val="dk2"/>
+      <a:schemeClr val="accent6"/>
     </dgm:linClrLst>
     <dgm:effectClrLst/>
     <dgm:txLinClrLst/>
@@ -2511,7 +3257,7 @@
       </a:schemeClr>
     </dgm:fillClrLst>
     <dgm:linClrLst meth="repeat">
-      <a:schemeClr val="dk2"/>
+      <a:schemeClr val="accent6"/>
     </dgm:linClrLst>
     <dgm:effectClrLst/>
     <dgm:txLinClrLst/>
@@ -2522,12 +3268,12 @@
   </dgm:styleLbl>
   <dgm:styleLbl name="dkBgShp">
     <dgm:fillClrLst meth="repeat">
-      <a:schemeClr val="dk2">
+      <a:schemeClr val="accent6">
         <a:shade val="80000"/>
       </a:schemeClr>
     </dgm:fillClrLst>
     <dgm:linClrLst meth="repeat">
-      <a:schemeClr val="dk2"/>
+      <a:schemeClr val="accent6"/>
     </dgm:linClrLst>
     <dgm:effectClrLst/>
     <dgm:txLinClrLst/>
@@ -2538,13 +3284,13 @@
   </dgm:styleLbl>
   <dgm:styleLbl name="trBgShp">
     <dgm:fillClrLst meth="repeat">
-      <a:schemeClr val="dk2">
+      <a:schemeClr val="accent6">
         <a:tint val="50000"/>
         <a:alpha val="40000"/>
       </a:schemeClr>
     </dgm:fillClrLst>
     <dgm:linClrLst meth="repeat">
-      <a:schemeClr val="dk2"/>
+      <a:schemeClr val="accent6"/>
     </dgm:linClrLst>
     <dgm:effectClrLst/>
     <dgm:txLinClrLst/>
@@ -2555,12 +3301,12 @@
   </dgm:styleLbl>
   <dgm:styleLbl name="fgShp">
     <dgm:fillClrLst meth="repeat">
-      <a:schemeClr val="dk2">
+      <a:schemeClr val="accent6">
         <a:tint val="60000"/>
       </a:schemeClr>
     </dgm:fillClrLst>
     <dgm:linClrLst meth="repeat">
-      <a:schemeClr val="lt2"/>
+      <a:schemeClr val="lt1"/>
     </dgm:linClrLst>
     <dgm:effectClrLst/>
     <dgm:txLinClrLst/>
@@ -2571,7 +3317,7 @@
   </dgm:styleLbl>
   <dgm:styleLbl name="revTx">
     <dgm:fillClrLst meth="repeat">
-      <a:schemeClr val="lt2">
+      <a:schemeClr val="lt1">
         <a:alpha val="0"/>
       </a:schemeClr>
     </dgm:fillClrLst>
@@ -2590,7 +3336,7 @@
 </dgm:colorsDef>
 </file>
 
-<file path=ppt/diagrams/colors4.xml><?xml version="1.0" encoding="utf-8"?>
+<file path=ppt/diagrams/colors5.xml><?xml version="1.0" encoding="utf-8"?>
 <dgm:colorsDef xmlns:dgm="http://schemas.openxmlformats.org/drawingml/2006/diagram" xmlns:a="http://schemas.openxmlformats.org/drawingml/2006/main" uniqueId="urn:microsoft.com/office/officeart/2018/5/colors/Iconchunking_neutralicon_colorful1">
   <dgm:title val=""/>
   <dgm:desc val=""/>
@@ -3514,6 +4260,701 @@
 <file path=ppt/diagrams/data1.xml><?xml version="1.0" encoding="utf-8"?>
 <dgm:dataModel xmlns:dgm="http://schemas.openxmlformats.org/drawingml/2006/diagram" xmlns:a="http://schemas.openxmlformats.org/drawingml/2006/main">
   <dgm:ptLst>
+    <dgm:pt modelId="{396B807A-AB83-42F7-8C38-9C8FE594566E}" type="doc">
+      <dgm:prSet loTypeId="urn:microsoft.com/office/officeart/2018/2/layout/IconLabelDescriptionList" loCatId="icon" qsTypeId="urn:microsoft.com/office/officeart/2005/8/quickstyle/simple1" qsCatId="simple" csTypeId="urn:microsoft.com/office/officeart/2018/5/colors/Iconchunking_neutralbg_accent1_2" csCatId="accent1" phldr="1"/>
+      <dgm:spPr/>
+      <dgm:t>
+        <a:bodyPr/>
+        <a:lstStyle/>
+        <a:p>
+          <a:endParaRPr lang="en-US"/>
+        </a:p>
+      </dgm:t>
+    </dgm:pt>
+    <dgm:pt modelId="{99EC0AA0-E90F-4220-9AB4-728FDB910574}">
+      <dgm:prSet/>
+      <dgm:spPr/>
+      <dgm:t>
+        <a:bodyPr/>
+        <a:lstStyle/>
+        <a:p>
+          <a:pPr>
+            <a:defRPr b="1"/>
+          </a:pPr>
+          <a:r>
+            <a:rPr lang="en-US"/>
+            <a:t>High Resolution Mass Spectrometry (HRMS)</a:t>
+          </a:r>
+        </a:p>
+      </dgm:t>
+    </dgm:pt>
+    <dgm:pt modelId="{04019AD8-0796-4C53-B4D8-8E56994E20AE}" type="parTrans" cxnId="{87DF7133-4803-48A9-9A0D-79429DC41EFB}">
+      <dgm:prSet/>
+      <dgm:spPr/>
+      <dgm:t>
+        <a:bodyPr/>
+        <a:lstStyle/>
+        <a:p>
+          <a:endParaRPr lang="en-US"/>
+        </a:p>
+      </dgm:t>
+    </dgm:pt>
+    <dgm:pt modelId="{4A98F18E-22A6-4358-868D-F946CD431BB0}" type="sibTrans" cxnId="{87DF7133-4803-48A9-9A0D-79429DC41EFB}">
+      <dgm:prSet/>
+      <dgm:spPr/>
+      <dgm:t>
+        <a:bodyPr/>
+        <a:lstStyle/>
+        <a:p>
+          <a:endParaRPr lang="en-US"/>
+        </a:p>
+      </dgm:t>
+    </dgm:pt>
+    <dgm:pt modelId="{DDEEFA95-E203-4D00-A7F2-C5F3E00E5276}">
+      <dgm:prSet custT="1"/>
+      <dgm:spPr/>
+      <dgm:t>
+        <a:bodyPr/>
+        <a:lstStyle/>
+        <a:p>
+          <a:r>
+            <a:rPr lang="en-US" sz="1600" dirty="0"/>
+            <a:t>Novel technology for water quality assessment</a:t>
+          </a:r>
+        </a:p>
+      </dgm:t>
+    </dgm:pt>
+    <dgm:pt modelId="{99B793EE-9DA7-486A-BCA0-619FDB1A8FBB}" type="parTrans" cxnId="{7893C311-9CB1-4EE1-807B-80743D0A1EBC}">
+      <dgm:prSet/>
+      <dgm:spPr/>
+      <dgm:t>
+        <a:bodyPr/>
+        <a:lstStyle/>
+        <a:p>
+          <a:endParaRPr lang="en-US"/>
+        </a:p>
+      </dgm:t>
+    </dgm:pt>
+    <dgm:pt modelId="{B27587AB-C979-4AB5-924B-29873DC0150B}" type="sibTrans" cxnId="{7893C311-9CB1-4EE1-807B-80743D0A1EBC}">
+      <dgm:prSet/>
+      <dgm:spPr/>
+      <dgm:t>
+        <a:bodyPr/>
+        <a:lstStyle/>
+        <a:p>
+          <a:endParaRPr lang="en-US"/>
+        </a:p>
+      </dgm:t>
+    </dgm:pt>
+    <dgm:pt modelId="{5C617F12-51CB-49CD-AEC4-D183308D1778}">
+      <dgm:prSet custT="1"/>
+      <dgm:spPr/>
+      <dgm:t>
+        <a:bodyPr/>
+        <a:lstStyle/>
+        <a:p>
+          <a:r>
+            <a:rPr lang="en-US" sz="1600"/>
+            <a:t>Data massive for interpretation and detailed analysis</a:t>
+          </a:r>
+        </a:p>
+      </dgm:t>
+    </dgm:pt>
+    <dgm:pt modelId="{8E8456BD-5022-4FB3-8E00-D8DAC5A6AA88}" type="parTrans" cxnId="{2A6E7F0A-2893-4076-BC0D-31207D9E90B7}">
+      <dgm:prSet/>
+      <dgm:spPr/>
+      <dgm:t>
+        <a:bodyPr/>
+        <a:lstStyle/>
+        <a:p>
+          <a:endParaRPr lang="en-US"/>
+        </a:p>
+      </dgm:t>
+    </dgm:pt>
+    <dgm:pt modelId="{B59D0154-BB2A-493E-9A09-8CF8454F2838}" type="sibTrans" cxnId="{2A6E7F0A-2893-4076-BC0D-31207D9E90B7}">
+      <dgm:prSet/>
+      <dgm:spPr/>
+      <dgm:t>
+        <a:bodyPr/>
+        <a:lstStyle/>
+        <a:p>
+          <a:endParaRPr lang="en-US"/>
+        </a:p>
+      </dgm:t>
+    </dgm:pt>
+    <dgm:pt modelId="{9FBCFCCC-F51F-4891-B4A2-78440F5D7AAC}">
+      <dgm:prSet custT="1"/>
+      <dgm:spPr/>
+      <dgm:t>
+        <a:bodyPr/>
+        <a:lstStyle/>
+        <a:p>
+          <a:r>
+            <a:rPr lang="en-US" sz="1600"/>
+            <a:t>Current software hard to meet every needs</a:t>
+          </a:r>
+        </a:p>
+      </dgm:t>
+    </dgm:pt>
+    <dgm:pt modelId="{D08BAC5A-EC6E-462E-8F2C-FCD5EBEB5356}" type="parTrans" cxnId="{35F5115D-4B02-472D-91C6-7DBFE97981CD}">
+      <dgm:prSet/>
+      <dgm:spPr/>
+      <dgm:t>
+        <a:bodyPr/>
+        <a:lstStyle/>
+        <a:p>
+          <a:endParaRPr lang="en-US"/>
+        </a:p>
+      </dgm:t>
+    </dgm:pt>
+    <dgm:pt modelId="{62D0FC87-ACDC-4EF7-9095-52F37E0F9AEF}" type="sibTrans" cxnId="{35F5115D-4B02-472D-91C6-7DBFE97981CD}">
+      <dgm:prSet/>
+      <dgm:spPr/>
+      <dgm:t>
+        <a:bodyPr/>
+        <a:lstStyle/>
+        <a:p>
+          <a:endParaRPr lang="en-US"/>
+        </a:p>
+      </dgm:t>
+    </dgm:pt>
+    <dgm:pt modelId="{4D1A483E-445A-4261-9E9A-7CF07ACA2A4F}">
+      <dgm:prSet/>
+      <dgm:spPr/>
+      <dgm:t>
+        <a:bodyPr/>
+        <a:lstStyle/>
+        <a:p>
+          <a:pPr>
+            <a:defRPr b="1"/>
+          </a:pPr>
+          <a:r>
+            <a:rPr lang="en-US"/>
+            <a:t>Pollutant in water</a:t>
+          </a:r>
+        </a:p>
+      </dgm:t>
+    </dgm:pt>
+    <dgm:pt modelId="{CB8D39BE-F042-4BED-A44B-B10BB4045BB6}" type="parTrans" cxnId="{3CF7E34C-F44F-4CFC-A052-B822BEB62FAC}">
+      <dgm:prSet/>
+      <dgm:spPr/>
+      <dgm:t>
+        <a:bodyPr/>
+        <a:lstStyle/>
+        <a:p>
+          <a:endParaRPr lang="en-US"/>
+        </a:p>
+      </dgm:t>
+    </dgm:pt>
+    <dgm:pt modelId="{9211B341-20CF-4324-90F5-9DF83C7B0B99}" type="sibTrans" cxnId="{3CF7E34C-F44F-4CFC-A052-B822BEB62FAC}">
+      <dgm:prSet/>
+      <dgm:spPr/>
+      <dgm:t>
+        <a:bodyPr/>
+        <a:lstStyle/>
+        <a:p>
+          <a:endParaRPr lang="en-US"/>
+        </a:p>
+      </dgm:t>
+    </dgm:pt>
+    <dgm:pt modelId="{803869C0-B2A7-4AF5-AD5F-78F38209CC1E}">
+      <dgm:prSet custT="1"/>
+      <dgm:spPr/>
+      <dgm:t>
+        <a:bodyPr/>
+        <a:lstStyle/>
+        <a:p>
+          <a:r>
+            <a:rPr lang="en-US" sz="1600" dirty="0"/>
+            <a:t>Complicated and coming from different sources</a:t>
+          </a:r>
+        </a:p>
+      </dgm:t>
+    </dgm:pt>
+    <dgm:pt modelId="{21650DD5-691F-4E76-AA29-7902E0333436}" type="parTrans" cxnId="{82FD5B43-76B7-441C-ADE6-7192A2309FB1}">
+      <dgm:prSet/>
+      <dgm:spPr/>
+      <dgm:t>
+        <a:bodyPr/>
+        <a:lstStyle/>
+        <a:p>
+          <a:endParaRPr lang="en-US"/>
+        </a:p>
+      </dgm:t>
+    </dgm:pt>
+    <dgm:pt modelId="{7D4952FD-9FFD-44AA-9A72-9BEA37719B52}" type="sibTrans" cxnId="{82FD5B43-76B7-441C-ADE6-7192A2309FB1}">
+      <dgm:prSet/>
+      <dgm:spPr/>
+      <dgm:t>
+        <a:bodyPr/>
+        <a:lstStyle/>
+        <a:p>
+          <a:endParaRPr lang="en-US"/>
+        </a:p>
+      </dgm:t>
+    </dgm:pt>
+    <dgm:pt modelId="{06C251EA-592D-45B8-9F0D-0C7BEFEB560C}">
+      <dgm:prSet custT="1"/>
+      <dgm:spPr/>
+      <dgm:t>
+        <a:bodyPr/>
+        <a:lstStyle/>
+        <a:p>
+          <a:r>
+            <a:rPr lang="en-US" sz="1600"/>
+            <a:t>Hard to identification and track</a:t>
+          </a:r>
+        </a:p>
+      </dgm:t>
+    </dgm:pt>
+    <dgm:pt modelId="{F1A0EF76-F0E4-4F62-B6A6-D1A092BC2DF7}" type="parTrans" cxnId="{95B8610B-1974-47F9-A485-DE13B1C16851}">
+      <dgm:prSet/>
+      <dgm:spPr/>
+      <dgm:t>
+        <a:bodyPr/>
+        <a:lstStyle/>
+        <a:p>
+          <a:endParaRPr lang="en-US"/>
+        </a:p>
+      </dgm:t>
+    </dgm:pt>
+    <dgm:pt modelId="{D62E37E5-1FF6-4831-9650-BEE128C78B61}" type="sibTrans" cxnId="{95B8610B-1974-47F9-A485-DE13B1C16851}">
+      <dgm:prSet/>
+      <dgm:spPr/>
+      <dgm:t>
+        <a:bodyPr/>
+        <a:lstStyle/>
+        <a:p>
+          <a:endParaRPr lang="en-US"/>
+        </a:p>
+      </dgm:t>
+    </dgm:pt>
+    <dgm:pt modelId="{F7EF8FF2-A2CB-4B69-8832-C9F1AA709224}">
+      <dgm:prSet custT="1"/>
+      <dgm:spPr/>
+      <dgm:t>
+        <a:bodyPr/>
+        <a:lstStyle/>
+        <a:p>
+          <a:r>
+            <a:rPr lang="en-US" sz="1600"/>
+            <a:t>Current technologies are more concentrating on one/few chemical</a:t>
+          </a:r>
+        </a:p>
+      </dgm:t>
+    </dgm:pt>
+    <dgm:pt modelId="{B227B21B-9A66-44A2-8994-B1CABD406F95}" type="parTrans" cxnId="{30FB0519-B8D6-4465-A301-B1B7202D526B}">
+      <dgm:prSet/>
+      <dgm:spPr/>
+      <dgm:t>
+        <a:bodyPr/>
+        <a:lstStyle/>
+        <a:p>
+          <a:endParaRPr lang="en-US"/>
+        </a:p>
+      </dgm:t>
+    </dgm:pt>
+    <dgm:pt modelId="{C86E2FF5-B61A-4946-B701-4C860286FBAB}" type="sibTrans" cxnId="{30FB0519-B8D6-4465-A301-B1B7202D526B}">
+      <dgm:prSet/>
+      <dgm:spPr/>
+      <dgm:t>
+        <a:bodyPr/>
+        <a:lstStyle/>
+        <a:p>
+          <a:endParaRPr lang="en-US"/>
+        </a:p>
+      </dgm:t>
+    </dgm:pt>
+    <dgm:pt modelId="{F54DA79C-EC05-45FB-9CD7-7CBC33822085}">
+      <dgm:prSet/>
+      <dgm:spPr/>
+      <dgm:t>
+        <a:bodyPr/>
+        <a:lstStyle/>
+        <a:p>
+          <a:pPr>
+            <a:defRPr b="1"/>
+          </a:pPr>
+          <a:r>
+            <a:rPr lang="en-US"/>
+            <a:t>What we need</a:t>
+          </a:r>
+        </a:p>
+      </dgm:t>
+    </dgm:pt>
+    <dgm:pt modelId="{EE14BCE2-A9AB-468D-A4EA-61A870CC1E18}" type="parTrans" cxnId="{5DCEC7EB-A6E2-4EAD-87BC-9F71DC432D25}">
+      <dgm:prSet/>
+      <dgm:spPr/>
+      <dgm:t>
+        <a:bodyPr/>
+        <a:lstStyle/>
+        <a:p>
+          <a:endParaRPr lang="en-US"/>
+        </a:p>
+      </dgm:t>
+    </dgm:pt>
+    <dgm:pt modelId="{42AED8CE-73D0-4E40-8D2C-67298D4D7801}" type="sibTrans" cxnId="{5DCEC7EB-A6E2-4EAD-87BC-9F71DC432D25}">
+      <dgm:prSet/>
+      <dgm:spPr/>
+      <dgm:t>
+        <a:bodyPr/>
+        <a:lstStyle/>
+        <a:p>
+          <a:endParaRPr lang="en-US"/>
+        </a:p>
+      </dgm:t>
+    </dgm:pt>
+    <dgm:pt modelId="{B9714732-E9F7-450A-905C-08BB3B245E42}">
+      <dgm:prSet custT="1"/>
+      <dgm:spPr/>
+      <dgm:t>
+        <a:bodyPr/>
+        <a:lstStyle/>
+        <a:p>
+          <a:r>
+            <a:rPr lang="en-US" sz="1600" dirty="0"/>
+            <a:t>Flexible software that can meet various need</a:t>
+          </a:r>
+        </a:p>
+      </dgm:t>
+    </dgm:pt>
+    <dgm:pt modelId="{4554BE84-84F1-4D76-BD03-1A6FDD453B68}" type="parTrans" cxnId="{1D46932F-D03F-4D2B-9C0E-552306E76815}">
+      <dgm:prSet/>
+      <dgm:spPr/>
+      <dgm:t>
+        <a:bodyPr/>
+        <a:lstStyle/>
+        <a:p>
+          <a:endParaRPr lang="en-US"/>
+        </a:p>
+      </dgm:t>
+    </dgm:pt>
+    <dgm:pt modelId="{4A0FC21F-9057-4A22-BE26-2FC56076D221}" type="sibTrans" cxnId="{1D46932F-D03F-4D2B-9C0E-552306E76815}">
+      <dgm:prSet/>
+      <dgm:spPr/>
+      <dgm:t>
+        <a:bodyPr/>
+        <a:lstStyle/>
+        <a:p>
+          <a:endParaRPr lang="en-US"/>
+        </a:p>
+      </dgm:t>
+    </dgm:pt>
+    <dgm:pt modelId="{3FC38D92-ADE1-45B8-BF32-A46B3D16833C}">
+      <dgm:prSet custT="1"/>
+      <dgm:spPr/>
+      <dgm:t>
+        <a:bodyPr/>
+        <a:lstStyle/>
+        <a:p>
+          <a:r>
+            <a:rPr lang="en-US" sz="1600"/>
+            <a:t>Method to overview the sample rather than single compound</a:t>
+          </a:r>
+        </a:p>
+      </dgm:t>
+    </dgm:pt>
+    <dgm:pt modelId="{6A1E2FD5-C9FB-42FD-B491-D85F10CAF84B}" type="parTrans" cxnId="{D3CD7916-0C75-429A-AF7D-84AB1B7A8008}">
+      <dgm:prSet/>
+      <dgm:spPr/>
+      <dgm:t>
+        <a:bodyPr/>
+        <a:lstStyle/>
+        <a:p>
+          <a:endParaRPr lang="en-US"/>
+        </a:p>
+      </dgm:t>
+    </dgm:pt>
+    <dgm:pt modelId="{BA026A4A-A0FE-4873-8AA4-2418B236A3B9}" type="sibTrans" cxnId="{D3CD7916-0C75-429A-AF7D-84AB1B7A8008}">
+      <dgm:prSet/>
+      <dgm:spPr/>
+      <dgm:t>
+        <a:bodyPr/>
+        <a:lstStyle/>
+        <a:p>
+          <a:endParaRPr lang="en-US"/>
+        </a:p>
+      </dgm:t>
+    </dgm:pt>
+    <dgm:pt modelId="{25726E8C-CBC3-419F-9974-4F53E1BC7821}">
+      <dgm:prSet custT="1"/>
+      <dgm:spPr/>
+      <dgm:t>
+        <a:bodyPr/>
+        <a:lstStyle/>
+        <a:p>
+          <a:r>
+            <a:rPr lang="en-US" sz="1600"/>
+            <a:t>More…</a:t>
+          </a:r>
+        </a:p>
+      </dgm:t>
+    </dgm:pt>
+    <dgm:pt modelId="{3049CE70-A126-442B-916D-E6233A5021DA}" type="parTrans" cxnId="{9D154614-4CBC-43D8-8D27-15341C4F669B}">
+      <dgm:prSet/>
+      <dgm:spPr/>
+      <dgm:t>
+        <a:bodyPr/>
+        <a:lstStyle/>
+        <a:p>
+          <a:endParaRPr lang="en-US"/>
+        </a:p>
+      </dgm:t>
+    </dgm:pt>
+    <dgm:pt modelId="{3526C731-489C-448A-A146-871D571DDB19}" type="sibTrans" cxnId="{9D154614-4CBC-43D8-8D27-15341C4F669B}">
+      <dgm:prSet/>
+      <dgm:spPr/>
+      <dgm:t>
+        <a:bodyPr/>
+        <a:lstStyle/>
+        <a:p>
+          <a:endParaRPr lang="en-US"/>
+        </a:p>
+      </dgm:t>
+    </dgm:pt>
+    <dgm:pt modelId="{7B229C57-221C-480B-91FA-690B8392B6F1}" type="pres">
+      <dgm:prSet presAssocID="{396B807A-AB83-42F7-8C38-9C8FE594566E}" presName="root" presStyleCnt="0">
+        <dgm:presLayoutVars>
+          <dgm:dir/>
+          <dgm:resizeHandles val="exact"/>
+        </dgm:presLayoutVars>
+      </dgm:prSet>
+      <dgm:spPr/>
+    </dgm:pt>
+    <dgm:pt modelId="{80F43F81-664D-4D6E-8942-B55059B38246}" type="pres">
+      <dgm:prSet presAssocID="{99EC0AA0-E90F-4220-9AB4-728FDB910574}" presName="compNode" presStyleCnt="0"/>
+      <dgm:spPr/>
+    </dgm:pt>
+    <dgm:pt modelId="{9B4E1E8B-0592-4AA8-A043-CEA3EA2D3063}" type="pres">
+      <dgm:prSet presAssocID="{99EC0AA0-E90F-4220-9AB4-728FDB910574}" presName="iconRect" presStyleLbl="node1" presStyleIdx="0" presStyleCnt="3"/>
+      <dgm:spPr>
+        <a:blipFill>
+          <a:blip xmlns:r="http://schemas.openxmlformats.org/officeDocument/2006/relationships" r:embed="rId1">
+            <a:extLst>
+              <a:ext uri="{28A0092B-C50C-407E-A947-70E740481C1C}">
+                <a14:useLocalDpi xmlns:a14="http://schemas.microsoft.com/office/drawing/2010/main" val="0"/>
+              </a:ext>
+              <a:ext uri="{96DAC541-7B7A-43D3-8B79-37D633B846F1}">
+                <asvg:svgBlip xmlns:asvg="http://schemas.microsoft.com/office/drawing/2016/SVG/main" r:embed="rId2"/>
+              </a:ext>
+            </a:extLst>
+          </a:blip>
+          <a:stretch>
+            <a:fillRect/>
+          </a:stretch>
+        </a:blipFill>
+        <a:ln>
+          <a:noFill/>
+        </a:ln>
+      </dgm:spPr>
+      <dgm:extLst>
+        <a:ext uri="{E40237B7-FDA0-4F09-8148-C483321AD2D9}">
+          <dgm14:cNvPr xmlns:dgm14="http://schemas.microsoft.com/office/drawing/2010/diagram" id="0" name="" descr="Checkmark"/>
+        </a:ext>
+      </dgm:extLst>
+    </dgm:pt>
+    <dgm:pt modelId="{473562C7-A73C-4684-8CA2-4B197CA4E227}" type="pres">
+      <dgm:prSet presAssocID="{99EC0AA0-E90F-4220-9AB4-728FDB910574}" presName="iconSpace" presStyleCnt="0"/>
+      <dgm:spPr/>
+    </dgm:pt>
+    <dgm:pt modelId="{95897D90-202B-4A17-A24B-E2584238B36F}" type="pres">
+      <dgm:prSet presAssocID="{99EC0AA0-E90F-4220-9AB4-728FDB910574}" presName="parTx" presStyleLbl="revTx" presStyleIdx="0" presStyleCnt="6">
+        <dgm:presLayoutVars>
+          <dgm:chMax val="0"/>
+          <dgm:chPref val="0"/>
+        </dgm:presLayoutVars>
+      </dgm:prSet>
+      <dgm:spPr/>
+    </dgm:pt>
+    <dgm:pt modelId="{03ECE863-DC0E-42FE-AF08-50CF9ECC6AEA}" type="pres">
+      <dgm:prSet presAssocID="{99EC0AA0-E90F-4220-9AB4-728FDB910574}" presName="txSpace" presStyleCnt="0"/>
+      <dgm:spPr/>
+    </dgm:pt>
+    <dgm:pt modelId="{D36321B2-D357-4641-AC6B-641AFB6E5FD8}" type="pres">
+      <dgm:prSet presAssocID="{99EC0AA0-E90F-4220-9AB4-728FDB910574}" presName="desTx" presStyleLbl="revTx" presStyleIdx="1" presStyleCnt="6">
+        <dgm:presLayoutVars/>
+      </dgm:prSet>
+      <dgm:spPr/>
+    </dgm:pt>
+    <dgm:pt modelId="{F14EC767-5B03-41D7-B24E-F6DE37ABF8DC}" type="pres">
+      <dgm:prSet presAssocID="{4A98F18E-22A6-4358-868D-F946CD431BB0}" presName="sibTrans" presStyleCnt="0"/>
+      <dgm:spPr/>
+    </dgm:pt>
+    <dgm:pt modelId="{094300C4-E1C5-4917-8380-DCEC4DFBA4F3}" type="pres">
+      <dgm:prSet presAssocID="{4D1A483E-445A-4261-9E9A-7CF07ACA2A4F}" presName="compNode" presStyleCnt="0"/>
+      <dgm:spPr/>
+    </dgm:pt>
+    <dgm:pt modelId="{C5582F81-4EDD-43E9-ACB5-11F9832F0AFD}" type="pres">
+      <dgm:prSet presAssocID="{4D1A483E-445A-4261-9E9A-7CF07ACA2A4F}" presName="iconRect" presStyleLbl="node1" presStyleIdx="1" presStyleCnt="3"/>
+      <dgm:spPr>
+        <a:blipFill>
+          <a:blip xmlns:r="http://schemas.openxmlformats.org/officeDocument/2006/relationships" r:embed="rId3">
+            <a:extLst>
+              <a:ext uri="{28A0092B-C50C-407E-A947-70E740481C1C}">
+                <a14:useLocalDpi xmlns:a14="http://schemas.microsoft.com/office/drawing/2010/main" val="0"/>
+              </a:ext>
+              <a:ext uri="{96DAC541-7B7A-43D3-8B79-37D633B846F1}">
+                <asvg:svgBlip xmlns:asvg="http://schemas.microsoft.com/office/drawing/2016/SVG/main" r:embed="rId4"/>
+              </a:ext>
+            </a:extLst>
+          </a:blip>
+          <a:stretch>
+            <a:fillRect/>
+          </a:stretch>
+        </a:blipFill>
+        <a:ln>
+          <a:noFill/>
+        </a:ln>
+      </dgm:spPr>
+      <dgm:extLst>
+        <a:ext uri="{E40237B7-FDA0-4F09-8148-C483321AD2D9}">
+          <dgm14:cNvPr xmlns:dgm14="http://schemas.microsoft.com/office/drawing/2010/diagram" id="0" name="" descr="Scientist"/>
+        </a:ext>
+      </dgm:extLst>
+    </dgm:pt>
+    <dgm:pt modelId="{FE27D814-E065-4B2A-ACE4-DB5AB8E708B2}" type="pres">
+      <dgm:prSet presAssocID="{4D1A483E-445A-4261-9E9A-7CF07ACA2A4F}" presName="iconSpace" presStyleCnt="0"/>
+      <dgm:spPr/>
+    </dgm:pt>
+    <dgm:pt modelId="{42A4FC8A-C07B-482D-83C9-63E78C0F2603}" type="pres">
+      <dgm:prSet presAssocID="{4D1A483E-445A-4261-9E9A-7CF07ACA2A4F}" presName="parTx" presStyleLbl="revTx" presStyleIdx="2" presStyleCnt="6">
+        <dgm:presLayoutVars>
+          <dgm:chMax val="0"/>
+          <dgm:chPref val="0"/>
+        </dgm:presLayoutVars>
+      </dgm:prSet>
+      <dgm:spPr/>
+    </dgm:pt>
+    <dgm:pt modelId="{257E6252-7503-4501-9CB9-FAAE6B587BB0}" type="pres">
+      <dgm:prSet presAssocID="{4D1A483E-445A-4261-9E9A-7CF07ACA2A4F}" presName="txSpace" presStyleCnt="0"/>
+      <dgm:spPr/>
+    </dgm:pt>
+    <dgm:pt modelId="{89BBF3F8-39A2-4A00-A6A0-04ADD63D5DFB}" type="pres">
+      <dgm:prSet presAssocID="{4D1A483E-445A-4261-9E9A-7CF07ACA2A4F}" presName="desTx" presStyleLbl="revTx" presStyleIdx="3" presStyleCnt="6">
+        <dgm:presLayoutVars/>
+      </dgm:prSet>
+      <dgm:spPr/>
+    </dgm:pt>
+    <dgm:pt modelId="{A715BFE0-D424-43EA-B9C2-394B5D2F62E8}" type="pres">
+      <dgm:prSet presAssocID="{9211B341-20CF-4324-90F5-9DF83C7B0B99}" presName="sibTrans" presStyleCnt="0"/>
+      <dgm:spPr/>
+    </dgm:pt>
+    <dgm:pt modelId="{F6B14F57-393C-495F-90E1-8983D9014A5D}" type="pres">
+      <dgm:prSet presAssocID="{F54DA79C-EC05-45FB-9CD7-7CBC33822085}" presName="compNode" presStyleCnt="0"/>
+      <dgm:spPr/>
+    </dgm:pt>
+    <dgm:pt modelId="{7ABB489B-AB88-42AE-BE92-47EA0E4FDDAF}" type="pres">
+      <dgm:prSet presAssocID="{F54DA79C-EC05-45FB-9CD7-7CBC33822085}" presName="iconRect" presStyleLbl="node1" presStyleIdx="2" presStyleCnt="3"/>
+      <dgm:spPr>
+        <a:blipFill>
+          <a:blip xmlns:r="http://schemas.openxmlformats.org/officeDocument/2006/relationships" r:embed="rId5">
+            <a:extLst>
+              <a:ext uri="{28A0092B-C50C-407E-A947-70E740481C1C}">
+                <a14:useLocalDpi xmlns:a14="http://schemas.microsoft.com/office/drawing/2010/main" val="0"/>
+              </a:ext>
+              <a:ext uri="{96DAC541-7B7A-43D3-8B79-37D633B846F1}">
+                <asvg:svgBlip xmlns:asvg="http://schemas.microsoft.com/office/drawing/2016/SVG/main" r:embed="rId6"/>
+              </a:ext>
+            </a:extLst>
+          </a:blip>
+          <a:stretch>
+            <a:fillRect/>
+          </a:stretch>
+        </a:blipFill>
+        <a:ln>
+          <a:noFill/>
+        </a:ln>
+      </dgm:spPr>
+      <dgm:extLst>
+        <a:ext uri="{E40237B7-FDA0-4F09-8148-C483321AD2D9}">
+          <dgm14:cNvPr xmlns:dgm14="http://schemas.microsoft.com/office/drawing/2010/diagram" id="0" name="" descr="Microscope"/>
+        </a:ext>
+      </dgm:extLst>
+    </dgm:pt>
+    <dgm:pt modelId="{A8F9EA7E-6891-4DAE-BD97-4F5E552463E9}" type="pres">
+      <dgm:prSet presAssocID="{F54DA79C-EC05-45FB-9CD7-7CBC33822085}" presName="iconSpace" presStyleCnt="0"/>
+      <dgm:spPr/>
+    </dgm:pt>
+    <dgm:pt modelId="{69B3E281-1606-4FAD-8C59-C5EE0C29859A}" type="pres">
+      <dgm:prSet presAssocID="{F54DA79C-EC05-45FB-9CD7-7CBC33822085}" presName="parTx" presStyleLbl="revTx" presStyleIdx="4" presStyleCnt="6">
+        <dgm:presLayoutVars>
+          <dgm:chMax val="0"/>
+          <dgm:chPref val="0"/>
+        </dgm:presLayoutVars>
+      </dgm:prSet>
+      <dgm:spPr/>
+    </dgm:pt>
+    <dgm:pt modelId="{1BB1ADE4-EA9F-483E-AD78-3513BC7ACE65}" type="pres">
+      <dgm:prSet presAssocID="{F54DA79C-EC05-45FB-9CD7-7CBC33822085}" presName="txSpace" presStyleCnt="0"/>
+      <dgm:spPr/>
+    </dgm:pt>
+    <dgm:pt modelId="{9C57556B-E19A-4A10-A53F-E3C6B3603815}" type="pres">
+      <dgm:prSet presAssocID="{F54DA79C-EC05-45FB-9CD7-7CBC33822085}" presName="desTx" presStyleLbl="revTx" presStyleIdx="5" presStyleCnt="6">
+        <dgm:presLayoutVars/>
+      </dgm:prSet>
+      <dgm:spPr/>
+    </dgm:pt>
+  </dgm:ptLst>
+  <dgm:cxnLst>
+    <dgm:cxn modelId="{2A6E7F0A-2893-4076-BC0D-31207D9E90B7}" srcId="{99EC0AA0-E90F-4220-9AB4-728FDB910574}" destId="{5C617F12-51CB-49CD-AEC4-D183308D1778}" srcOrd="1" destOrd="0" parTransId="{8E8456BD-5022-4FB3-8E00-D8DAC5A6AA88}" sibTransId="{B59D0154-BB2A-493E-9A09-8CF8454F2838}"/>
+    <dgm:cxn modelId="{95B8610B-1974-47F9-A485-DE13B1C16851}" srcId="{4D1A483E-445A-4261-9E9A-7CF07ACA2A4F}" destId="{06C251EA-592D-45B8-9F0D-0C7BEFEB560C}" srcOrd="1" destOrd="0" parTransId="{F1A0EF76-F0E4-4F62-B6A6-D1A092BC2DF7}" sibTransId="{D62E37E5-1FF6-4831-9650-BEE128C78B61}"/>
+    <dgm:cxn modelId="{7893C311-9CB1-4EE1-807B-80743D0A1EBC}" srcId="{99EC0AA0-E90F-4220-9AB4-728FDB910574}" destId="{DDEEFA95-E203-4D00-A7F2-C5F3E00E5276}" srcOrd="0" destOrd="0" parTransId="{99B793EE-9DA7-486A-BCA0-619FDB1A8FBB}" sibTransId="{B27587AB-C979-4AB5-924B-29873DC0150B}"/>
+    <dgm:cxn modelId="{9D154614-4CBC-43D8-8D27-15341C4F669B}" srcId="{F54DA79C-EC05-45FB-9CD7-7CBC33822085}" destId="{25726E8C-CBC3-419F-9974-4F53E1BC7821}" srcOrd="2" destOrd="0" parTransId="{3049CE70-A126-442B-916D-E6233A5021DA}" sibTransId="{3526C731-489C-448A-A146-871D571DDB19}"/>
+    <dgm:cxn modelId="{D3CD7916-0C75-429A-AF7D-84AB1B7A8008}" srcId="{F54DA79C-EC05-45FB-9CD7-7CBC33822085}" destId="{3FC38D92-ADE1-45B8-BF32-A46B3D16833C}" srcOrd="1" destOrd="0" parTransId="{6A1E2FD5-C9FB-42FD-B491-D85F10CAF84B}" sibTransId="{BA026A4A-A0FE-4873-8AA4-2418B236A3B9}"/>
+    <dgm:cxn modelId="{30FB0519-B8D6-4465-A301-B1B7202D526B}" srcId="{4D1A483E-445A-4261-9E9A-7CF07ACA2A4F}" destId="{F7EF8FF2-A2CB-4B69-8832-C9F1AA709224}" srcOrd="2" destOrd="0" parTransId="{B227B21B-9A66-44A2-8994-B1CABD406F95}" sibTransId="{C86E2FF5-B61A-4946-B701-4C860286FBAB}"/>
+    <dgm:cxn modelId="{A1F60F1E-2B1B-493A-B084-B1909F99DC6A}" type="presOf" srcId="{B9714732-E9F7-450A-905C-08BB3B245E42}" destId="{9C57556B-E19A-4A10-A53F-E3C6B3603815}" srcOrd="0" destOrd="0" presId="urn:microsoft.com/office/officeart/2018/2/layout/IconLabelDescriptionList"/>
+    <dgm:cxn modelId="{1D46932F-D03F-4D2B-9C0E-552306E76815}" srcId="{F54DA79C-EC05-45FB-9CD7-7CBC33822085}" destId="{B9714732-E9F7-450A-905C-08BB3B245E42}" srcOrd="0" destOrd="0" parTransId="{4554BE84-84F1-4D76-BD03-1A6FDD453B68}" sibTransId="{4A0FC21F-9057-4A22-BE26-2FC56076D221}"/>
+    <dgm:cxn modelId="{87DF7133-4803-48A9-9A0D-79429DC41EFB}" srcId="{396B807A-AB83-42F7-8C38-9C8FE594566E}" destId="{99EC0AA0-E90F-4220-9AB4-728FDB910574}" srcOrd="0" destOrd="0" parTransId="{04019AD8-0796-4C53-B4D8-8E56994E20AE}" sibTransId="{4A98F18E-22A6-4358-868D-F946CD431BB0}"/>
+    <dgm:cxn modelId="{802B663B-50E9-4FB9-BE49-F681D7B1EF52}" type="presOf" srcId="{803869C0-B2A7-4AF5-AD5F-78F38209CC1E}" destId="{89BBF3F8-39A2-4A00-A6A0-04ADD63D5DFB}" srcOrd="0" destOrd="0" presId="urn:microsoft.com/office/officeart/2018/2/layout/IconLabelDescriptionList"/>
+    <dgm:cxn modelId="{35F5115D-4B02-472D-91C6-7DBFE97981CD}" srcId="{99EC0AA0-E90F-4220-9AB4-728FDB910574}" destId="{9FBCFCCC-F51F-4891-B4A2-78440F5D7AAC}" srcOrd="2" destOrd="0" parTransId="{D08BAC5A-EC6E-462E-8F2C-FCD5EBEB5356}" sibTransId="{62D0FC87-ACDC-4EF7-9095-52F37E0F9AEF}"/>
+    <dgm:cxn modelId="{3FDDD661-A3F3-4B3B-BB37-9E9CB5673792}" type="presOf" srcId="{F54DA79C-EC05-45FB-9CD7-7CBC33822085}" destId="{69B3E281-1606-4FAD-8C59-C5EE0C29859A}" srcOrd="0" destOrd="0" presId="urn:microsoft.com/office/officeart/2018/2/layout/IconLabelDescriptionList"/>
+    <dgm:cxn modelId="{D5245E62-B640-4CB4-BEF6-2B25713D465C}" type="presOf" srcId="{396B807A-AB83-42F7-8C38-9C8FE594566E}" destId="{7B229C57-221C-480B-91FA-690B8392B6F1}" srcOrd="0" destOrd="0" presId="urn:microsoft.com/office/officeart/2018/2/layout/IconLabelDescriptionList"/>
+    <dgm:cxn modelId="{82FD5B43-76B7-441C-ADE6-7192A2309FB1}" srcId="{4D1A483E-445A-4261-9E9A-7CF07ACA2A4F}" destId="{803869C0-B2A7-4AF5-AD5F-78F38209CC1E}" srcOrd="0" destOrd="0" parTransId="{21650DD5-691F-4E76-AA29-7902E0333436}" sibTransId="{7D4952FD-9FFD-44AA-9A72-9BEA37719B52}"/>
+    <dgm:cxn modelId="{369B1849-A5B6-4099-8A09-69957A6AD9FA}" type="presOf" srcId="{06C251EA-592D-45B8-9F0D-0C7BEFEB560C}" destId="{89BBF3F8-39A2-4A00-A6A0-04ADD63D5DFB}" srcOrd="0" destOrd="1" presId="urn:microsoft.com/office/officeart/2018/2/layout/IconLabelDescriptionList"/>
+    <dgm:cxn modelId="{3CF7E34C-F44F-4CFC-A052-B822BEB62FAC}" srcId="{396B807A-AB83-42F7-8C38-9C8FE594566E}" destId="{4D1A483E-445A-4261-9E9A-7CF07ACA2A4F}" srcOrd="1" destOrd="0" parTransId="{CB8D39BE-F042-4BED-A44B-B10BB4045BB6}" sibTransId="{9211B341-20CF-4324-90F5-9DF83C7B0B99}"/>
+    <dgm:cxn modelId="{9EAE8781-18EA-4D07-B1AF-7E45EFA50A59}" type="presOf" srcId="{9FBCFCCC-F51F-4891-B4A2-78440F5D7AAC}" destId="{D36321B2-D357-4641-AC6B-641AFB6E5FD8}" srcOrd="0" destOrd="2" presId="urn:microsoft.com/office/officeart/2018/2/layout/IconLabelDescriptionList"/>
+    <dgm:cxn modelId="{1899AB87-D534-49DA-8CAD-40FED8A61AA3}" type="presOf" srcId="{99EC0AA0-E90F-4220-9AB4-728FDB910574}" destId="{95897D90-202B-4A17-A24B-E2584238B36F}" srcOrd="0" destOrd="0" presId="urn:microsoft.com/office/officeart/2018/2/layout/IconLabelDescriptionList"/>
+    <dgm:cxn modelId="{03B8C688-379D-4E8F-B6D9-C5B5162C77C3}" type="presOf" srcId="{3FC38D92-ADE1-45B8-BF32-A46B3D16833C}" destId="{9C57556B-E19A-4A10-A53F-E3C6B3603815}" srcOrd="0" destOrd="1" presId="urn:microsoft.com/office/officeart/2018/2/layout/IconLabelDescriptionList"/>
+    <dgm:cxn modelId="{B9017ABA-2951-470D-8D9A-92184A887647}" type="presOf" srcId="{4D1A483E-445A-4261-9E9A-7CF07ACA2A4F}" destId="{42A4FC8A-C07B-482D-83C9-63E78C0F2603}" srcOrd="0" destOrd="0" presId="urn:microsoft.com/office/officeart/2018/2/layout/IconLabelDescriptionList"/>
+    <dgm:cxn modelId="{5500CDBE-50A6-457E-B3AE-6583C08CB0D8}" type="presOf" srcId="{25726E8C-CBC3-419F-9974-4F53E1BC7821}" destId="{9C57556B-E19A-4A10-A53F-E3C6B3603815}" srcOrd="0" destOrd="2" presId="urn:microsoft.com/office/officeart/2018/2/layout/IconLabelDescriptionList"/>
+    <dgm:cxn modelId="{ADC6B7D1-ADEF-44CB-846E-D4B4726A4F4F}" type="presOf" srcId="{F7EF8FF2-A2CB-4B69-8832-C9F1AA709224}" destId="{89BBF3F8-39A2-4A00-A6A0-04ADD63D5DFB}" srcOrd="0" destOrd="2" presId="urn:microsoft.com/office/officeart/2018/2/layout/IconLabelDescriptionList"/>
+    <dgm:cxn modelId="{C4E3C6DE-A0D6-4789-ACF9-AD558D0B3BA3}" type="presOf" srcId="{5C617F12-51CB-49CD-AEC4-D183308D1778}" destId="{D36321B2-D357-4641-AC6B-641AFB6E5FD8}" srcOrd="0" destOrd="1" presId="urn:microsoft.com/office/officeart/2018/2/layout/IconLabelDescriptionList"/>
+    <dgm:cxn modelId="{A8BB01E9-CBAA-4ECF-8D55-F7BA1EF00EEA}" type="presOf" srcId="{DDEEFA95-E203-4D00-A7F2-C5F3E00E5276}" destId="{D36321B2-D357-4641-AC6B-641AFB6E5FD8}" srcOrd="0" destOrd="0" presId="urn:microsoft.com/office/officeart/2018/2/layout/IconLabelDescriptionList"/>
+    <dgm:cxn modelId="{5DCEC7EB-A6E2-4EAD-87BC-9F71DC432D25}" srcId="{396B807A-AB83-42F7-8C38-9C8FE594566E}" destId="{F54DA79C-EC05-45FB-9CD7-7CBC33822085}" srcOrd="2" destOrd="0" parTransId="{EE14BCE2-A9AB-468D-A4EA-61A870CC1E18}" sibTransId="{42AED8CE-73D0-4E40-8D2C-67298D4D7801}"/>
+    <dgm:cxn modelId="{BE2D4CB7-EFC1-4899-AA67-CB672209EDAF}" type="presParOf" srcId="{7B229C57-221C-480B-91FA-690B8392B6F1}" destId="{80F43F81-664D-4D6E-8942-B55059B38246}" srcOrd="0" destOrd="0" presId="urn:microsoft.com/office/officeart/2018/2/layout/IconLabelDescriptionList"/>
+    <dgm:cxn modelId="{2EFD3224-DC02-445E-9F9B-04C501570543}" type="presParOf" srcId="{80F43F81-664D-4D6E-8942-B55059B38246}" destId="{9B4E1E8B-0592-4AA8-A043-CEA3EA2D3063}" srcOrd="0" destOrd="0" presId="urn:microsoft.com/office/officeart/2018/2/layout/IconLabelDescriptionList"/>
+    <dgm:cxn modelId="{D382D4BA-0012-4B65-98C4-9B06A213C88C}" type="presParOf" srcId="{80F43F81-664D-4D6E-8942-B55059B38246}" destId="{473562C7-A73C-4684-8CA2-4B197CA4E227}" srcOrd="1" destOrd="0" presId="urn:microsoft.com/office/officeart/2018/2/layout/IconLabelDescriptionList"/>
+    <dgm:cxn modelId="{1AFD0008-2909-4445-BF73-62644AE619C0}" type="presParOf" srcId="{80F43F81-664D-4D6E-8942-B55059B38246}" destId="{95897D90-202B-4A17-A24B-E2584238B36F}" srcOrd="2" destOrd="0" presId="urn:microsoft.com/office/officeart/2018/2/layout/IconLabelDescriptionList"/>
+    <dgm:cxn modelId="{435BAC72-6802-4035-AA7D-B5EDD3892429}" type="presParOf" srcId="{80F43F81-664D-4D6E-8942-B55059B38246}" destId="{03ECE863-DC0E-42FE-AF08-50CF9ECC6AEA}" srcOrd="3" destOrd="0" presId="urn:microsoft.com/office/officeart/2018/2/layout/IconLabelDescriptionList"/>
+    <dgm:cxn modelId="{2BF187DB-2E0A-4398-8C9A-857F8541A385}" type="presParOf" srcId="{80F43F81-664D-4D6E-8942-B55059B38246}" destId="{D36321B2-D357-4641-AC6B-641AFB6E5FD8}" srcOrd="4" destOrd="0" presId="urn:microsoft.com/office/officeart/2018/2/layout/IconLabelDescriptionList"/>
+    <dgm:cxn modelId="{CF3D499F-47DC-4B9D-BCF1-06EED754E4B4}" type="presParOf" srcId="{7B229C57-221C-480B-91FA-690B8392B6F1}" destId="{F14EC767-5B03-41D7-B24E-F6DE37ABF8DC}" srcOrd="1" destOrd="0" presId="urn:microsoft.com/office/officeart/2018/2/layout/IconLabelDescriptionList"/>
+    <dgm:cxn modelId="{531D2859-C1D4-4F6A-A2B9-760CCC82E41C}" type="presParOf" srcId="{7B229C57-221C-480B-91FA-690B8392B6F1}" destId="{094300C4-E1C5-4917-8380-DCEC4DFBA4F3}" srcOrd="2" destOrd="0" presId="urn:microsoft.com/office/officeart/2018/2/layout/IconLabelDescriptionList"/>
+    <dgm:cxn modelId="{04E0EFB7-9872-434B-92A2-105FF0FA3E19}" type="presParOf" srcId="{094300C4-E1C5-4917-8380-DCEC4DFBA4F3}" destId="{C5582F81-4EDD-43E9-ACB5-11F9832F0AFD}" srcOrd="0" destOrd="0" presId="urn:microsoft.com/office/officeart/2018/2/layout/IconLabelDescriptionList"/>
+    <dgm:cxn modelId="{1E65CCD2-9020-4AFB-A599-0016FE34D41B}" type="presParOf" srcId="{094300C4-E1C5-4917-8380-DCEC4DFBA4F3}" destId="{FE27D814-E065-4B2A-ACE4-DB5AB8E708B2}" srcOrd="1" destOrd="0" presId="urn:microsoft.com/office/officeart/2018/2/layout/IconLabelDescriptionList"/>
+    <dgm:cxn modelId="{C377A098-A20A-41A8-9D8B-300110856508}" type="presParOf" srcId="{094300C4-E1C5-4917-8380-DCEC4DFBA4F3}" destId="{42A4FC8A-C07B-482D-83C9-63E78C0F2603}" srcOrd="2" destOrd="0" presId="urn:microsoft.com/office/officeart/2018/2/layout/IconLabelDescriptionList"/>
+    <dgm:cxn modelId="{2C6743A5-3FE4-4B09-958B-76EF7BFCB483}" type="presParOf" srcId="{094300C4-E1C5-4917-8380-DCEC4DFBA4F3}" destId="{257E6252-7503-4501-9CB9-FAAE6B587BB0}" srcOrd="3" destOrd="0" presId="urn:microsoft.com/office/officeart/2018/2/layout/IconLabelDescriptionList"/>
+    <dgm:cxn modelId="{EE5302DE-DA65-435B-A19A-CE050FBF6AED}" type="presParOf" srcId="{094300C4-E1C5-4917-8380-DCEC4DFBA4F3}" destId="{89BBF3F8-39A2-4A00-A6A0-04ADD63D5DFB}" srcOrd="4" destOrd="0" presId="urn:microsoft.com/office/officeart/2018/2/layout/IconLabelDescriptionList"/>
+    <dgm:cxn modelId="{72EDF84A-A611-4184-9EB1-43934DC1821E}" type="presParOf" srcId="{7B229C57-221C-480B-91FA-690B8392B6F1}" destId="{A715BFE0-D424-43EA-B9C2-394B5D2F62E8}" srcOrd="3" destOrd="0" presId="urn:microsoft.com/office/officeart/2018/2/layout/IconLabelDescriptionList"/>
+    <dgm:cxn modelId="{BCB27B25-A4D4-4B5A-B2E0-B7A011F0AE02}" type="presParOf" srcId="{7B229C57-221C-480B-91FA-690B8392B6F1}" destId="{F6B14F57-393C-495F-90E1-8983D9014A5D}" srcOrd="4" destOrd="0" presId="urn:microsoft.com/office/officeart/2018/2/layout/IconLabelDescriptionList"/>
+    <dgm:cxn modelId="{5614A650-518B-48FD-A75E-BA7959E756F7}" type="presParOf" srcId="{F6B14F57-393C-495F-90E1-8983D9014A5D}" destId="{7ABB489B-AB88-42AE-BE92-47EA0E4FDDAF}" srcOrd="0" destOrd="0" presId="urn:microsoft.com/office/officeart/2018/2/layout/IconLabelDescriptionList"/>
+    <dgm:cxn modelId="{77B0DF97-32B9-4A45-902F-A4BD0D10B8A8}" type="presParOf" srcId="{F6B14F57-393C-495F-90E1-8983D9014A5D}" destId="{A8F9EA7E-6891-4DAE-BD97-4F5E552463E9}" srcOrd="1" destOrd="0" presId="urn:microsoft.com/office/officeart/2018/2/layout/IconLabelDescriptionList"/>
+    <dgm:cxn modelId="{C572B943-F1D6-40E8-94D0-D6F4F95DBC65}" type="presParOf" srcId="{F6B14F57-393C-495F-90E1-8983D9014A5D}" destId="{69B3E281-1606-4FAD-8C59-C5EE0C29859A}" srcOrd="2" destOrd="0" presId="urn:microsoft.com/office/officeart/2018/2/layout/IconLabelDescriptionList"/>
+    <dgm:cxn modelId="{999CBD44-4CED-414E-B12F-21BCD4BB8F8D}" type="presParOf" srcId="{F6B14F57-393C-495F-90E1-8983D9014A5D}" destId="{1BB1ADE4-EA9F-483E-AD78-3513BC7ACE65}" srcOrd="3" destOrd="0" presId="urn:microsoft.com/office/officeart/2018/2/layout/IconLabelDescriptionList"/>
+    <dgm:cxn modelId="{B81D0BD0-9758-46DD-9426-573314599E24}" type="presParOf" srcId="{F6B14F57-393C-495F-90E1-8983D9014A5D}" destId="{9C57556B-E19A-4A10-A53F-E3C6B3603815}" srcOrd="4" destOrd="0" presId="urn:microsoft.com/office/officeart/2018/2/layout/IconLabelDescriptionList"/>
+  </dgm:cxnLst>
+  <dgm:bg/>
+  <dgm:whole/>
+  <dgm:extLst>
+    <a:ext uri="http://schemas.microsoft.com/office/drawing/2008/diagram">
+      <dsp:dataModelExt xmlns:dsp="http://schemas.microsoft.com/office/drawing/2008/diagram" relId="rId6" minVer="http://schemas.openxmlformats.org/drawingml/2006/diagram"/>
+    </a:ext>
+  </dgm:extLst>
+</dgm:dataModel>
+</file>
+
+<file path=ppt/diagrams/data2.xml><?xml version="1.0" encoding="utf-8"?>
+<dgm:dataModel xmlns:dgm="http://schemas.openxmlformats.org/drawingml/2006/diagram" xmlns:a="http://schemas.openxmlformats.org/drawingml/2006/main">
+  <dgm:ptLst>
     <dgm:pt modelId="{9CDDCC43-06FF-456A-B371-AB44425336E4}" type="doc">
       <dgm:prSet loTypeId="urn:microsoft.com/office/officeart/2018/2/layout/IconLabelList" loCatId="icon" qsTypeId="urn:microsoft.com/office/officeart/2005/8/quickstyle/simple1" qsCatId="simple" csTypeId="urn:microsoft.com/office/officeart/2018/5/colors/Iconchunking_neutralbg_colorful1" csCatId="colorful" phldr="1"/>
       <dgm:spPr/>
@@ -3911,7 +5352,7 @@
 </dgm:dataModel>
 </file>
 
-<file path=ppt/diagrams/data2.xml><?xml version="1.0" encoding="utf-8"?>
+<file path=ppt/diagrams/data3.xml><?xml version="1.0" encoding="utf-8"?>
 <dgm:dataModel xmlns:dgm="http://schemas.openxmlformats.org/drawingml/2006/diagram" xmlns:a="http://schemas.openxmlformats.org/drawingml/2006/main">
   <dgm:ptLst>
     <dgm:pt modelId="{A923E62B-FB79-47C5-BF65-EB81EDD2FEB4}" type="doc">
@@ -5206,11 +6647,11 @@
 </dgm:dataModel>
 </file>
 
-<file path=ppt/diagrams/data3.xml><?xml version="1.0" encoding="utf-8"?>
+<file path=ppt/diagrams/data4.xml><?xml version="1.0" encoding="utf-8"?>
 <dgm:dataModel xmlns:dgm="http://schemas.openxmlformats.org/drawingml/2006/diagram" xmlns:a="http://schemas.openxmlformats.org/drawingml/2006/main">
   <dgm:ptLst>
     <dgm:pt modelId="{3983FDDA-1E01-44C1-B1F1-B0986D54992D}" type="doc">
-      <dgm:prSet loTypeId="urn:microsoft.com/office/officeart/2018/5/layout/CenteredIconLabelDescriptionList" loCatId="icon" qsTypeId="urn:microsoft.com/office/officeart/2005/8/quickstyle/simple1" qsCatId="simple" csTypeId="urn:microsoft.com/office/officeart/2018/5/colors/Iconchunking_neutralbg_accent0_3" csCatId="mainScheme" phldr="1"/>
+      <dgm:prSet loTypeId="urn:microsoft.com/office/officeart/2018/5/layout/CenteredIconLabelDescriptionList" loCatId="icon" qsTypeId="urn:microsoft.com/office/officeart/2005/8/quickstyle/simple1" qsCatId="simple" csTypeId="urn:microsoft.com/office/officeart/2018/5/colors/Iconchunking_neutralbg_accent6_2" csCatId="accent6" phldr="1"/>
       <dgm:spPr/>
       <dgm:t>
         <a:bodyPr/>
@@ -5228,6 +6669,9 @@
         <a:lstStyle/>
         <a:p>
           <a:pPr>
+            <a:lnSpc>
+              <a:spcPct val="100000"/>
+            </a:lnSpc>
             <a:defRPr b="1"/>
           </a:pPr>
           <a:r>
@@ -5266,6 +6710,11 @@
         <a:bodyPr/>
         <a:lstStyle/>
         <a:p>
+          <a:pPr>
+            <a:lnSpc>
+              <a:spcPct val="100000"/>
+            </a:lnSpc>
+          </a:pPr>
           <a:r>
             <a:rPr lang="en-US"/>
             <a:t>Interactive plot for HRMS data visualization</a:t>
@@ -5303,6 +6752,9 @@
         <a:lstStyle/>
         <a:p>
           <a:pPr>
+            <a:lnSpc>
+              <a:spcPct val="100000"/>
+            </a:lnSpc>
             <a:defRPr b="1"/>
           </a:pPr>
           <a:r>
@@ -5341,6 +6793,11 @@
         <a:bodyPr/>
         <a:lstStyle/>
         <a:p>
+          <a:pPr>
+            <a:lnSpc>
+              <a:spcPct val="100000"/>
+            </a:lnSpc>
+          </a:pPr>
           <a:r>
             <a:rPr lang="en-US"/>
             <a:t>Realtime database matching and searching using selected database</a:t>
@@ -5528,7 +6985,7 @@
 </dgm:dataModel>
 </file>
 
-<file path=ppt/diagrams/data4.xml><?xml version="1.0" encoding="utf-8"?>
+<file path=ppt/diagrams/data5.xml><?xml version="1.0" encoding="utf-8"?>
 <dgm:dataModel xmlns:dgm="http://schemas.openxmlformats.org/drawingml/2006/diagram" xmlns:a="http://schemas.openxmlformats.org/drawingml/2006/main">
   <dgm:ptLst>
     <dgm:pt modelId="{35B5ACD3-A801-49BE-9A4E-5D026271DD36}" type="doc">
@@ -5962,6 +7419,636 @@
 </file>
 
 <file path=ppt/diagrams/drawing1.xml><?xml version="1.0" encoding="utf-8"?>
+<dsp:drawing xmlns:dgm="http://schemas.openxmlformats.org/drawingml/2006/diagram" xmlns:dsp="http://schemas.microsoft.com/office/drawing/2008/diagram" xmlns:a="http://schemas.openxmlformats.org/drawingml/2006/main">
+  <dsp:spTree>
+    <dsp:nvGrpSpPr>
+      <dsp:cNvPr id="0" name=""/>
+      <dsp:cNvGrpSpPr/>
+    </dsp:nvGrpSpPr>
+    <dsp:grpSpPr/>
+    <dsp:sp modelId="{9B4E1E8B-0592-4AA8-A043-CEA3EA2D3063}">
+      <dsp:nvSpPr>
+        <dsp:cNvPr id="0" name=""/>
+        <dsp:cNvSpPr/>
+      </dsp:nvSpPr>
+      <dsp:spPr>
+        <a:xfrm>
+          <a:off x="2062" y="67357"/>
+          <a:ext cx="1135476" cy="1135476"/>
+        </a:xfrm>
+        <a:prstGeom prst="rect">
+          <a:avLst/>
+        </a:prstGeom>
+        <a:blipFill>
+          <a:blip xmlns:r="http://schemas.openxmlformats.org/officeDocument/2006/relationships" r:embed="rId1">
+            <a:extLst>
+              <a:ext uri="{28A0092B-C50C-407E-A947-70E740481C1C}">
+                <a14:useLocalDpi xmlns:a14="http://schemas.microsoft.com/office/drawing/2010/main" val="0"/>
+              </a:ext>
+              <a:ext uri="{96DAC541-7B7A-43D3-8B79-37D633B846F1}">
+                <asvg:svgBlip xmlns:asvg="http://schemas.microsoft.com/office/drawing/2016/SVG/main" r:embed="rId2"/>
+              </a:ext>
+            </a:extLst>
+          </a:blip>
+          <a:stretch>
+            <a:fillRect/>
+          </a:stretch>
+        </a:blipFill>
+        <a:ln w="12700" cap="flat" cmpd="sng" algn="ctr">
+          <a:noFill/>
+          <a:prstDash val="solid"/>
+        </a:ln>
+        <a:effectLst/>
+      </dsp:spPr>
+      <dsp:style>
+        <a:lnRef idx="2">
+          <a:scrgbClr r="0" g="0" b="0"/>
+        </a:lnRef>
+        <a:fillRef idx="1">
+          <a:scrgbClr r="0" g="0" b="0"/>
+        </a:fillRef>
+        <a:effectRef idx="0">
+          <a:scrgbClr r="0" g="0" b="0"/>
+        </a:effectRef>
+        <a:fontRef idx="minor">
+          <a:schemeClr val="lt1"/>
+        </a:fontRef>
+      </dsp:style>
+    </dsp:sp>
+    <dsp:sp modelId="{95897D90-202B-4A17-A24B-E2584238B36F}">
+      <dsp:nvSpPr>
+        <dsp:cNvPr id="0" name=""/>
+        <dsp:cNvSpPr/>
+      </dsp:nvSpPr>
+      <dsp:spPr>
+        <a:xfrm>
+          <a:off x="2062" y="1347594"/>
+          <a:ext cx="3244218" cy="486632"/>
+        </a:xfrm>
+        <a:prstGeom prst="rect">
+          <a:avLst/>
+        </a:prstGeom>
+        <a:noFill/>
+        <a:ln>
+          <a:noFill/>
+        </a:ln>
+        <a:effectLst/>
+      </dsp:spPr>
+      <dsp:style>
+        <a:lnRef idx="0">
+          <a:scrgbClr r="0" g="0" b="0"/>
+        </a:lnRef>
+        <a:fillRef idx="0">
+          <a:scrgbClr r="0" g="0" b="0"/>
+        </a:fillRef>
+        <a:effectRef idx="0">
+          <a:scrgbClr r="0" g="0" b="0"/>
+        </a:effectRef>
+        <a:fontRef idx="minor"/>
+      </dsp:style>
+      <dsp:txBody>
+        <a:bodyPr spcFirstLastPara="0" vert="horz" wrap="square" lIns="0" tIns="0" rIns="0" bIns="0" numCol="1" spcCol="1270" anchor="t" anchorCtr="0">
+          <a:noAutofit/>
+        </a:bodyPr>
+        <a:lstStyle/>
+        <a:p>
+          <a:pPr marL="0" lvl="0" indent="0" algn="l" defTabSz="755650">
+            <a:lnSpc>
+              <a:spcPct val="90000"/>
+            </a:lnSpc>
+            <a:spcBef>
+              <a:spcPct val="0"/>
+            </a:spcBef>
+            <a:spcAft>
+              <a:spcPct val="35000"/>
+            </a:spcAft>
+            <a:buNone/>
+            <a:defRPr b="1"/>
+          </a:pPr>
+          <a:r>
+            <a:rPr lang="en-US" sz="1700" kern="1200"/>
+            <a:t>High Resolution Mass Spectrometry (HRMS)</a:t>
+          </a:r>
+        </a:p>
+      </dsp:txBody>
+      <dsp:txXfrm>
+        <a:off x="2062" y="1347594"/>
+        <a:ext cx="3244218" cy="486632"/>
+      </dsp:txXfrm>
+    </dsp:sp>
+    <dsp:sp modelId="{D36321B2-D357-4641-AC6B-641AFB6E5FD8}">
+      <dsp:nvSpPr>
+        <dsp:cNvPr id="0" name=""/>
+        <dsp:cNvSpPr/>
+      </dsp:nvSpPr>
+      <dsp:spPr>
+        <a:xfrm>
+          <a:off x="2062" y="1901558"/>
+          <a:ext cx="3244218" cy="1532322"/>
+        </a:xfrm>
+        <a:prstGeom prst="rect">
+          <a:avLst/>
+        </a:prstGeom>
+        <a:noFill/>
+        <a:ln>
+          <a:noFill/>
+        </a:ln>
+        <a:effectLst/>
+      </dsp:spPr>
+      <dsp:style>
+        <a:lnRef idx="0">
+          <a:scrgbClr r="0" g="0" b="0"/>
+        </a:lnRef>
+        <a:fillRef idx="0">
+          <a:scrgbClr r="0" g="0" b="0"/>
+        </a:fillRef>
+        <a:effectRef idx="0">
+          <a:scrgbClr r="0" g="0" b="0"/>
+        </a:effectRef>
+        <a:fontRef idx="minor"/>
+      </dsp:style>
+      <dsp:txBody>
+        <a:bodyPr spcFirstLastPara="0" vert="horz" wrap="square" lIns="0" tIns="0" rIns="0" bIns="0" numCol="1" spcCol="1270" anchor="t" anchorCtr="0">
+          <a:noAutofit/>
+        </a:bodyPr>
+        <a:lstStyle/>
+        <a:p>
+          <a:pPr marL="0" lvl="0" indent="0" algn="l" defTabSz="711200">
+            <a:lnSpc>
+              <a:spcPct val="90000"/>
+            </a:lnSpc>
+            <a:spcBef>
+              <a:spcPct val="0"/>
+            </a:spcBef>
+            <a:spcAft>
+              <a:spcPct val="35000"/>
+            </a:spcAft>
+            <a:buNone/>
+          </a:pPr>
+          <a:r>
+            <a:rPr lang="en-US" sz="1600" kern="1200" dirty="0"/>
+            <a:t>Novel technology for water quality assessment</a:t>
+          </a:r>
+        </a:p>
+        <a:p>
+          <a:pPr marL="0" lvl="0" indent="0" algn="l" defTabSz="711200">
+            <a:lnSpc>
+              <a:spcPct val="90000"/>
+            </a:lnSpc>
+            <a:spcBef>
+              <a:spcPct val="0"/>
+            </a:spcBef>
+            <a:spcAft>
+              <a:spcPct val="35000"/>
+            </a:spcAft>
+            <a:buNone/>
+          </a:pPr>
+          <a:r>
+            <a:rPr lang="en-US" sz="1600" kern="1200"/>
+            <a:t>Data massive for interpretation and detailed analysis</a:t>
+          </a:r>
+        </a:p>
+        <a:p>
+          <a:pPr marL="0" lvl="0" indent="0" algn="l" defTabSz="711200">
+            <a:lnSpc>
+              <a:spcPct val="90000"/>
+            </a:lnSpc>
+            <a:spcBef>
+              <a:spcPct val="0"/>
+            </a:spcBef>
+            <a:spcAft>
+              <a:spcPct val="35000"/>
+            </a:spcAft>
+            <a:buNone/>
+          </a:pPr>
+          <a:r>
+            <a:rPr lang="en-US" sz="1600" kern="1200"/>
+            <a:t>Current software hard to meet every needs</a:t>
+          </a:r>
+        </a:p>
+      </dsp:txBody>
+      <dsp:txXfrm>
+        <a:off x="2062" y="1901558"/>
+        <a:ext cx="3244218" cy="1532322"/>
+      </dsp:txXfrm>
+    </dsp:sp>
+    <dsp:sp modelId="{C5582F81-4EDD-43E9-ACB5-11F9832F0AFD}">
+      <dsp:nvSpPr>
+        <dsp:cNvPr id="0" name=""/>
+        <dsp:cNvSpPr/>
+      </dsp:nvSpPr>
+      <dsp:spPr>
+        <a:xfrm>
+          <a:off x="3814019" y="67357"/>
+          <a:ext cx="1135476" cy="1135476"/>
+        </a:xfrm>
+        <a:prstGeom prst="rect">
+          <a:avLst/>
+        </a:prstGeom>
+        <a:blipFill>
+          <a:blip xmlns:r="http://schemas.openxmlformats.org/officeDocument/2006/relationships" r:embed="rId3">
+            <a:extLst>
+              <a:ext uri="{28A0092B-C50C-407E-A947-70E740481C1C}">
+                <a14:useLocalDpi xmlns:a14="http://schemas.microsoft.com/office/drawing/2010/main" val="0"/>
+              </a:ext>
+              <a:ext uri="{96DAC541-7B7A-43D3-8B79-37D633B846F1}">
+                <asvg:svgBlip xmlns:asvg="http://schemas.microsoft.com/office/drawing/2016/SVG/main" r:embed="rId4"/>
+              </a:ext>
+            </a:extLst>
+          </a:blip>
+          <a:stretch>
+            <a:fillRect/>
+          </a:stretch>
+        </a:blipFill>
+        <a:ln w="12700" cap="flat" cmpd="sng" algn="ctr">
+          <a:noFill/>
+          <a:prstDash val="solid"/>
+        </a:ln>
+        <a:effectLst/>
+      </dsp:spPr>
+      <dsp:style>
+        <a:lnRef idx="2">
+          <a:scrgbClr r="0" g="0" b="0"/>
+        </a:lnRef>
+        <a:fillRef idx="1">
+          <a:scrgbClr r="0" g="0" b="0"/>
+        </a:fillRef>
+        <a:effectRef idx="0">
+          <a:scrgbClr r="0" g="0" b="0"/>
+        </a:effectRef>
+        <a:fontRef idx="minor">
+          <a:schemeClr val="lt1"/>
+        </a:fontRef>
+      </dsp:style>
+    </dsp:sp>
+    <dsp:sp modelId="{42A4FC8A-C07B-482D-83C9-63E78C0F2603}">
+      <dsp:nvSpPr>
+        <dsp:cNvPr id="0" name=""/>
+        <dsp:cNvSpPr/>
+      </dsp:nvSpPr>
+      <dsp:spPr>
+        <a:xfrm>
+          <a:off x="3814019" y="1347594"/>
+          <a:ext cx="3244218" cy="486632"/>
+        </a:xfrm>
+        <a:prstGeom prst="rect">
+          <a:avLst/>
+        </a:prstGeom>
+        <a:noFill/>
+        <a:ln>
+          <a:noFill/>
+        </a:ln>
+        <a:effectLst/>
+      </dsp:spPr>
+      <dsp:style>
+        <a:lnRef idx="0">
+          <a:scrgbClr r="0" g="0" b="0"/>
+        </a:lnRef>
+        <a:fillRef idx="0">
+          <a:scrgbClr r="0" g="0" b="0"/>
+        </a:fillRef>
+        <a:effectRef idx="0">
+          <a:scrgbClr r="0" g="0" b="0"/>
+        </a:effectRef>
+        <a:fontRef idx="minor"/>
+      </dsp:style>
+      <dsp:txBody>
+        <a:bodyPr spcFirstLastPara="0" vert="horz" wrap="square" lIns="0" tIns="0" rIns="0" bIns="0" numCol="1" spcCol="1270" anchor="t" anchorCtr="0">
+          <a:noAutofit/>
+        </a:bodyPr>
+        <a:lstStyle/>
+        <a:p>
+          <a:pPr marL="0" lvl="0" indent="0" algn="l" defTabSz="755650">
+            <a:lnSpc>
+              <a:spcPct val="90000"/>
+            </a:lnSpc>
+            <a:spcBef>
+              <a:spcPct val="0"/>
+            </a:spcBef>
+            <a:spcAft>
+              <a:spcPct val="35000"/>
+            </a:spcAft>
+            <a:buNone/>
+            <a:defRPr b="1"/>
+          </a:pPr>
+          <a:r>
+            <a:rPr lang="en-US" sz="1700" kern="1200"/>
+            <a:t>Pollutant in water</a:t>
+          </a:r>
+        </a:p>
+      </dsp:txBody>
+      <dsp:txXfrm>
+        <a:off x="3814019" y="1347594"/>
+        <a:ext cx="3244218" cy="486632"/>
+      </dsp:txXfrm>
+    </dsp:sp>
+    <dsp:sp modelId="{89BBF3F8-39A2-4A00-A6A0-04ADD63D5DFB}">
+      <dsp:nvSpPr>
+        <dsp:cNvPr id="0" name=""/>
+        <dsp:cNvSpPr/>
+      </dsp:nvSpPr>
+      <dsp:spPr>
+        <a:xfrm>
+          <a:off x="3814019" y="1901558"/>
+          <a:ext cx="3244218" cy="1532322"/>
+        </a:xfrm>
+        <a:prstGeom prst="rect">
+          <a:avLst/>
+        </a:prstGeom>
+        <a:noFill/>
+        <a:ln>
+          <a:noFill/>
+        </a:ln>
+        <a:effectLst/>
+      </dsp:spPr>
+      <dsp:style>
+        <a:lnRef idx="0">
+          <a:scrgbClr r="0" g="0" b="0"/>
+        </a:lnRef>
+        <a:fillRef idx="0">
+          <a:scrgbClr r="0" g="0" b="0"/>
+        </a:fillRef>
+        <a:effectRef idx="0">
+          <a:scrgbClr r="0" g="0" b="0"/>
+        </a:effectRef>
+        <a:fontRef idx="minor"/>
+      </dsp:style>
+      <dsp:txBody>
+        <a:bodyPr spcFirstLastPara="0" vert="horz" wrap="square" lIns="0" tIns="0" rIns="0" bIns="0" numCol="1" spcCol="1270" anchor="t" anchorCtr="0">
+          <a:noAutofit/>
+        </a:bodyPr>
+        <a:lstStyle/>
+        <a:p>
+          <a:pPr marL="0" lvl="0" indent="0" algn="l" defTabSz="711200">
+            <a:lnSpc>
+              <a:spcPct val="90000"/>
+            </a:lnSpc>
+            <a:spcBef>
+              <a:spcPct val="0"/>
+            </a:spcBef>
+            <a:spcAft>
+              <a:spcPct val="35000"/>
+            </a:spcAft>
+            <a:buNone/>
+          </a:pPr>
+          <a:r>
+            <a:rPr lang="en-US" sz="1600" kern="1200" dirty="0"/>
+            <a:t>Complicated and coming from different sources</a:t>
+          </a:r>
+        </a:p>
+        <a:p>
+          <a:pPr marL="0" lvl="0" indent="0" algn="l" defTabSz="711200">
+            <a:lnSpc>
+              <a:spcPct val="90000"/>
+            </a:lnSpc>
+            <a:spcBef>
+              <a:spcPct val="0"/>
+            </a:spcBef>
+            <a:spcAft>
+              <a:spcPct val="35000"/>
+            </a:spcAft>
+            <a:buNone/>
+          </a:pPr>
+          <a:r>
+            <a:rPr lang="en-US" sz="1600" kern="1200"/>
+            <a:t>Hard to identification and track</a:t>
+          </a:r>
+        </a:p>
+        <a:p>
+          <a:pPr marL="0" lvl="0" indent="0" algn="l" defTabSz="711200">
+            <a:lnSpc>
+              <a:spcPct val="90000"/>
+            </a:lnSpc>
+            <a:spcBef>
+              <a:spcPct val="0"/>
+            </a:spcBef>
+            <a:spcAft>
+              <a:spcPct val="35000"/>
+            </a:spcAft>
+            <a:buNone/>
+          </a:pPr>
+          <a:r>
+            <a:rPr lang="en-US" sz="1600" kern="1200"/>
+            <a:t>Current technologies are more concentrating on one/few chemical</a:t>
+          </a:r>
+        </a:p>
+      </dsp:txBody>
+      <dsp:txXfrm>
+        <a:off x="3814019" y="1901558"/>
+        <a:ext cx="3244218" cy="1532322"/>
+      </dsp:txXfrm>
+    </dsp:sp>
+    <dsp:sp modelId="{7ABB489B-AB88-42AE-BE92-47EA0E4FDDAF}">
+      <dsp:nvSpPr>
+        <dsp:cNvPr id="0" name=""/>
+        <dsp:cNvSpPr/>
+      </dsp:nvSpPr>
+      <dsp:spPr>
+        <a:xfrm>
+          <a:off x="7625976" y="67357"/>
+          <a:ext cx="1135476" cy="1135476"/>
+        </a:xfrm>
+        <a:prstGeom prst="rect">
+          <a:avLst/>
+        </a:prstGeom>
+        <a:blipFill>
+          <a:blip xmlns:r="http://schemas.openxmlformats.org/officeDocument/2006/relationships" r:embed="rId5">
+            <a:extLst>
+              <a:ext uri="{28A0092B-C50C-407E-A947-70E740481C1C}">
+                <a14:useLocalDpi xmlns:a14="http://schemas.microsoft.com/office/drawing/2010/main" val="0"/>
+              </a:ext>
+              <a:ext uri="{96DAC541-7B7A-43D3-8B79-37D633B846F1}">
+                <asvg:svgBlip xmlns:asvg="http://schemas.microsoft.com/office/drawing/2016/SVG/main" r:embed="rId6"/>
+              </a:ext>
+            </a:extLst>
+          </a:blip>
+          <a:stretch>
+            <a:fillRect/>
+          </a:stretch>
+        </a:blipFill>
+        <a:ln w="12700" cap="flat" cmpd="sng" algn="ctr">
+          <a:noFill/>
+          <a:prstDash val="solid"/>
+        </a:ln>
+        <a:effectLst/>
+      </dsp:spPr>
+      <dsp:style>
+        <a:lnRef idx="2">
+          <a:scrgbClr r="0" g="0" b="0"/>
+        </a:lnRef>
+        <a:fillRef idx="1">
+          <a:scrgbClr r="0" g="0" b="0"/>
+        </a:fillRef>
+        <a:effectRef idx="0">
+          <a:scrgbClr r="0" g="0" b="0"/>
+        </a:effectRef>
+        <a:fontRef idx="minor">
+          <a:schemeClr val="lt1"/>
+        </a:fontRef>
+      </dsp:style>
+    </dsp:sp>
+    <dsp:sp modelId="{69B3E281-1606-4FAD-8C59-C5EE0C29859A}">
+      <dsp:nvSpPr>
+        <dsp:cNvPr id="0" name=""/>
+        <dsp:cNvSpPr/>
+      </dsp:nvSpPr>
+      <dsp:spPr>
+        <a:xfrm>
+          <a:off x="7625976" y="1347594"/>
+          <a:ext cx="3244218" cy="486632"/>
+        </a:xfrm>
+        <a:prstGeom prst="rect">
+          <a:avLst/>
+        </a:prstGeom>
+        <a:noFill/>
+        <a:ln>
+          <a:noFill/>
+        </a:ln>
+        <a:effectLst/>
+      </dsp:spPr>
+      <dsp:style>
+        <a:lnRef idx="0">
+          <a:scrgbClr r="0" g="0" b="0"/>
+        </a:lnRef>
+        <a:fillRef idx="0">
+          <a:scrgbClr r="0" g="0" b="0"/>
+        </a:fillRef>
+        <a:effectRef idx="0">
+          <a:scrgbClr r="0" g="0" b="0"/>
+        </a:effectRef>
+        <a:fontRef idx="minor"/>
+      </dsp:style>
+      <dsp:txBody>
+        <a:bodyPr spcFirstLastPara="0" vert="horz" wrap="square" lIns="0" tIns="0" rIns="0" bIns="0" numCol="1" spcCol="1270" anchor="t" anchorCtr="0">
+          <a:noAutofit/>
+        </a:bodyPr>
+        <a:lstStyle/>
+        <a:p>
+          <a:pPr marL="0" lvl="0" indent="0" algn="l" defTabSz="755650">
+            <a:lnSpc>
+              <a:spcPct val="90000"/>
+            </a:lnSpc>
+            <a:spcBef>
+              <a:spcPct val="0"/>
+            </a:spcBef>
+            <a:spcAft>
+              <a:spcPct val="35000"/>
+            </a:spcAft>
+            <a:buNone/>
+            <a:defRPr b="1"/>
+          </a:pPr>
+          <a:r>
+            <a:rPr lang="en-US" sz="1700" kern="1200"/>
+            <a:t>What we need</a:t>
+          </a:r>
+        </a:p>
+      </dsp:txBody>
+      <dsp:txXfrm>
+        <a:off x="7625976" y="1347594"/>
+        <a:ext cx="3244218" cy="486632"/>
+      </dsp:txXfrm>
+    </dsp:sp>
+    <dsp:sp modelId="{9C57556B-E19A-4A10-A53F-E3C6B3603815}">
+      <dsp:nvSpPr>
+        <dsp:cNvPr id="0" name=""/>
+        <dsp:cNvSpPr/>
+      </dsp:nvSpPr>
+      <dsp:spPr>
+        <a:xfrm>
+          <a:off x="7625976" y="1901558"/>
+          <a:ext cx="3244218" cy="1532322"/>
+        </a:xfrm>
+        <a:prstGeom prst="rect">
+          <a:avLst/>
+        </a:prstGeom>
+        <a:noFill/>
+        <a:ln>
+          <a:noFill/>
+        </a:ln>
+        <a:effectLst/>
+      </dsp:spPr>
+      <dsp:style>
+        <a:lnRef idx="0">
+          <a:scrgbClr r="0" g="0" b="0"/>
+        </a:lnRef>
+        <a:fillRef idx="0">
+          <a:scrgbClr r="0" g="0" b="0"/>
+        </a:fillRef>
+        <a:effectRef idx="0">
+          <a:scrgbClr r="0" g="0" b="0"/>
+        </a:effectRef>
+        <a:fontRef idx="minor"/>
+      </dsp:style>
+      <dsp:txBody>
+        <a:bodyPr spcFirstLastPara="0" vert="horz" wrap="square" lIns="0" tIns="0" rIns="0" bIns="0" numCol="1" spcCol="1270" anchor="t" anchorCtr="0">
+          <a:noAutofit/>
+        </a:bodyPr>
+        <a:lstStyle/>
+        <a:p>
+          <a:pPr marL="0" lvl="0" indent="0" algn="l" defTabSz="711200">
+            <a:lnSpc>
+              <a:spcPct val="90000"/>
+            </a:lnSpc>
+            <a:spcBef>
+              <a:spcPct val="0"/>
+            </a:spcBef>
+            <a:spcAft>
+              <a:spcPct val="35000"/>
+            </a:spcAft>
+            <a:buNone/>
+          </a:pPr>
+          <a:r>
+            <a:rPr lang="en-US" sz="1600" kern="1200" dirty="0"/>
+            <a:t>Flexible software that can meet various need</a:t>
+          </a:r>
+        </a:p>
+        <a:p>
+          <a:pPr marL="0" lvl="0" indent="0" algn="l" defTabSz="711200">
+            <a:lnSpc>
+              <a:spcPct val="90000"/>
+            </a:lnSpc>
+            <a:spcBef>
+              <a:spcPct val="0"/>
+            </a:spcBef>
+            <a:spcAft>
+              <a:spcPct val="35000"/>
+            </a:spcAft>
+            <a:buNone/>
+          </a:pPr>
+          <a:r>
+            <a:rPr lang="en-US" sz="1600" kern="1200"/>
+            <a:t>Method to overview the sample rather than single compound</a:t>
+          </a:r>
+        </a:p>
+        <a:p>
+          <a:pPr marL="0" lvl="0" indent="0" algn="l" defTabSz="711200">
+            <a:lnSpc>
+              <a:spcPct val="90000"/>
+            </a:lnSpc>
+            <a:spcBef>
+              <a:spcPct val="0"/>
+            </a:spcBef>
+            <a:spcAft>
+              <a:spcPct val="35000"/>
+            </a:spcAft>
+            <a:buNone/>
+          </a:pPr>
+          <a:r>
+            <a:rPr lang="en-US" sz="1600" kern="1200"/>
+            <a:t>More…</a:t>
+          </a:r>
+        </a:p>
+      </dsp:txBody>
+      <dsp:txXfrm>
+        <a:off x="7625976" y="1901558"/>
+        <a:ext cx="3244218" cy="1532322"/>
+      </dsp:txXfrm>
+    </dsp:sp>
+  </dsp:spTree>
+</dsp:drawing>
+</file>
+
+<file path=ppt/diagrams/drawing2.xml><?xml version="1.0" encoding="utf-8"?>
 <dsp:drawing xmlns:dgm="http://schemas.openxmlformats.org/drawingml/2006/diagram" xmlns:dsp="http://schemas.microsoft.com/office/drawing/2008/diagram" xmlns:a="http://schemas.openxmlformats.org/drawingml/2006/main">
   <dsp:spTree>
     <dsp:nvGrpSpPr>
@@ -6409,7 +8496,7 @@
 </dsp:drawing>
 </file>
 
-<file path=ppt/diagrams/drawing2.xml><?xml version="1.0" encoding="utf-8"?>
+<file path=ppt/diagrams/drawing3.xml><?xml version="1.0" encoding="utf-8"?>
 <dsp:drawing xmlns:dgm="http://schemas.openxmlformats.org/drawingml/2006/diagram" xmlns:dsp="http://schemas.microsoft.com/office/drawing/2008/diagram" xmlns:a="http://schemas.openxmlformats.org/drawingml/2006/main">
   <dsp:spTree>
     <dsp:nvGrpSpPr>
@@ -8719,7 +10806,7 @@
 </dsp:drawing>
 </file>
 
-<file path=ppt/diagrams/drawing3.xml><?xml version="1.0" encoding="utf-8"?>
+<file path=ppt/diagrams/drawing4.xml><?xml version="1.0" encoding="utf-8"?>
 <dsp:drawing xmlns:dgm="http://schemas.openxmlformats.org/drawingml/2006/diagram" xmlns:dsp="http://schemas.microsoft.com/office/drawing/2008/diagram" xmlns:a="http://schemas.openxmlformats.org/drawingml/2006/main">
   <dsp:spTree>
     <dsp:nvGrpSpPr>
@@ -8815,7 +10902,7 @@
         <a:p>
           <a:pPr marL="0" lvl="0" indent="0" algn="ctr" defTabSz="1422400">
             <a:lnSpc>
-              <a:spcPct val="90000"/>
+              <a:spcPct val="100000"/>
             </a:lnSpc>
             <a:spcBef>
               <a:spcPct val="0"/>
@@ -8874,9 +10961,9 @@
         </a:bodyPr>
         <a:lstStyle/>
         <a:p>
-          <a:pPr marL="0" lvl="0" indent="0" algn="ctr" defTabSz="1066800">
+          <a:pPr marL="0" lvl="0" indent="0" algn="ctr" defTabSz="977900">
             <a:lnSpc>
-              <a:spcPct val="90000"/>
+              <a:spcPct val="100000"/>
             </a:lnSpc>
             <a:spcBef>
               <a:spcPct val="0"/>
@@ -8887,7 +10974,7 @@
             <a:buNone/>
           </a:pPr>
           <a:r>
-            <a:rPr lang="en-US" sz="2400" kern="1200"/>
+            <a:rPr lang="en-US" sz="2200" kern="1200"/>
             <a:t>Interactive plot for HRMS data visualization</a:t>
           </a:r>
         </a:p>
@@ -8985,7 +11072,7 @@
         <a:p>
           <a:pPr marL="0" lvl="0" indent="0" algn="ctr" defTabSz="1422400">
             <a:lnSpc>
-              <a:spcPct val="90000"/>
+              <a:spcPct val="100000"/>
             </a:lnSpc>
             <a:spcBef>
               <a:spcPct val="0"/>
@@ -9044,9 +11131,9 @@
         </a:bodyPr>
         <a:lstStyle/>
         <a:p>
-          <a:pPr marL="0" lvl="0" indent="0" algn="ctr" defTabSz="1066800">
+          <a:pPr marL="0" lvl="0" indent="0" algn="ctr" defTabSz="977900">
             <a:lnSpc>
-              <a:spcPct val="90000"/>
+              <a:spcPct val="100000"/>
             </a:lnSpc>
             <a:spcBef>
               <a:spcPct val="0"/>
@@ -9057,7 +11144,7 @@
             <a:buNone/>
           </a:pPr>
           <a:r>
-            <a:rPr lang="en-US" sz="2400" kern="1200"/>
+            <a:rPr lang="en-US" sz="2200" kern="1200"/>
             <a:t>Realtime database matching and searching using selected database</a:t>
           </a:r>
         </a:p>
@@ -9071,7 +11158,7 @@
 </dsp:drawing>
 </file>
 
-<file path=ppt/diagrams/drawing4.xml><?xml version="1.0" encoding="utf-8"?>
+<file path=ppt/diagrams/drawing5.xml><?xml version="1.0" encoding="utf-8"?>
 <dsp:drawing xmlns:dgm="http://schemas.openxmlformats.org/drawingml/2006/diagram" xmlns:dsp="http://schemas.microsoft.com/office/drawing/2008/diagram" xmlns:a="http://schemas.openxmlformats.org/drawingml/2006/main">
   <dsp:spTree>
     <dsp:nvGrpSpPr>
@@ -9681,6 +11768,215 @@
 </file>
 
 <file path=ppt/diagrams/layout1.xml><?xml version="1.0" encoding="utf-8"?>
+<dgm:layoutDef xmlns:dgm="http://schemas.openxmlformats.org/drawingml/2006/diagram" xmlns:a="http://schemas.openxmlformats.org/drawingml/2006/main" uniqueId="urn:microsoft.com/office/officeart/2018/2/layout/IconLabelDescriptionList">
+  <dgm:title val="Icon Label Description List"/>
+  <dgm:desc val="Use to show non-sequential or grouped chunks of information. The placeholder holds an icon or small picture, and corresponding text boxes show Level 1 and Level 2 text respectively. Works well for minimal Level 1 text accompanied by lengthier Level two text."/>
+  <dgm:catLst>
+    <dgm:cat type="icon" pri="500"/>
+  </dgm:catLst>
+  <dgm:sampData useDef="1">
+    <dgm:dataModel>
+      <dgm:ptLst/>
+      <dgm:bg/>
+      <dgm:whole/>
+    </dgm:dataModel>
+  </dgm:sampData>
+  <dgm:styleData useDef="1">
+    <dgm:dataModel>
+      <dgm:ptLst/>
+      <dgm:bg/>
+      <dgm:whole/>
+    </dgm:dataModel>
+  </dgm:styleData>
+  <dgm:clrData useDef="1">
+    <dgm:dataModel>
+      <dgm:ptLst/>
+      <dgm:bg/>
+      <dgm:whole/>
+    </dgm:dataModel>
+  </dgm:clrData>
+  <dgm:layoutNode name="root">
+    <dgm:varLst>
+      <dgm:dir/>
+      <dgm:resizeHandles val="exact"/>
+    </dgm:varLst>
+    <dgm:choose name="Name0">
+      <dgm:if name="Name1" axis="self" func="var" arg="dir" op="equ" val="norm">
+        <dgm:alg type="lin"/>
+      </dgm:if>
+      <dgm:else name="Name2">
+        <dgm:alg type="lin">
+          <dgm:param type="linDir" val="fromR"/>
+        </dgm:alg>
+      </dgm:else>
+    </dgm:choose>
+    <dgm:shape xmlns:r="http://schemas.openxmlformats.org/officeDocument/2006/relationships" r:blip="">
+      <dgm:adjLst/>
+    </dgm:shape>
+    <dgm:presOf/>
+    <dgm:constrLst>
+      <dgm:constr type="h" for="ch" forName="compNode" refType="h" fact="0.45"/>
+      <dgm:constr type="w" for="ch" forName="compNode" val="120"/>
+      <dgm:constr type="w" for="ch" forName="sibTrans" refType="w" refFor="ch" refForName="compNode" fact="0.175"/>
+      <dgm:constr type="primFontSz" for="des" forName="parTx" val="36"/>
+      <dgm:constr type="primFontSz" for="des" forName="desTx" refType="primFontSz" refFor="des" refForName="parTx" op="lte" fact="0.75"/>
+      <dgm:constr type="h" for="des" forName="compNode" op="equ"/>
+      <dgm:constr type="h" for="des" forName="iconRect" op="equ"/>
+      <dgm:constr type="w" for="des" forName="iconRect" op="equ"/>
+      <dgm:constr type="h" for="des" forName="iconSpace" op="equ"/>
+      <dgm:constr type="h" for="des" forName="parTx" op="equ"/>
+      <dgm:constr type="h" for="des" forName="txSpace" op="equ"/>
+      <dgm:constr type="h" for="des" forName="desTx" op="equ"/>
+    </dgm:constrLst>
+    <dgm:ruleLst>
+      <dgm:rule type="w" for="ch" forName="compNode" val="0" fact="NaN" max="NaN"/>
+    </dgm:ruleLst>
+    <dgm:forEach name="Name3" axis="ch" ptType="node">
+      <dgm:layoutNode name="compNode">
+        <dgm:alg type="composite"/>
+        <dgm:shape xmlns:r="http://schemas.openxmlformats.org/officeDocument/2006/relationships" r:blip="">
+          <dgm:adjLst/>
+        </dgm:shape>
+        <dgm:presOf axis="self"/>
+        <dgm:constrLst>
+          <dgm:constr type="w" for="ch" forName="iconRect" refType="w" fact="0.35"/>
+          <dgm:constr type="h" for="ch" forName="iconRect" refType="w" refFor="ch" refForName="iconRect"/>
+          <dgm:constr type="l" for="ch" forName="iconRect"/>
+          <dgm:constr type="t" for="ch" forName="iconRect"/>
+          <dgm:constr type="w" for="ch" forName="iconSpace" refType="w"/>
+          <dgm:constr type="h" for="ch" forName="iconSpace" refType="h" fact="0.043"/>
+          <dgm:constr type="l" for="ch" forName="iconSpace"/>
+          <dgm:constr type="t" for="ch" forName="iconSpace" refType="b" refFor="ch" refForName="iconRect"/>
+          <dgm:constr type="w" for="ch" forName="parTx" refType="w"/>
+          <dgm:constr type="h" for="ch" forName="parTx" refType="w" fact="0.15"/>
+          <dgm:constr type="l" for="ch" forName="parTx"/>
+          <dgm:constr type="t" for="ch" forName="parTx" refType="b" refFor="ch" refForName="iconSpace"/>
+          <dgm:constr type="h" for="ch" forName="txSpace" refType="h" fact="0.02"/>
+          <dgm:constr type="w" for="ch" forName="txSpace" refType="w"/>
+          <dgm:constr type="l" for="ch" forName="txSpace"/>
+          <dgm:constr type="t" for="ch" forName="txSpace" refType="b" refFor="ch" refForName="parTx"/>
+          <dgm:constr type="w" for="ch" forName="desTx" refType="w"/>
+          <dgm:constr type="l" for="ch" forName="desTx"/>
+          <dgm:constr type="t" for="ch" forName="desTx" refType="b" refFor="ch" refForName="txSpace"/>
+        </dgm:constrLst>
+        <dgm:ruleLst>
+          <dgm:rule type="h" val="INF" fact="NaN" max="NaN"/>
+        </dgm:ruleLst>
+        <dgm:layoutNode name="iconRect" styleLbl="node1">
+          <dgm:alg type="sp"/>
+          <dgm:shape xmlns:r="http://schemas.openxmlformats.org/officeDocument/2006/relationships" type="rect" r:blip="" blipPhldr="1">
+            <dgm:adjLst/>
+          </dgm:shape>
+          <dgm:presOf/>
+          <dgm:constrLst/>
+          <dgm:ruleLst/>
+        </dgm:layoutNode>
+        <dgm:layoutNode name="iconSpace">
+          <dgm:alg type="sp"/>
+          <dgm:shape xmlns:r="http://schemas.openxmlformats.org/officeDocument/2006/relationships" r:blip="">
+            <dgm:adjLst/>
+          </dgm:shape>
+          <dgm:presOf/>
+          <dgm:constrLst/>
+          <dgm:ruleLst/>
+        </dgm:layoutNode>
+        <dgm:layoutNode name="parTx" styleLbl="revTx">
+          <dgm:varLst>
+            <dgm:chMax val="0"/>
+            <dgm:chPref val="0"/>
+          </dgm:varLst>
+          <dgm:alg type="tx">
+            <dgm:param type="txAnchorVert" val="t"/>
+            <dgm:param type="parTxLTRAlign" val="l"/>
+            <dgm:param type="shpTxLTRAlignCh" val="l"/>
+            <dgm:param type="parTxRTLAlign" val="r"/>
+            <dgm:param type="shpTxRTLAlignCh" val="r"/>
+          </dgm:alg>
+          <dgm:shape xmlns:r="http://schemas.openxmlformats.org/officeDocument/2006/relationships" type="rect" r:blip="">
+            <dgm:adjLst/>
+          </dgm:shape>
+          <dgm:presOf axis="self" ptType="node"/>
+          <dgm:constrLst>
+            <dgm:constr type="lMarg"/>
+            <dgm:constr type="rMarg"/>
+            <dgm:constr type="tMarg"/>
+            <dgm:constr type="bMarg"/>
+          </dgm:constrLst>
+          <dgm:ruleLst>
+            <dgm:rule type="primFontSz" val="14" fact="NaN" max="NaN"/>
+            <dgm:rule type="h" val="INF" fact="NaN" max="NaN"/>
+          </dgm:ruleLst>
+        </dgm:layoutNode>
+        <dgm:layoutNode name="txSpace">
+          <dgm:alg type="sp"/>
+          <dgm:shape xmlns:r="http://schemas.openxmlformats.org/officeDocument/2006/relationships" r:blip="">
+            <dgm:adjLst/>
+          </dgm:shape>
+          <dgm:presOf/>
+          <dgm:constrLst/>
+          <dgm:ruleLst/>
+        </dgm:layoutNode>
+        <dgm:layoutNode name="desTx" styleLbl="revTx">
+          <dgm:varLst/>
+          <dgm:alg type="tx">
+            <dgm:param type="stBulletLvl" val="0"/>
+            <dgm:param type="txAnchorVert" val="t"/>
+            <dgm:param type="parTxLTRAlign" val="l"/>
+            <dgm:param type="shpTxLTRAlignCh" val="l"/>
+            <dgm:param type="parTxRTLAlign" val="r"/>
+            <dgm:param type="shpTxRTLAlignCh" val="r"/>
+          </dgm:alg>
+          <dgm:shape xmlns:r="http://schemas.openxmlformats.org/officeDocument/2006/relationships" type="rect" r:blip="">
+            <dgm:adjLst/>
+          </dgm:shape>
+          <dgm:presOf axis="des" ptType="node"/>
+          <dgm:constrLst>
+            <dgm:constr type="secFontSz" refType="primFontSz"/>
+            <dgm:constr type="lMarg"/>
+            <dgm:constr type="rMarg"/>
+            <dgm:constr type="tMarg"/>
+            <dgm:constr type="bMarg"/>
+          </dgm:constrLst>
+          <dgm:ruleLst>
+            <dgm:rule type="primFontSz" val="NaN" fact="NaN" max="17"/>
+            <dgm:rule type="h" val="INF" fact="NaN" max="NaN"/>
+          </dgm:ruleLst>
+        </dgm:layoutNode>
+      </dgm:layoutNode>
+      <dgm:forEach name="Name4" axis="followSib" ptType="sibTrans" cnt="1">
+        <dgm:layoutNode name="sibTrans">
+          <dgm:alg type="sp"/>
+          <dgm:shape xmlns:r="http://schemas.openxmlformats.org/officeDocument/2006/relationships" r:blip="">
+            <dgm:adjLst/>
+          </dgm:shape>
+          <dgm:presOf axis="self"/>
+          <dgm:constrLst/>
+          <dgm:ruleLst/>
+        </dgm:layoutNode>
+      </dgm:forEach>
+    </dgm:forEach>
+  </dgm:layoutNode>
+  <dgm:extLst>
+    <a:ext uri="{68A01E43-0DF5-4B5B-8FA6-DAF915123BFB}">
+      <dgm1612:lstStyle xmlns:dgm1612="http://schemas.microsoft.com/office/drawing/2016/12/diagram">
+        <a:lvl1pPr>
+          <a:lnSpc>
+            <a:spcPct val="100000"/>
+          </a:lnSpc>
+          <a:defRPr b="1"/>
+        </a:lvl1pPr>
+        <a:lvl2pPr>
+          <a:lnSpc>
+            <a:spcPct val="100000"/>
+          </a:lnSpc>
+        </a:lvl2pPr>
+      </dgm1612:lstStyle>
+    </a:ext>
+  </dgm:extLst>
+</dgm:layoutDef>
+</file>
+
+<file path=ppt/diagrams/layout2.xml><?xml version="1.0" encoding="utf-8"?>
 <dgm:layoutDef xmlns:dgm="http://schemas.openxmlformats.org/drawingml/2006/diagram" xmlns:a="http://schemas.openxmlformats.org/drawingml/2006/main" uniqueId="urn:microsoft.com/office/officeart/2018/2/layout/IconLabelList">
   <dgm:title val="Icon Label List"/>
   <dgm:desc val="Use to show non-sequential or grouped chunks of information accompanied by a related visuals. Works best with icons or small pictures with short text captions."/>
@@ -9870,7 +12166,7 @@
 </dgm:layoutDef>
 </file>
 
-<file path=ppt/diagrams/layout2.xml><?xml version="1.0" encoding="utf-8"?>
+<file path=ppt/diagrams/layout3.xml><?xml version="1.0" encoding="utf-8"?>
 <dgm:layoutDef xmlns:dgm="http://schemas.openxmlformats.org/drawingml/2006/diagram" xmlns:a="http://schemas.openxmlformats.org/drawingml/2006/main" uniqueId="urn:microsoft.com/office/officeart/2009/3/layout/HorizontalOrganizationChart">
   <dgm:title val=""/>
   <dgm:desc val=""/>
@@ -11054,7 +13350,7 @@
 </dgm:layoutDef>
 </file>
 
-<file path=ppt/diagrams/layout3.xml><?xml version="1.0" encoding="utf-8"?>
+<file path=ppt/diagrams/layout4.xml><?xml version="1.0" encoding="utf-8"?>
 <dgm:layoutDef xmlns:dgm="http://schemas.openxmlformats.org/drawingml/2006/diagram" xmlns:a="http://schemas.openxmlformats.org/drawingml/2006/main" uniqueId="urn:microsoft.com/office/officeart/2018/5/layout/CenteredIconLabelDescriptionList">
   <dgm:title val="Centered Icon Label Description List"/>
   <dgm:desc val="Use to show non-sequential or grouped chunks of information. The placeholder holds an icon or small picture, and corresponding text boxes show Level 1 and Level 2 text respectively. Works well for minimal Level 1 text accompanied by lengthier Level two text."/>
@@ -11255,7 +13551,7 @@
 </dgm:layoutDef>
 </file>
 
-<file path=ppt/diagrams/layout4.xml><?xml version="1.0" encoding="utf-8"?>
+<file path=ppt/diagrams/layout5.xml><?xml version="1.0" encoding="utf-8"?>
 <dgm:layoutDef xmlns:dgm="http://schemas.openxmlformats.org/drawingml/2006/diagram" xmlns:a="http://schemas.openxmlformats.org/drawingml/2006/main" uniqueId="urn:microsoft.com/office/officeart/2018/5/layout/IconCircleLabelList">
   <dgm:title val="Icon Circle Label List"/>
   <dgm:desc val="Use to show non-sequential or grouped chunks of information accompanied by a related visuals. Works best with icons or small pictures with short text captions."/>
@@ -12505,6 +14801,1040 @@
 </file>
 
 <file path=ppt/diagrams/quickStyle2.xml><?xml version="1.0" encoding="utf-8"?>
+<dgm:styleDef xmlns:dgm="http://schemas.openxmlformats.org/drawingml/2006/diagram" xmlns:a="http://schemas.openxmlformats.org/drawingml/2006/main" uniqueId="urn:microsoft.com/office/officeart/2005/8/quickstyle/simple1">
+  <dgm:title val=""/>
+  <dgm:desc val=""/>
+  <dgm:catLst>
+    <dgm:cat type="simple" pri="10100"/>
+  </dgm:catLst>
+  <dgm:scene3d>
+    <a:camera prst="orthographicFront"/>
+    <a:lightRig rig="threePt" dir="t"/>
+  </dgm:scene3d>
+  <dgm:styleLbl name="node0">
+    <dgm:scene3d>
+      <a:camera prst="orthographicFront"/>
+      <a:lightRig rig="threePt" dir="t"/>
+    </dgm:scene3d>
+    <dgm:sp3d/>
+    <dgm:txPr/>
+    <dgm:style>
+      <a:lnRef idx="2">
+        <a:scrgbClr r="0" g="0" b="0"/>
+      </a:lnRef>
+      <a:fillRef idx="1">
+        <a:scrgbClr r="0" g="0" b="0"/>
+      </a:fillRef>
+      <a:effectRef idx="0">
+        <a:scrgbClr r="0" g="0" b="0"/>
+      </a:effectRef>
+      <a:fontRef idx="minor">
+        <a:schemeClr val="lt1"/>
+      </a:fontRef>
+    </dgm:style>
+  </dgm:styleLbl>
+  <dgm:styleLbl name="lnNode1">
+    <dgm:scene3d>
+      <a:camera prst="orthographicFront"/>
+      <a:lightRig rig="threePt" dir="t"/>
+    </dgm:scene3d>
+    <dgm:sp3d/>
+    <dgm:txPr/>
+    <dgm:style>
+      <a:lnRef idx="2">
+        <a:scrgbClr r="0" g="0" b="0"/>
+      </a:lnRef>
+      <a:fillRef idx="1">
+        <a:scrgbClr r="0" g="0" b="0"/>
+      </a:fillRef>
+      <a:effectRef idx="0">
+        <a:scrgbClr r="0" g="0" b="0"/>
+      </a:effectRef>
+      <a:fontRef idx="minor">
+        <a:schemeClr val="lt1"/>
+      </a:fontRef>
+    </dgm:style>
+  </dgm:styleLbl>
+  <dgm:styleLbl name="vennNode1">
+    <dgm:scene3d>
+      <a:camera prst="orthographicFront"/>
+      <a:lightRig rig="threePt" dir="t"/>
+    </dgm:scene3d>
+    <dgm:sp3d/>
+    <dgm:txPr/>
+    <dgm:style>
+      <a:lnRef idx="2">
+        <a:scrgbClr r="0" g="0" b="0"/>
+      </a:lnRef>
+      <a:fillRef idx="1">
+        <a:scrgbClr r="0" g="0" b="0"/>
+      </a:fillRef>
+      <a:effectRef idx="0">
+        <a:scrgbClr r="0" g="0" b="0"/>
+      </a:effectRef>
+      <a:fontRef idx="minor">
+        <a:schemeClr val="tx1"/>
+      </a:fontRef>
+    </dgm:style>
+  </dgm:styleLbl>
+  <dgm:styleLbl name="alignNode1">
+    <dgm:scene3d>
+      <a:camera prst="orthographicFront"/>
+      <a:lightRig rig="threePt" dir="t"/>
+    </dgm:scene3d>
+    <dgm:sp3d/>
+    <dgm:txPr/>
+    <dgm:style>
+      <a:lnRef idx="2">
+        <a:scrgbClr r="0" g="0" b="0"/>
+      </a:lnRef>
+      <a:fillRef idx="1">
+        <a:scrgbClr r="0" g="0" b="0"/>
+      </a:fillRef>
+      <a:effectRef idx="0">
+        <a:scrgbClr r="0" g="0" b="0"/>
+      </a:effectRef>
+      <a:fontRef idx="minor">
+        <a:schemeClr val="lt1"/>
+      </a:fontRef>
+    </dgm:style>
+  </dgm:styleLbl>
+  <dgm:styleLbl name="node1">
+    <dgm:scene3d>
+      <a:camera prst="orthographicFront"/>
+      <a:lightRig rig="threePt" dir="t"/>
+    </dgm:scene3d>
+    <dgm:sp3d/>
+    <dgm:txPr/>
+    <dgm:style>
+      <a:lnRef idx="2">
+        <a:scrgbClr r="0" g="0" b="0"/>
+      </a:lnRef>
+      <a:fillRef idx="1">
+        <a:scrgbClr r="0" g="0" b="0"/>
+      </a:fillRef>
+      <a:effectRef idx="0">
+        <a:scrgbClr r="0" g="0" b="0"/>
+      </a:effectRef>
+      <a:fontRef idx="minor">
+        <a:schemeClr val="lt1"/>
+      </a:fontRef>
+    </dgm:style>
+  </dgm:styleLbl>
+  <dgm:styleLbl name="node2">
+    <dgm:scene3d>
+      <a:camera prst="orthographicFront"/>
+      <a:lightRig rig="threePt" dir="t"/>
+    </dgm:scene3d>
+    <dgm:sp3d/>
+    <dgm:txPr/>
+    <dgm:style>
+      <a:lnRef idx="2">
+        <a:scrgbClr r="0" g="0" b="0"/>
+      </a:lnRef>
+      <a:fillRef idx="1">
+        <a:scrgbClr r="0" g="0" b="0"/>
+      </a:fillRef>
+      <a:effectRef idx="0">
+        <a:scrgbClr r="0" g="0" b="0"/>
+      </a:effectRef>
+      <a:fontRef idx="minor">
+        <a:schemeClr val="lt1"/>
+      </a:fontRef>
+    </dgm:style>
+  </dgm:styleLbl>
+  <dgm:styleLbl name="node3">
+    <dgm:scene3d>
+      <a:camera prst="orthographicFront"/>
+      <a:lightRig rig="threePt" dir="t"/>
+    </dgm:scene3d>
+    <dgm:sp3d/>
+    <dgm:txPr/>
+    <dgm:style>
+      <a:lnRef idx="2">
+        <a:scrgbClr r="0" g="0" b="0"/>
+      </a:lnRef>
+      <a:fillRef idx="1">
+        <a:scrgbClr r="0" g="0" b="0"/>
+      </a:fillRef>
+      <a:effectRef idx="0">
+        <a:scrgbClr r="0" g="0" b="0"/>
+      </a:effectRef>
+      <a:fontRef idx="minor">
+        <a:schemeClr val="lt1"/>
+      </a:fontRef>
+    </dgm:style>
+  </dgm:styleLbl>
+  <dgm:styleLbl name="node4">
+    <dgm:scene3d>
+      <a:camera prst="orthographicFront"/>
+      <a:lightRig rig="threePt" dir="t"/>
+    </dgm:scene3d>
+    <dgm:sp3d/>
+    <dgm:txPr/>
+    <dgm:style>
+      <a:lnRef idx="2">
+        <a:scrgbClr r="0" g="0" b="0"/>
+      </a:lnRef>
+      <a:fillRef idx="1">
+        <a:scrgbClr r="0" g="0" b="0"/>
+      </a:fillRef>
+      <a:effectRef idx="0">
+        <a:scrgbClr r="0" g="0" b="0"/>
+      </a:effectRef>
+      <a:fontRef idx="minor">
+        <a:schemeClr val="lt1"/>
+      </a:fontRef>
+    </dgm:style>
+  </dgm:styleLbl>
+  <dgm:styleLbl name="fgImgPlace1">
+    <dgm:scene3d>
+      <a:camera prst="orthographicFront"/>
+      <a:lightRig rig="threePt" dir="t"/>
+    </dgm:scene3d>
+    <dgm:sp3d/>
+    <dgm:txPr/>
+    <dgm:style>
+      <a:lnRef idx="2">
+        <a:scrgbClr r="0" g="0" b="0"/>
+      </a:lnRef>
+      <a:fillRef idx="1">
+        <a:scrgbClr r="0" g="0" b="0"/>
+      </a:fillRef>
+      <a:effectRef idx="0">
+        <a:scrgbClr r="0" g="0" b="0"/>
+      </a:effectRef>
+      <a:fontRef idx="minor"/>
+    </dgm:style>
+  </dgm:styleLbl>
+  <dgm:styleLbl name="alignImgPlace1">
+    <dgm:scene3d>
+      <a:camera prst="orthographicFront"/>
+      <a:lightRig rig="threePt" dir="t"/>
+    </dgm:scene3d>
+    <dgm:sp3d/>
+    <dgm:txPr/>
+    <dgm:style>
+      <a:lnRef idx="2">
+        <a:scrgbClr r="0" g="0" b="0"/>
+      </a:lnRef>
+      <a:fillRef idx="1">
+        <a:scrgbClr r="0" g="0" b="0"/>
+      </a:fillRef>
+      <a:effectRef idx="0">
+        <a:scrgbClr r="0" g="0" b="0"/>
+      </a:effectRef>
+      <a:fontRef idx="minor"/>
+    </dgm:style>
+  </dgm:styleLbl>
+  <dgm:styleLbl name="bgImgPlace1">
+    <dgm:scene3d>
+      <a:camera prst="orthographicFront"/>
+      <a:lightRig rig="threePt" dir="t"/>
+    </dgm:scene3d>
+    <dgm:sp3d/>
+    <dgm:txPr/>
+    <dgm:style>
+      <a:lnRef idx="2">
+        <a:scrgbClr r="0" g="0" b="0"/>
+      </a:lnRef>
+      <a:fillRef idx="1">
+        <a:scrgbClr r="0" g="0" b="0"/>
+      </a:fillRef>
+      <a:effectRef idx="0">
+        <a:scrgbClr r="0" g="0" b="0"/>
+      </a:effectRef>
+      <a:fontRef idx="minor"/>
+    </dgm:style>
+  </dgm:styleLbl>
+  <dgm:styleLbl name="sibTrans2D1">
+    <dgm:scene3d>
+      <a:camera prst="orthographicFront"/>
+      <a:lightRig rig="threePt" dir="t"/>
+    </dgm:scene3d>
+    <dgm:sp3d/>
+    <dgm:txPr/>
+    <dgm:style>
+      <a:lnRef idx="0">
+        <a:scrgbClr r="0" g="0" b="0"/>
+      </a:lnRef>
+      <a:fillRef idx="1">
+        <a:scrgbClr r="0" g="0" b="0"/>
+      </a:fillRef>
+      <a:effectRef idx="0">
+        <a:scrgbClr r="0" g="0" b="0"/>
+      </a:effectRef>
+      <a:fontRef idx="minor">
+        <a:schemeClr val="lt1"/>
+      </a:fontRef>
+    </dgm:style>
+  </dgm:styleLbl>
+  <dgm:styleLbl name="fgSibTrans2D1">
+    <dgm:scene3d>
+      <a:camera prst="orthographicFront"/>
+      <a:lightRig rig="threePt" dir="t"/>
+    </dgm:scene3d>
+    <dgm:sp3d/>
+    <dgm:txPr/>
+    <dgm:style>
+      <a:lnRef idx="0">
+        <a:scrgbClr r="0" g="0" b="0"/>
+      </a:lnRef>
+      <a:fillRef idx="1">
+        <a:scrgbClr r="0" g="0" b="0"/>
+      </a:fillRef>
+      <a:effectRef idx="0">
+        <a:scrgbClr r="0" g="0" b="0"/>
+      </a:effectRef>
+      <a:fontRef idx="minor">
+        <a:schemeClr val="lt1"/>
+      </a:fontRef>
+    </dgm:style>
+  </dgm:styleLbl>
+  <dgm:styleLbl name="bgSibTrans2D1">
+    <dgm:scene3d>
+      <a:camera prst="orthographicFront"/>
+      <a:lightRig rig="threePt" dir="t"/>
+    </dgm:scene3d>
+    <dgm:sp3d/>
+    <dgm:txPr/>
+    <dgm:style>
+      <a:lnRef idx="0">
+        <a:scrgbClr r="0" g="0" b="0"/>
+      </a:lnRef>
+      <a:fillRef idx="1">
+        <a:scrgbClr r="0" g="0" b="0"/>
+      </a:fillRef>
+      <a:effectRef idx="0">
+        <a:scrgbClr r="0" g="0" b="0"/>
+      </a:effectRef>
+      <a:fontRef idx="minor">
+        <a:schemeClr val="lt1"/>
+      </a:fontRef>
+    </dgm:style>
+  </dgm:styleLbl>
+  <dgm:styleLbl name="sibTrans1D1">
+    <dgm:scene3d>
+      <a:camera prst="orthographicFront"/>
+      <a:lightRig rig="threePt" dir="t"/>
+    </dgm:scene3d>
+    <dgm:sp3d/>
+    <dgm:txPr/>
+    <dgm:style>
+      <a:lnRef idx="1">
+        <a:scrgbClr r="0" g="0" b="0"/>
+      </a:lnRef>
+      <a:fillRef idx="0">
+        <a:scrgbClr r="0" g="0" b="0"/>
+      </a:fillRef>
+      <a:effectRef idx="0">
+        <a:scrgbClr r="0" g="0" b="0"/>
+      </a:effectRef>
+      <a:fontRef idx="minor"/>
+    </dgm:style>
+  </dgm:styleLbl>
+  <dgm:styleLbl name="callout">
+    <dgm:scene3d>
+      <a:camera prst="orthographicFront"/>
+      <a:lightRig rig="threePt" dir="t"/>
+    </dgm:scene3d>
+    <dgm:sp3d/>
+    <dgm:txPr/>
+    <dgm:style>
+      <a:lnRef idx="2">
+        <a:scrgbClr r="0" g="0" b="0"/>
+      </a:lnRef>
+      <a:fillRef idx="1">
+        <a:scrgbClr r="0" g="0" b="0"/>
+      </a:fillRef>
+      <a:effectRef idx="0">
+        <a:scrgbClr r="0" g="0" b="0"/>
+      </a:effectRef>
+      <a:fontRef idx="minor"/>
+    </dgm:style>
+  </dgm:styleLbl>
+  <dgm:styleLbl name="asst0">
+    <dgm:scene3d>
+      <a:camera prst="orthographicFront"/>
+      <a:lightRig rig="threePt" dir="t"/>
+    </dgm:scene3d>
+    <dgm:sp3d/>
+    <dgm:txPr/>
+    <dgm:style>
+      <a:lnRef idx="2">
+        <a:scrgbClr r="0" g="0" b="0"/>
+      </a:lnRef>
+      <a:fillRef idx="1">
+        <a:scrgbClr r="0" g="0" b="0"/>
+      </a:fillRef>
+      <a:effectRef idx="0">
+        <a:scrgbClr r="0" g="0" b="0"/>
+      </a:effectRef>
+      <a:fontRef idx="minor">
+        <a:schemeClr val="lt1"/>
+      </a:fontRef>
+    </dgm:style>
+  </dgm:styleLbl>
+  <dgm:styleLbl name="asst1">
+    <dgm:scene3d>
+      <a:camera prst="orthographicFront"/>
+      <a:lightRig rig="threePt" dir="t"/>
+    </dgm:scene3d>
+    <dgm:sp3d/>
+    <dgm:txPr/>
+    <dgm:style>
+      <a:lnRef idx="2">
+        <a:scrgbClr r="0" g="0" b="0"/>
+      </a:lnRef>
+      <a:fillRef idx="1">
+        <a:scrgbClr r="0" g="0" b="0"/>
+      </a:fillRef>
+      <a:effectRef idx="0">
+        <a:scrgbClr r="0" g="0" b="0"/>
+      </a:effectRef>
+      <a:fontRef idx="minor">
+        <a:schemeClr val="lt1"/>
+      </a:fontRef>
+    </dgm:style>
+  </dgm:styleLbl>
+  <dgm:styleLbl name="asst2">
+    <dgm:scene3d>
+      <a:camera prst="orthographicFront"/>
+      <a:lightRig rig="threePt" dir="t"/>
+    </dgm:scene3d>
+    <dgm:sp3d/>
+    <dgm:txPr/>
+    <dgm:style>
+      <a:lnRef idx="2">
+        <a:scrgbClr r="0" g="0" b="0"/>
+      </a:lnRef>
+      <a:fillRef idx="1">
+        <a:scrgbClr r="0" g="0" b="0"/>
+      </a:fillRef>
+      <a:effectRef idx="0">
+        <a:scrgbClr r="0" g="0" b="0"/>
+      </a:effectRef>
+      <a:fontRef idx="minor">
+        <a:schemeClr val="lt1"/>
+      </a:fontRef>
+    </dgm:style>
+  </dgm:styleLbl>
+  <dgm:styleLbl name="asst3">
+    <dgm:scene3d>
+      <a:camera prst="orthographicFront"/>
+      <a:lightRig rig="threePt" dir="t"/>
+    </dgm:scene3d>
+    <dgm:sp3d/>
+    <dgm:txPr/>
+    <dgm:style>
+      <a:lnRef idx="2">
+        <a:scrgbClr r="0" g="0" b="0"/>
+      </a:lnRef>
+      <a:fillRef idx="1">
+        <a:scrgbClr r="0" g="0" b="0"/>
+      </a:fillRef>
+      <a:effectRef idx="0">
+        <a:scrgbClr r="0" g="0" b="0"/>
+      </a:effectRef>
+      <a:fontRef idx="minor">
+        <a:schemeClr val="lt1"/>
+      </a:fontRef>
+    </dgm:style>
+  </dgm:styleLbl>
+  <dgm:styleLbl name="asst4">
+    <dgm:scene3d>
+      <a:camera prst="orthographicFront"/>
+      <a:lightRig rig="threePt" dir="t"/>
+    </dgm:scene3d>
+    <dgm:sp3d/>
+    <dgm:txPr/>
+    <dgm:style>
+      <a:lnRef idx="2">
+        <a:scrgbClr r="0" g="0" b="0"/>
+      </a:lnRef>
+      <a:fillRef idx="1">
+        <a:scrgbClr r="0" g="0" b="0"/>
+      </a:fillRef>
+      <a:effectRef idx="0">
+        <a:scrgbClr r="0" g="0" b="0"/>
+      </a:effectRef>
+      <a:fontRef idx="minor">
+        <a:schemeClr val="lt1"/>
+      </a:fontRef>
+    </dgm:style>
+  </dgm:styleLbl>
+  <dgm:styleLbl name="parChTrans2D1">
+    <dgm:scene3d>
+      <a:camera prst="orthographicFront"/>
+      <a:lightRig rig="threePt" dir="t"/>
+    </dgm:scene3d>
+    <dgm:sp3d/>
+    <dgm:txPr/>
+    <dgm:style>
+      <a:lnRef idx="2">
+        <a:scrgbClr r="0" g="0" b="0"/>
+      </a:lnRef>
+      <a:fillRef idx="1">
+        <a:scrgbClr r="0" g="0" b="0"/>
+      </a:fillRef>
+      <a:effectRef idx="0">
+        <a:scrgbClr r="0" g="0" b="0"/>
+      </a:effectRef>
+      <a:fontRef idx="minor">
+        <a:schemeClr val="lt1"/>
+      </a:fontRef>
+    </dgm:style>
+  </dgm:styleLbl>
+  <dgm:styleLbl name="parChTrans2D2">
+    <dgm:scene3d>
+      <a:camera prst="orthographicFront"/>
+      <a:lightRig rig="threePt" dir="t"/>
+    </dgm:scene3d>
+    <dgm:sp3d/>
+    <dgm:txPr/>
+    <dgm:style>
+      <a:lnRef idx="2">
+        <a:scrgbClr r="0" g="0" b="0"/>
+      </a:lnRef>
+      <a:fillRef idx="1">
+        <a:scrgbClr r="0" g="0" b="0"/>
+      </a:fillRef>
+      <a:effectRef idx="0">
+        <a:scrgbClr r="0" g="0" b="0"/>
+      </a:effectRef>
+      <a:fontRef idx="minor">
+        <a:schemeClr val="lt1"/>
+      </a:fontRef>
+    </dgm:style>
+  </dgm:styleLbl>
+  <dgm:styleLbl name="parChTrans2D3">
+    <dgm:scene3d>
+      <a:camera prst="orthographicFront"/>
+      <a:lightRig rig="threePt" dir="t"/>
+    </dgm:scene3d>
+    <dgm:sp3d/>
+    <dgm:txPr/>
+    <dgm:style>
+      <a:lnRef idx="2">
+        <a:scrgbClr r="0" g="0" b="0"/>
+      </a:lnRef>
+      <a:fillRef idx="1">
+        <a:scrgbClr r="0" g="0" b="0"/>
+      </a:fillRef>
+      <a:effectRef idx="0">
+        <a:scrgbClr r="0" g="0" b="0"/>
+      </a:effectRef>
+      <a:fontRef idx="minor">
+        <a:schemeClr val="lt1"/>
+      </a:fontRef>
+    </dgm:style>
+  </dgm:styleLbl>
+  <dgm:styleLbl name="parChTrans2D4">
+    <dgm:scene3d>
+      <a:camera prst="orthographicFront"/>
+      <a:lightRig rig="threePt" dir="t"/>
+    </dgm:scene3d>
+    <dgm:sp3d/>
+    <dgm:txPr/>
+    <dgm:style>
+      <a:lnRef idx="2">
+        <a:scrgbClr r="0" g="0" b="0"/>
+      </a:lnRef>
+      <a:fillRef idx="1">
+        <a:scrgbClr r="0" g="0" b="0"/>
+      </a:fillRef>
+      <a:effectRef idx="0">
+        <a:scrgbClr r="0" g="0" b="0"/>
+      </a:effectRef>
+      <a:fontRef idx="minor">
+        <a:schemeClr val="lt1"/>
+      </a:fontRef>
+    </dgm:style>
+  </dgm:styleLbl>
+  <dgm:styleLbl name="parChTrans1D1">
+    <dgm:scene3d>
+      <a:camera prst="orthographicFront"/>
+      <a:lightRig rig="threePt" dir="t"/>
+    </dgm:scene3d>
+    <dgm:sp3d/>
+    <dgm:txPr/>
+    <dgm:style>
+      <a:lnRef idx="2">
+        <a:scrgbClr r="0" g="0" b="0"/>
+      </a:lnRef>
+      <a:fillRef idx="0">
+        <a:scrgbClr r="0" g="0" b="0"/>
+      </a:fillRef>
+      <a:effectRef idx="0">
+        <a:scrgbClr r="0" g="0" b="0"/>
+      </a:effectRef>
+      <a:fontRef idx="minor"/>
+    </dgm:style>
+  </dgm:styleLbl>
+  <dgm:styleLbl name="parChTrans1D2">
+    <dgm:scene3d>
+      <a:camera prst="orthographicFront"/>
+      <a:lightRig rig="threePt" dir="t"/>
+    </dgm:scene3d>
+    <dgm:sp3d/>
+    <dgm:txPr/>
+    <dgm:style>
+      <a:lnRef idx="2">
+        <a:scrgbClr r="0" g="0" b="0"/>
+      </a:lnRef>
+      <a:fillRef idx="0">
+        <a:scrgbClr r="0" g="0" b="0"/>
+      </a:fillRef>
+      <a:effectRef idx="0">
+        <a:scrgbClr r="0" g="0" b="0"/>
+      </a:effectRef>
+      <a:fontRef idx="minor"/>
+    </dgm:style>
+  </dgm:styleLbl>
+  <dgm:styleLbl name="parChTrans1D3">
+    <dgm:scene3d>
+      <a:camera prst="orthographicFront"/>
+      <a:lightRig rig="threePt" dir="t"/>
+    </dgm:scene3d>
+    <dgm:sp3d/>
+    <dgm:txPr/>
+    <dgm:style>
+      <a:lnRef idx="2">
+        <a:scrgbClr r="0" g="0" b="0"/>
+      </a:lnRef>
+      <a:fillRef idx="0">
+        <a:scrgbClr r="0" g="0" b="0"/>
+      </a:fillRef>
+      <a:effectRef idx="0">
+        <a:scrgbClr r="0" g="0" b="0"/>
+      </a:effectRef>
+      <a:fontRef idx="minor"/>
+    </dgm:style>
+  </dgm:styleLbl>
+  <dgm:styleLbl name="parChTrans1D4">
+    <dgm:scene3d>
+      <a:camera prst="orthographicFront"/>
+      <a:lightRig rig="threePt" dir="t"/>
+    </dgm:scene3d>
+    <dgm:sp3d/>
+    <dgm:txPr/>
+    <dgm:style>
+      <a:lnRef idx="2">
+        <a:scrgbClr r="0" g="0" b="0"/>
+      </a:lnRef>
+      <a:fillRef idx="0">
+        <a:scrgbClr r="0" g="0" b="0"/>
+      </a:fillRef>
+      <a:effectRef idx="0">
+        <a:scrgbClr r="0" g="0" b="0"/>
+      </a:effectRef>
+      <a:fontRef idx="minor"/>
+    </dgm:style>
+  </dgm:styleLbl>
+  <dgm:styleLbl name="fgAcc1">
+    <dgm:scene3d>
+      <a:camera prst="orthographicFront"/>
+      <a:lightRig rig="threePt" dir="t"/>
+    </dgm:scene3d>
+    <dgm:sp3d/>
+    <dgm:txPr/>
+    <dgm:style>
+      <a:lnRef idx="2">
+        <a:scrgbClr r="0" g="0" b="0"/>
+      </a:lnRef>
+      <a:fillRef idx="1">
+        <a:scrgbClr r="0" g="0" b="0"/>
+      </a:fillRef>
+      <a:effectRef idx="0">
+        <a:scrgbClr r="0" g="0" b="0"/>
+      </a:effectRef>
+      <a:fontRef idx="minor"/>
+    </dgm:style>
+  </dgm:styleLbl>
+  <dgm:styleLbl name="conFgAcc1">
+    <dgm:scene3d>
+      <a:camera prst="orthographicFront"/>
+      <a:lightRig rig="threePt" dir="t"/>
+    </dgm:scene3d>
+    <dgm:sp3d/>
+    <dgm:txPr/>
+    <dgm:style>
+      <a:lnRef idx="2">
+        <a:scrgbClr r="0" g="0" b="0"/>
+      </a:lnRef>
+      <a:fillRef idx="1">
+        <a:scrgbClr r="0" g="0" b="0"/>
+      </a:fillRef>
+      <a:effectRef idx="0">
+        <a:scrgbClr r="0" g="0" b="0"/>
+      </a:effectRef>
+      <a:fontRef idx="minor"/>
+    </dgm:style>
+  </dgm:styleLbl>
+  <dgm:styleLbl name="alignAcc1">
+    <dgm:scene3d>
+      <a:camera prst="orthographicFront"/>
+      <a:lightRig rig="threePt" dir="t"/>
+    </dgm:scene3d>
+    <dgm:sp3d/>
+    <dgm:txPr/>
+    <dgm:style>
+      <a:lnRef idx="2">
+        <a:scrgbClr r="0" g="0" b="0"/>
+      </a:lnRef>
+      <a:fillRef idx="1">
+        <a:scrgbClr r="0" g="0" b="0"/>
+      </a:fillRef>
+      <a:effectRef idx="0">
+        <a:scrgbClr r="0" g="0" b="0"/>
+      </a:effectRef>
+      <a:fontRef idx="minor"/>
+    </dgm:style>
+  </dgm:styleLbl>
+  <dgm:styleLbl name="trAlignAcc1">
+    <dgm:scene3d>
+      <a:camera prst="orthographicFront"/>
+      <a:lightRig rig="threePt" dir="t"/>
+    </dgm:scene3d>
+    <dgm:sp3d/>
+    <dgm:txPr/>
+    <dgm:style>
+      <a:lnRef idx="1">
+        <a:scrgbClr r="0" g="0" b="0"/>
+      </a:lnRef>
+      <a:fillRef idx="1">
+        <a:scrgbClr r="0" g="0" b="0"/>
+      </a:fillRef>
+      <a:effectRef idx="0">
+        <a:scrgbClr r="0" g="0" b="0"/>
+      </a:effectRef>
+      <a:fontRef idx="minor"/>
+    </dgm:style>
+  </dgm:styleLbl>
+  <dgm:styleLbl name="bgAcc1">
+    <dgm:scene3d>
+      <a:camera prst="orthographicFront"/>
+      <a:lightRig rig="threePt" dir="t"/>
+    </dgm:scene3d>
+    <dgm:sp3d/>
+    <dgm:txPr/>
+    <dgm:style>
+      <a:lnRef idx="2">
+        <a:scrgbClr r="0" g="0" b="0"/>
+      </a:lnRef>
+      <a:fillRef idx="1">
+        <a:scrgbClr r="0" g="0" b="0"/>
+      </a:fillRef>
+      <a:effectRef idx="0">
+        <a:scrgbClr r="0" g="0" b="0"/>
+      </a:effectRef>
+      <a:fontRef idx="minor"/>
+    </dgm:style>
+  </dgm:styleLbl>
+  <dgm:styleLbl name="solidFgAcc1">
+    <dgm:scene3d>
+      <a:camera prst="orthographicFront"/>
+      <a:lightRig rig="threePt" dir="t"/>
+    </dgm:scene3d>
+    <dgm:sp3d/>
+    <dgm:txPr/>
+    <dgm:style>
+      <a:lnRef idx="2">
+        <a:scrgbClr r="0" g="0" b="0"/>
+      </a:lnRef>
+      <a:fillRef idx="1">
+        <a:scrgbClr r="0" g="0" b="0"/>
+      </a:fillRef>
+      <a:effectRef idx="0">
+        <a:scrgbClr r="0" g="0" b="0"/>
+      </a:effectRef>
+      <a:fontRef idx="minor"/>
+    </dgm:style>
+  </dgm:styleLbl>
+  <dgm:styleLbl name="solidAlignAcc1">
+    <dgm:scene3d>
+      <a:camera prst="orthographicFront"/>
+      <a:lightRig rig="threePt" dir="t"/>
+    </dgm:scene3d>
+    <dgm:sp3d/>
+    <dgm:txPr/>
+    <dgm:style>
+      <a:lnRef idx="2">
+        <a:scrgbClr r="0" g="0" b="0"/>
+      </a:lnRef>
+      <a:fillRef idx="1">
+        <a:scrgbClr r="0" g="0" b="0"/>
+      </a:fillRef>
+      <a:effectRef idx="0">
+        <a:scrgbClr r="0" g="0" b="0"/>
+      </a:effectRef>
+      <a:fontRef idx="minor"/>
+    </dgm:style>
+  </dgm:styleLbl>
+  <dgm:styleLbl name="solidBgAcc1">
+    <dgm:scene3d>
+      <a:camera prst="orthographicFront"/>
+      <a:lightRig rig="threePt" dir="t"/>
+    </dgm:scene3d>
+    <dgm:sp3d/>
+    <dgm:txPr/>
+    <dgm:style>
+      <a:lnRef idx="2">
+        <a:scrgbClr r="0" g="0" b="0"/>
+      </a:lnRef>
+      <a:fillRef idx="1">
+        <a:scrgbClr r="0" g="0" b="0"/>
+      </a:fillRef>
+      <a:effectRef idx="0">
+        <a:scrgbClr r="0" g="0" b="0"/>
+      </a:effectRef>
+      <a:fontRef idx="minor"/>
+    </dgm:style>
+  </dgm:styleLbl>
+  <dgm:styleLbl name="fgAccFollowNode1">
+    <dgm:scene3d>
+      <a:camera prst="orthographicFront"/>
+      <a:lightRig rig="threePt" dir="t"/>
+    </dgm:scene3d>
+    <dgm:sp3d/>
+    <dgm:txPr/>
+    <dgm:style>
+      <a:lnRef idx="2">
+        <a:scrgbClr r="0" g="0" b="0"/>
+      </a:lnRef>
+      <a:fillRef idx="1">
+        <a:scrgbClr r="0" g="0" b="0"/>
+      </a:fillRef>
+      <a:effectRef idx="0">
+        <a:scrgbClr r="0" g="0" b="0"/>
+      </a:effectRef>
+      <a:fontRef idx="minor"/>
+    </dgm:style>
+  </dgm:styleLbl>
+  <dgm:styleLbl name="alignAccFollowNode1">
+    <dgm:scene3d>
+      <a:camera prst="orthographicFront"/>
+      <a:lightRig rig="threePt" dir="t"/>
+    </dgm:scene3d>
+    <dgm:sp3d/>
+    <dgm:txPr/>
+    <dgm:style>
+      <a:lnRef idx="2">
+        <a:scrgbClr r="0" g="0" b="0"/>
+      </a:lnRef>
+      <a:fillRef idx="1">
+        <a:scrgbClr r="0" g="0" b="0"/>
+      </a:fillRef>
+      <a:effectRef idx="0">
+        <a:scrgbClr r="0" g="0" b="0"/>
+      </a:effectRef>
+      <a:fontRef idx="minor"/>
+    </dgm:style>
+  </dgm:styleLbl>
+  <dgm:styleLbl name="bgAccFollowNode1">
+    <dgm:scene3d>
+      <a:camera prst="orthographicFront"/>
+      <a:lightRig rig="threePt" dir="t"/>
+    </dgm:scene3d>
+    <dgm:sp3d/>
+    <dgm:txPr/>
+    <dgm:style>
+      <a:lnRef idx="2">
+        <a:scrgbClr r="0" g="0" b="0"/>
+      </a:lnRef>
+      <a:fillRef idx="1">
+        <a:scrgbClr r="0" g="0" b="0"/>
+      </a:fillRef>
+      <a:effectRef idx="0">
+        <a:scrgbClr r="0" g="0" b="0"/>
+      </a:effectRef>
+      <a:fontRef idx="minor"/>
+    </dgm:style>
+  </dgm:styleLbl>
+  <dgm:styleLbl name="fgAcc0">
+    <dgm:scene3d>
+      <a:camera prst="orthographicFront"/>
+      <a:lightRig rig="threePt" dir="t"/>
+    </dgm:scene3d>
+    <dgm:sp3d/>
+    <dgm:txPr/>
+    <dgm:style>
+      <a:lnRef idx="2">
+        <a:scrgbClr r="0" g="0" b="0"/>
+      </a:lnRef>
+      <a:fillRef idx="1">
+        <a:scrgbClr r="0" g="0" b="0"/>
+      </a:fillRef>
+      <a:effectRef idx="0">
+        <a:scrgbClr r="0" g="0" b="0"/>
+      </a:effectRef>
+      <a:fontRef idx="minor"/>
+    </dgm:style>
+  </dgm:styleLbl>
+  <dgm:styleLbl name="fgAcc2">
+    <dgm:scene3d>
+      <a:camera prst="orthographicFront"/>
+      <a:lightRig rig="threePt" dir="t"/>
+    </dgm:scene3d>
+    <dgm:sp3d/>
+    <dgm:txPr/>
+    <dgm:style>
+      <a:lnRef idx="2">
+        <a:scrgbClr r="0" g="0" b="0"/>
+      </a:lnRef>
+      <a:fillRef idx="1">
+        <a:scrgbClr r="0" g="0" b="0"/>
+      </a:fillRef>
+      <a:effectRef idx="0">
+        <a:scrgbClr r="0" g="0" b="0"/>
+      </a:effectRef>
+      <a:fontRef idx="minor"/>
+    </dgm:style>
+  </dgm:styleLbl>
+  <dgm:styleLbl name="fgAcc3">
+    <dgm:scene3d>
+      <a:camera prst="orthographicFront"/>
+      <a:lightRig rig="threePt" dir="t"/>
+    </dgm:scene3d>
+    <dgm:sp3d/>
+    <dgm:txPr/>
+    <dgm:style>
+      <a:lnRef idx="2">
+        <a:scrgbClr r="0" g="0" b="0"/>
+      </a:lnRef>
+      <a:fillRef idx="1">
+        <a:scrgbClr r="0" g="0" b="0"/>
+      </a:fillRef>
+      <a:effectRef idx="0">
+        <a:scrgbClr r="0" g="0" b="0"/>
+      </a:effectRef>
+      <a:fontRef idx="minor"/>
+    </dgm:style>
+  </dgm:styleLbl>
+  <dgm:styleLbl name="fgAcc4">
+    <dgm:scene3d>
+      <a:camera prst="orthographicFront"/>
+      <a:lightRig rig="threePt" dir="t"/>
+    </dgm:scene3d>
+    <dgm:sp3d/>
+    <dgm:txPr/>
+    <dgm:style>
+      <a:lnRef idx="2">
+        <a:scrgbClr r="0" g="0" b="0"/>
+      </a:lnRef>
+      <a:fillRef idx="1">
+        <a:scrgbClr r="0" g="0" b="0"/>
+      </a:fillRef>
+      <a:effectRef idx="0">
+        <a:scrgbClr r="0" g="0" b="0"/>
+      </a:effectRef>
+      <a:fontRef idx="minor"/>
+    </dgm:style>
+  </dgm:styleLbl>
+  <dgm:styleLbl name="bgShp">
+    <dgm:scene3d>
+      <a:camera prst="orthographicFront"/>
+      <a:lightRig rig="threePt" dir="t"/>
+    </dgm:scene3d>
+    <dgm:sp3d/>
+    <dgm:txPr/>
+    <dgm:style>
+      <a:lnRef idx="0">
+        <a:scrgbClr r="0" g="0" b="0"/>
+      </a:lnRef>
+      <a:fillRef idx="1">
+        <a:scrgbClr r="0" g="0" b="0"/>
+      </a:fillRef>
+      <a:effectRef idx="0">
+        <a:scrgbClr r="0" g="0" b="0"/>
+      </a:effectRef>
+      <a:fontRef idx="minor"/>
+    </dgm:style>
+  </dgm:styleLbl>
+  <dgm:styleLbl name="dkBgShp">
+    <dgm:scene3d>
+      <a:camera prst="orthographicFront"/>
+      <a:lightRig rig="threePt" dir="t"/>
+    </dgm:scene3d>
+    <dgm:sp3d/>
+    <dgm:txPr/>
+    <dgm:style>
+      <a:lnRef idx="0">
+        <a:scrgbClr r="0" g="0" b="0"/>
+      </a:lnRef>
+      <a:fillRef idx="1">
+        <a:scrgbClr r="0" g="0" b="0"/>
+      </a:fillRef>
+      <a:effectRef idx="0">
+        <a:scrgbClr r="0" g="0" b="0"/>
+      </a:effectRef>
+      <a:fontRef idx="minor"/>
+    </dgm:style>
+  </dgm:styleLbl>
+  <dgm:styleLbl name="trBgShp">
+    <dgm:scene3d>
+      <a:camera prst="orthographicFront"/>
+      <a:lightRig rig="threePt" dir="t"/>
+    </dgm:scene3d>
+    <dgm:sp3d/>
+    <dgm:txPr/>
+    <dgm:style>
+      <a:lnRef idx="0">
+        <a:scrgbClr r="0" g="0" b="0"/>
+      </a:lnRef>
+      <a:fillRef idx="1">
+        <a:scrgbClr r="0" g="0" b="0"/>
+      </a:fillRef>
+      <a:effectRef idx="0">
+        <a:scrgbClr r="0" g="0" b="0"/>
+      </a:effectRef>
+      <a:fontRef idx="minor"/>
+    </dgm:style>
+  </dgm:styleLbl>
+  <dgm:styleLbl name="fgShp">
+    <dgm:scene3d>
+      <a:camera prst="orthographicFront"/>
+      <a:lightRig rig="threePt" dir="t"/>
+    </dgm:scene3d>
+    <dgm:sp3d/>
+    <dgm:txPr/>
+    <dgm:style>
+      <a:lnRef idx="2">
+        <a:scrgbClr r="0" g="0" b="0"/>
+      </a:lnRef>
+      <a:fillRef idx="1">
+        <a:scrgbClr r="0" g="0" b="0"/>
+      </a:fillRef>
+      <a:effectRef idx="0">
+        <a:scrgbClr r="0" g="0" b="0"/>
+      </a:effectRef>
+      <a:fontRef idx="minor"/>
+    </dgm:style>
+  </dgm:styleLbl>
+  <dgm:styleLbl name="revTx">
+    <dgm:scene3d>
+      <a:camera prst="orthographicFront"/>
+      <a:lightRig rig="threePt" dir="t"/>
+    </dgm:scene3d>
+    <dgm:sp3d/>
+    <dgm:txPr/>
+    <dgm:style>
+      <a:lnRef idx="0">
+        <a:scrgbClr r="0" g="0" b="0"/>
+      </a:lnRef>
+      <a:fillRef idx="0">
+        <a:scrgbClr r="0" g="0" b="0"/>
+      </a:fillRef>
+      <a:effectRef idx="0">
+        <a:scrgbClr r="0" g="0" b="0"/>
+      </a:effectRef>
+      <a:fontRef idx="minor"/>
+    </dgm:style>
+  </dgm:styleLbl>
+</dgm:styleDef>
+</file>
+
+<file path=ppt/diagrams/quickStyle3.xml><?xml version="1.0" encoding="utf-8"?>
 <dgm:styleDef xmlns:dgm="http://schemas.openxmlformats.org/drawingml/2006/diagram" xmlns:a="http://schemas.openxmlformats.org/drawingml/2006/main" uniqueId="urn:microsoft.com/office/officeart/2005/8/quickstyle/simple4">
   <dgm:title val=""/>
   <dgm:desc val=""/>
@@ -13538,7 +16868,7 @@
 </dgm:styleDef>
 </file>
 
-<file path=ppt/diagrams/quickStyle3.xml><?xml version="1.0" encoding="utf-8"?>
+<file path=ppt/diagrams/quickStyle4.xml><?xml version="1.0" encoding="utf-8"?>
 <dgm:styleDef xmlns:dgm="http://schemas.openxmlformats.org/drawingml/2006/diagram" xmlns:a="http://schemas.openxmlformats.org/drawingml/2006/main" uniqueId="urn:microsoft.com/office/officeart/2005/8/quickstyle/simple1">
   <dgm:title val=""/>
   <dgm:desc val=""/>
@@ -14572,7 +17902,7 @@
 </dgm:styleDef>
 </file>
 
-<file path=ppt/diagrams/quickStyle4.xml><?xml version="1.0" encoding="utf-8"?>
+<file path=ppt/diagrams/quickStyle5.xml><?xml version="1.0" encoding="utf-8"?>
 <dgm:styleDef xmlns:dgm="http://schemas.openxmlformats.org/drawingml/2006/diagram" xmlns:a="http://schemas.openxmlformats.org/drawingml/2006/main" uniqueId="urn:microsoft.com/office/officeart/2005/8/quickstyle/simple1">
   <dgm:title val=""/>
   <dgm:desc val=""/>
@@ -16229,7 +19559,7 @@
           <a:p>
             <a:fld id="{303AB7D7-D5A4-4A9C-8AD6-2C55E0D1ABF5}" type="slidenum">
               <a:rPr lang="zh-CN" altLang="en-US" smtClean="0"/>
-              <a:t>11</a:t>
+              <a:t>12</a:t>
             </a:fld>
             <a:endParaRPr lang="zh-CN" altLang="en-US"/>
           </a:p>
@@ -19734,6 +23064,111 @@
       </p:grpSpPr>
       <p:sp>
         <p:nvSpPr>
+          <p:cNvPr id="3" name="Title 1">
+            <a:extLst>
+              <a:ext uri="{FF2B5EF4-FFF2-40B4-BE49-F238E27FC236}">
+                <a16:creationId xmlns:a16="http://schemas.microsoft.com/office/drawing/2014/main" id="{1C42C2A5-CE16-45B4-B629-A16C178FBA05}"/>
+              </a:ext>
+            </a:extLst>
+          </p:cNvPr>
+          <p:cNvSpPr>
+            <a:spLocks noGrp="1"/>
+          </p:cNvSpPr>
+          <p:nvPr>
+            <p:ph type="title"/>
+          </p:nvPr>
+        </p:nvSpPr>
+        <p:spPr>
+          <a:xfrm>
+            <a:off x="657224" y="499533"/>
+            <a:ext cx="10772775" cy="1658198"/>
+          </a:xfrm>
+        </p:spPr>
+        <p:txBody>
+          <a:bodyPr>
+            <a:normAutofit/>
+          </a:bodyPr>
+          <a:lstStyle/>
+          <a:p>
+            <a:r>
+              <a:rPr lang="en-US" altLang="zh-CN"/>
+              <a:t>Modeling options for user</a:t>
+            </a:r>
+            <a:endParaRPr lang="zh-CN" altLang="en-US"/>
+          </a:p>
+        </p:txBody>
+      </p:sp>
+      <p:graphicFrame>
+        <p:nvGraphicFramePr>
+          <p:cNvPr id="4" name="Content Placeholder 3">
+            <a:extLst>
+              <a:ext uri="{FF2B5EF4-FFF2-40B4-BE49-F238E27FC236}">
+                <a16:creationId xmlns:a16="http://schemas.microsoft.com/office/drawing/2014/main" id="{1E0DC826-8B49-44F1-A857-1AE28846AEED}"/>
+              </a:ext>
+            </a:extLst>
+          </p:cNvPr>
+          <p:cNvGraphicFramePr>
+            <a:graphicFrameLocks noGrp="1"/>
+          </p:cNvGraphicFramePr>
+          <p:nvPr>
+            <p:ph idx="1"/>
+            <p:extLst>
+              <p:ext uri="{D42A27DB-BD31-4B8C-83A1-F6EECF244321}">
+                <p14:modId xmlns:p14="http://schemas.microsoft.com/office/powerpoint/2010/main" val="1310309135"/>
+              </p:ext>
+            </p:extLst>
+          </p:nvPr>
+        </p:nvGraphicFramePr>
+        <p:xfrm>
+          <a:off x="676656" y="2011680"/>
+          <a:ext cx="10753725" cy="3766185"/>
+        </p:xfrm>
+        <a:graphic>
+          <a:graphicData uri="http://schemas.openxmlformats.org/drawingml/2006/diagram">
+            <dgm:relIds xmlns:dgm="http://schemas.openxmlformats.org/drawingml/2006/diagram" xmlns:r="http://schemas.openxmlformats.org/officeDocument/2006/relationships" r:dm="rId2" r:lo="rId3" r:qs="rId4" r:cs="rId5"/>
+          </a:graphicData>
+        </a:graphic>
+      </p:graphicFrame>
+    </p:spTree>
+    <p:extLst>
+      <p:ext uri="{BB962C8B-B14F-4D97-AF65-F5344CB8AC3E}">
+        <p14:creationId xmlns:p14="http://schemas.microsoft.com/office/powerpoint/2010/main" val="1867728301"/>
+      </p:ext>
+    </p:extLst>
+  </p:cSld>
+  <p:clrMapOvr>
+    <a:masterClrMapping/>
+  </p:clrMapOvr>
+</p:sld>
+</file>
+
+<file path=ppt/slides/slide11.xml><?xml version="1.0" encoding="utf-8"?>
+<p:sld xmlns:a="http://schemas.openxmlformats.org/drawingml/2006/main" xmlns:r="http://schemas.openxmlformats.org/officeDocument/2006/relationships" xmlns:p="http://schemas.openxmlformats.org/presentationml/2006/main">
+  <p:cSld>
+    <p:bg>
+      <p:bgPr>
+        <a:solidFill>
+          <a:schemeClr val="bg1"/>
+        </a:solidFill>
+        <a:effectLst/>
+      </p:bgPr>
+    </p:bg>
+    <p:spTree>
+      <p:nvGrpSpPr>
+        <p:cNvPr id="1" name=""/>
+        <p:cNvGrpSpPr/>
+        <p:nvPr/>
+      </p:nvGrpSpPr>
+      <p:grpSpPr>
+        <a:xfrm>
+          <a:off x="0" y="0"/>
+          <a:ext cx="0" cy="0"/>
+          <a:chOff x="0" y="0"/>
+          <a:chExt cx="0" cy="0"/>
+        </a:xfrm>
+      </p:grpSpPr>
+      <p:sp>
+        <p:nvSpPr>
           <p:cNvPr id="15" name="Rectangle 14">
             <a:extLst>
               <a:ext uri="{FF2B5EF4-FFF2-40B4-BE49-F238E27FC236}">
@@ -20069,7 +23504,7 @@
 </p:sld>
 </file>
 
-<file path=ppt/slides/slide11.xml><?xml version="1.0" encoding="utf-8"?>
+<file path=ppt/slides/slide12.xml><?xml version="1.0" encoding="utf-8"?>
 <p:sld xmlns:a="http://schemas.openxmlformats.org/drawingml/2006/main" xmlns:r="http://schemas.openxmlformats.org/officeDocument/2006/relationships" xmlns:p="http://schemas.openxmlformats.org/presentationml/2006/main">
   <p:cSld>
     <p:spTree>
@@ -20479,7 +23914,7 @@
 </p:sld>
 </file>
 
-<file path=ppt/slides/slide12.xml><?xml version="1.0" encoding="utf-8"?>
+<file path=ppt/slides/slide13.xml><?xml version="1.0" encoding="utf-8"?>
 <p:sld xmlns:a="http://schemas.openxmlformats.org/drawingml/2006/main" xmlns:r="http://schemas.openxmlformats.org/officeDocument/2006/relationships" xmlns:p="http://schemas.openxmlformats.org/presentationml/2006/main">
   <p:cSld>
     <p:bg>
@@ -20506,7 +23941,7 @@
       </p:grpSpPr>
       <p:sp>
         <p:nvSpPr>
-          <p:cNvPr id="10" name="Rectangle 9">
+          <p:cNvPr id="15" name="Rectangle 14">
             <a:extLst>
               <a:ext uri="{FF2B5EF4-FFF2-40B4-BE49-F238E27FC236}">
                 <a16:creationId xmlns:a16="http://schemas.microsoft.com/office/drawing/2014/main" id="{788D80A3-503A-400A-9D7F-99EC3CE0654D}"/>
@@ -20564,6 +23999,58 @@
           </a:p>
         </p:txBody>
       </p:sp>
+      <p:sp>
+        <p:nvSpPr>
+          <p:cNvPr id="2" name="TextBox 1">
+            <a:extLst>
+              <a:ext uri="{FF2B5EF4-FFF2-40B4-BE49-F238E27FC236}">
+                <a16:creationId xmlns:a16="http://schemas.microsoft.com/office/drawing/2014/main" id="{C6C42427-8BD2-45AD-A1E0-DD60B6547C5F}"/>
+              </a:ext>
+            </a:extLst>
+          </p:cNvPr>
+          <p:cNvSpPr txBox="1"/>
+          <p:nvPr/>
+        </p:nvSpPr>
+        <p:spPr>
+          <a:xfrm>
+            <a:off x="657224" y="4772508"/>
+            <a:ext cx="10772775" cy="1658198"/>
+          </a:xfrm>
+          <a:prstGeom prst="rect">
+            <a:avLst/>
+          </a:prstGeom>
+        </p:spPr>
+        <p:txBody>
+          <a:bodyPr vert="horz" lIns="91440" tIns="45720" rIns="91440" bIns="45720" rtlCol="0" anchor="ctr">
+            <a:normAutofit/>
+          </a:bodyPr>
+          <a:lstStyle/>
+          <a:p>
+            <a:pPr defTabSz="914400">
+              <a:lnSpc>
+                <a:spcPct val="85000"/>
+              </a:lnSpc>
+              <a:spcBef>
+                <a:spcPct val="0"/>
+              </a:spcBef>
+              <a:spcAft>
+                <a:spcPts val="600"/>
+              </a:spcAft>
+            </a:pPr>
+            <a:r>
+              <a:rPr lang="en-US" altLang="zh-CN" sz="5400" spc="-120">
+                <a:solidFill>
+                  <a:srgbClr val="FFFFFF"/>
+                </a:solidFill>
+                <a:latin typeface="+mj-lt"/>
+                <a:ea typeface="+mj-ea"/>
+                <a:cs typeface="+mj-cs"/>
+              </a:rPr>
+              <a:t>More we can do</a:t>
+            </a:r>
+          </a:p>
+        </p:txBody>
+      </p:sp>
       <p:graphicFrame>
         <p:nvGraphicFramePr>
           <p:cNvPr id="5" name="Content Placeholder 2">
@@ -20580,7 +24067,7 @@
             <p:ph idx="1"/>
             <p:extLst>
               <p:ext uri="{D42A27DB-BD31-4B8C-83A1-F6EECF244321}">
-                <p14:modId xmlns:p14="http://schemas.microsoft.com/office/powerpoint/2010/main" val="1356496007"/>
+                <p14:modId xmlns:p14="http://schemas.microsoft.com/office/powerpoint/2010/main" val="630809631"/>
               </p:ext>
             </p:extLst>
           </p:nvPr>
@@ -20608,7 +24095,7 @@
 </p:sld>
 </file>
 
-<file path=ppt/slides/slide13.xml><?xml version="1.0" encoding="utf-8"?>
+<file path=ppt/slides/slide14.xml><?xml version="1.0" encoding="utf-8"?>
 <p:sld xmlns:a="http://schemas.openxmlformats.org/drawingml/2006/main" xmlns:r="http://schemas.openxmlformats.org/officeDocument/2006/relationships" xmlns:p="http://schemas.openxmlformats.org/presentationml/2006/main">
   <p:cSld>
     <p:bg>
@@ -20882,6 +24369,84 @@
           </a:prstGeom>
         </p:spPr>
       </p:pic>
+      <p:sp>
+        <p:nvSpPr>
+          <p:cNvPr id="2" name="TextBox 1">
+            <a:extLst>
+              <a:ext uri="{FF2B5EF4-FFF2-40B4-BE49-F238E27FC236}">
+                <a16:creationId xmlns:a16="http://schemas.microsoft.com/office/drawing/2014/main" id="{8198FF63-A186-4BF7-9274-D3140ED09E3E}"/>
+              </a:ext>
+            </a:extLst>
+          </p:cNvPr>
+          <p:cNvSpPr txBox="1"/>
+          <p:nvPr/>
+        </p:nvSpPr>
+        <p:spPr>
+          <a:xfrm>
+            <a:off x="625150" y="774441"/>
+            <a:ext cx="4984479" cy="646331"/>
+          </a:xfrm>
+          <a:prstGeom prst="rect">
+            <a:avLst/>
+          </a:prstGeom>
+          <a:noFill/>
+        </p:spPr>
+        <p:txBody>
+          <a:bodyPr wrap="square" rtlCol="0">
+            <a:spAutoFit/>
+          </a:bodyPr>
+          <a:lstStyle/>
+          <a:p>
+            <a:r>
+              <a:rPr lang="en-US" altLang="zh-CN" dirty="0"/>
+              <a:t>Molecular fragment comparison/search </a:t>
+            </a:r>
+          </a:p>
+          <a:p>
+            <a:r>
+              <a:rPr lang="en-US" altLang="zh-CN" dirty="0"/>
+              <a:t>via online database</a:t>
+            </a:r>
+            <a:endParaRPr lang="zh-CN" altLang="en-US" dirty="0"/>
+          </a:p>
+        </p:txBody>
+      </p:sp>
+      <p:sp>
+        <p:nvSpPr>
+          <p:cNvPr id="8" name="TextBox 7">
+            <a:extLst>
+              <a:ext uri="{FF2B5EF4-FFF2-40B4-BE49-F238E27FC236}">
+                <a16:creationId xmlns:a16="http://schemas.microsoft.com/office/drawing/2014/main" id="{00A6A20C-0E2D-479F-B3C6-6DB8D63B9E8A}"/>
+              </a:ext>
+            </a:extLst>
+          </p:cNvPr>
+          <p:cNvSpPr txBox="1"/>
+          <p:nvPr/>
+        </p:nvSpPr>
+        <p:spPr>
+          <a:xfrm>
+            <a:off x="6421132" y="762746"/>
+            <a:ext cx="4984479" cy="369332"/>
+          </a:xfrm>
+          <a:prstGeom prst="rect">
+            <a:avLst/>
+          </a:prstGeom>
+          <a:noFill/>
+        </p:spPr>
+        <p:txBody>
+          <a:bodyPr wrap="square" rtlCol="0">
+            <a:spAutoFit/>
+          </a:bodyPr>
+          <a:lstStyle/>
+          <a:p>
+            <a:r>
+              <a:rPr lang="en-US" altLang="zh-CN" dirty="0"/>
+              <a:t>Chromatogram for selected precursor</a:t>
+            </a:r>
+            <a:endParaRPr lang="zh-CN" altLang="en-US" dirty="0"/>
+          </a:p>
+        </p:txBody>
+      </p:sp>
     </p:spTree>
     <p:extLst>
       <p:ext uri="{BB962C8B-B14F-4D97-AF65-F5344CB8AC3E}">
@@ -20895,7 +24460,7 @@
 </p:sld>
 </file>
 
-<file path=ppt/slides/slide14.xml><?xml version="1.0" encoding="utf-8"?>
+<file path=ppt/slides/slide15.xml><?xml version="1.0" encoding="utf-8"?>
 <p:sld xmlns:a="http://schemas.openxmlformats.org/drawingml/2006/main" xmlns:r="http://schemas.openxmlformats.org/officeDocument/2006/relationships" xmlns:p="http://schemas.openxmlformats.org/presentationml/2006/main">
   <p:cSld>
     <p:bg>
@@ -21219,7 +24784,7 @@
 </p:sld>
 </file>
 
-<file path=ppt/slides/slide15.xml><?xml version="1.0" encoding="utf-8"?>
+<file path=ppt/slides/slide16.xml><?xml version="1.0" encoding="utf-8"?>
 <p:sld xmlns:a="http://schemas.openxmlformats.org/drawingml/2006/main" xmlns:r="http://schemas.openxmlformats.org/officeDocument/2006/relationships" xmlns:p="http://schemas.openxmlformats.org/presentationml/2006/main">
   <p:cSld>
     <p:bg>
@@ -21671,7 +25236,7 @@
 </p:sld>
 </file>
 
-<file path=ppt/slides/slide16.xml><?xml version="1.0" encoding="utf-8"?>
+<file path=ppt/slides/slide17.xml><?xml version="1.0" encoding="utf-8"?>
 <p:sld xmlns:a="http://schemas.openxmlformats.org/drawingml/2006/main" xmlns:r="http://schemas.openxmlformats.org/officeDocument/2006/relationships" xmlns:p="http://schemas.openxmlformats.org/presentationml/2006/main">
   <p:cSld>
     <p:spTree>
@@ -21754,20 +25319,8 @@
           <a:p>
             <a:r>
               <a:rPr lang="en-US" altLang="zh-CN" dirty="0"/>
-              <a:t>Major documentation is now in the README of the repo</a:t>
+              <a:t>Major documentation is now in the README of the repository</a:t>
             </a:r>
-          </a:p>
-          <a:p>
-            <a:r>
-              <a:rPr lang="en-US" altLang="zh-CN" dirty="0">
-                <a:hlinkClick r:id="rId2"/>
-              </a:rPr>
-              <a:t>https://github.com/XiminHu/mass-suite</a:t>
-            </a:r>
-            <a:endParaRPr lang="zh-CN" altLang="en-US" dirty="0"/>
-          </a:p>
-          <a:p>
-            <a:endParaRPr lang="en-US" altLang="zh-CN" dirty="0"/>
           </a:p>
           <a:p>
             <a:endParaRPr lang="en-US" altLang="zh-CN" dirty="0"/>
@@ -21800,7 +25353,7 @@
           <p:nvPr/>
         </p:nvPicPr>
         <p:blipFill rotWithShape="1">
-          <a:blip r:embed="rId3"/>
+          <a:blip r:embed="rId2"/>
           <a:srcRect r="5632" b="1"/>
           <a:stretch/>
         </p:blipFill>
@@ -21827,7 +25380,7 @@
 </p:sld>
 </file>
 
-<file path=ppt/slides/slide17.xml><?xml version="1.0" encoding="utf-8"?>
+<file path=ppt/slides/slide18.xml><?xml version="1.0" encoding="utf-8"?>
 <p:sld xmlns:a="http://schemas.openxmlformats.org/drawingml/2006/main" xmlns:r="http://schemas.openxmlformats.org/officeDocument/2006/relationships" xmlns:p="http://schemas.openxmlformats.org/presentationml/2006/main">
   <p:cSld>
     <p:bg>
@@ -21929,7 +25482,7 @@
 </p:sld>
 </file>
 
-<file path=ppt/slides/slide18.xml><?xml version="1.0" encoding="utf-8"?>
+<file path=ppt/slides/slide19.xml><?xml version="1.0" encoding="utf-8"?>
 <p:sld xmlns:a="http://schemas.openxmlformats.org/drawingml/2006/main" xmlns:r="http://schemas.openxmlformats.org/officeDocument/2006/relationships" xmlns:p="http://schemas.openxmlformats.org/presentationml/2006/main">
   <p:cSld>
     <p:bg>
@@ -22143,7 +25696,7 @@
               <a:buChar char=" "/>
             </a:pPr>
             <a:r>
-              <a:rPr lang="en-US" altLang="zh-CN">
+              <a:rPr lang="en-US" altLang="zh-CN" dirty="0">
                 <a:solidFill>
                   <a:schemeClr val="tx1">
                     <a:lumMod val="85000"/>
@@ -22166,7 +25719,7 @@
               <a:buChar char=" "/>
             </a:pPr>
             <a:r>
-              <a:rPr lang="en-US" altLang="zh-CN">
+              <a:rPr lang="en-US" altLang="zh-CN" dirty="0" err="1">
                 <a:solidFill>
                   <a:schemeClr val="tx1">
                     <a:lumMod val="85000"/>
@@ -22174,7 +25727,18 @@
                   </a:schemeClr>
                 </a:solidFill>
               </a:rPr>
-              <a:t>Github page:</a:t>
+              <a:t>Github</a:t>
+            </a:r>
+            <a:r>
+              <a:rPr lang="en-US" altLang="zh-CN" dirty="0">
+                <a:solidFill>
+                  <a:schemeClr val="tx1">
+                    <a:lumMod val="85000"/>
+                    <a:lumOff val="15000"/>
+                  </a:schemeClr>
+                </a:solidFill>
+              </a:rPr>
+              <a:t> page:</a:t>
             </a:r>
           </a:p>
           <a:p>
@@ -22189,7 +25753,7 @@
               <a:buChar char=" "/>
             </a:pPr>
             <a:r>
-              <a:rPr lang="en-US" altLang="zh-CN">
+              <a:rPr lang="en-US" altLang="zh-CN" dirty="0">
                 <a:solidFill>
                   <a:schemeClr val="tx1">
                     <a:lumMod val="85000"/>
@@ -22200,7 +25764,7 @@
               <a:t>	</a:t>
             </a:r>
             <a:r>
-              <a:rPr lang="en-US" altLang="zh-CN">
+              <a:rPr lang="en-US" altLang="zh-CN" dirty="0">
                 <a:solidFill>
                   <a:schemeClr val="tx1">
                     <a:lumMod val="85000"/>
@@ -22211,7 +25775,7 @@
               </a:rPr>
               <a:t>https://github.com/XiminHu/mass-suite</a:t>
             </a:r>
-            <a:endParaRPr lang="en-US" altLang="zh-CN">
+            <a:endParaRPr lang="en-US" altLang="zh-CN" dirty="0">
               <a:solidFill>
                 <a:schemeClr val="tx1">
                   <a:lumMod val="85000"/>
@@ -22232,7 +25796,30 @@
               <a:buChar char=" "/>
             </a:pPr>
             <a:r>
-              <a:rPr lang="en-US" altLang="zh-CN">
+              <a:rPr lang="en-US" altLang="zh-CN" dirty="0">
+                <a:solidFill>
+                  <a:schemeClr val="tx1">
+                    <a:lumMod val="85000"/>
+                    <a:lumOff val="15000"/>
+                  </a:schemeClr>
+                </a:solidFill>
+              </a:rPr>
+              <a:t>Contact:</a:t>
+            </a:r>
+          </a:p>
+          <a:p>
+            <a:pPr marL="285750" indent="-285750" defTabSz="914400">
+              <a:lnSpc>
+                <a:spcPct val="85000"/>
+              </a:lnSpc>
+              <a:spcAft>
+                <a:spcPts val="600"/>
+              </a:spcAft>
+              <a:buFont typeface="Arial" pitchFamily="34" charset="0"/>
+              <a:buChar char=" "/>
+            </a:pPr>
+            <a:r>
+              <a:rPr lang="en-US" altLang="zh-CN" dirty="0">
                 <a:solidFill>
                   <a:schemeClr val="tx1">
                     <a:lumMod val="85000"/>
@@ -22254,227 +25841,6 @@
   </p:cSld>
   <p:clrMapOvr>
     <a:overrideClrMapping bg1="dk1" tx1="lt1" bg2="dk2" tx2="lt2" accent1="accent1" accent2="accent2" accent3="accent3" accent4="accent4" accent5="accent5" accent6="accent6" hlink="hlink" folHlink="folHlink"/>
-  </p:clrMapOvr>
-</p:sld>
-</file>
-
-<file path=ppt/slides/slide19.xml><?xml version="1.0" encoding="utf-8"?>
-<p:sld xmlns:a="http://schemas.openxmlformats.org/drawingml/2006/main" xmlns:r="http://schemas.openxmlformats.org/officeDocument/2006/relationships" xmlns:p="http://schemas.openxmlformats.org/presentationml/2006/main">
-  <p:cSld>
-    <p:bg>
-      <p:bgPr>
-        <a:solidFill>
-          <a:schemeClr val="bg1"/>
-        </a:solidFill>
-        <a:effectLst/>
-      </p:bgPr>
-    </p:bg>
-    <p:spTree>
-      <p:nvGrpSpPr>
-        <p:cNvPr id="1" name=""/>
-        <p:cNvGrpSpPr/>
-        <p:nvPr/>
-      </p:nvGrpSpPr>
-      <p:grpSpPr>
-        <a:xfrm>
-          <a:off x="0" y="0"/>
-          <a:ext cx="0" cy="0"/>
-          <a:chOff x="0" y="0"/>
-          <a:chExt cx="0" cy="0"/>
-        </a:xfrm>
-      </p:grpSpPr>
-      <p:pic>
-        <p:nvPicPr>
-          <p:cNvPr id="1030" name="Picture 6" descr="Get to Know the Center for Urban Waters | Freshwater Initiative">
-            <a:extLst>
-              <a:ext uri="{FF2B5EF4-FFF2-40B4-BE49-F238E27FC236}">
-                <a16:creationId xmlns:a16="http://schemas.microsoft.com/office/drawing/2014/main" id="{9A6F96CD-DAB3-4CAA-87B8-DC195CCD051B}"/>
-              </a:ext>
-            </a:extLst>
-          </p:cNvPr>
-          <p:cNvPicPr>
-            <a:picLocks noChangeAspect="1" noChangeArrowheads="1"/>
-          </p:cNvPicPr>
-          <p:nvPr/>
-        </p:nvPicPr>
-        <p:blipFill rotWithShape="1">
-          <a:blip r:embed="rId2">
-            <a:extLst>
-              <a:ext uri="{28A0092B-C50C-407E-A947-70E740481C1C}">
-                <a14:useLocalDpi xmlns:a14="http://schemas.microsoft.com/office/drawing/2010/main" val="0"/>
-              </a:ext>
-            </a:extLst>
-          </a:blip>
-          <a:srcRect t="34986" b="19419"/>
-          <a:stretch/>
-        </p:blipFill>
-        <p:spPr bwMode="auto">
-          <a:xfrm>
-            <a:off x="20" y="10"/>
-            <a:ext cx="12191980" cy="3710603"/>
-          </a:xfrm>
-          <a:custGeom>
-            <a:avLst/>
-            <a:gdLst/>
-            <a:ahLst/>
-            <a:cxnLst/>
-            <a:rect l="l" t="t" r="r" b="b"/>
-            <a:pathLst>
-              <a:path w="12192000" h="3692092">
-                <a:moveTo>
-                  <a:pt x="0" y="0"/>
-                </a:moveTo>
-                <a:lnTo>
-                  <a:pt x="12192000" y="0"/>
-                </a:lnTo>
-                <a:lnTo>
-                  <a:pt x="12192000" y="3504824"/>
-                </a:lnTo>
-                <a:lnTo>
-                  <a:pt x="12024691" y="3517794"/>
-                </a:lnTo>
-                <a:cubicBezTo>
-                  <a:pt x="8077523" y="3783195"/>
-                  <a:pt x="4094678" y="3026959"/>
-                  <a:pt x="160485" y="3663863"/>
-                </a:cubicBezTo>
-                <a:lnTo>
-                  <a:pt x="0" y="3692092"/>
-                </a:lnTo>
-                <a:close/>
-              </a:path>
-            </a:pathLst>
-          </a:custGeom>
-          <a:noFill/>
-          <a:extLst>
-            <a:ext uri="{909E8E84-426E-40DD-AFC4-6F175D3DCCD1}">
-              <a14:hiddenFill xmlns:a14="http://schemas.microsoft.com/office/drawing/2010/main">
-                <a:solidFill>
-                  <a:srgbClr val="FFFFFF"/>
-                </a:solidFill>
-              </a14:hiddenFill>
-            </a:ext>
-          </a:extLst>
-        </p:spPr>
-      </p:pic>
-      <p:sp>
-        <p:nvSpPr>
-          <p:cNvPr id="3" name="Content Placeholder 2">
-            <a:extLst>
-              <a:ext uri="{FF2B5EF4-FFF2-40B4-BE49-F238E27FC236}">
-                <a16:creationId xmlns:a16="http://schemas.microsoft.com/office/drawing/2014/main" id="{F8014C2C-3C3C-4789-8141-910A24098A89}"/>
-              </a:ext>
-            </a:extLst>
-          </p:cNvPr>
-          <p:cNvSpPr>
-            <a:spLocks noGrp="1"/>
-          </p:cNvSpPr>
-          <p:nvPr>
-            <p:ph idx="1"/>
-          </p:nvPr>
-        </p:nvSpPr>
-        <p:spPr>
-          <a:xfrm>
-            <a:off x="4223982" y="3752850"/>
-            <a:ext cx="7485413" cy="2452687"/>
-          </a:xfrm>
-        </p:spPr>
-        <p:txBody>
-          <a:bodyPr anchor="ctr">
-            <a:normAutofit/>
-          </a:bodyPr>
-          <a:lstStyle/>
-          <a:p>
-            <a:pPr marL="0" indent="0">
-              <a:buNone/>
-            </a:pPr>
-            <a:r>
-              <a:rPr lang="en-US" altLang="zh-CN" sz="1800" dirty="0"/>
-              <a:t>Acknowledgement:</a:t>
-            </a:r>
-          </a:p>
-          <a:p>
-            <a:pPr marL="457200" lvl="1" indent="0">
-              <a:buNone/>
-            </a:pPr>
-            <a:endParaRPr lang="en-US" altLang="zh-CN" sz="1800" dirty="0"/>
-          </a:p>
-          <a:p>
-            <a:pPr marL="457200" lvl="1" indent="0">
-              <a:buNone/>
-            </a:pPr>
-            <a:r>
-              <a:rPr lang="en-US" altLang="zh-CN" sz="1800" dirty="0"/>
-              <a:t>A big shout to Professor Dave Beck, Professor Edward </a:t>
-            </a:r>
-            <a:r>
-              <a:rPr lang="en-US" altLang="zh-CN" sz="1800" dirty="0" err="1"/>
-              <a:t>Kolodziej</a:t>
-            </a:r>
-            <a:r>
-              <a:rPr lang="en-US" altLang="zh-CN" sz="1800" dirty="0"/>
-              <a:t>, Katherine Peter, and the Center of Urban Water for all their help during the development of this package.</a:t>
-            </a:r>
-            <a:endParaRPr lang="zh-CN" altLang="en-US" sz="1800" dirty="0"/>
-          </a:p>
-        </p:txBody>
-      </p:sp>
-      <p:pic>
-        <p:nvPicPr>
-          <p:cNvPr id="1032" name="Picture 8" descr="Center for Urban Waters - Tacoma WA">
-            <a:extLst>
-              <a:ext uri="{FF2B5EF4-FFF2-40B4-BE49-F238E27FC236}">
-                <a16:creationId xmlns:a16="http://schemas.microsoft.com/office/drawing/2014/main" id="{526FE30F-B88A-4CF6-836B-AD0D436003D8}"/>
-              </a:ext>
-            </a:extLst>
-          </p:cNvPr>
-          <p:cNvPicPr>
-            <a:picLocks noChangeAspect="1" noChangeArrowheads="1"/>
-          </p:cNvPicPr>
-          <p:nvPr/>
-        </p:nvPicPr>
-        <p:blipFill>
-          <a:blip r:embed="rId3">
-            <a:extLst>
-              <a:ext uri="{28A0092B-C50C-407E-A947-70E740481C1C}">
-                <a14:useLocalDpi xmlns:a14="http://schemas.microsoft.com/office/drawing/2010/main" val="0"/>
-              </a:ext>
-            </a:extLst>
-          </a:blip>
-          <a:srcRect/>
-          <a:stretch>
-            <a:fillRect/>
-          </a:stretch>
-        </p:blipFill>
-        <p:spPr bwMode="auto">
-          <a:xfrm>
-            <a:off x="747615" y="4294997"/>
-            <a:ext cx="2933700" cy="1085850"/>
-          </a:xfrm>
-          <a:prstGeom prst="rect">
-            <a:avLst/>
-          </a:prstGeom>
-          <a:noFill/>
-          <a:extLst>
-            <a:ext uri="{909E8E84-426E-40DD-AFC4-6F175D3DCCD1}">
-              <a14:hiddenFill xmlns:a14="http://schemas.microsoft.com/office/drawing/2010/main">
-                <a:solidFill>
-                  <a:srgbClr val="FFFFFF"/>
-                </a:solidFill>
-              </a14:hiddenFill>
-            </a:ext>
-          </a:extLst>
-        </p:spPr>
-      </p:pic>
-    </p:spTree>
-    <p:extLst>
-      <p:ext uri="{BB962C8B-B14F-4D97-AF65-F5344CB8AC3E}">
-        <p14:creationId xmlns:p14="http://schemas.microsoft.com/office/powerpoint/2010/main" val="3025338571"/>
-      </p:ext>
-    </p:extLst>
-  </p:cSld>
-  <p:clrMapOvr>
-    <a:masterClrMapping/>
   </p:clrMapOvr>
 </p:sld>
 </file>
@@ -22828,6 +26194,227 @@
           <a:chExt cx="0" cy="0"/>
         </a:xfrm>
       </p:grpSpPr>
+      <p:pic>
+        <p:nvPicPr>
+          <p:cNvPr id="1030" name="Picture 6" descr="Get to Know the Center for Urban Waters | Freshwater Initiative">
+            <a:extLst>
+              <a:ext uri="{FF2B5EF4-FFF2-40B4-BE49-F238E27FC236}">
+                <a16:creationId xmlns:a16="http://schemas.microsoft.com/office/drawing/2014/main" id="{9A6F96CD-DAB3-4CAA-87B8-DC195CCD051B}"/>
+              </a:ext>
+            </a:extLst>
+          </p:cNvPr>
+          <p:cNvPicPr>
+            <a:picLocks noChangeAspect="1" noChangeArrowheads="1"/>
+          </p:cNvPicPr>
+          <p:nvPr/>
+        </p:nvPicPr>
+        <p:blipFill rotWithShape="1">
+          <a:blip r:embed="rId2">
+            <a:extLst>
+              <a:ext uri="{28A0092B-C50C-407E-A947-70E740481C1C}">
+                <a14:useLocalDpi xmlns:a14="http://schemas.microsoft.com/office/drawing/2010/main" val="0"/>
+              </a:ext>
+            </a:extLst>
+          </a:blip>
+          <a:srcRect t="34986" b="19419"/>
+          <a:stretch/>
+        </p:blipFill>
+        <p:spPr bwMode="auto">
+          <a:xfrm>
+            <a:off x="20" y="10"/>
+            <a:ext cx="12191980" cy="3710603"/>
+          </a:xfrm>
+          <a:custGeom>
+            <a:avLst/>
+            <a:gdLst/>
+            <a:ahLst/>
+            <a:cxnLst/>
+            <a:rect l="l" t="t" r="r" b="b"/>
+            <a:pathLst>
+              <a:path w="12192000" h="3692092">
+                <a:moveTo>
+                  <a:pt x="0" y="0"/>
+                </a:moveTo>
+                <a:lnTo>
+                  <a:pt x="12192000" y="0"/>
+                </a:lnTo>
+                <a:lnTo>
+                  <a:pt x="12192000" y="3504824"/>
+                </a:lnTo>
+                <a:lnTo>
+                  <a:pt x="12024691" y="3517794"/>
+                </a:lnTo>
+                <a:cubicBezTo>
+                  <a:pt x="8077523" y="3783195"/>
+                  <a:pt x="4094678" y="3026959"/>
+                  <a:pt x="160485" y="3663863"/>
+                </a:cubicBezTo>
+                <a:lnTo>
+                  <a:pt x="0" y="3692092"/>
+                </a:lnTo>
+                <a:close/>
+              </a:path>
+            </a:pathLst>
+          </a:custGeom>
+          <a:noFill/>
+          <a:extLst>
+            <a:ext uri="{909E8E84-426E-40DD-AFC4-6F175D3DCCD1}">
+              <a14:hiddenFill xmlns:a14="http://schemas.microsoft.com/office/drawing/2010/main">
+                <a:solidFill>
+                  <a:srgbClr val="FFFFFF"/>
+                </a:solidFill>
+              </a14:hiddenFill>
+            </a:ext>
+          </a:extLst>
+        </p:spPr>
+      </p:pic>
+      <p:sp>
+        <p:nvSpPr>
+          <p:cNvPr id="3" name="Content Placeholder 2">
+            <a:extLst>
+              <a:ext uri="{FF2B5EF4-FFF2-40B4-BE49-F238E27FC236}">
+                <a16:creationId xmlns:a16="http://schemas.microsoft.com/office/drawing/2014/main" id="{F8014C2C-3C3C-4789-8141-910A24098A89}"/>
+              </a:ext>
+            </a:extLst>
+          </p:cNvPr>
+          <p:cNvSpPr>
+            <a:spLocks noGrp="1"/>
+          </p:cNvSpPr>
+          <p:nvPr>
+            <p:ph idx="1"/>
+          </p:nvPr>
+        </p:nvSpPr>
+        <p:spPr>
+          <a:xfrm>
+            <a:off x="4223982" y="3752850"/>
+            <a:ext cx="7485413" cy="2452687"/>
+          </a:xfrm>
+        </p:spPr>
+        <p:txBody>
+          <a:bodyPr anchor="ctr">
+            <a:normAutofit/>
+          </a:bodyPr>
+          <a:lstStyle/>
+          <a:p>
+            <a:pPr marL="0" indent="0">
+              <a:buNone/>
+            </a:pPr>
+            <a:r>
+              <a:rPr lang="en-US" altLang="zh-CN" sz="1800" dirty="0"/>
+              <a:t>Acknowledgement:</a:t>
+            </a:r>
+          </a:p>
+          <a:p>
+            <a:pPr marL="457200" lvl="1" indent="0">
+              <a:buNone/>
+            </a:pPr>
+            <a:endParaRPr lang="en-US" altLang="zh-CN" sz="1800" dirty="0"/>
+          </a:p>
+          <a:p>
+            <a:pPr marL="457200" lvl="1" indent="0">
+              <a:buNone/>
+            </a:pPr>
+            <a:r>
+              <a:rPr lang="en-US" altLang="zh-CN" sz="1800" dirty="0"/>
+              <a:t>A big shout to Professor Edward </a:t>
+            </a:r>
+            <a:r>
+              <a:rPr lang="en-US" altLang="zh-CN" sz="1800" dirty="0" err="1"/>
+              <a:t>Kolodziej</a:t>
+            </a:r>
+            <a:r>
+              <a:rPr lang="en-US" altLang="zh-CN" sz="1800" dirty="0"/>
+              <a:t>, Professor Dave Beck, Katherine Peter, and the Center of Urban Water for all their help during the development of this package.</a:t>
+            </a:r>
+            <a:endParaRPr lang="zh-CN" altLang="en-US" sz="1800" dirty="0"/>
+          </a:p>
+        </p:txBody>
+      </p:sp>
+      <p:pic>
+        <p:nvPicPr>
+          <p:cNvPr id="1032" name="Picture 8" descr="Center for Urban Waters - Tacoma WA">
+            <a:extLst>
+              <a:ext uri="{FF2B5EF4-FFF2-40B4-BE49-F238E27FC236}">
+                <a16:creationId xmlns:a16="http://schemas.microsoft.com/office/drawing/2014/main" id="{526FE30F-B88A-4CF6-836B-AD0D436003D8}"/>
+              </a:ext>
+            </a:extLst>
+          </p:cNvPr>
+          <p:cNvPicPr>
+            <a:picLocks noChangeAspect="1" noChangeArrowheads="1"/>
+          </p:cNvPicPr>
+          <p:nvPr/>
+        </p:nvPicPr>
+        <p:blipFill>
+          <a:blip r:embed="rId3">
+            <a:extLst>
+              <a:ext uri="{28A0092B-C50C-407E-A947-70E740481C1C}">
+                <a14:useLocalDpi xmlns:a14="http://schemas.microsoft.com/office/drawing/2010/main" val="0"/>
+              </a:ext>
+            </a:extLst>
+          </a:blip>
+          <a:srcRect/>
+          <a:stretch>
+            <a:fillRect/>
+          </a:stretch>
+        </p:blipFill>
+        <p:spPr bwMode="auto">
+          <a:xfrm>
+            <a:off x="747615" y="4294997"/>
+            <a:ext cx="2933700" cy="1085850"/>
+          </a:xfrm>
+          <a:prstGeom prst="rect">
+            <a:avLst/>
+          </a:prstGeom>
+          <a:noFill/>
+          <a:extLst>
+            <a:ext uri="{909E8E84-426E-40DD-AFC4-6F175D3DCCD1}">
+              <a14:hiddenFill xmlns:a14="http://schemas.microsoft.com/office/drawing/2010/main">
+                <a:solidFill>
+                  <a:srgbClr val="FFFFFF"/>
+                </a:solidFill>
+              </a14:hiddenFill>
+            </a:ext>
+          </a:extLst>
+        </p:spPr>
+      </p:pic>
+    </p:spTree>
+    <p:extLst>
+      <p:ext uri="{BB962C8B-B14F-4D97-AF65-F5344CB8AC3E}">
+        <p14:creationId xmlns:p14="http://schemas.microsoft.com/office/powerpoint/2010/main" val="3025338571"/>
+      </p:ext>
+    </p:extLst>
+  </p:cSld>
+  <p:clrMapOvr>
+    <a:masterClrMapping/>
+  </p:clrMapOvr>
+</p:sld>
+</file>
+
+<file path=ppt/slides/slide21.xml><?xml version="1.0" encoding="utf-8"?>
+<p:sld xmlns:a="http://schemas.openxmlformats.org/drawingml/2006/main" xmlns:r="http://schemas.openxmlformats.org/officeDocument/2006/relationships" xmlns:p="http://schemas.openxmlformats.org/presentationml/2006/main">
+  <p:cSld>
+    <p:bg>
+      <p:bgPr>
+        <a:solidFill>
+          <a:schemeClr val="bg1"/>
+        </a:solidFill>
+        <a:effectLst/>
+      </p:bgPr>
+    </p:bg>
+    <p:spTree>
+      <p:nvGrpSpPr>
+        <p:cNvPr id="1" name=""/>
+        <p:cNvGrpSpPr/>
+        <p:nvPr/>
+      </p:nvGrpSpPr>
+      <p:grpSpPr>
+        <a:xfrm>
+          <a:off x="0" y="0"/>
+          <a:ext cx="0" cy="0"/>
+          <a:chOff x="0" y="0"/>
+          <a:chExt cx="0" cy="0"/>
+        </a:xfrm>
+      </p:grpSpPr>
       <p:sp>
         <p:nvSpPr>
           <p:cNvPr id="7" name="Rectangle 6">
@@ -23154,10 +26741,10 @@
       </p:grpSpPr>
       <p:sp>
         <p:nvSpPr>
-          <p:cNvPr id="8" name="Rectangle 7">
+          <p:cNvPr id="19" name="Rectangle 16">
             <a:extLst>
               <a:ext uri="{FF2B5EF4-FFF2-40B4-BE49-F238E27FC236}">
-                <a16:creationId xmlns:a16="http://schemas.microsoft.com/office/drawing/2014/main" id="{AD6F6937-3B5A-4391-9F37-58A571B362A9}"/>
+                <a16:creationId xmlns:a16="http://schemas.microsoft.com/office/drawing/2014/main" id="{788D80A3-503A-400A-9D7F-99EC3CE0654D}"/>
               </a:ext>
               <a:ext uri="{C183D7F6-B498-43B3-948B-1728B52AA6E4}">
                 <adec:decorative xmlns:adec="http://schemas.microsoft.com/office/drawing/2017/decorative" val="1"/>
@@ -23177,15 +26764,12 @@
         </p:nvSpPr>
         <p:spPr>
           <a:xfrm>
-            <a:off x="0" y="0"/>
-            <a:ext cx="4059080" cy="6858000"/>
+            <a:off x="0" y="4572000"/>
+            <a:ext cx="12192000" cy="2286000"/>
           </a:xfrm>
           <a:prstGeom prst="rect">
             <a:avLst/>
           </a:prstGeom>
-          <a:solidFill>
-            <a:schemeClr val="accent1"/>
-          </a:solidFill>
           <a:ln>
             <a:noFill/>
           </a:ln>
@@ -23217,114 +26801,87 @@
       </p:sp>
       <p:sp>
         <p:nvSpPr>
-          <p:cNvPr id="11" name="Content Placeholder 2">
+          <p:cNvPr id="2" name="TextBox 1">
             <a:extLst>
               <a:ext uri="{FF2B5EF4-FFF2-40B4-BE49-F238E27FC236}">
-                <a16:creationId xmlns:a16="http://schemas.microsoft.com/office/drawing/2014/main" id="{3CE1B76F-CE96-4C8D-BC0B-3F1E3821188A}"/>
+                <a16:creationId xmlns:a16="http://schemas.microsoft.com/office/drawing/2014/main" id="{76BD7755-E290-46AC-9849-A72A008F9CDD}"/>
               </a:ext>
             </a:extLst>
           </p:cNvPr>
-          <p:cNvSpPr>
-            <a:spLocks noGrp="1"/>
-          </p:cNvSpPr>
-          <p:nvPr>
-            <p:ph idx="1"/>
-          </p:nvPr>
+          <p:cNvSpPr txBox="1"/>
+          <p:nvPr/>
         </p:nvSpPr>
         <p:spPr>
           <a:xfrm>
-            <a:off x="4614389" y="936711"/>
-            <a:ext cx="6815992" cy="4984578"/>
+            <a:off x="657224" y="4772508"/>
+            <a:ext cx="10772775" cy="1658198"/>
           </a:xfrm>
+          <a:prstGeom prst="rect">
+            <a:avLst/>
+          </a:prstGeom>
         </p:spPr>
         <p:txBody>
-          <a:bodyPr anchor="ctr">
+          <a:bodyPr vert="horz" lIns="91440" tIns="45720" rIns="91440" bIns="45720" rtlCol="0" anchor="ctr">
             <a:normAutofit/>
           </a:bodyPr>
           <a:lstStyle/>
           <a:p>
+            <a:pPr defTabSz="914400">
+              <a:lnSpc>
+                <a:spcPct val="85000"/>
+              </a:lnSpc>
+              <a:spcBef>
+                <a:spcPct val="0"/>
+              </a:spcBef>
+              <a:spcAft>
+                <a:spcPts val="600"/>
+              </a:spcAft>
+            </a:pPr>
             <a:r>
-              <a:rPr lang="en-US" altLang="zh-CN" sz="2000" dirty="0"/>
-              <a:t>High Resolution Mass Spectrometry (HRMS)</a:t>
-            </a:r>
-          </a:p>
-          <a:p>
-            <a:pPr lvl="1"/>
-            <a:r>
-              <a:rPr lang="en-US" altLang="zh-CN" sz="2000" dirty="0"/>
-              <a:t>Novel technology for water quality assessment</a:t>
-            </a:r>
-          </a:p>
-          <a:p>
-            <a:pPr lvl="1"/>
-            <a:r>
-              <a:rPr lang="en-US" altLang="zh-CN" sz="2000" dirty="0"/>
-              <a:t>Data massive for interpretation and detailed analysis</a:t>
-            </a:r>
-          </a:p>
-          <a:p>
-            <a:pPr lvl="1"/>
-            <a:r>
-              <a:rPr lang="en-US" altLang="zh-CN" sz="2000" dirty="0"/>
-              <a:t>Current software hard to meet every needs</a:t>
-            </a:r>
-          </a:p>
-          <a:p>
-            <a:r>
-              <a:rPr lang="en-US" altLang="zh-CN" sz="2000" dirty="0"/>
-              <a:t>Pollutant in water</a:t>
-            </a:r>
-          </a:p>
-          <a:p>
-            <a:pPr lvl="1"/>
-            <a:r>
-              <a:rPr lang="en-US" altLang="zh-CN" sz="2000" dirty="0"/>
-              <a:t>Complicated and coming from different sources</a:t>
-            </a:r>
-          </a:p>
-          <a:p>
-            <a:pPr lvl="1"/>
-            <a:r>
-              <a:rPr lang="en-US" altLang="zh-CN" sz="2000" dirty="0"/>
-              <a:t>Hard to identification and track</a:t>
-            </a:r>
-          </a:p>
-          <a:p>
-            <a:pPr lvl="1"/>
-            <a:r>
-              <a:rPr lang="en-US" altLang="zh-CN" sz="2000" dirty="0"/>
-              <a:t>Current technologies are more concentrating on one/few chemical</a:t>
-            </a:r>
-          </a:p>
-          <a:p>
-            <a:r>
-              <a:rPr lang="en-US" altLang="zh-CN" sz="2000" dirty="0"/>
-              <a:t>What we need</a:t>
-            </a:r>
-          </a:p>
-          <a:p>
-            <a:pPr lvl="1"/>
-            <a:r>
-              <a:rPr lang="en-US" altLang="zh-CN" sz="2000" dirty="0"/>
-              <a:t>Flexible software that can meet various need</a:t>
-            </a:r>
-          </a:p>
-          <a:p>
-            <a:pPr lvl="1"/>
-            <a:r>
-              <a:rPr lang="en-US" altLang="zh-CN" sz="2000" dirty="0"/>
-              <a:t>Method to overview the sample rather than single compound</a:t>
-            </a:r>
-          </a:p>
-          <a:p>
-            <a:pPr lvl="1"/>
-            <a:r>
-              <a:rPr lang="en-US" altLang="zh-CN" sz="2000" dirty="0"/>
-              <a:t>More…</a:t>
+              <a:rPr lang="en-US" altLang="zh-CN" sz="5400" spc="-120">
+                <a:solidFill>
+                  <a:srgbClr val="FFFFFF"/>
+                </a:solidFill>
+                <a:latin typeface="+mj-lt"/>
+                <a:ea typeface="+mj-ea"/>
+                <a:cs typeface="+mj-cs"/>
+              </a:rPr>
+              <a:t>Background</a:t>
             </a:r>
           </a:p>
         </p:txBody>
       </p:sp>
+      <p:graphicFrame>
+        <p:nvGraphicFramePr>
+          <p:cNvPr id="20" name="Content Placeholder 2">
+            <a:extLst>
+              <a:ext uri="{FF2B5EF4-FFF2-40B4-BE49-F238E27FC236}">
+                <a16:creationId xmlns:a16="http://schemas.microsoft.com/office/drawing/2014/main" id="{4C6829B8-527E-4B7A-B7E2-FD7A318EBCA5}"/>
+              </a:ext>
+            </a:extLst>
+          </p:cNvPr>
+          <p:cNvGraphicFramePr>
+            <a:graphicFrameLocks noGrp="1"/>
+          </p:cNvGraphicFramePr>
+          <p:nvPr>
+            <p:ph idx="1"/>
+            <p:extLst>
+              <p:ext uri="{D42A27DB-BD31-4B8C-83A1-F6EECF244321}">
+                <p14:modId xmlns:p14="http://schemas.microsoft.com/office/powerpoint/2010/main" val="4206056432"/>
+              </p:ext>
+            </p:extLst>
+          </p:nvPr>
+        </p:nvGraphicFramePr>
+        <p:xfrm>
+          <a:off x="676275" y="643468"/>
+          <a:ext cx="10872258" cy="3501238"/>
+        </p:xfrm>
+        <a:graphic>
+          <a:graphicData uri="http://schemas.openxmlformats.org/drawingml/2006/diagram">
+            <dgm:relIds xmlns:dgm="http://schemas.openxmlformats.org/drawingml/2006/diagram" xmlns:r="http://schemas.openxmlformats.org/officeDocument/2006/relationships" r:dm="rId2" r:lo="rId3" r:qs="rId4" r:cs="rId5"/>
+          </a:graphicData>
+        </a:graphic>
+      </p:graphicFrame>
     </p:spTree>
     <p:extLst>
       <p:ext uri="{BB962C8B-B14F-4D97-AF65-F5344CB8AC3E}">
@@ -23466,7 +27023,7 @@
       </p:grpSpPr>
       <p:sp>
         <p:nvSpPr>
-          <p:cNvPr id="8" name="Rectangle 7">
+          <p:cNvPr id="13" name="Rectangle 12">
             <a:extLst>
               <a:ext uri="{FF2B5EF4-FFF2-40B4-BE49-F238E27FC236}">
                 <a16:creationId xmlns:a16="http://schemas.microsoft.com/office/drawing/2014/main" id="{AD6F6937-3B5A-4391-9F37-58A571B362A9}"/>
@@ -23668,15 +27225,7 @@
             <a:pPr lvl="1"/>
             <a:r>
               <a:rPr lang="en-US" altLang="zh-CN" sz="2200"/>
-              <a:t>Converted HRMS data in .</a:t>
-            </a:r>
-            <a:r>
-              <a:rPr lang="en-US" altLang="zh-CN" sz="2200" err="1"/>
-              <a:t>mzml</a:t>
-            </a:r>
-            <a:r>
-              <a:rPr lang="en-US" altLang="zh-CN" sz="2200"/>
-              <a:t> format</a:t>
+              <a:t>Converted HRMS data in .mzml format</a:t>
             </a:r>
           </a:p>
           <a:p>
@@ -24883,6 +28432,306 @@
       </p:grpSpPr>
       <p:sp>
         <p:nvSpPr>
+          <p:cNvPr id="12" name="Rectangle 7">
+            <a:extLst>
+              <a:ext uri="{FF2B5EF4-FFF2-40B4-BE49-F238E27FC236}">
+                <a16:creationId xmlns:a16="http://schemas.microsoft.com/office/drawing/2014/main" id="{8E7CFAA6-1DBB-43B0-BD82-2FB83CF4E4A4}"/>
+              </a:ext>
+              <a:ext uri="{C183D7F6-B498-43B3-948B-1728B52AA6E4}">
+                <adec:decorative xmlns:adec="http://schemas.microsoft.com/office/drawing/2017/decorative" val="1"/>
+              </a:ext>
+            </a:extLst>
+          </p:cNvPr>
+          <p:cNvSpPr>
+            <a:spLocks noGrp="1" noRot="1" noChangeAspect="1" noMove="1" noResize="1" noEditPoints="1" noAdjustHandles="1" noChangeArrowheads="1" noChangeShapeType="1" noTextEdit="1"/>
+          </p:cNvSpPr>
+          <p:nvPr>
+            <p:extLst>
+              <p:ext uri="{386F3935-93C4-4BCD-93E2-E3B085C9AB24}">
+                <p16:designElem xmlns:p16="http://schemas.microsoft.com/office/powerpoint/2015/main" val="1"/>
+              </p:ext>
+            </p:extLst>
+          </p:nvPr>
+        </p:nvSpPr>
+        <p:spPr>
+          <a:xfrm>
+            <a:off x="0" y="0"/>
+            <a:ext cx="12192000" cy="6858000"/>
+          </a:xfrm>
+          <a:prstGeom prst="rect">
+            <a:avLst/>
+          </a:prstGeom>
+          <a:ln>
+            <a:noFill/>
+          </a:ln>
+        </p:spPr>
+        <p:style>
+          <a:lnRef idx="2">
+            <a:schemeClr val="accent1">
+              <a:shade val="50000"/>
+            </a:schemeClr>
+          </a:lnRef>
+          <a:fillRef idx="1">
+            <a:schemeClr val="accent1"/>
+          </a:fillRef>
+          <a:effectRef idx="0">
+            <a:schemeClr val="accent1"/>
+          </a:effectRef>
+          <a:fontRef idx="minor">
+            <a:schemeClr val="lt1"/>
+          </a:fontRef>
+        </p:style>
+        <p:txBody>
+          <a:bodyPr rtlCol="0" anchor="ctr"/>
+          <a:lstStyle/>
+          <a:p>
+            <a:pPr algn="ctr"/>
+            <a:endParaRPr lang="en-US"/>
+          </a:p>
+        </p:txBody>
+      </p:sp>
+      <p:sp>
+        <p:nvSpPr>
+          <p:cNvPr id="2" name="Title 1">
+            <a:extLst>
+              <a:ext uri="{FF2B5EF4-FFF2-40B4-BE49-F238E27FC236}">
+                <a16:creationId xmlns:a16="http://schemas.microsoft.com/office/drawing/2014/main" id="{48B47293-3F30-443F-968B-597DC6949A71}"/>
+              </a:ext>
+            </a:extLst>
+          </p:cNvPr>
+          <p:cNvSpPr>
+            <a:spLocks noGrp="1"/>
+          </p:cNvSpPr>
+          <p:nvPr>
+            <p:ph type="title"/>
+          </p:nvPr>
+        </p:nvSpPr>
+        <p:spPr>
+          <a:xfrm>
+            <a:off x="706299" y="639763"/>
+            <a:ext cx="3947998" cy="5492750"/>
+          </a:xfrm>
+        </p:spPr>
+        <p:txBody>
+          <a:bodyPr>
+            <a:normAutofit/>
+          </a:bodyPr>
+          <a:lstStyle/>
+          <a:p>
+            <a:r>
+              <a:rPr lang="en-US" altLang="zh-CN" sz="6000">
+                <a:solidFill>
+                  <a:srgbClr val="FFFFFF"/>
+                </a:solidFill>
+              </a:rPr>
+              <a:t>Clustering &amp; modeling</a:t>
+            </a:r>
+            <a:endParaRPr lang="zh-CN" altLang="en-US" sz="6000">
+              <a:solidFill>
+                <a:srgbClr val="FFFFFF"/>
+              </a:solidFill>
+            </a:endParaRPr>
+          </a:p>
+        </p:txBody>
+      </p:sp>
+      <p:cxnSp>
+        <p:nvCxnSpPr>
+          <p:cNvPr id="13" name="Straight Connector 9">
+            <a:extLst>
+              <a:ext uri="{FF2B5EF4-FFF2-40B4-BE49-F238E27FC236}">
+                <a16:creationId xmlns:a16="http://schemas.microsoft.com/office/drawing/2014/main" id="{9E13708B-D2E3-41E3-BD49-F910056473ED}"/>
+              </a:ext>
+              <a:ext uri="{C183D7F6-B498-43B3-948B-1728B52AA6E4}">
+                <adec:decorative xmlns:adec="http://schemas.microsoft.com/office/drawing/2017/decorative" val="1"/>
+              </a:ext>
+            </a:extLst>
+          </p:cNvPr>
+          <p:cNvCxnSpPr>
+            <a:cxnSpLocks noGrp="1" noRot="1" noChangeAspect="1" noMove="1" noResize="1" noEditPoints="1" noAdjustHandles="1" noChangeArrowheads="1" noChangeShapeType="1"/>
+          </p:cNvCxnSpPr>
+          <p:nvPr>
+            <p:extLst>
+              <p:ext uri="{386F3935-93C4-4BCD-93E2-E3B085C9AB24}">
+                <p16:designElem xmlns:p16="http://schemas.microsoft.com/office/powerpoint/2015/main" val="1"/>
+              </p:ext>
+            </p:extLst>
+          </p:nvPr>
+        </p:nvCxnSpPr>
+        <p:spPr>
+          <a:xfrm>
+            <a:off x="4971323" y="2211346"/>
+            <a:ext cx="0" cy="2349584"/>
+          </a:xfrm>
+          <a:prstGeom prst="line">
+            <a:avLst/>
+          </a:prstGeom>
+          <a:ln>
+            <a:solidFill>
+              <a:srgbClr val="FFFFFF"/>
+            </a:solidFill>
+          </a:ln>
+        </p:spPr>
+        <p:style>
+          <a:lnRef idx="1">
+            <a:schemeClr val="accent1"/>
+          </a:lnRef>
+          <a:fillRef idx="0">
+            <a:schemeClr val="accent1"/>
+          </a:fillRef>
+          <a:effectRef idx="0">
+            <a:schemeClr val="accent1"/>
+          </a:effectRef>
+          <a:fontRef idx="minor">
+            <a:schemeClr val="tx1"/>
+          </a:fontRef>
+        </p:style>
+      </p:cxnSp>
+      <p:sp>
+        <p:nvSpPr>
+          <p:cNvPr id="3" name="Content Placeholder 2">
+            <a:extLst>
+              <a:ext uri="{FF2B5EF4-FFF2-40B4-BE49-F238E27FC236}">
+                <a16:creationId xmlns:a16="http://schemas.microsoft.com/office/drawing/2014/main" id="{57CD30D0-9900-4133-AF86-B4F68886DFEE}"/>
+              </a:ext>
+            </a:extLst>
+          </p:cNvPr>
+          <p:cNvSpPr>
+            <a:spLocks noGrp="1"/>
+          </p:cNvSpPr>
+          <p:nvPr>
+            <p:ph idx="1"/>
+          </p:nvPr>
+        </p:nvSpPr>
+        <p:spPr>
+          <a:xfrm>
+            <a:off x="5288349" y="639764"/>
+            <a:ext cx="6142032" cy="5492749"/>
+          </a:xfrm>
+        </p:spPr>
+        <p:txBody>
+          <a:bodyPr anchor="ctr">
+            <a:normAutofit/>
+          </a:bodyPr>
+          <a:lstStyle/>
+          <a:p>
+            <a:pPr>
+              <a:buFont typeface="Wingdings" panose="05000000000000000000" pitchFamily="2" charset="2"/>
+              <a:buChar char="u"/>
+            </a:pPr>
+            <a:r>
+              <a:rPr lang="en-US" altLang="zh-CN" dirty="0"/>
+              <a:t>Grouping the chemical features using their behavior pattern in different samples:</a:t>
+            </a:r>
+          </a:p>
+          <a:p>
+            <a:pPr lvl="1">
+              <a:buFont typeface="Wingdings" panose="05000000000000000000" pitchFamily="2" charset="2"/>
+              <a:buChar char="u"/>
+            </a:pPr>
+            <a:r>
+              <a:rPr lang="en-US" altLang="zh-CN" dirty="0"/>
+              <a:t>Example: diluted sample from no dilution to 1000 times dilution</a:t>
+            </a:r>
+          </a:p>
+          <a:p>
+            <a:pPr lvl="2">
+              <a:buFont typeface="Wingdings" panose="05000000000000000000" pitchFamily="2" charset="2"/>
+              <a:buChar char="u"/>
+            </a:pPr>
+            <a:r>
+              <a:rPr lang="en-US" altLang="zh-CN" dirty="0"/>
+              <a:t>Cluster1: increase</a:t>
+            </a:r>
+          </a:p>
+          <a:p>
+            <a:pPr lvl="2">
+              <a:buFont typeface="Wingdings" panose="05000000000000000000" pitchFamily="2" charset="2"/>
+              <a:buChar char="u"/>
+            </a:pPr>
+            <a:r>
+              <a:rPr lang="en-US" altLang="zh-CN" dirty="0"/>
+              <a:t>Cluster2: decrease</a:t>
+            </a:r>
+          </a:p>
+          <a:p>
+            <a:pPr lvl="2">
+              <a:buFont typeface="Wingdings" panose="05000000000000000000" pitchFamily="2" charset="2"/>
+              <a:buChar char="u"/>
+            </a:pPr>
+            <a:r>
+              <a:rPr lang="en-US" altLang="zh-CN" dirty="0"/>
+              <a:t>Cluster3: increase first and then decrease</a:t>
+            </a:r>
+          </a:p>
+          <a:p>
+            <a:pPr>
+              <a:buFont typeface="Wingdings" panose="05000000000000000000" pitchFamily="2" charset="2"/>
+              <a:buChar char="u"/>
+            </a:pPr>
+            <a:endParaRPr lang="en-US" altLang="zh-CN" dirty="0"/>
+          </a:p>
+          <a:p>
+            <a:pPr>
+              <a:buFont typeface="Wingdings" panose="05000000000000000000" pitchFamily="2" charset="2"/>
+              <a:buChar char="u"/>
+            </a:pPr>
+            <a:r>
+              <a:rPr lang="en-US" altLang="zh-CN" dirty="0"/>
+              <a:t>Based on the cluster information, separately build models for each cluster on selected dataset</a:t>
+            </a:r>
+          </a:p>
+          <a:p>
+            <a:pPr lvl="1">
+              <a:buFont typeface="Wingdings" panose="05000000000000000000" pitchFamily="2" charset="2"/>
+              <a:buChar char="u"/>
+            </a:pPr>
+            <a:r>
+              <a:rPr lang="en-US" altLang="zh-CN" dirty="0"/>
+              <a:t>Use the overall model to assess the data</a:t>
+            </a:r>
+          </a:p>
+        </p:txBody>
+      </p:sp>
+    </p:spTree>
+    <p:extLst>
+      <p:ext uri="{BB962C8B-B14F-4D97-AF65-F5344CB8AC3E}">
+        <p14:creationId xmlns:p14="http://schemas.microsoft.com/office/powerpoint/2010/main" val="437946477"/>
+      </p:ext>
+    </p:extLst>
+  </p:cSld>
+  <p:clrMapOvr>
+    <a:overrideClrMapping bg1="dk1" tx1="lt1" bg2="dk2" tx2="lt2" accent1="accent1" accent2="accent2" accent3="accent3" accent4="accent4" accent5="accent5" accent6="accent6" hlink="hlink" folHlink="folHlink"/>
+  </p:clrMapOvr>
+</p:sld>
+</file>
+
+<file path=ppt/slides/slide9.xml><?xml version="1.0" encoding="utf-8"?>
+<p:sld xmlns:a="http://schemas.openxmlformats.org/drawingml/2006/main" xmlns:r="http://schemas.openxmlformats.org/officeDocument/2006/relationships" xmlns:p="http://schemas.openxmlformats.org/presentationml/2006/main">
+  <p:cSld>
+    <p:bg>
+      <p:bgPr>
+        <a:solidFill>
+          <a:schemeClr val="bg1"/>
+        </a:solidFill>
+        <a:effectLst/>
+      </p:bgPr>
+    </p:bg>
+    <p:spTree>
+      <p:nvGrpSpPr>
+        <p:cNvPr id="1" name=""/>
+        <p:cNvGrpSpPr/>
+        <p:nvPr/>
+      </p:nvGrpSpPr>
+      <p:grpSpPr>
+        <a:xfrm>
+          <a:off x="0" y="0"/>
+          <a:ext cx="0" cy="0"/>
+          <a:chOff x="0" y="0"/>
+          <a:chExt cx="0" cy="0"/>
+        </a:xfrm>
+      </p:grpSpPr>
+      <p:sp>
+        <p:nvSpPr>
           <p:cNvPr id="12" name="Rectangle 9">
             <a:extLst>
               <a:ext uri="{FF2B5EF4-FFF2-40B4-BE49-F238E27FC236}">
@@ -24972,8 +28821,8 @@
         </p:blipFill>
         <p:spPr bwMode="auto">
           <a:xfrm>
-            <a:off x="2451137" y="3399462"/>
-            <a:ext cx="5104855" cy="3458538"/>
+            <a:off x="7655001" y="3746376"/>
+            <a:ext cx="4396249" cy="2978458"/>
           </a:xfrm>
           <a:prstGeom prst="rect">
             <a:avLst/>
@@ -25008,7 +28857,7 @@
         </p:nvSpPr>
         <p:spPr>
           <a:xfrm>
-            <a:off x="7837713" y="2419773"/>
+            <a:off x="7837714" y="1292308"/>
             <a:ext cx="4030825" cy="3358092"/>
           </a:xfrm>
         </p:spPr>
@@ -25096,8 +28945,8 @@
         </p:blipFill>
         <p:spPr>
           <a:xfrm>
-            <a:off x="0" y="0"/>
-            <a:ext cx="4105469" cy="3458538"/>
+            <a:off x="137464" y="292277"/>
+            <a:ext cx="7376787" cy="6214369"/>
           </a:xfrm>
           <a:prstGeom prst="rect">
             <a:avLst/>
@@ -25108,111 +28957,6 @@
     <p:extLst>
       <p:ext uri="{BB962C8B-B14F-4D97-AF65-F5344CB8AC3E}">
         <p14:creationId xmlns:p14="http://schemas.microsoft.com/office/powerpoint/2010/main" val="2479981837"/>
-      </p:ext>
-    </p:extLst>
-  </p:cSld>
-  <p:clrMapOvr>
-    <a:masterClrMapping/>
-  </p:clrMapOvr>
-</p:sld>
-</file>
-
-<file path=ppt/slides/slide9.xml><?xml version="1.0" encoding="utf-8"?>
-<p:sld xmlns:a="http://schemas.openxmlformats.org/drawingml/2006/main" xmlns:r="http://schemas.openxmlformats.org/officeDocument/2006/relationships" xmlns:p="http://schemas.openxmlformats.org/presentationml/2006/main">
-  <p:cSld>
-    <p:bg>
-      <p:bgPr>
-        <a:solidFill>
-          <a:schemeClr val="bg1"/>
-        </a:solidFill>
-        <a:effectLst/>
-      </p:bgPr>
-    </p:bg>
-    <p:spTree>
-      <p:nvGrpSpPr>
-        <p:cNvPr id="1" name=""/>
-        <p:cNvGrpSpPr/>
-        <p:nvPr/>
-      </p:nvGrpSpPr>
-      <p:grpSpPr>
-        <a:xfrm>
-          <a:off x="0" y="0"/>
-          <a:ext cx="0" cy="0"/>
-          <a:chOff x="0" y="0"/>
-          <a:chExt cx="0" cy="0"/>
-        </a:xfrm>
-      </p:grpSpPr>
-      <p:sp>
-        <p:nvSpPr>
-          <p:cNvPr id="3" name="Title 1">
-            <a:extLst>
-              <a:ext uri="{FF2B5EF4-FFF2-40B4-BE49-F238E27FC236}">
-                <a16:creationId xmlns:a16="http://schemas.microsoft.com/office/drawing/2014/main" id="{1C42C2A5-CE16-45B4-B629-A16C178FBA05}"/>
-              </a:ext>
-            </a:extLst>
-          </p:cNvPr>
-          <p:cNvSpPr>
-            <a:spLocks noGrp="1"/>
-          </p:cNvSpPr>
-          <p:nvPr>
-            <p:ph type="title"/>
-          </p:nvPr>
-        </p:nvSpPr>
-        <p:spPr>
-          <a:xfrm>
-            <a:off x="657224" y="499533"/>
-            <a:ext cx="10772775" cy="1658198"/>
-          </a:xfrm>
-        </p:spPr>
-        <p:txBody>
-          <a:bodyPr>
-            <a:normAutofit/>
-          </a:bodyPr>
-          <a:lstStyle/>
-          <a:p>
-            <a:r>
-              <a:rPr lang="en-US" altLang="zh-CN"/>
-              <a:t>Modeling options for user</a:t>
-            </a:r>
-            <a:endParaRPr lang="zh-CN" altLang="en-US"/>
-          </a:p>
-        </p:txBody>
-      </p:sp>
-      <p:graphicFrame>
-        <p:nvGraphicFramePr>
-          <p:cNvPr id="4" name="Content Placeholder 3">
-            <a:extLst>
-              <a:ext uri="{FF2B5EF4-FFF2-40B4-BE49-F238E27FC236}">
-                <a16:creationId xmlns:a16="http://schemas.microsoft.com/office/drawing/2014/main" id="{1E0DC826-8B49-44F1-A857-1AE28846AEED}"/>
-              </a:ext>
-            </a:extLst>
-          </p:cNvPr>
-          <p:cNvGraphicFramePr>
-            <a:graphicFrameLocks noGrp="1"/>
-          </p:cNvGraphicFramePr>
-          <p:nvPr>
-            <p:ph idx="1"/>
-            <p:extLst>
-              <p:ext uri="{D42A27DB-BD31-4B8C-83A1-F6EECF244321}">
-                <p14:modId xmlns:p14="http://schemas.microsoft.com/office/powerpoint/2010/main" val="1310309135"/>
-              </p:ext>
-            </p:extLst>
-          </p:nvPr>
-        </p:nvGraphicFramePr>
-        <p:xfrm>
-          <a:off x="676656" y="2011680"/>
-          <a:ext cx="10753725" cy="3766185"/>
-        </p:xfrm>
-        <a:graphic>
-          <a:graphicData uri="http://schemas.openxmlformats.org/drawingml/2006/diagram">
-            <dgm:relIds xmlns:dgm="http://schemas.openxmlformats.org/drawingml/2006/diagram" xmlns:r="http://schemas.openxmlformats.org/officeDocument/2006/relationships" r:dm="rId2" r:lo="rId3" r:qs="rId4" r:cs="rId5"/>
-          </a:graphicData>
-        </a:graphic>
-      </p:graphicFrame>
-    </p:spTree>
-    <p:extLst>
-      <p:ext uri="{BB962C8B-B14F-4D97-AF65-F5344CB8AC3E}">
-        <p14:creationId xmlns:p14="http://schemas.microsoft.com/office/powerpoint/2010/main" val="1867728301"/>
       </p:ext>
     </p:extLst>
   </p:cSld>

--- a/doc/20200623 Showcase.pptx
+++ b/doc/20200623 Showcase.pptx
@@ -5,30 +5,31 @@
     <p:sldMasterId id="2147483660" r:id="rId1"/>
   </p:sldMasterIdLst>
   <p:notesMasterIdLst>
-    <p:notesMasterId r:id="rId23"/>
+    <p:notesMasterId r:id="rId24"/>
   </p:notesMasterIdLst>
   <p:sldIdLst>
     <p:sldId id="256" r:id="rId2"/>
     <p:sldId id="258" r:id="rId3"/>
     <p:sldId id="264" r:id="rId4"/>
     <p:sldId id="257" r:id="rId5"/>
-    <p:sldId id="283" r:id="rId6"/>
-    <p:sldId id="271" r:id="rId7"/>
-    <p:sldId id="272" r:id="rId8"/>
-    <p:sldId id="284" r:id="rId9"/>
-    <p:sldId id="265" r:id="rId10"/>
-    <p:sldId id="280" r:id="rId11"/>
-    <p:sldId id="274" r:id="rId12"/>
-    <p:sldId id="282" r:id="rId13"/>
-    <p:sldId id="273" r:id="rId14"/>
-    <p:sldId id="277" r:id="rId15"/>
-    <p:sldId id="260" r:id="rId16"/>
-    <p:sldId id="278" r:id="rId17"/>
-    <p:sldId id="276" r:id="rId18"/>
-    <p:sldId id="261" r:id="rId19"/>
-    <p:sldId id="262" r:id="rId20"/>
-    <p:sldId id="269" r:id="rId21"/>
-    <p:sldId id="279" r:id="rId22"/>
+    <p:sldId id="285" r:id="rId6"/>
+    <p:sldId id="283" r:id="rId7"/>
+    <p:sldId id="271" r:id="rId8"/>
+    <p:sldId id="272" r:id="rId9"/>
+    <p:sldId id="284" r:id="rId10"/>
+    <p:sldId id="265" r:id="rId11"/>
+    <p:sldId id="280" r:id="rId12"/>
+    <p:sldId id="274" r:id="rId13"/>
+    <p:sldId id="282" r:id="rId14"/>
+    <p:sldId id="273" r:id="rId15"/>
+    <p:sldId id="277" r:id="rId16"/>
+    <p:sldId id="260" r:id="rId17"/>
+    <p:sldId id="278" r:id="rId18"/>
+    <p:sldId id="276" r:id="rId19"/>
+    <p:sldId id="261" r:id="rId20"/>
+    <p:sldId id="262" r:id="rId21"/>
+    <p:sldId id="269" r:id="rId22"/>
+    <p:sldId id="279" r:id="rId23"/>
   </p:sldIdLst>
   <p:sldSz cx="12192000" cy="6858000"/>
   <p:notesSz cx="6858000" cy="9144000"/>
@@ -19018,7 +19019,7 @@
           <a:p>
             <a:fld id="{181E8529-792C-43C9-8979-6F67AD67ABED}" type="datetimeFigureOut">
               <a:rPr lang="zh-CN" altLang="en-US" smtClean="0"/>
-              <a:t>2020/6/23</a:t>
+              <a:t>2021/3/26</a:t>
             </a:fld>
             <a:endParaRPr lang="zh-CN" altLang="en-US"/>
           </a:p>
@@ -19559,7 +19560,7 @@
           <a:p>
             <a:fld id="{303AB7D7-D5A4-4A9C-8AD6-2C55E0D1ABF5}" type="slidenum">
               <a:rPr lang="zh-CN" altLang="en-US" smtClean="0"/>
-              <a:t>12</a:t>
+              <a:t>13</a:t>
             </a:fld>
             <a:endParaRPr lang="zh-CN" altLang="en-US"/>
           </a:p>
@@ -19882,7 +19883,7 @@
           <a:p>
             <a:fld id="{B435AACF-D74E-4E13-A56A-99C37B9EB3F2}" type="datetimeFigureOut">
               <a:rPr lang="zh-CN" altLang="en-US" smtClean="0"/>
-              <a:t>2020/6/23</a:t>
+              <a:t>2021/3/26</a:t>
             </a:fld>
             <a:endParaRPr lang="zh-CN" altLang="en-US"/>
           </a:p>
@@ -20072,7 +20073,7 @@
           <a:p>
             <a:fld id="{B435AACF-D74E-4E13-A56A-99C37B9EB3F2}" type="datetimeFigureOut">
               <a:rPr lang="zh-CN" altLang="en-US" smtClean="0"/>
-              <a:t>2020/6/23</a:t>
+              <a:t>2021/3/26</a:t>
             </a:fld>
             <a:endParaRPr lang="zh-CN" altLang="en-US"/>
           </a:p>
@@ -20252,7 +20253,7 @@
           <a:p>
             <a:fld id="{B435AACF-D74E-4E13-A56A-99C37B9EB3F2}" type="datetimeFigureOut">
               <a:rPr lang="zh-CN" altLang="en-US" smtClean="0"/>
-              <a:t>2020/6/23</a:t>
+              <a:t>2021/3/26</a:t>
             </a:fld>
             <a:endParaRPr lang="zh-CN" altLang="en-US"/>
           </a:p>
@@ -20422,7 +20423,7 @@
           <a:p>
             <a:fld id="{B435AACF-D74E-4E13-A56A-99C37B9EB3F2}" type="datetimeFigureOut">
               <a:rPr lang="zh-CN" altLang="en-US" smtClean="0"/>
-              <a:t>2020/6/23</a:t>
+              <a:t>2021/3/26</a:t>
             </a:fld>
             <a:endParaRPr lang="zh-CN" altLang="en-US"/>
           </a:p>
@@ -20678,7 +20679,7 @@
           <a:p>
             <a:fld id="{B435AACF-D74E-4E13-A56A-99C37B9EB3F2}" type="datetimeFigureOut">
               <a:rPr lang="zh-CN" altLang="en-US" smtClean="0"/>
-              <a:t>2020/6/23</a:t>
+              <a:t>2021/3/26</a:t>
             </a:fld>
             <a:endParaRPr lang="zh-CN" altLang="en-US"/>
           </a:p>
@@ -20966,7 +20967,7 @@
           <a:p>
             <a:fld id="{B435AACF-D74E-4E13-A56A-99C37B9EB3F2}" type="datetimeFigureOut">
               <a:rPr lang="zh-CN" altLang="en-US" smtClean="0"/>
-              <a:t>2020/6/23</a:t>
+              <a:t>2021/3/26</a:t>
             </a:fld>
             <a:endParaRPr lang="zh-CN" altLang="en-US"/>
           </a:p>
@@ -21404,7 +21405,7 @@
           <a:p>
             <a:fld id="{B435AACF-D74E-4E13-A56A-99C37B9EB3F2}" type="datetimeFigureOut">
               <a:rPr lang="zh-CN" altLang="en-US" smtClean="0"/>
-              <a:t>2020/6/23</a:t>
+              <a:t>2021/3/26</a:t>
             </a:fld>
             <a:endParaRPr lang="zh-CN" altLang="en-US"/>
           </a:p>
@@ -21522,7 +21523,7 @@
           <a:p>
             <a:fld id="{B435AACF-D74E-4E13-A56A-99C37B9EB3F2}" type="datetimeFigureOut">
               <a:rPr lang="zh-CN" altLang="en-US" smtClean="0"/>
-              <a:t>2020/6/23</a:t>
+              <a:t>2021/3/26</a:t>
             </a:fld>
             <a:endParaRPr lang="zh-CN" altLang="en-US"/>
           </a:p>
@@ -21617,7 +21618,7 @@
           <a:p>
             <a:fld id="{B435AACF-D74E-4E13-A56A-99C37B9EB3F2}" type="datetimeFigureOut">
               <a:rPr lang="zh-CN" altLang="en-US" smtClean="0"/>
-              <a:t>2020/6/23</a:t>
+              <a:t>2021/3/26</a:t>
             </a:fld>
             <a:endParaRPr lang="zh-CN" altLang="en-US"/>
           </a:p>
@@ -21973,7 +21974,7 @@
           <a:p>
             <a:fld id="{B435AACF-D74E-4E13-A56A-99C37B9EB3F2}" type="datetimeFigureOut">
               <a:rPr lang="zh-CN" altLang="en-US" smtClean="0"/>
-              <a:t>2020/6/23</a:t>
+              <a:t>2021/3/26</a:t>
             </a:fld>
             <a:endParaRPr lang="zh-CN" altLang="en-US"/>
           </a:p>
@@ -22289,7 +22290,7 @@
           <a:p>
             <a:fld id="{B435AACF-D74E-4E13-A56A-99C37B9EB3F2}" type="datetimeFigureOut">
               <a:rPr lang="zh-CN" altLang="en-US" smtClean="0"/>
-              <a:t>2020/6/23</a:t>
+              <a:t>2021/3/26</a:t>
             </a:fld>
             <a:endParaRPr lang="zh-CN" altLang="en-US"/>
           </a:p>
@@ -22522,7 +22523,7 @@
           <a:p>
             <a:fld id="{B435AACF-D74E-4E13-A56A-99C37B9EB3F2}" type="datetimeFigureOut">
               <a:rPr lang="zh-CN" altLang="en-US" smtClean="0"/>
-              <a:t>2020/6/23</a:t>
+              <a:t>2021/3/26</a:t>
             </a:fld>
             <a:endParaRPr lang="zh-CN" altLang="en-US"/>
           </a:p>
@@ -23064,6 +23065,267 @@
       </p:grpSpPr>
       <p:sp>
         <p:nvSpPr>
+          <p:cNvPr id="12" name="Rectangle 9">
+            <a:extLst>
+              <a:ext uri="{FF2B5EF4-FFF2-40B4-BE49-F238E27FC236}">
+                <a16:creationId xmlns:a16="http://schemas.microsoft.com/office/drawing/2014/main" id="{07CEFFDD-605F-41E2-8017-6484074C5CAA}"/>
+              </a:ext>
+              <a:ext uri="{C183D7F6-B498-43B3-948B-1728B52AA6E4}">
+                <adec:decorative xmlns:adec="http://schemas.microsoft.com/office/drawing/2017/decorative" val="1"/>
+              </a:ext>
+            </a:extLst>
+          </p:cNvPr>
+          <p:cNvSpPr>
+            <a:spLocks noGrp="1" noRot="1" noChangeAspect="1" noMove="1" noResize="1" noEditPoints="1" noAdjustHandles="1" noChangeArrowheads="1" noChangeShapeType="1" noTextEdit="1"/>
+          </p:cNvSpPr>
+          <p:nvPr>
+            <p:extLst>
+              <p:ext uri="{386F3935-93C4-4BCD-93E2-E3B085C9AB24}">
+                <p16:designElem xmlns:p16="http://schemas.microsoft.com/office/powerpoint/2015/main" val="1"/>
+              </p:ext>
+            </p:extLst>
+          </p:nvPr>
+        </p:nvSpPr>
+        <p:spPr>
+          <a:xfrm>
+            <a:off x="7555992" y="0"/>
+            <a:ext cx="4636008" cy="6858000"/>
+          </a:xfrm>
+          <a:prstGeom prst="rect">
+            <a:avLst/>
+          </a:prstGeom>
+          <a:solidFill>
+            <a:schemeClr val="accent1"/>
+          </a:solidFill>
+          <a:ln>
+            <a:noFill/>
+          </a:ln>
+        </p:spPr>
+        <p:style>
+          <a:lnRef idx="2">
+            <a:schemeClr val="accent1">
+              <a:shade val="50000"/>
+            </a:schemeClr>
+          </a:lnRef>
+          <a:fillRef idx="1">
+            <a:schemeClr val="accent1"/>
+          </a:fillRef>
+          <a:effectRef idx="0">
+            <a:schemeClr val="accent1"/>
+          </a:effectRef>
+          <a:fontRef idx="minor">
+            <a:schemeClr val="lt1"/>
+          </a:fontRef>
+        </p:style>
+        <p:txBody>
+          <a:bodyPr rtlCol="0" anchor="ctr"/>
+          <a:lstStyle/>
+          <a:p>
+            <a:pPr algn="ctr"/>
+            <a:endParaRPr lang="en-US"/>
+          </a:p>
+        </p:txBody>
+      </p:sp>
+      <p:pic>
+        <p:nvPicPr>
+          <p:cNvPr id="5" name="Picture 2">
+            <a:extLst>
+              <a:ext uri="{FF2B5EF4-FFF2-40B4-BE49-F238E27FC236}">
+                <a16:creationId xmlns:a16="http://schemas.microsoft.com/office/drawing/2014/main" id="{D0CC0152-B5A5-42BC-A461-1A1C5BAD4CB3}"/>
+              </a:ext>
+            </a:extLst>
+          </p:cNvPr>
+          <p:cNvPicPr>
+            <a:picLocks noChangeAspect="1" noChangeArrowheads="1"/>
+          </p:cNvPicPr>
+          <p:nvPr/>
+        </p:nvPicPr>
+        <p:blipFill>
+          <a:blip r:embed="rId2">
+            <a:extLst>
+              <a:ext uri="{28A0092B-C50C-407E-A947-70E740481C1C}">
+                <a14:useLocalDpi xmlns:a14="http://schemas.microsoft.com/office/drawing/2010/main" val="0"/>
+              </a:ext>
+            </a:extLst>
+          </a:blip>
+          <a:stretch>
+            <a:fillRect/>
+          </a:stretch>
+        </p:blipFill>
+        <p:spPr bwMode="auto">
+          <a:xfrm>
+            <a:off x="7655001" y="3746376"/>
+            <a:ext cx="4396249" cy="2978458"/>
+          </a:xfrm>
+          <a:prstGeom prst="rect">
+            <a:avLst/>
+          </a:prstGeom>
+          <a:noFill/>
+          <a:extLst>
+            <a:ext uri="{909E8E84-426E-40DD-AFC4-6F175D3DCCD1}">
+              <a14:hiddenFill xmlns:a14="http://schemas.microsoft.com/office/drawing/2010/main">
+                <a:solidFill>
+                  <a:srgbClr val="FFFFFF"/>
+                </a:solidFill>
+              </a14:hiddenFill>
+            </a:ext>
+          </a:extLst>
+        </p:spPr>
+      </p:pic>
+      <p:sp>
+        <p:nvSpPr>
+          <p:cNvPr id="3" name="Content Placeholder 2">
+            <a:extLst>
+              <a:ext uri="{FF2B5EF4-FFF2-40B4-BE49-F238E27FC236}">
+                <a16:creationId xmlns:a16="http://schemas.microsoft.com/office/drawing/2014/main" id="{7F65B831-6491-4048-8EB6-ABEEB16A549A}"/>
+              </a:ext>
+            </a:extLst>
+          </p:cNvPr>
+          <p:cNvSpPr>
+            <a:spLocks noGrp="1"/>
+          </p:cNvSpPr>
+          <p:nvPr>
+            <p:ph idx="1"/>
+          </p:nvPr>
+        </p:nvSpPr>
+        <p:spPr>
+          <a:xfrm>
+            <a:off x="7837714" y="1292308"/>
+            <a:ext cx="4030825" cy="3358092"/>
+          </a:xfrm>
+        </p:spPr>
+        <p:txBody>
+          <a:bodyPr>
+            <a:normAutofit/>
+          </a:bodyPr>
+          <a:lstStyle/>
+          <a:p>
+            <a:pPr>
+              <a:buFont typeface="Wingdings" panose="05000000000000000000" pitchFamily="2" charset="2"/>
+              <a:buChar char="Ø"/>
+            </a:pPr>
+            <a:r>
+              <a:rPr lang="en-US" altLang="zh-CN" sz="1800" dirty="0">
+                <a:solidFill>
+                  <a:srgbClr val="FFFFFF"/>
+                </a:solidFill>
+              </a:rPr>
+              <a:t>Data analysis based on machine learning algorithms</a:t>
+            </a:r>
+          </a:p>
+          <a:p>
+            <a:pPr lvl="1">
+              <a:buFont typeface="Wingdings" panose="05000000000000000000" pitchFamily="2" charset="2"/>
+              <a:buChar char="Ø"/>
+            </a:pPr>
+            <a:r>
+              <a:rPr lang="en-US" altLang="zh-CN" sz="1800" dirty="0">
+                <a:solidFill>
+                  <a:srgbClr val="FFFFFF"/>
+                </a:solidFill>
+              </a:rPr>
+              <a:t>Feature clustering based on scikit-learn algorithms or hypothesis testing</a:t>
+            </a:r>
+          </a:p>
+          <a:p>
+            <a:pPr lvl="1">
+              <a:buFont typeface="Wingdings" panose="05000000000000000000" pitchFamily="2" charset="2"/>
+              <a:buChar char="Ø"/>
+            </a:pPr>
+            <a:r>
+              <a:rPr lang="en-US" altLang="zh-CN" sz="1800" dirty="0">
+                <a:solidFill>
+                  <a:srgbClr val="FFFFFF"/>
+                </a:solidFill>
+              </a:rPr>
+              <a:t>Advanced modeling on dilution series samples</a:t>
+            </a:r>
+          </a:p>
+          <a:p>
+            <a:pPr lvl="1">
+              <a:buFont typeface="Wingdings" panose="05000000000000000000" pitchFamily="2" charset="2"/>
+              <a:buChar char="Ø"/>
+            </a:pPr>
+            <a:r>
+              <a:rPr lang="en-US" altLang="zh-CN" sz="1800" dirty="0">
+                <a:solidFill>
+                  <a:srgbClr val="FFFFFF"/>
+                </a:solidFill>
+              </a:rPr>
+              <a:t>Preliminary source tracking tool</a:t>
+            </a:r>
+          </a:p>
+        </p:txBody>
+      </p:sp>
+      <p:pic>
+        <p:nvPicPr>
+          <p:cNvPr id="8" name="Picture 7">
+            <a:extLst>
+              <a:ext uri="{FF2B5EF4-FFF2-40B4-BE49-F238E27FC236}">
+                <a16:creationId xmlns:a16="http://schemas.microsoft.com/office/drawing/2014/main" id="{4A074D88-4E1B-4496-AC08-C5775CB6D0D6}"/>
+              </a:ext>
+            </a:extLst>
+          </p:cNvPr>
+          <p:cNvPicPr>
+            <a:picLocks noChangeAspect="1"/>
+          </p:cNvPicPr>
+          <p:nvPr/>
+        </p:nvPicPr>
+        <p:blipFill rotWithShape="1">
+          <a:blip r:embed="rId3"/>
+          <a:srcRect l="25271" r="2510"/>
+          <a:stretch/>
+        </p:blipFill>
+        <p:spPr>
+          <a:xfrm>
+            <a:off x="137464" y="292277"/>
+            <a:ext cx="7376787" cy="6214369"/>
+          </a:xfrm>
+          <a:prstGeom prst="rect">
+            <a:avLst/>
+          </a:prstGeom>
+        </p:spPr>
+      </p:pic>
+    </p:spTree>
+    <p:extLst>
+      <p:ext uri="{BB962C8B-B14F-4D97-AF65-F5344CB8AC3E}">
+        <p14:creationId xmlns:p14="http://schemas.microsoft.com/office/powerpoint/2010/main" val="2479981837"/>
+      </p:ext>
+    </p:extLst>
+  </p:cSld>
+  <p:clrMapOvr>
+    <a:masterClrMapping/>
+  </p:clrMapOvr>
+</p:sld>
+</file>
+
+<file path=ppt/slides/slide11.xml><?xml version="1.0" encoding="utf-8"?>
+<p:sld xmlns:a="http://schemas.openxmlformats.org/drawingml/2006/main" xmlns:r="http://schemas.openxmlformats.org/officeDocument/2006/relationships" xmlns:p="http://schemas.openxmlformats.org/presentationml/2006/main">
+  <p:cSld>
+    <p:bg>
+      <p:bgPr>
+        <a:solidFill>
+          <a:schemeClr val="bg1"/>
+        </a:solidFill>
+        <a:effectLst/>
+      </p:bgPr>
+    </p:bg>
+    <p:spTree>
+      <p:nvGrpSpPr>
+        <p:cNvPr id="1" name=""/>
+        <p:cNvGrpSpPr/>
+        <p:nvPr/>
+      </p:nvGrpSpPr>
+      <p:grpSpPr>
+        <a:xfrm>
+          <a:off x="0" y="0"/>
+          <a:ext cx="0" cy="0"/>
+          <a:chOff x="0" y="0"/>
+          <a:chExt cx="0" cy="0"/>
+        </a:xfrm>
+      </p:grpSpPr>
+      <p:sp>
+        <p:nvSpPr>
           <p:cNvPr id="3" name="Title 1">
             <a:extLst>
               <a:ext uri="{FF2B5EF4-FFF2-40B4-BE49-F238E27FC236}">
@@ -23142,7 +23404,7 @@
 </p:sld>
 </file>
 
-<file path=ppt/slides/slide11.xml><?xml version="1.0" encoding="utf-8"?>
+<file path=ppt/slides/slide12.xml><?xml version="1.0" encoding="utf-8"?>
 <p:sld xmlns:a="http://schemas.openxmlformats.org/drawingml/2006/main" xmlns:r="http://schemas.openxmlformats.org/officeDocument/2006/relationships" xmlns:p="http://schemas.openxmlformats.org/presentationml/2006/main">
   <p:cSld>
     <p:bg>
@@ -23504,7 +23766,7 @@
 </p:sld>
 </file>
 
-<file path=ppt/slides/slide12.xml><?xml version="1.0" encoding="utf-8"?>
+<file path=ppt/slides/slide13.xml><?xml version="1.0" encoding="utf-8"?>
 <p:sld xmlns:a="http://schemas.openxmlformats.org/drawingml/2006/main" xmlns:r="http://schemas.openxmlformats.org/officeDocument/2006/relationships" xmlns:p="http://schemas.openxmlformats.org/presentationml/2006/main">
   <p:cSld>
     <p:spTree>
@@ -23914,7 +24176,7 @@
 </p:sld>
 </file>
 
-<file path=ppt/slides/slide13.xml><?xml version="1.0" encoding="utf-8"?>
+<file path=ppt/slides/slide14.xml><?xml version="1.0" encoding="utf-8"?>
 <p:sld xmlns:a="http://schemas.openxmlformats.org/drawingml/2006/main" xmlns:r="http://schemas.openxmlformats.org/officeDocument/2006/relationships" xmlns:p="http://schemas.openxmlformats.org/presentationml/2006/main">
   <p:cSld>
     <p:bg>
@@ -24095,7 +24357,7 @@
 </p:sld>
 </file>
 
-<file path=ppt/slides/slide14.xml><?xml version="1.0" encoding="utf-8"?>
+<file path=ppt/slides/slide15.xml><?xml version="1.0" encoding="utf-8"?>
 <p:sld xmlns:a="http://schemas.openxmlformats.org/drawingml/2006/main" xmlns:r="http://schemas.openxmlformats.org/officeDocument/2006/relationships" xmlns:p="http://schemas.openxmlformats.org/presentationml/2006/main">
   <p:cSld>
     <p:bg>
@@ -24460,7 +24722,7 @@
 </p:sld>
 </file>
 
-<file path=ppt/slides/slide15.xml><?xml version="1.0" encoding="utf-8"?>
+<file path=ppt/slides/slide16.xml><?xml version="1.0" encoding="utf-8"?>
 <p:sld xmlns:a="http://schemas.openxmlformats.org/drawingml/2006/main" xmlns:r="http://schemas.openxmlformats.org/officeDocument/2006/relationships" xmlns:p="http://schemas.openxmlformats.org/presentationml/2006/main">
   <p:cSld>
     <p:bg>
@@ -24784,7 +25046,7 @@
 </p:sld>
 </file>
 
-<file path=ppt/slides/slide16.xml><?xml version="1.0" encoding="utf-8"?>
+<file path=ppt/slides/slide17.xml><?xml version="1.0" encoding="utf-8"?>
 <p:sld xmlns:a="http://schemas.openxmlformats.org/drawingml/2006/main" xmlns:r="http://schemas.openxmlformats.org/officeDocument/2006/relationships" xmlns:p="http://schemas.openxmlformats.org/presentationml/2006/main">
   <p:cSld>
     <p:bg>
@@ -25236,7 +25498,7 @@
 </p:sld>
 </file>
 
-<file path=ppt/slides/slide17.xml><?xml version="1.0" encoding="utf-8"?>
+<file path=ppt/slides/slide18.xml><?xml version="1.0" encoding="utf-8"?>
 <p:sld xmlns:a="http://schemas.openxmlformats.org/drawingml/2006/main" xmlns:r="http://schemas.openxmlformats.org/officeDocument/2006/relationships" xmlns:p="http://schemas.openxmlformats.org/presentationml/2006/main">
   <p:cSld>
     <p:spTree>
@@ -25380,7 +25642,7 @@
 </p:sld>
 </file>
 
-<file path=ppt/slides/slide18.xml><?xml version="1.0" encoding="utf-8"?>
+<file path=ppt/slides/slide19.xml><?xml version="1.0" encoding="utf-8"?>
 <p:sld xmlns:a="http://schemas.openxmlformats.org/drawingml/2006/main" xmlns:r="http://schemas.openxmlformats.org/officeDocument/2006/relationships" xmlns:p="http://schemas.openxmlformats.org/presentationml/2006/main">
   <p:cSld>
     <p:bg>
@@ -25482,7 +25744,331 @@
 </p:sld>
 </file>
 
-<file path=ppt/slides/slide19.xml><?xml version="1.0" encoding="utf-8"?>
+<file path=ppt/slides/slide2.xml><?xml version="1.0" encoding="utf-8"?>
+<p:sld xmlns:a="http://schemas.openxmlformats.org/drawingml/2006/main" xmlns:r="http://schemas.openxmlformats.org/officeDocument/2006/relationships" xmlns:p="http://schemas.openxmlformats.org/presentationml/2006/main">
+  <p:cSld>
+    <p:bg>
+      <p:bgPr>
+        <a:solidFill>
+          <a:schemeClr val="bg1"/>
+        </a:solidFill>
+        <a:effectLst/>
+      </p:bgPr>
+    </p:bg>
+    <p:spTree>
+      <p:nvGrpSpPr>
+        <p:cNvPr id="1" name=""/>
+        <p:cNvGrpSpPr/>
+        <p:nvPr/>
+      </p:nvGrpSpPr>
+      <p:grpSpPr>
+        <a:xfrm>
+          <a:off x="0" y="0"/>
+          <a:ext cx="0" cy="0"/>
+          <a:chOff x="0" y="0"/>
+          <a:chExt cx="0" cy="0"/>
+        </a:xfrm>
+      </p:grpSpPr>
+      <p:sp>
+        <p:nvSpPr>
+          <p:cNvPr id="7" name="Rectangle 6">
+            <a:extLst>
+              <a:ext uri="{FF2B5EF4-FFF2-40B4-BE49-F238E27FC236}">
+                <a16:creationId xmlns:a16="http://schemas.microsoft.com/office/drawing/2014/main" id="{BD976C13-68E6-4E25-B13E-FC3A2D3F66E3}"/>
+              </a:ext>
+              <a:ext uri="{C183D7F6-B498-43B3-948B-1728B52AA6E4}">
+                <adec:decorative xmlns:adec="http://schemas.microsoft.com/office/drawing/2017/decorative" val="1"/>
+              </a:ext>
+            </a:extLst>
+          </p:cNvPr>
+          <p:cNvSpPr>
+            <a:spLocks noGrp="1" noRot="1" noChangeAspect="1" noMove="1" noResize="1" noEditPoints="1" noAdjustHandles="1" noChangeArrowheads="1" noChangeShapeType="1" noTextEdit="1"/>
+          </p:cNvSpPr>
+          <p:nvPr>
+            <p:extLst>
+              <p:ext uri="{386F3935-93C4-4BCD-93E2-E3B085C9AB24}">
+                <p16:designElem xmlns:p16="http://schemas.microsoft.com/office/powerpoint/2015/main" val="1"/>
+              </p:ext>
+            </p:extLst>
+          </p:nvPr>
+        </p:nvSpPr>
+        <p:spPr>
+          <a:xfrm>
+            <a:off x="0" y="0"/>
+            <a:ext cx="12192000" cy="6858000"/>
+          </a:xfrm>
+          <a:prstGeom prst="rect">
+            <a:avLst/>
+          </a:prstGeom>
+          <a:ln>
+            <a:noFill/>
+          </a:ln>
+        </p:spPr>
+        <p:style>
+          <a:lnRef idx="2">
+            <a:schemeClr val="accent1">
+              <a:shade val="50000"/>
+            </a:schemeClr>
+          </a:lnRef>
+          <a:fillRef idx="1">
+            <a:schemeClr val="accent1"/>
+          </a:fillRef>
+          <a:effectRef idx="0">
+            <a:schemeClr val="accent1"/>
+          </a:effectRef>
+          <a:fontRef idx="minor">
+            <a:schemeClr val="lt1"/>
+          </a:fontRef>
+        </p:style>
+      </p:sp>
+      <p:sp useBgFill="1">
+        <p:nvSpPr>
+          <p:cNvPr id="9" name="Rectangle 8">
+            <a:extLst>
+              <a:ext uri="{FF2B5EF4-FFF2-40B4-BE49-F238E27FC236}">
+                <a16:creationId xmlns:a16="http://schemas.microsoft.com/office/drawing/2014/main" id="{1E24A02E-5FD2-428E-A1E4-FDF96B0B6CE8}"/>
+              </a:ext>
+              <a:ext uri="{C183D7F6-B498-43B3-948B-1728B52AA6E4}">
+                <adec:decorative xmlns:adec="http://schemas.microsoft.com/office/drawing/2017/decorative" val="1"/>
+              </a:ext>
+            </a:extLst>
+          </p:cNvPr>
+          <p:cNvSpPr>
+            <a:spLocks noGrp="1" noRot="1" noChangeAspect="1" noMove="1" noResize="1" noEditPoints="1" noAdjustHandles="1" noChangeArrowheads="1" noChangeShapeType="1" noTextEdit="1"/>
+          </p:cNvSpPr>
+          <p:nvPr>
+            <p:extLst>
+              <p:ext uri="{386F3935-93C4-4BCD-93E2-E3B085C9AB24}">
+                <p16:designElem xmlns:p16="http://schemas.microsoft.com/office/powerpoint/2015/main" val="1"/>
+              </p:ext>
+            </p:extLst>
+          </p:nvPr>
+        </p:nvSpPr>
+        <p:spPr>
+          <a:xfrm>
+            <a:off x="0" y="0"/>
+            <a:ext cx="12192000" cy="6858000"/>
+          </a:xfrm>
+          <a:prstGeom prst="rect">
+            <a:avLst/>
+          </a:prstGeom>
+          <a:ln>
+            <a:noFill/>
+          </a:ln>
+        </p:spPr>
+        <p:style>
+          <a:lnRef idx="2">
+            <a:schemeClr val="accent1">
+              <a:shade val="50000"/>
+            </a:schemeClr>
+          </a:lnRef>
+          <a:fillRef idx="1">
+            <a:schemeClr val="accent1"/>
+          </a:fillRef>
+          <a:effectRef idx="0">
+            <a:schemeClr val="accent1"/>
+          </a:effectRef>
+          <a:fontRef idx="minor">
+            <a:schemeClr val="lt1"/>
+          </a:fontRef>
+        </p:style>
+        <p:txBody>
+          <a:bodyPr rtlCol="0" anchor="ctr"/>
+          <a:lstStyle/>
+          <a:p>
+            <a:pPr algn="ctr"/>
+            <a:endParaRPr lang="en-US"/>
+          </a:p>
+        </p:txBody>
+      </p:sp>
+      <p:sp>
+        <p:nvSpPr>
+          <p:cNvPr id="11" name="Rectangle 10">
+            <a:extLst>
+              <a:ext uri="{FF2B5EF4-FFF2-40B4-BE49-F238E27FC236}">
+                <a16:creationId xmlns:a16="http://schemas.microsoft.com/office/drawing/2014/main" id="{2808B93E-0C39-407B-943D-71F2BAFB4CB4}"/>
+              </a:ext>
+              <a:ext uri="{C183D7F6-B498-43B3-948B-1728B52AA6E4}">
+                <adec:decorative xmlns:adec="http://schemas.microsoft.com/office/drawing/2017/decorative" val="1"/>
+              </a:ext>
+            </a:extLst>
+          </p:cNvPr>
+          <p:cNvSpPr>
+            <a:spLocks noGrp="1" noRot="1" noChangeAspect="1" noMove="1" noResize="1" noEditPoints="1" noAdjustHandles="1" noChangeArrowheads="1" noChangeShapeType="1" noTextEdit="1"/>
+          </p:cNvSpPr>
+          <p:nvPr>
+            <p:extLst>
+              <p:ext uri="{386F3935-93C4-4BCD-93E2-E3B085C9AB24}">
+                <p16:designElem xmlns:p16="http://schemas.microsoft.com/office/powerpoint/2015/main" val="1"/>
+              </p:ext>
+            </p:extLst>
+          </p:nvPr>
+        </p:nvSpPr>
+        <p:spPr>
+          <a:xfrm>
+            <a:off x="0" y="0"/>
+            <a:ext cx="12192000" cy="6858000"/>
+          </a:xfrm>
+          <a:prstGeom prst="rect">
+            <a:avLst/>
+          </a:prstGeom>
+          <a:solidFill>
+            <a:srgbClr val="F2F2F2"/>
+          </a:solidFill>
+          <a:ln>
+            <a:noFill/>
+          </a:ln>
+        </p:spPr>
+        <p:style>
+          <a:lnRef idx="2">
+            <a:schemeClr val="accent1">
+              <a:shade val="50000"/>
+            </a:schemeClr>
+          </a:lnRef>
+          <a:fillRef idx="1">
+            <a:schemeClr val="accent1"/>
+          </a:fillRef>
+          <a:effectRef idx="0">
+            <a:schemeClr val="accent1"/>
+          </a:effectRef>
+          <a:fontRef idx="minor">
+            <a:schemeClr val="lt1"/>
+          </a:fontRef>
+        </p:style>
+        <p:txBody>
+          <a:bodyPr rtlCol="0" anchor="ctr"/>
+          <a:lstStyle/>
+          <a:p>
+            <a:pPr algn="ctr"/>
+            <a:endParaRPr lang="en-US"/>
+          </a:p>
+        </p:txBody>
+      </p:sp>
+      <p:sp>
+        <p:nvSpPr>
+          <p:cNvPr id="2" name="Title 1">
+            <a:extLst>
+              <a:ext uri="{FF2B5EF4-FFF2-40B4-BE49-F238E27FC236}">
+                <a16:creationId xmlns:a16="http://schemas.microsoft.com/office/drawing/2014/main" id="{02F05AE8-1521-4B36-975B-B8D41D3BE555}"/>
+              </a:ext>
+            </a:extLst>
+          </p:cNvPr>
+          <p:cNvSpPr>
+            <a:spLocks noGrp="1"/>
+          </p:cNvSpPr>
+          <p:nvPr>
+            <p:ph type="title"/>
+          </p:nvPr>
+        </p:nvSpPr>
+        <p:spPr>
+          <a:xfrm>
+            <a:off x="603503" y="770466"/>
+            <a:ext cx="9292209" cy="4123267"/>
+          </a:xfrm>
+        </p:spPr>
+        <p:txBody>
+          <a:bodyPr vert="horz" lIns="91440" tIns="45720" rIns="91440" bIns="45720" rtlCol="0" anchor="b">
+            <a:normAutofit/>
+          </a:bodyPr>
+          <a:lstStyle/>
+          <a:p>
+            <a:pPr>
+              <a:lnSpc>
+                <a:spcPct val="80000"/>
+              </a:lnSpc>
+            </a:pPr>
+            <a:r>
+              <a:rPr lang="en-US" altLang="zh-CN" sz="9600">
+                <a:solidFill>
+                  <a:schemeClr val="accent1">
+                    <a:lumMod val="75000"/>
+                  </a:schemeClr>
+                </a:solidFill>
+              </a:rPr>
+              <a:t>Background</a:t>
+            </a:r>
+          </a:p>
+        </p:txBody>
+      </p:sp>
+      <p:sp>
+        <p:nvSpPr>
+          <p:cNvPr id="13" name="Rectangle 12">
+            <a:extLst>
+              <a:ext uri="{FF2B5EF4-FFF2-40B4-BE49-F238E27FC236}">
+                <a16:creationId xmlns:a16="http://schemas.microsoft.com/office/drawing/2014/main" id="{7C7E1896-2992-48D4-85AC-95AB8AB147EA}"/>
+              </a:ext>
+              <a:ext uri="{C183D7F6-B498-43B3-948B-1728B52AA6E4}">
+                <adec:decorative xmlns:adec="http://schemas.microsoft.com/office/drawing/2017/decorative" val="1"/>
+              </a:ext>
+            </a:extLst>
+          </p:cNvPr>
+          <p:cNvSpPr>
+            <a:spLocks noGrp="1" noRot="1" noChangeAspect="1" noMove="1" noResize="1" noEditPoints="1" noAdjustHandles="1" noChangeArrowheads="1" noChangeShapeType="1" noTextEdit="1"/>
+          </p:cNvSpPr>
+          <p:nvPr>
+            <p:extLst>
+              <p:ext uri="{386F3935-93C4-4BCD-93E2-E3B085C9AB24}">
+                <p16:designElem xmlns:p16="http://schemas.microsoft.com/office/powerpoint/2015/main" val="1"/>
+              </p:ext>
+            </p:extLst>
+          </p:nvPr>
+        </p:nvSpPr>
+        <p:spPr>
+          <a:xfrm>
+            <a:off x="0" y="5215466"/>
+            <a:ext cx="12192000" cy="1642534"/>
+          </a:xfrm>
+          <a:prstGeom prst="rect">
+            <a:avLst/>
+          </a:prstGeom>
+          <a:solidFill>
+            <a:schemeClr val="accent1">
+              <a:lumMod val="75000"/>
+            </a:schemeClr>
+          </a:solidFill>
+          <a:ln>
+            <a:noFill/>
+          </a:ln>
+        </p:spPr>
+        <p:style>
+          <a:lnRef idx="2">
+            <a:schemeClr val="accent1">
+              <a:shade val="50000"/>
+            </a:schemeClr>
+          </a:lnRef>
+          <a:fillRef idx="1">
+            <a:schemeClr val="accent1"/>
+          </a:fillRef>
+          <a:effectRef idx="0">
+            <a:schemeClr val="accent1"/>
+          </a:effectRef>
+          <a:fontRef idx="minor">
+            <a:schemeClr val="lt1"/>
+          </a:fontRef>
+        </p:style>
+        <p:txBody>
+          <a:bodyPr rtlCol="0" anchor="ctr"/>
+          <a:lstStyle/>
+          <a:p>
+            <a:pPr algn="ctr"/>
+            <a:endParaRPr lang="en-US"/>
+          </a:p>
+        </p:txBody>
+      </p:sp>
+    </p:spTree>
+    <p:extLst>
+      <p:ext uri="{BB962C8B-B14F-4D97-AF65-F5344CB8AC3E}">
+        <p14:creationId xmlns:p14="http://schemas.microsoft.com/office/powerpoint/2010/main" val="616503900"/>
+      </p:ext>
+    </p:extLst>
+  </p:cSld>
+  <p:clrMapOvr>
+    <a:masterClrMapping/>
+  </p:clrMapOvr>
+</p:sld>
+</file>
+
+<file path=ppt/slides/slide20.xml><?xml version="1.0" encoding="utf-8"?>
 <p:sld xmlns:a="http://schemas.openxmlformats.org/drawingml/2006/main" xmlns:r="http://schemas.openxmlformats.org/officeDocument/2006/relationships" xmlns:p="http://schemas.openxmlformats.org/presentationml/2006/main">
   <p:cSld>
     <p:bg>
@@ -25845,331 +26431,7 @@
 </p:sld>
 </file>
 
-<file path=ppt/slides/slide2.xml><?xml version="1.0" encoding="utf-8"?>
-<p:sld xmlns:a="http://schemas.openxmlformats.org/drawingml/2006/main" xmlns:r="http://schemas.openxmlformats.org/officeDocument/2006/relationships" xmlns:p="http://schemas.openxmlformats.org/presentationml/2006/main">
-  <p:cSld>
-    <p:bg>
-      <p:bgPr>
-        <a:solidFill>
-          <a:schemeClr val="bg1"/>
-        </a:solidFill>
-        <a:effectLst/>
-      </p:bgPr>
-    </p:bg>
-    <p:spTree>
-      <p:nvGrpSpPr>
-        <p:cNvPr id="1" name=""/>
-        <p:cNvGrpSpPr/>
-        <p:nvPr/>
-      </p:nvGrpSpPr>
-      <p:grpSpPr>
-        <a:xfrm>
-          <a:off x="0" y="0"/>
-          <a:ext cx="0" cy="0"/>
-          <a:chOff x="0" y="0"/>
-          <a:chExt cx="0" cy="0"/>
-        </a:xfrm>
-      </p:grpSpPr>
-      <p:sp>
-        <p:nvSpPr>
-          <p:cNvPr id="7" name="Rectangle 6">
-            <a:extLst>
-              <a:ext uri="{FF2B5EF4-FFF2-40B4-BE49-F238E27FC236}">
-                <a16:creationId xmlns:a16="http://schemas.microsoft.com/office/drawing/2014/main" id="{BD976C13-68E6-4E25-B13E-FC3A2D3F66E3}"/>
-              </a:ext>
-              <a:ext uri="{C183D7F6-B498-43B3-948B-1728B52AA6E4}">
-                <adec:decorative xmlns:adec="http://schemas.microsoft.com/office/drawing/2017/decorative" val="1"/>
-              </a:ext>
-            </a:extLst>
-          </p:cNvPr>
-          <p:cNvSpPr>
-            <a:spLocks noGrp="1" noRot="1" noChangeAspect="1" noMove="1" noResize="1" noEditPoints="1" noAdjustHandles="1" noChangeArrowheads="1" noChangeShapeType="1" noTextEdit="1"/>
-          </p:cNvSpPr>
-          <p:nvPr>
-            <p:extLst>
-              <p:ext uri="{386F3935-93C4-4BCD-93E2-E3B085C9AB24}">
-                <p16:designElem xmlns:p16="http://schemas.microsoft.com/office/powerpoint/2015/main" val="1"/>
-              </p:ext>
-            </p:extLst>
-          </p:nvPr>
-        </p:nvSpPr>
-        <p:spPr>
-          <a:xfrm>
-            <a:off x="0" y="0"/>
-            <a:ext cx="12192000" cy="6858000"/>
-          </a:xfrm>
-          <a:prstGeom prst="rect">
-            <a:avLst/>
-          </a:prstGeom>
-          <a:ln>
-            <a:noFill/>
-          </a:ln>
-        </p:spPr>
-        <p:style>
-          <a:lnRef idx="2">
-            <a:schemeClr val="accent1">
-              <a:shade val="50000"/>
-            </a:schemeClr>
-          </a:lnRef>
-          <a:fillRef idx="1">
-            <a:schemeClr val="accent1"/>
-          </a:fillRef>
-          <a:effectRef idx="0">
-            <a:schemeClr val="accent1"/>
-          </a:effectRef>
-          <a:fontRef idx="minor">
-            <a:schemeClr val="lt1"/>
-          </a:fontRef>
-        </p:style>
-      </p:sp>
-      <p:sp useBgFill="1">
-        <p:nvSpPr>
-          <p:cNvPr id="9" name="Rectangle 8">
-            <a:extLst>
-              <a:ext uri="{FF2B5EF4-FFF2-40B4-BE49-F238E27FC236}">
-                <a16:creationId xmlns:a16="http://schemas.microsoft.com/office/drawing/2014/main" id="{1E24A02E-5FD2-428E-A1E4-FDF96B0B6CE8}"/>
-              </a:ext>
-              <a:ext uri="{C183D7F6-B498-43B3-948B-1728B52AA6E4}">
-                <adec:decorative xmlns:adec="http://schemas.microsoft.com/office/drawing/2017/decorative" val="1"/>
-              </a:ext>
-            </a:extLst>
-          </p:cNvPr>
-          <p:cNvSpPr>
-            <a:spLocks noGrp="1" noRot="1" noChangeAspect="1" noMove="1" noResize="1" noEditPoints="1" noAdjustHandles="1" noChangeArrowheads="1" noChangeShapeType="1" noTextEdit="1"/>
-          </p:cNvSpPr>
-          <p:nvPr>
-            <p:extLst>
-              <p:ext uri="{386F3935-93C4-4BCD-93E2-E3B085C9AB24}">
-                <p16:designElem xmlns:p16="http://schemas.microsoft.com/office/powerpoint/2015/main" val="1"/>
-              </p:ext>
-            </p:extLst>
-          </p:nvPr>
-        </p:nvSpPr>
-        <p:spPr>
-          <a:xfrm>
-            <a:off x="0" y="0"/>
-            <a:ext cx="12192000" cy="6858000"/>
-          </a:xfrm>
-          <a:prstGeom prst="rect">
-            <a:avLst/>
-          </a:prstGeom>
-          <a:ln>
-            <a:noFill/>
-          </a:ln>
-        </p:spPr>
-        <p:style>
-          <a:lnRef idx="2">
-            <a:schemeClr val="accent1">
-              <a:shade val="50000"/>
-            </a:schemeClr>
-          </a:lnRef>
-          <a:fillRef idx="1">
-            <a:schemeClr val="accent1"/>
-          </a:fillRef>
-          <a:effectRef idx="0">
-            <a:schemeClr val="accent1"/>
-          </a:effectRef>
-          <a:fontRef idx="minor">
-            <a:schemeClr val="lt1"/>
-          </a:fontRef>
-        </p:style>
-        <p:txBody>
-          <a:bodyPr rtlCol="0" anchor="ctr"/>
-          <a:lstStyle/>
-          <a:p>
-            <a:pPr algn="ctr"/>
-            <a:endParaRPr lang="en-US"/>
-          </a:p>
-        </p:txBody>
-      </p:sp>
-      <p:sp>
-        <p:nvSpPr>
-          <p:cNvPr id="11" name="Rectangle 10">
-            <a:extLst>
-              <a:ext uri="{FF2B5EF4-FFF2-40B4-BE49-F238E27FC236}">
-                <a16:creationId xmlns:a16="http://schemas.microsoft.com/office/drawing/2014/main" id="{2808B93E-0C39-407B-943D-71F2BAFB4CB4}"/>
-              </a:ext>
-              <a:ext uri="{C183D7F6-B498-43B3-948B-1728B52AA6E4}">
-                <adec:decorative xmlns:adec="http://schemas.microsoft.com/office/drawing/2017/decorative" val="1"/>
-              </a:ext>
-            </a:extLst>
-          </p:cNvPr>
-          <p:cNvSpPr>
-            <a:spLocks noGrp="1" noRot="1" noChangeAspect="1" noMove="1" noResize="1" noEditPoints="1" noAdjustHandles="1" noChangeArrowheads="1" noChangeShapeType="1" noTextEdit="1"/>
-          </p:cNvSpPr>
-          <p:nvPr>
-            <p:extLst>
-              <p:ext uri="{386F3935-93C4-4BCD-93E2-E3B085C9AB24}">
-                <p16:designElem xmlns:p16="http://schemas.microsoft.com/office/powerpoint/2015/main" val="1"/>
-              </p:ext>
-            </p:extLst>
-          </p:nvPr>
-        </p:nvSpPr>
-        <p:spPr>
-          <a:xfrm>
-            <a:off x="0" y="0"/>
-            <a:ext cx="12192000" cy="6858000"/>
-          </a:xfrm>
-          <a:prstGeom prst="rect">
-            <a:avLst/>
-          </a:prstGeom>
-          <a:solidFill>
-            <a:srgbClr val="F2F2F2"/>
-          </a:solidFill>
-          <a:ln>
-            <a:noFill/>
-          </a:ln>
-        </p:spPr>
-        <p:style>
-          <a:lnRef idx="2">
-            <a:schemeClr val="accent1">
-              <a:shade val="50000"/>
-            </a:schemeClr>
-          </a:lnRef>
-          <a:fillRef idx="1">
-            <a:schemeClr val="accent1"/>
-          </a:fillRef>
-          <a:effectRef idx="0">
-            <a:schemeClr val="accent1"/>
-          </a:effectRef>
-          <a:fontRef idx="minor">
-            <a:schemeClr val="lt1"/>
-          </a:fontRef>
-        </p:style>
-        <p:txBody>
-          <a:bodyPr rtlCol="0" anchor="ctr"/>
-          <a:lstStyle/>
-          <a:p>
-            <a:pPr algn="ctr"/>
-            <a:endParaRPr lang="en-US"/>
-          </a:p>
-        </p:txBody>
-      </p:sp>
-      <p:sp>
-        <p:nvSpPr>
-          <p:cNvPr id="2" name="Title 1">
-            <a:extLst>
-              <a:ext uri="{FF2B5EF4-FFF2-40B4-BE49-F238E27FC236}">
-                <a16:creationId xmlns:a16="http://schemas.microsoft.com/office/drawing/2014/main" id="{02F05AE8-1521-4B36-975B-B8D41D3BE555}"/>
-              </a:ext>
-            </a:extLst>
-          </p:cNvPr>
-          <p:cNvSpPr>
-            <a:spLocks noGrp="1"/>
-          </p:cNvSpPr>
-          <p:nvPr>
-            <p:ph type="title"/>
-          </p:nvPr>
-        </p:nvSpPr>
-        <p:spPr>
-          <a:xfrm>
-            <a:off x="603503" y="770466"/>
-            <a:ext cx="9292209" cy="4123267"/>
-          </a:xfrm>
-        </p:spPr>
-        <p:txBody>
-          <a:bodyPr vert="horz" lIns="91440" tIns="45720" rIns="91440" bIns="45720" rtlCol="0" anchor="b">
-            <a:normAutofit/>
-          </a:bodyPr>
-          <a:lstStyle/>
-          <a:p>
-            <a:pPr>
-              <a:lnSpc>
-                <a:spcPct val="80000"/>
-              </a:lnSpc>
-            </a:pPr>
-            <a:r>
-              <a:rPr lang="en-US" altLang="zh-CN" sz="9600">
-                <a:solidFill>
-                  <a:schemeClr val="accent1">
-                    <a:lumMod val="75000"/>
-                  </a:schemeClr>
-                </a:solidFill>
-              </a:rPr>
-              <a:t>Background</a:t>
-            </a:r>
-          </a:p>
-        </p:txBody>
-      </p:sp>
-      <p:sp>
-        <p:nvSpPr>
-          <p:cNvPr id="13" name="Rectangle 12">
-            <a:extLst>
-              <a:ext uri="{FF2B5EF4-FFF2-40B4-BE49-F238E27FC236}">
-                <a16:creationId xmlns:a16="http://schemas.microsoft.com/office/drawing/2014/main" id="{7C7E1896-2992-48D4-85AC-95AB8AB147EA}"/>
-              </a:ext>
-              <a:ext uri="{C183D7F6-B498-43B3-948B-1728B52AA6E4}">
-                <adec:decorative xmlns:adec="http://schemas.microsoft.com/office/drawing/2017/decorative" val="1"/>
-              </a:ext>
-            </a:extLst>
-          </p:cNvPr>
-          <p:cNvSpPr>
-            <a:spLocks noGrp="1" noRot="1" noChangeAspect="1" noMove="1" noResize="1" noEditPoints="1" noAdjustHandles="1" noChangeArrowheads="1" noChangeShapeType="1" noTextEdit="1"/>
-          </p:cNvSpPr>
-          <p:nvPr>
-            <p:extLst>
-              <p:ext uri="{386F3935-93C4-4BCD-93E2-E3B085C9AB24}">
-                <p16:designElem xmlns:p16="http://schemas.microsoft.com/office/powerpoint/2015/main" val="1"/>
-              </p:ext>
-            </p:extLst>
-          </p:nvPr>
-        </p:nvSpPr>
-        <p:spPr>
-          <a:xfrm>
-            <a:off x="0" y="5215466"/>
-            <a:ext cx="12192000" cy="1642534"/>
-          </a:xfrm>
-          <a:prstGeom prst="rect">
-            <a:avLst/>
-          </a:prstGeom>
-          <a:solidFill>
-            <a:schemeClr val="accent1">
-              <a:lumMod val="75000"/>
-            </a:schemeClr>
-          </a:solidFill>
-          <a:ln>
-            <a:noFill/>
-          </a:ln>
-        </p:spPr>
-        <p:style>
-          <a:lnRef idx="2">
-            <a:schemeClr val="accent1">
-              <a:shade val="50000"/>
-            </a:schemeClr>
-          </a:lnRef>
-          <a:fillRef idx="1">
-            <a:schemeClr val="accent1"/>
-          </a:fillRef>
-          <a:effectRef idx="0">
-            <a:schemeClr val="accent1"/>
-          </a:effectRef>
-          <a:fontRef idx="minor">
-            <a:schemeClr val="lt1"/>
-          </a:fontRef>
-        </p:style>
-        <p:txBody>
-          <a:bodyPr rtlCol="0" anchor="ctr"/>
-          <a:lstStyle/>
-          <a:p>
-            <a:pPr algn="ctr"/>
-            <a:endParaRPr lang="en-US"/>
-          </a:p>
-        </p:txBody>
-      </p:sp>
-    </p:spTree>
-    <p:extLst>
-      <p:ext uri="{BB962C8B-B14F-4D97-AF65-F5344CB8AC3E}">
-        <p14:creationId xmlns:p14="http://schemas.microsoft.com/office/powerpoint/2010/main" val="616503900"/>
-      </p:ext>
-    </p:extLst>
-  </p:cSld>
-  <p:clrMapOvr>
-    <a:masterClrMapping/>
-  </p:clrMapOvr>
-</p:sld>
-</file>
-
-<file path=ppt/slides/slide20.xml><?xml version="1.0" encoding="utf-8"?>
+<file path=ppt/slides/slide21.xml><?xml version="1.0" encoding="utf-8"?>
 <p:sld xmlns:a="http://schemas.openxmlformats.org/drawingml/2006/main" xmlns:r="http://schemas.openxmlformats.org/officeDocument/2006/relationships" xmlns:p="http://schemas.openxmlformats.org/presentationml/2006/main">
   <p:cSld>
     <p:bg>
@@ -26286,8 +26548,8 @@
         </p:nvSpPr>
         <p:spPr>
           <a:xfrm>
-            <a:off x="4223982" y="3752850"/>
-            <a:ext cx="7485413" cy="2452687"/>
+            <a:off x="3746378" y="3752850"/>
+            <a:ext cx="8282866" cy="2798870"/>
           </a:xfrm>
         </p:spPr>
         <p:txBody>
@@ -26324,7 +26586,7 @@
             </a:r>
             <a:r>
               <a:rPr lang="en-US" altLang="zh-CN" sz="1800" dirty="0"/>
-              <a:t>, Professor Dave Beck, Katherine Peter, and the Center of Urban Water for all their help during the development of this package.</a:t>
+              <a:t>, Professor Dave Beck, Dr. Katherine Peter, and the Center of Urban Water for all their help during the development of this package.</a:t>
             </a:r>
             <a:endParaRPr lang="zh-CN" altLang="en-US" sz="1800" dirty="0"/>
           </a:p>
@@ -26390,7 +26652,7 @@
 </p:sld>
 </file>
 
-<file path=ppt/slides/slide21.xml><?xml version="1.0" encoding="utf-8"?>
+<file path=ppt/slides/slide22.xml><?xml version="1.0" encoding="utf-8"?>
 <p:sld xmlns:a="http://schemas.openxmlformats.org/drawingml/2006/main" xmlns:r="http://schemas.openxmlformats.org/officeDocument/2006/relationships" xmlns:p="http://schemas.openxmlformats.org/presentationml/2006/main">
   <p:cSld>
     <p:bg>
@@ -26999,6 +27261,3421 @@
 <file path=ppt/slides/slide5.xml><?xml version="1.0" encoding="utf-8"?>
 <p:sld xmlns:a="http://schemas.openxmlformats.org/drawingml/2006/main" xmlns:r="http://schemas.openxmlformats.org/officeDocument/2006/relationships" xmlns:p="http://schemas.openxmlformats.org/presentationml/2006/main">
   <p:cSld>
+    <p:spTree>
+      <p:nvGrpSpPr>
+        <p:cNvPr id="1" name=""/>
+        <p:cNvGrpSpPr/>
+        <p:nvPr/>
+      </p:nvGrpSpPr>
+      <p:grpSpPr>
+        <a:xfrm>
+          <a:off x="0" y="0"/>
+          <a:ext cx="0" cy="0"/>
+          <a:chOff x="0" y="0"/>
+          <a:chExt cx="0" cy="0"/>
+        </a:xfrm>
+      </p:grpSpPr>
+      <p:sp>
+        <p:nvSpPr>
+          <p:cNvPr id="40" name="Title 1">
+            <a:extLst>
+              <a:ext uri="{FF2B5EF4-FFF2-40B4-BE49-F238E27FC236}">
+                <a16:creationId xmlns:a16="http://schemas.microsoft.com/office/drawing/2014/main" id="{B26FAF43-E7EF-465F-A4F8-E46F21F04202}"/>
+              </a:ext>
+            </a:extLst>
+          </p:cNvPr>
+          <p:cNvSpPr txBox="1">
+            <a:spLocks/>
+          </p:cNvSpPr>
+          <p:nvPr/>
+        </p:nvSpPr>
+        <p:spPr>
+          <a:xfrm>
+            <a:off x="838200" y="163481"/>
+            <a:ext cx="10515600" cy="739056"/>
+          </a:xfrm>
+          <a:prstGeom prst="rect">
+            <a:avLst/>
+          </a:prstGeom>
+        </p:spPr>
+        <p:txBody>
+          <a:bodyPr rIns="0">
+            <a:normAutofit/>
+          </a:bodyPr>
+          <a:lstStyle>
+            <a:lvl1pPr algn="l" defTabSz="914400" rtl="0" eaLnBrk="1" latinLnBrk="0" hangingPunct="1">
+              <a:lnSpc>
+                <a:spcPct val="90000"/>
+              </a:lnSpc>
+              <a:spcBef>
+                <a:spcPct val="0"/>
+              </a:spcBef>
+              <a:buNone/>
+              <a:defRPr lang="en-US" sz="3600" b="1" kern="1200">
+                <a:solidFill>
+                  <a:schemeClr val="bg1"/>
+                </a:solidFill>
+                <a:latin typeface="Helvetica" panose="020B0500000000000000" pitchFamily="34" charset="0"/>
+                <a:ea typeface="+mj-ea"/>
+                <a:cs typeface="+mj-cs"/>
+              </a:defRPr>
+            </a:lvl1pPr>
+          </a:lstStyle>
+          <a:p>
+            <a:pPr marL="0" marR="0" lvl="0" indent="0" algn="ctr" defTabSz="914400" rtl="0" eaLnBrk="1" fontAlgn="auto" latinLnBrk="0" hangingPunct="1">
+              <a:lnSpc>
+                <a:spcPct val="90000"/>
+              </a:lnSpc>
+              <a:spcBef>
+                <a:spcPct val="0"/>
+              </a:spcBef>
+              <a:spcAft>
+                <a:spcPts val="0"/>
+              </a:spcAft>
+              <a:buClrTx/>
+              <a:buSzTx/>
+              <a:buFontTx/>
+              <a:buNone/>
+              <a:tabLst/>
+              <a:defRPr/>
+            </a:pPr>
+            <a:r>
+              <a:rPr kumimoji="0" lang="en-US" sz="3600" b="1" i="0" u="none" strike="noStrike" kern="1200" cap="none" spc="0" normalizeH="0" baseline="0" noProof="0" dirty="0">
+                <a:ln>
+                  <a:noFill/>
+                </a:ln>
+                <a:solidFill>
+                  <a:schemeClr val="accent1"/>
+                </a:solidFill>
+                <a:effectLst/>
+                <a:uLnTx/>
+                <a:uFillTx/>
+                <a:latin typeface="Helvetica" panose="020B0500000000000000" pitchFamily="34" charset="0"/>
+                <a:ea typeface="+mj-ea"/>
+                <a:cs typeface="+mj-cs"/>
+              </a:rPr>
+              <a:t>Core features of Mass-suite</a:t>
+            </a:r>
+          </a:p>
+        </p:txBody>
+      </p:sp>
+      <p:grpSp>
+        <p:nvGrpSpPr>
+          <p:cNvPr id="41" name="Group 40">
+            <a:extLst>
+              <a:ext uri="{FF2B5EF4-FFF2-40B4-BE49-F238E27FC236}">
+                <a16:creationId xmlns:a16="http://schemas.microsoft.com/office/drawing/2014/main" id="{CCBF52DD-9241-42F4-B4AE-98279A12ADA2}"/>
+              </a:ext>
+            </a:extLst>
+          </p:cNvPr>
+          <p:cNvGrpSpPr/>
+          <p:nvPr/>
+        </p:nvGrpSpPr>
+        <p:grpSpPr>
+          <a:xfrm>
+            <a:off x="3275235" y="1373049"/>
+            <a:ext cx="5590730" cy="3365663"/>
+            <a:chOff x="3275235" y="1373049"/>
+            <a:chExt cx="5590730" cy="3365663"/>
+          </a:xfrm>
+        </p:grpSpPr>
+        <p:sp>
+          <p:nvSpPr>
+            <p:cNvPr id="42" name="Shape">
+              <a:extLst>
+                <a:ext uri="{FF2B5EF4-FFF2-40B4-BE49-F238E27FC236}">
+                  <a16:creationId xmlns:a16="http://schemas.microsoft.com/office/drawing/2014/main" id="{161F0425-492C-434A-B3A5-8D7A0392AA8E}"/>
+                </a:ext>
+              </a:extLst>
+            </p:cNvPr>
+            <p:cNvSpPr/>
+            <p:nvPr/>
+          </p:nvSpPr>
+          <p:spPr>
+            <a:xfrm>
+              <a:off x="6123410" y="3274226"/>
+              <a:ext cx="2742555" cy="1464486"/>
+            </a:xfrm>
+            <a:custGeom>
+              <a:avLst/>
+              <a:gdLst/>
+              <a:ahLst/>
+              <a:cxnLst>
+                <a:cxn ang="0">
+                  <a:pos x="wd2" y="hd2"/>
+                </a:cxn>
+                <a:cxn ang="5400000">
+                  <a:pos x="wd2" y="hd2"/>
+                </a:cxn>
+                <a:cxn ang="10800000">
+                  <a:pos x="wd2" y="hd2"/>
+                </a:cxn>
+                <a:cxn ang="16200000">
+                  <a:pos x="wd2" y="hd2"/>
+                </a:cxn>
+              </a:cxnLst>
+              <a:rect l="0" t="0" r="r" b="b"/>
+              <a:pathLst>
+                <a:path w="21600" h="20392" extrusionOk="0">
+                  <a:moveTo>
+                    <a:pt x="12438" y="0"/>
+                  </a:moveTo>
+                  <a:cubicBezTo>
+                    <a:pt x="12397" y="0"/>
+                    <a:pt x="12353" y="3"/>
+                    <a:pt x="12310" y="3"/>
+                  </a:cubicBezTo>
+                  <a:cubicBezTo>
+                    <a:pt x="11706" y="2655"/>
+                    <a:pt x="10901" y="5316"/>
+                    <a:pt x="9828" y="7777"/>
+                  </a:cubicBezTo>
+                  <a:cubicBezTo>
+                    <a:pt x="7206" y="13790"/>
+                    <a:pt x="4406" y="16995"/>
+                    <a:pt x="1994" y="16995"/>
+                  </a:cubicBezTo>
+                  <a:cubicBezTo>
+                    <a:pt x="1292" y="16995"/>
+                    <a:pt x="622" y="16718"/>
+                    <a:pt x="0" y="16164"/>
+                  </a:cubicBezTo>
+                  <a:cubicBezTo>
+                    <a:pt x="1317" y="20493"/>
+                    <a:pt x="5057" y="21600"/>
+                    <a:pt x="10054" y="19009"/>
+                  </a:cubicBezTo>
+                  <a:cubicBezTo>
+                    <a:pt x="16494" y="15667"/>
+                    <a:pt x="20702" y="5693"/>
+                    <a:pt x="21600" y="3395"/>
+                  </a:cubicBezTo>
+                  <a:cubicBezTo>
+                    <a:pt x="20572" y="2588"/>
+                    <a:pt x="16937" y="0"/>
+                    <a:pt x="12438" y="0"/>
+                  </a:cubicBezTo>
+                  <a:close/>
+                </a:path>
+              </a:pathLst>
+            </a:custGeom>
+            <a:solidFill>
+              <a:srgbClr val="F7931F"/>
+            </a:solidFill>
+            <a:ln w="12700">
+              <a:miter lim="400000"/>
+            </a:ln>
+          </p:spPr>
+          <p:txBody>
+            <a:bodyPr lIns="38100" tIns="38100" rIns="38100" bIns="38100" anchor="ctr"/>
+            <a:lstStyle/>
+            <a:p>
+              <a:pPr marL="0" marR="0" lvl="0" indent="0" defTabSz="914400" eaLnBrk="1" fontAlgn="auto" latinLnBrk="0" hangingPunct="1">
+                <a:lnSpc>
+                  <a:spcPct val="100000"/>
+                </a:lnSpc>
+                <a:spcBef>
+                  <a:spcPts val="0"/>
+                </a:spcBef>
+                <a:spcAft>
+                  <a:spcPts val="0"/>
+                </a:spcAft>
+                <a:buClrTx/>
+                <a:buSzTx/>
+                <a:buFontTx/>
+                <a:buNone/>
+                <a:tabLst/>
+                <a:defRPr sz="3000">
+                  <a:solidFill>
+                    <a:srgbClr val="FFFFFF"/>
+                  </a:solidFill>
+                  <a:effectLst>
+                    <a:outerShdw blurRad="38100" dist="12700" dir="5400000" rotWithShape="0">
+                      <a:srgbClr val="000000">
+                        <a:alpha val="50000"/>
+                      </a:srgbClr>
+                    </a:outerShdw>
+                  </a:effectLst>
+                </a:defRPr>
+              </a:pPr>
+              <a:endParaRPr kumimoji="0" sz="3000" b="0" i="0" u="none" strike="noStrike" kern="0" cap="none" spc="0" normalizeH="0" baseline="0" noProof="0">
+                <a:ln>
+                  <a:noFill/>
+                </a:ln>
+                <a:solidFill>
+                  <a:srgbClr val="FFFFFF"/>
+                </a:solidFill>
+                <a:effectLst>
+                  <a:outerShdw blurRad="38100" dist="12700" dir="5400000" rotWithShape="0">
+                    <a:srgbClr val="000000">
+                      <a:alpha val="50000"/>
+                    </a:srgbClr>
+                  </a:outerShdw>
+                </a:effectLst>
+                <a:uLnTx/>
+                <a:uFillTx/>
+                <a:latin typeface="Calibri" panose="020F0502020204030204"/>
+              </a:endParaRPr>
+            </a:p>
+          </p:txBody>
+        </p:sp>
+        <p:sp>
+          <p:nvSpPr>
+            <p:cNvPr id="43" name="Shape">
+              <a:extLst>
+                <a:ext uri="{FF2B5EF4-FFF2-40B4-BE49-F238E27FC236}">
+                  <a16:creationId xmlns:a16="http://schemas.microsoft.com/office/drawing/2014/main" id="{66270D46-E496-4188-A1D5-139CE9DA0B85}"/>
+                </a:ext>
+              </a:extLst>
+            </p:cNvPr>
+            <p:cNvSpPr/>
+            <p:nvPr/>
+          </p:nvSpPr>
+          <p:spPr>
+            <a:xfrm>
+              <a:off x="6147361" y="2028809"/>
+              <a:ext cx="1680440" cy="2402286"/>
+            </a:xfrm>
+            <a:custGeom>
+              <a:avLst/>
+              <a:gdLst/>
+              <a:ahLst/>
+              <a:cxnLst>
+                <a:cxn ang="0">
+                  <a:pos x="wd2" y="hd2"/>
+                </a:cxn>
+                <a:cxn ang="5400000">
+                  <a:pos x="wd2" y="hd2"/>
+                </a:cxn>
+                <a:cxn ang="10800000">
+                  <a:pos x="wd2" y="hd2"/>
+                </a:cxn>
+                <a:cxn ang="16200000">
+                  <a:pos x="wd2" y="hd2"/>
+                </a:cxn>
+              </a:cxnLst>
+              <a:rect l="0" t="0" r="r" b="b"/>
+              <a:pathLst>
+                <a:path w="21564" h="20697" extrusionOk="0">
+                  <a:moveTo>
+                    <a:pt x="8231" y="11607"/>
+                  </a:moveTo>
+                  <a:cubicBezTo>
+                    <a:pt x="8212" y="11724"/>
+                    <a:pt x="8191" y="11838"/>
+                    <a:pt x="8172" y="11953"/>
+                  </a:cubicBezTo>
+                  <a:cubicBezTo>
+                    <a:pt x="8151" y="12071"/>
+                    <a:pt x="8129" y="12189"/>
+                    <a:pt x="8108" y="12304"/>
+                  </a:cubicBezTo>
+                  <a:cubicBezTo>
+                    <a:pt x="7656" y="14551"/>
+                    <a:pt x="6731" y="16415"/>
+                    <a:pt x="5372" y="17772"/>
+                  </a:cubicBezTo>
+                  <a:cubicBezTo>
+                    <a:pt x="3952" y="19192"/>
+                    <a:pt x="2115" y="20042"/>
+                    <a:pt x="0" y="20279"/>
+                  </a:cubicBezTo>
+                  <a:cubicBezTo>
+                    <a:pt x="4082" y="21600"/>
+                    <a:pt x="9611" y="19751"/>
+                    <a:pt x="14795" y="15238"/>
+                  </a:cubicBezTo>
+                  <a:cubicBezTo>
+                    <a:pt x="16403" y="13839"/>
+                    <a:pt x="17629" y="12329"/>
+                    <a:pt x="18567" y="10821"/>
+                  </a:cubicBezTo>
+                  <a:cubicBezTo>
+                    <a:pt x="18631" y="10715"/>
+                    <a:pt x="18699" y="10608"/>
+                    <a:pt x="18760" y="10503"/>
+                  </a:cubicBezTo>
+                  <a:cubicBezTo>
+                    <a:pt x="18822" y="10400"/>
+                    <a:pt x="18880" y="10297"/>
+                    <a:pt x="18941" y="10195"/>
+                  </a:cubicBezTo>
+                  <a:cubicBezTo>
+                    <a:pt x="21532" y="5656"/>
+                    <a:pt x="21600" y="1255"/>
+                    <a:pt x="21557" y="0"/>
+                  </a:cubicBezTo>
+                  <a:cubicBezTo>
+                    <a:pt x="19744" y="258"/>
+                    <a:pt x="13452" y="1321"/>
+                    <a:pt x="7471" y="4275"/>
+                  </a:cubicBezTo>
+                  <a:cubicBezTo>
+                    <a:pt x="8111" y="5990"/>
+                    <a:pt x="8492" y="7839"/>
+                    <a:pt x="8412" y="9762"/>
+                  </a:cubicBezTo>
+                  <a:cubicBezTo>
+                    <a:pt x="8378" y="10400"/>
+                    <a:pt x="8320" y="11015"/>
+                    <a:pt x="8231" y="11607"/>
+                  </a:cubicBezTo>
+                  <a:close/>
+                </a:path>
+              </a:pathLst>
+            </a:custGeom>
+            <a:solidFill>
+              <a:srgbClr val="A2B969"/>
+            </a:solidFill>
+            <a:ln w="12700">
+              <a:miter lim="400000"/>
+            </a:ln>
+          </p:spPr>
+          <p:txBody>
+            <a:bodyPr lIns="38100" tIns="38100" rIns="38100" bIns="38100" anchor="ctr"/>
+            <a:lstStyle/>
+            <a:p>
+              <a:pPr marL="0" marR="0" lvl="0" indent="0" defTabSz="914400" eaLnBrk="1" fontAlgn="auto" latinLnBrk="0" hangingPunct="1">
+                <a:lnSpc>
+                  <a:spcPct val="100000"/>
+                </a:lnSpc>
+                <a:spcBef>
+                  <a:spcPts val="0"/>
+                </a:spcBef>
+                <a:spcAft>
+                  <a:spcPts val="0"/>
+                </a:spcAft>
+                <a:buClrTx/>
+                <a:buSzTx/>
+                <a:buFontTx/>
+                <a:buNone/>
+                <a:tabLst/>
+                <a:defRPr sz="3000">
+                  <a:solidFill>
+                    <a:srgbClr val="FFFFFF"/>
+                  </a:solidFill>
+                  <a:effectLst>
+                    <a:outerShdw blurRad="38100" dist="12700" dir="5400000" rotWithShape="0">
+                      <a:srgbClr val="000000">
+                        <a:alpha val="50000"/>
+                      </a:srgbClr>
+                    </a:outerShdw>
+                  </a:effectLst>
+                </a:defRPr>
+              </a:pPr>
+              <a:endParaRPr kumimoji="0" sz="3000" b="0" i="0" u="none" strike="noStrike" kern="0" cap="none" spc="0" normalizeH="0" baseline="0" noProof="0">
+                <a:ln>
+                  <a:noFill/>
+                </a:ln>
+                <a:solidFill>
+                  <a:srgbClr val="FFFFFF"/>
+                </a:solidFill>
+                <a:effectLst>
+                  <a:outerShdw blurRad="38100" dist="12700" dir="5400000" rotWithShape="0">
+                    <a:srgbClr val="000000">
+                      <a:alpha val="50000"/>
+                    </a:srgbClr>
+                  </a:outerShdw>
+                </a:effectLst>
+                <a:uLnTx/>
+                <a:uFillTx/>
+                <a:latin typeface="Calibri" panose="020F0502020204030204"/>
+              </a:endParaRPr>
+            </a:p>
+          </p:txBody>
+        </p:sp>
+        <p:sp>
+          <p:nvSpPr>
+            <p:cNvPr id="44" name="Shape">
+              <a:extLst>
+                <a:ext uri="{FF2B5EF4-FFF2-40B4-BE49-F238E27FC236}">
+                  <a16:creationId xmlns:a16="http://schemas.microsoft.com/office/drawing/2014/main" id="{4A84606A-2E98-4580-87A0-3A0AD3A3E654}"/>
+                </a:ext>
+              </a:extLst>
+            </p:cNvPr>
+            <p:cNvSpPr/>
+            <p:nvPr/>
+          </p:nvSpPr>
+          <p:spPr>
+            <a:xfrm>
+              <a:off x="5502618" y="1373049"/>
+              <a:ext cx="1210295" cy="2891047"/>
+            </a:xfrm>
+            <a:custGeom>
+              <a:avLst/>
+              <a:gdLst/>
+              <a:ahLst/>
+              <a:cxnLst>
+                <a:cxn ang="0">
+                  <a:pos x="wd2" y="hd2"/>
+                </a:cxn>
+                <a:cxn ang="5400000">
+                  <a:pos x="wd2" y="hd2"/>
+                </a:cxn>
+                <a:cxn ang="10800000">
+                  <a:pos x="wd2" y="hd2"/>
+                </a:cxn>
+                <a:cxn ang="16200000">
+                  <a:pos x="wd2" y="hd2"/>
+                </a:cxn>
+              </a:cxnLst>
+              <a:rect l="0" t="0" r="r" b="b"/>
+              <a:pathLst>
+                <a:path w="21512" h="21600" extrusionOk="0">
+                  <a:moveTo>
+                    <a:pt x="7701" y="11347"/>
+                  </a:moveTo>
+                  <a:cubicBezTo>
+                    <a:pt x="8446" y="11805"/>
+                    <a:pt x="9127" y="12257"/>
+                    <a:pt x="9744" y="12703"/>
+                  </a:cubicBezTo>
+                  <a:cubicBezTo>
+                    <a:pt x="9863" y="12791"/>
+                    <a:pt x="9978" y="12878"/>
+                    <a:pt x="10093" y="12964"/>
+                  </a:cubicBezTo>
+                  <a:cubicBezTo>
+                    <a:pt x="10213" y="13054"/>
+                    <a:pt x="10332" y="13143"/>
+                    <a:pt x="10447" y="13233"/>
+                  </a:cubicBezTo>
+                  <a:cubicBezTo>
+                    <a:pt x="11988" y="14437"/>
+                    <a:pt x="13048" y="15589"/>
+                    <a:pt x="13593" y="16656"/>
+                  </a:cubicBezTo>
+                  <a:cubicBezTo>
+                    <a:pt x="13644" y="16754"/>
+                    <a:pt x="13691" y="16854"/>
+                    <a:pt x="13733" y="16951"/>
+                  </a:cubicBezTo>
+                  <a:cubicBezTo>
+                    <a:pt x="13776" y="17057"/>
+                    <a:pt x="13822" y="17160"/>
+                    <a:pt x="13857" y="17264"/>
+                  </a:cubicBezTo>
+                  <a:cubicBezTo>
+                    <a:pt x="13942" y="17517"/>
+                    <a:pt x="13993" y="17763"/>
+                    <a:pt x="14014" y="18005"/>
+                  </a:cubicBezTo>
+                  <a:cubicBezTo>
+                    <a:pt x="14142" y="19483"/>
+                    <a:pt x="13124" y="20709"/>
+                    <a:pt x="11047" y="21600"/>
+                  </a:cubicBezTo>
+                  <a:cubicBezTo>
+                    <a:pt x="13576" y="21403"/>
+                    <a:pt x="15781" y="20748"/>
+                    <a:pt x="17505" y="19667"/>
+                  </a:cubicBezTo>
+                  <a:cubicBezTo>
+                    <a:pt x="19182" y="18619"/>
+                    <a:pt x="20357" y="17189"/>
+                    <a:pt x="20987" y="15462"/>
+                  </a:cubicBezTo>
+                  <a:cubicBezTo>
+                    <a:pt x="21025" y="15359"/>
+                    <a:pt x="21059" y="15255"/>
+                    <a:pt x="21093" y="15149"/>
+                  </a:cubicBezTo>
+                  <a:cubicBezTo>
+                    <a:pt x="21127" y="15049"/>
+                    <a:pt x="21157" y="14947"/>
+                    <a:pt x="21183" y="14843"/>
+                  </a:cubicBezTo>
+                  <a:cubicBezTo>
+                    <a:pt x="21345" y="14260"/>
+                    <a:pt x="21455" y="13646"/>
+                    <a:pt x="21498" y="13004"/>
+                  </a:cubicBezTo>
+                  <a:cubicBezTo>
+                    <a:pt x="21600" y="11472"/>
+                    <a:pt x="21144" y="9994"/>
+                    <a:pt x="20365" y="8614"/>
+                  </a:cubicBezTo>
+                  <a:cubicBezTo>
+                    <a:pt x="20310" y="8516"/>
+                    <a:pt x="20255" y="8419"/>
+                    <a:pt x="20195" y="8323"/>
+                  </a:cubicBezTo>
+                  <a:cubicBezTo>
+                    <a:pt x="20140" y="8230"/>
+                    <a:pt x="20085" y="8138"/>
+                    <a:pt x="20025" y="8047"/>
+                  </a:cubicBezTo>
+                  <a:cubicBezTo>
+                    <a:pt x="17420" y="3976"/>
+                    <a:pt x="12162" y="864"/>
+                    <a:pt x="10596" y="0"/>
+                  </a:cubicBezTo>
+                  <a:cubicBezTo>
+                    <a:pt x="8876" y="802"/>
+                    <a:pt x="3116" y="3699"/>
+                    <a:pt x="0" y="7818"/>
+                  </a:cubicBezTo>
+                  <a:cubicBezTo>
+                    <a:pt x="2793" y="8802"/>
+                    <a:pt x="5462" y="9971"/>
+                    <a:pt x="7701" y="11347"/>
+                  </a:cubicBezTo>
+                  <a:close/>
+                </a:path>
+              </a:pathLst>
+            </a:custGeom>
+            <a:solidFill>
+              <a:srgbClr val="C13018"/>
+            </a:solidFill>
+            <a:ln w="12700">
+              <a:miter lim="400000"/>
+            </a:ln>
+          </p:spPr>
+          <p:txBody>
+            <a:bodyPr lIns="38100" tIns="38100" rIns="38100" bIns="38100" anchor="ctr"/>
+            <a:lstStyle/>
+            <a:p>
+              <a:pPr marL="0" marR="0" lvl="0" indent="0" defTabSz="914400" eaLnBrk="1" fontAlgn="auto" latinLnBrk="0" hangingPunct="1">
+                <a:lnSpc>
+                  <a:spcPct val="100000"/>
+                </a:lnSpc>
+                <a:spcBef>
+                  <a:spcPts val="0"/>
+                </a:spcBef>
+                <a:spcAft>
+                  <a:spcPts val="0"/>
+                </a:spcAft>
+                <a:buClrTx/>
+                <a:buSzTx/>
+                <a:buFontTx/>
+                <a:buNone/>
+                <a:tabLst/>
+                <a:defRPr sz="3000">
+                  <a:solidFill>
+                    <a:srgbClr val="FFFFFF"/>
+                  </a:solidFill>
+                  <a:effectLst>
+                    <a:outerShdw blurRad="38100" dist="12700" dir="5400000" rotWithShape="0">
+                      <a:srgbClr val="000000">
+                        <a:alpha val="50000"/>
+                      </a:srgbClr>
+                    </a:outerShdw>
+                  </a:effectLst>
+                </a:defRPr>
+              </a:pPr>
+              <a:endParaRPr kumimoji="0" sz="3000" b="0" i="0" u="none" strike="noStrike" kern="0" cap="none" spc="0" normalizeH="0" baseline="0" noProof="0">
+                <a:ln>
+                  <a:noFill/>
+                </a:ln>
+                <a:solidFill>
+                  <a:srgbClr val="FFFFFF"/>
+                </a:solidFill>
+                <a:effectLst>
+                  <a:outerShdw blurRad="38100" dist="12700" dir="5400000" rotWithShape="0">
+                    <a:srgbClr val="000000">
+                      <a:alpha val="50000"/>
+                    </a:srgbClr>
+                  </a:outerShdw>
+                </a:effectLst>
+                <a:uLnTx/>
+                <a:uFillTx/>
+                <a:latin typeface="Calibri" panose="020F0502020204030204"/>
+              </a:endParaRPr>
+            </a:p>
+          </p:txBody>
+        </p:sp>
+        <p:sp>
+          <p:nvSpPr>
+            <p:cNvPr id="45" name="Shape">
+              <a:extLst>
+                <a:ext uri="{FF2B5EF4-FFF2-40B4-BE49-F238E27FC236}">
+                  <a16:creationId xmlns:a16="http://schemas.microsoft.com/office/drawing/2014/main" id="{BC0643AC-6870-44C3-AFDA-F467F5829752}"/>
+                </a:ext>
+              </a:extLst>
+            </p:cNvPr>
+            <p:cNvSpPr/>
+            <p:nvPr/>
+          </p:nvSpPr>
+          <p:spPr>
+            <a:xfrm>
+              <a:off x="4353000" y="1909059"/>
+              <a:ext cx="1875526" cy="2332048"/>
+            </a:xfrm>
+            <a:custGeom>
+              <a:avLst/>
+              <a:gdLst/>
+              <a:ahLst/>
+              <a:cxnLst>
+                <a:cxn ang="0">
+                  <a:pos x="wd2" y="hd2"/>
+                </a:cxn>
+                <a:cxn ang="5400000">
+                  <a:pos x="wd2" y="hd2"/>
+                </a:cxn>
+                <a:cxn ang="10800000">
+                  <a:pos x="wd2" y="hd2"/>
+                </a:cxn>
+                <a:cxn ang="16200000">
+                  <a:pos x="wd2" y="hd2"/>
+                </a:cxn>
+              </a:cxnLst>
+              <a:rect l="0" t="0" r="r" b="b"/>
+              <a:pathLst>
+                <a:path w="21122" h="21600" extrusionOk="0">
+                  <a:moveTo>
+                    <a:pt x="12444" y="5408"/>
+                  </a:moveTo>
+                  <a:cubicBezTo>
+                    <a:pt x="12333" y="5333"/>
+                    <a:pt x="12220" y="5257"/>
+                    <a:pt x="12109" y="5182"/>
+                  </a:cubicBezTo>
+                  <a:cubicBezTo>
+                    <a:pt x="7168" y="1894"/>
+                    <a:pt x="1714" y="386"/>
+                    <a:pt x="144" y="0"/>
+                  </a:cubicBezTo>
+                  <a:cubicBezTo>
+                    <a:pt x="-26" y="1324"/>
+                    <a:pt x="-409" y="5970"/>
+                    <a:pt x="1619" y="11036"/>
+                  </a:cubicBezTo>
+                  <a:cubicBezTo>
+                    <a:pt x="3998" y="11214"/>
+                    <a:pt x="6483" y="11629"/>
+                    <a:pt x="8916" y="12412"/>
+                  </a:cubicBezTo>
+                  <a:cubicBezTo>
+                    <a:pt x="9633" y="12642"/>
+                    <a:pt x="10318" y="12886"/>
+                    <a:pt x="10974" y="13139"/>
+                  </a:cubicBezTo>
+                  <a:cubicBezTo>
+                    <a:pt x="11114" y="13192"/>
+                    <a:pt x="11251" y="13248"/>
+                    <a:pt x="11389" y="13303"/>
+                  </a:cubicBezTo>
+                  <a:cubicBezTo>
+                    <a:pt x="11529" y="13361"/>
+                    <a:pt x="11672" y="13417"/>
+                    <a:pt x="11810" y="13474"/>
+                  </a:cubicBezTo>
+                  <a:cubicBezTo>
+                    <a:pt x="13639" y="14242"/>
+                    <a:pt x="15176" y="15098"/>
+                    <a:pt x="16379" y="16019"/>
+                  </a:cubicBezTo>
+                  <a:cubicBezTo>
+                    <a:pt x="16492" y="16105"/>
+                    <a:pt x="16600" y="16192"/>
+                    <a:pt x="16708" y="16278"/>
+                  </a:cubicBezTo>
+                  <a:cubicBezTo>
+                    <a:pt x="16827" y="16376"/>
+                    <a:pt x="16940" y="16473"/>
+                    <a:pt x="17051" y="16571"/>
+                  </a:cubicBezTo>
+                  <a:cubicBezTo>
+                    <a:pt x="17353" y="16837"/>
+                    <a:pt x="17631" y="17108"/>
+                    <a:pt x="17876" y="17381"/>
+                  </a:cubicBezTo>
+                  <a:cubicBezTo>
+                    <a:pt x="18264" y="17813"/>
+                    <a:pt x="18580" y="18255"/>
+                    <a:pt x="18828" y="18698"/>
+                  </a:cubicBezTo>
+                  <a:cubicBezTo>
+                    <a:pt x="18906" y="18840"/>
+                    <a:pt x="18979" y="18982"/>
+                    <a:pt x="19044" y="19127"/>
+                  </a:cubicBezTo>
+                  <a:cubicBezTo>
+                    <a:pt x="19122" y="19297"/>
+                    <a:pt x="19184" y="19468"/>
+                    <a:pt x="19241" y="19639"/>
+                  </a:cubicBezTo>
+                  <a:cubicBezTo>
+                    <a:pt x="19457" y="20291"/>
+                    <a:pt x="19521" y="20948"/>
+                    <a:pt x="19432" y="21600"/>
+                  </a:cubicBezTo>
+                  <a:cubicBezTo>
+                    <a:pt x="20611" y="20624"/>
+                    <a:pt x="21191" y="19262"/>
+                    <a:pt x="21115" y="17609"/>
+                  </a:cubicBezTo>
+                  <a:cubicBezTo>
+                    <a:pt x="21110" y="17485"/>
+                    <a:pt x="21099" y="17361"/>
+                    <a:pt x="21086" y="17234"/>
+                  </a:cubicBezTo>
+                  <a:cubicBezTo>
+                    <a:pt x="21072" y="17095"/>
+                    <a:pt x="21053" y="16950"/>
+                    <a:pt x="21029" y="16808"/>
+                  </a:cubicBezTo>
+                  <a:cubicBezTo>
+                    <a:pt x="21008" y="16675"/>
+                    <a:pt x="20981" y="16542"/>
+                    <a:pt x="20954" y="16407"/>
+                  </a:cubicBezTo>
+                  <a:cubicBezTo>
+                    <a:pt x="20681" y="15147"/>
+                    <a:pt x="20085" y="13774"/>
+                    <a:pt x="19176" y="12325"/>
+                  </a:cubicBezTo>
+                  <a:cubicBezTo>
+                    <a:pt x="19103" y="12210"/>
+                    <a:pt x="19028" y="12094"/>
+                    <a:pt x="18952" y="11979"/>
+                  </a:cubicBezTo>
+                  <a:cubicBezTo>
+                    <a:pt x="18879" y="11868"/>
+                    <a:pt x="18807" y="11759"/>
+                    <a:pt x="18731" y="11649"/>
+                  </a:cubicBezTo>
+                  <a:cubicBezTo>
+                    <a:pt x="18297" y="11012"/>
+                    <a:pt x="17809" y="10364"/>
+                    <a:pt x="17261" y="9705"/>
+                  </a:cubicBezTo>
+                  <a:cubicBezTo>
+                    <a:pt x="15958" y="8137"/>
+                    <a:pt x="14413" y="6795"/>
+                    <a:pt x="12794" y="5648"/>
+                  </a:cubicBezTo>
+                  <a:cubicBezTo>
+                    <a:pt x="12673" y="5568"/>
+                    <a:pt x="12560" y="5488"/>
+                    <a:pt x="12444" y="5408"/>
+                  </a:cubicBezTo>
+                  <a:close/>
+                </a:path>
+              </a:pathLst>
+            </a:custGeom>
+            <a:solidFill>
+              <a:srgbClr val="4CC1EF"/>
+            </a:solidFill>
+            <a:ln w="12700">
+              <a:miter lim="400000"/>
+            </a:ln>
+          </p:spPr>
+          <p:txBody>
+            <a:bodyPr lIns="38100" tIns="38100" rIns="38100" bIns="38100" anchor="ctr"/>
+            <a:lstStyle/>
+            <a:p>
+              <a:pPr marL="0" marR="0" lvl="0" indent="0" defTabSz="914400" eaLnBrk="1" fontAlgn="auto" latinLnBrk="0" hangingPunct="1">
+                <a:lnSpc>
+                  <a:spcPct val="100000"/>
+                </a:lnSpc>
+                <a:spcBef>
+                  <a:spcPts val="0"/>
+                </a:spcBef>
+                <a:spcAft>
+                  <a:spcPts val="0"/>
+                </a:spcAft>
+                <a:buClrTx/>
+                <a:buSzTx/>
+                <a:buFontTx/>
+                <a:buNone/>
+                <a:tabLst/>
+                <a:defRPr sz="3000">
+                  <a:solidFill>
+                    <a:srgbClr val="FFFFFF"/>
+                  </a:solidFill>
+                  <a:effectLst>
+                    <a:outerShdw blurRad="38100" dist="12700" dir="5400000" rotWithShape="0">
+                      <a:srgbClr val="000000">
+                        <a:alpha val="50000"/>
+                      </a:srgbClr>
+                    </a:outerShdw>
+                  </a:effectLst>
+                </a:defRPr>
+              </a:pPr>
+              <a:endParaRPr kumimoji="0" sz="3000" b="0" i="0" u="none" strike="noStrike" kern="0" cap="none" spc="0" normalizeH="0" baseline="0" noProof="0">
+                <a:ln>
+                  <a:noFill/>
+                </a:ln>
+                <a:solidFill>
+                  <a:srgbClr val="FFFFFF"/>
+                </a:solidFill>
+                <a:effectLst>
+                  <a:outerShdw blurRad="38100" dist="12700" dir="5400000" rotWithShape="0">
+                    <a:srgbClr val="000000">
+                      <a:alpha val="50000"/>
+                    </a:srgbClr>
+                  </a:outerShdw>
+                </a:effectLst>
+                <a:uLnTx/>
+                <a:uFillTx/>
+                <a:latin typeface="Calibri" panose="020F0502020204030204"/>
+              </a:endParaRPr>
+            </a:p>
+          </p:txBody>
+        </p:sp>
+        <p:sp>
+          <p:nvSpPr>
+            <p:cNvPr id="46" name="Shape">
+              <a:extLst>
+                <a:ext uri="{FF2B5EF4-FFF2-40B4-BE49-F238E27FC236}">
+                  <a16:creationId xmlns:a16="http://schemas.microsoft.com/office/drawing/2014/main" id="{7070EC77-1E6A-4420-9358-03E38752B538}"/>
+                </a:ext>
+              </a:extLst>
+            </p:cNvPr>
+            <p:cNvSpPr/>
+            <p:nvPr/>
+          </p:nvSpPr>
+          <p:spPr>
+            <a:xfrm>
+              <a:off x="3275235" y="3178425"/>
+              <a:ext cx="2736209" cy="1546658"/>
+            </a:xfrm>
+            <a:custGeom>
+              <a:avLst/>
+              <a:gdLst/>
+              <a:ahLst/>
+              <a:cxnLst>
+                <a:cxn ang="0">
+                  <a:pos x="wd2" y="hd2"/>
+                </a:cxn>
+                <a:cxn ang="5400000">
+                  <a:pos x="wd2" y="hd2"/>
+                </a:cxn>
+                <a:cxn ang="10800000">
+                  <a:pos x="wd2" y="hd2"/>
+                </a:cxn>
+                <a:cxn ang="16200000">
+                  <a:pos x="wd2" y="hd2"/>
+                </a:cxn>
+              </a:cxnLst>
+              <a:rect l="0" t="0" r="r" b="b"/>
+              <a:pathLst>
+                <a:path w="21590" h="19961" extrusionOk="0">
+                  <a:moveTo>
+                    <a:pt x="0" y="1880"/>
+                  </a:moveTo>
+                  <a:cubicBezTo>
+                    <a:pt x="733" y="4115"/>
+                    <a:pt x="4205" y="13734"/>
+                    <a:pt x="10757" y="17925"/>
+                  </a:cubicBezTo>
+                  <a:cubicBezTo>
+                    <a:pt x="15838" y="21174"/>
+                    <a:pt x="19746" y="20491"/>
+                    <a:pt x="21126" y="16188"/>
+                  </a:cubicBezTo>
+                  <a:cubicBezTo>
+                    <a:pt x="21192" y="15981"/>
+                    <a:pt x="21254" y="15768"/>
+                    <a:pt x="21307" y="15545"/>
+                  </a:cubicBezTo>
+                  <a:cubicBezTo>
+                    <a:pt x="21309" y="15536"/>
+                    <a:pt x="21313" y="15527"/>
+                    <a:pt x="21315" y="15517"/>
+                  </a:cubicBezTo>
+                  <a:cubicBezTo>
+                    <a:pt x="21317" y="15511"/>
+                    <a:pt x="21317" y="15508"/>
+                    <a:pt x="21318" y="15502"/>
+                  </a:cubicBezTo>
+                  <a:cubicBezTo>
+                    <a:pt x="21337" y="15425"/>
+                    <a:pt x="21352" y="15351"/>
+                    <a:pt x="21368" y="15273"/>
+                  </a:cubicBezTo>
+                  <a:cubicBezTo>
+                    <a:pt x="21381" y="15215"/>
+                    <a:pt x="21394" y="15156"/>
+                    <a:pt x="21405" y="15097"/>
+                  </a:cubicBezTo>
+                  <a:cubicBezTo>
+                    <a:pt x="21405" y="15094"/>
+                    <a:pt x="21407" y="15091"/>
+                    <a:pt x="21407" y="15091"/>
+                  </a:cubicBezTo>
+                  <a:cubicBezTo>
+                    <a:pt x="21422" y="15011"/>
+                    <a:pt x="21436" y="14927"/>
+                    <a:pt x="21449" y="14847"/>
+                  </a:cubicBezTo>
+                  <a:cubicBezTo>
+                    <a:pt x="21453" y="14828"/>
+                    <a:pt x="21454" y="14810"/>
+                    <a:pt x="21458" y="14791"/>
+                  </a:cubicBezTo>
+                  <a:cubicBezTo>
+                    <a:pt x="21466" y="14742"/>
+                    <a:pt x="21475" y="14692"/>
+                    <a:pt x="21483" y="14643"/>
+                  </a:cubicBezTo>
+                  <a:cubicBezTo>
+                    <a:pt x="21502" y="14519"/>
+                    <a:pt x="21517" y="14392"/>
+                    <a:pt x="21530" y="14269"/>
+                  </a:cubicBezTo>
+                  <a:cubicBezTo>
+                    <a:pt x="21541" y="14164"/>
+                    <a:pt x="21551" y="14058"/>
+                    <a:pt x="21558" y="13950"/>
+                  </a:cubicBezTo>
+                  <a:cubicBezTo>
+                    <a:pt x="21600" y="13422"/>
+                    <a:pt x="21600" y="12893"/>
+                    <a:pt x="21558" y="12362"/>
+                  </a:cubicBezTo>
+                  <a:cubicBezTo>
+                    <a:pt x="21528" y="11978"/>
+                    <a:pt x="21479" y="11595"/>
+                    <a:pt x="21407" y="11212"/>
+                  </a:cubicBezTo>
+                  <a:cubicBezTo>
+                    <a:pt x="21243" y="10337"/>
+                    <a:pt x="20969" y="9468"/>
+                    <a:pt x="20585" y="8615"/>
+                  </a:cubicBezTo>
+                  <a:cubicBezTo>
+                    <a:pt x="20510" y="8448"/>
+                    <a:pt x="20430" y="8281"/>
+                    <a:pt x="20347" y="8118"/>
+                  </a:cubicBezTo>
+                  <a:cubicBezTo>
+                    <a:pt x="20266" y="7957"/>
+                    <a:pt x="20183" y="7799"/>
+                    <a:pt x="20094" y="7642"/>
+                  </a:cubicBezTo>
+                  <a:cubicBezTo>
+                    <a:pt x="20016" y="7502"/>
+                    <a:pt x="19935" y="7363"/>
+                    <a:pt x="19852" y="7227"/>
+                  </a:cubicBezTo>
+                  <a:cubicBezTo>
+                    <a:pt x="19083" y="5966"/>
+                    <a:pt x="18072" y="4785"/>
+                    <a:pt x="16851" y="3719"/>
+                  </a:cubicBezTo>
+                  <a:cubicBezTo>
+                    <a:pt x="16751" y="3632"/>
+                    <a:pt x="16651" y="3543"/>
+                    <a:pt x="16547" y="3456"/>
+                  </a:cubicBezTo>
+                  <a:cubicBezTo>
+                    <a:pt x="16450" y="3376"/>
+                    <a:pt x="16350" y="3296"/>
+                    <a:pt x="16252" y="3218"/>
+                  </a:cubicBezTo>
+                  <a:cubicBezTo>
+                    <a:pt x="15721" y="2792"/>
+                    <a:pt x="15158" y="2387"/>
+                    <a:pt x="14561" y="2004"/>
+                  </a:cubicBezTo>
+                  <a:cubicBezTo>
+                    <a:pt x="12998" y="1002"/>
+                    <a:pt x="11399" y="446"/>
+                    <a:pt x="9859" y="186"/>
+                  </a:cubicBezTo>
+                  <a:cubicBezTo>
+                    <a:pt x="9753" y="167"/>
+                    <a:pt x="9647" y="155"/>
+                    <a:pt x="9540" y="140"/>
+                  </a:cubicBezTo>
+                  <a:cubicBezTo>
+                    <a:pt x="9437" y="124"/>
+                    <a:pt x="9337" y="109"/>
+                    <a:pt x="9235" y="96"/>
+                  </a:cubicBezTo>
+                  <a:cubicBezTo>
+                    <a:pt x="4874" y="-426"/>
+                    <a:pt x="1081" y="1320"/>
+                    <a:pt x="0" y="1880"/>
+                  </a:cubicBezTo>
+                  <a:close/>
+                </a:path>
+              </a:pathLst>
+            </a:custGeom>
+            <a:solidFill>
+              <a:srgbClr val="FFCC4C"/>
+            </a:solidFill>
+            <a:ln w="12700">
+              <a:miter lim="400000"/>
+            </a:ln>
+          </p:spPr>
+          <p:txBody>
+            <a:bodyPr lIns="38100" tIns="38100" rIns="38100" bIns="38100" anchor="ctr"/>
+            <a:lstStyle/>
+            <a:p>
+              <a:pPr marL="0" marR="0" lvl="0" indent="0" defTabSz="914400" eaLnBrk="1" fontAlgn="auto" latinLnBrk="0" hangingPunct="1">
+                <a:lnSpc>
+                  <a:spcPct val="100000"/>
+                </a:lnSpc>
+                <a:spcBef>
+                  <a:spcPts val="0"/>
+                </a:spcBef>
+                <a:spcAft>
+                  <a:spcPts val="0"/>
+                </a:spcAft>
+                <a:buClrTx/>
+                <a:buSzTx/>
+                <a:buFontTx/>
+                <a:buNone/>
+                <a:tabLst/>
+                <a:defRPr sz="3000">
+                  <a:solidFill>
+                    <a:srgbClr val="FFFFFF"/>
+                  </a:solidFill>
+                  <a:effectLst>
+                    <a:outerShdw blurRad="38100" dist="12700" dir="5400000" rotWithShape="0">
+                      <a:srgbClr val="000000">
+                        <a:alpha val="50000"/>
+                      </a:srgbClr>
+                    </a:outerShdw>
+                  </a:effectLst>
+                </a:defRPr>
+              </a:pPr>
+              <a:endParaRPr kumimoji="0" sz="3000" b="0" i="0" u="none" strike="noStrike" kern="0" cap="none" spc="0" normalizeH="0" baseline="0" noProof="0">
+                <a:ln>
+                  <a:noFill/>
+                </a:ln>
+                <a:solidFill>
+                  <a:srgbClr val="FFFFFF"/>
+                </a:solidFill>
+                <a:effectLst>
+                  <a:outerShdw blurRad="38100" dist="12700" dir="5400000" rotWithShape="0">
+                    <a:srgbClr val="000000">
+                      <a:alpha val="50000"/>
+                    </a:srgbClr>
+                  </a:outerShdw>
+                </a:effectLst>
+                <a:uLnTx/>
+                <a:uFillTx/>
+                <a:latin typeface="Calibri" panose="020F0502020204030204"/>
+              </a:endParaRPr>
+            </a:p>
+          </p:txBody>
+        </p:sp>
+        <p:sp>
+          <p:nvSpPr>
+            <p:cNvPr id="47" name="Freeform: Shape 46">
+              <a:extLst>
+                <a:ext uri="{FF2B5EF4-FFF2-40B4-BE49-F238E27FC236}">
+                  <a16:creationId xmlns:a16="http://schemas.microsoft.com/office/drawing/2014/main" id="{0BBC7CE0-1ED3-4D22-8A33-B9C3286089F1}"/>
+                </a:ext>
+              </a:extLst>
+            </p:cNvPr>
+            <p:cNvSpPr/>
+            <p:nvPr/>
+          </p:nvSpPr>
+          <p:spPr>
+            <a:xfrm>
+              <a:off x="6123410" y="3274226"/>
+              <a:ext cx="1776077" cy="1270612"/>
+            </a:xfrm>
+            <a:custGeom>
+              <a:avLst/>
+              <a:gdLst>
+                <a:gd name="connsiteX0" fmla="*/ 1579255 w 1776077"/>
+                <a:gd name="connsiteY0" fmla="*/ 0 h 1270612"/>
+                <a:gd name="connsiteX1" fmla="*/ 1776077 w 1776077"/>
+                <a:gd name="connsiteY1" fmla="*/ 7641 h 1270612"/>
+                <a:gd name="connsiteX2" fmla="*/ 1714095 w 1776077"/>
+                <a:gd name="connsiteY2" fmla="*/ 137937 h 1270612"/>
+                <a:gd name="connsiteX3" fmla="*/ 1496396 w 1776077"/>
+                <a:gd name="connsiteY3" fmla="*/ 469515 h 1270612"/>
+                <a:gd name="connsiteX4" fmla="*/ 292725 w 1776077"/>
+                <a:gd name="connsiteY4" fmla="*/ 1270612 h 1270612"/>
+                <a:gd name="connsiteX5" fmla="*/ 59373 w 1776077"/>
+                <a:gd name="connsiteY5" fmla="*/ 1229989 h 1270612"/>
+                <a:gd name="connsiteX6" fmla="*/ 46103 w 1776077"/>
+                <a:gd name="connsiteY6" fmla="*/ 1224247 h 1270612"/>
+                <a:gd name="connsiteX7" fmla="*/ 0 w 1776077"/>
+                <a:gd name="connsiteY7" fmla="*/ 1160845 h 1270612"/>
+                <a:gd name="connsiteX8" fmla="*/ 253179 w 1776077"/>
+                <a:gd name="connsiteY8" fmla="*/ 1220525 h 1270612"/>
+                <a:gd name="connsiteX9" fmla="*/ 1247863 w 1776077"/>
+                <a:gd name="connsiteY9" fmla="*/ 558519 h 1270612"/>
+                <a:gd name="connsiteX10" fmla="*/ 1563003 w 1776077"/>
+                <a:gd name="connsiteY10" fmla="*/ 216 h 1270612"/>
+                <a:gd name="connsiteX11" fmla="*/ 1579255 w 1776077"/>
+                <a:gd name="connsiteY11" fmla="*/ 0 h 1270612"/>
+              </a:gdLst>
+              <a:ahLst/>
+              <a:cxnLst>
+                <a:cxn ang="0">
+                  <a:pos x="connsiteX0" y="connsiteY0"/>
+                </a:cxn>
+                <a:cxn ang="0">
+                  <a:pos x="connsiteX1" y="connsiteY1"/>
+                </a:cxn>
+                <a:cxn ang="0">
+                  <a:pos x="connsiteX2" y="connsiteY2"/>
+                </a:cxn>
+                <a:cxn ang="0">
+                  <a:pos x="connsiteX3" y="connsiteY3"/>
+                </a:cxn>
+                <a:cxn ang="0">
+                  <a:pos x="connsiteX4" y="connsiteY4"/>
+                </a:cxn>
+                <a:cxn ang="0">
+                  <a:pos x="connsiteX5" y="connsiteY5"/>
+                </a:cxn>
+                <a:cxn ang="0">
+                  <a:pos x="connsiteX6" y="connsiteY6"/>
+                </a:cxn>
+                <a:cxn ang="0">
+                  <a:pos x="connsiteX7" y="connsiteY7"/>
+                </a:cxn>
+                <a:cxn ang="0">
+                  <a:pos x="connsiteX8" y="connsiteY8"/>
+                </a:cxn>
+                <a:cxn ang="0">
+                  <a:pos x="connsiteX9" y="connsiteY9"/>
+                </a:cxn>
+                <a:cxn ang="0">
+                  <a:pos x="connsiteX10" y="connsiteY10"/>
+                </a:cxn>
+                <a:cxn ang="0">
+                  <a:pos x="connsiteX11" y="connsiteY11"/>
+                </a:cxn>
+              </a:cxnLst>
+              <a:rect l="l" t="t" r="r" b="b"/>
+              <a:pathLst>
+                <a:path w="1776077" h="1270612">
+                  <a:moveTo>
+                    <a:pt x="1579255" y="0"/>
+                  </a:moveTo>
+                  <a:lnTo>
+                    <a:pt x="1776077" y="7641"/>
+                  </a:lnTo>
+                  <a:lnTo>
+                    <a:pt x="1714095" y="137937"/>
+                  </a:lnTo>
+                  <a:cubicBezTo>
+                    <a:pt x="1650965" y="251295"/>
+                    <a:pt x="1578828" y="362577"/>
+                    <a:pt x="1496396" y="469515"/>
+                  </a:cubicBezTo>
+                  <a:cubicBezTo>
+                    <a:pt x="1093533" y="992079"/>
+                    <a:pt x="663321" y="1270612"/>
+                    <a:pt x="292725" y="1270612"/>
+                  </a:cubicBezTo>
+                  <a:cubicBezTo>
+                    <a:pt x="211829" y="1270612"/>
+                    <a:pt x="133700" y="1257071"/>
+                    <a:pt x="59373" y="1229989"/>
+                  </a:cubicBezTo>
+                  <a:lnTo>
+                    <a:pt x="46103" y="1224247"/>
+                  </a:lnTo>
+                  <a:lnTo>
+                    <a:pt x="0" y="1160845"/>
+                  </a:lnTo>
+                  <a:cubicBezTo>
+                    <a:pt x="78976" y="1200632"/>
+                    <a:pt x="164046" y="1220525"/>
+                    <a:pt x="253179" y="1220525"/>
+                  </a:cubicBezTo>
+                  <a:cubicBezTo>
+                    <a:pt x="559431" y="1220525"/>
+                    <a:pt x="914947" y="990352"/>
+                    <a:pt x="1247863" y="558519"/>
+                  </a:cubicBezTo>
+                  <a:cubicBezTo>
+                    <a:pt x="1384102" y="381778"/>
+                    <a:pt x="1486313" y="190673"/>
+                    <a:pt x="1563003" y="216"/>
+                  </a:cubicBezTo>
+                  <a:cubicBezTo>
+                    <a:pt x="1568462" y="216"/>
+                    <a:pt x="1574049" y="0"/>
+                    <a:pt x="1579255" y="0"/>
+                  </a:cubicBezTo>
+                  <a:close/>
+                </a:path>
+              </a:pathLst>
+            </a:custGeom>
+            <a:solidFill>
+              <a:srgbClr val="333333">
+                <a:alpha val="22000"/>
+              </a:srgbClr>
+            </a:solidFill>
+            <a:ln w="12700" cap="flat" cmpd="sng" algn="ctr">
+              <a:noFill/>
+              <a:prstDash val="solid"/>
+              <a:miter lim="800000"/>
+            </a:ln>
+            <a:effectLst/>
+          </p:spPr>
+          <p:txBody>
+            <a:bodyPr rtlCol="0" anchor="ctr"/>
+            <a:lstStyle/>
+            <a:p>
+              <a:pPr marL="0" marR="0" lvl="0" indent="0" algn="ctr" defTabSz="914400" eaLnBrk="1" fontAlgn="auto" latinLnBrk="0" hangingPunct="1">
+                <a:lnSpc>
+                  <a:spcPct val="100000"/>
+                </a:lnSpc>
+                <a:spcBef>
+                  <a:spcPts val="0"/>
+                </a:spcBef>
+                <a:spcAft>
+                  <a:spcPts val="0"/>
+                </a:spcAft>
+                <a:buClrTx/>
+                <a:buSzTx/>
+                <a:buFontTx/>
+                <a:buNone/>
+                <a:tabLst/>
+                <a:defRPr/>
+              </a:pPr>
+              <a:endParaRPr kumimoji="0" sz="1800" b="0" i="0" u="none" strike="noStrike" kern="0" cap="none" spc="0" normalizeH="0" baseline="0" noProof="0">
+                <a:ln>
+                  <a:noFill/>
+                </a:ln>
+                <a:solidFill>
+                  <a:prstClr val="white"/>
+                </a:solidFill>
+                <a:effectLst/>
+                <a:uLnTx/>
+                <a:uFillTx/>
+                <a:latin typeface="Calibri" panose="020F0502020204030204"/>
+                <a:ea typeface="+mn-ea"/>
+                <a:cs typeface="+mn-cs"/>
+              </a:endParaRPr>
+            </a:p>
+          </p:txBody>
+        </p:sp>
+        <p:sp>
+          <p:nvSpPr>
+            <p:cNvPr id="48" name="Freeform: Shape 47">
+              <a:extLst>
+                <a:ext uri="{FF2B5EF4-FFF2-40B4-BE49-F238E27FC236}">
+                  <a16:creationId xmlns:a16="http://schemas.microsoft.com/office/drawing/2014/main" id="{368B6AE3-3FE9-4E80-BDFD-0CC4104DEB5B}"/>
+                </a:ext>
+              </a:extLst>
+            </p:cNvPr>
+            <p:cNvSpPr/>
+            <p:nvPr/>
+          </p:nvSpPr>
+          <p:spPr>
+            <a:xfrm>
+              <a:off x="6147361" y="2405934"/>
+              <a:ext cx="804424" cy="2013481"/>
+            </a:xfrm>
+            <a:custGeom>
+              <a:avLst/>
+              <a:gdLst>
+                <a:gd name="connsiteX0" fmla="*/ 758328 w 804424"/>
+                <a:gd name="connsiteY0" fmla="*/ 0 h 2013481"/>
+                <a:gd name="connsiteX1" fmla="*/ 784522 w 804424"/>
+                <a:gd name="connsiteY1" fmla="*/ 169327 h 2013481"/>
+                <a:gd name="connsiteX2" fmla="*/ 803430 w 804424"/>
+                <a:gd name="connsiteY2" fmla="*/ 565623 h 2013481"/>
+                <a:gd name="connsiteX3" fmla="*/ 786361 w 804424"/>
+                <a:gd name="connsiteY3" fmla="*/ 824765 h 2013481"/>
+                <a:gd name="connsiteX4" fmla="*/ 780797 w 804424"/>
+                <a:gd name="connsiteY4" fmla="*/ 873362 h 2013481"/>
+                <a:gd name="connsiteX5" fmla="*/ 774762 w 804424"/>
+                <a:gd name="connsiteY5" fmla="*/ 922662 h 2013481"/>
+                <a:gd name="connsiteX6" fmla="*/ 516755 w 804424"/>
+                <a:gd name="connsiteY6" fmla="*/ 1690675 h 2013481"/>
+                <a:gd name="connsiteX7" fmla="*/ 154634 w 804424"/>
+                <a:gd name="connsiteY7" fmla="*/ 2001783 h 2013481"/>
+                <a:gd name="connsiteX8" fmla="*/ 113432 w 804424"/>
+                <a:gd name="connsiteY8" fmla="*/ 2013481 h 2013481"/>
+                <a:gd name="connsiteX9" fmla="*/ 0 w 804424"/>
+                <a:gd name="connsiteY9" fmla="*/ 1976645 h 2013481"/>
+                <a:gd name="connsiteX10" fmla="*/ 418630 w 804424"/>
+                <a:gd name="connsiteY10" fmla="*/ 1685660 h 2013481"/>
+                <a:gd name="connsiteX11" fmla="*/ 631841 w 804424"/>
+                <a:gd name="connsiteY11" fmla="*/ 1050993 h 2013481"/>
+                <a:gd name="connsiteX12" fmla="*/ 636828 w 804424"/>
+                <a:gd name="connsiteY12" fmla="*/ 1010252 h 2013481"/>
+                <a:gd name="connsiteX13" fmla="*/ 641426 w 804424"/>
+                <a:gd name="connsiteY13" fmla="*/ 970092 h 2013481"/>
+                <a:gd name="connsiteX14" fmla="*/ 655531 w 804424"/>
+                <a:gd name="connsiteY14" fmla="*/ 755945 h 2013481"/>
+                <a:gd name="connsiteX15" fmla="*/ 582201 w 804424"/>
+                <a:gd name="connsiteY15" fmla="*/ 119072 h 2013481"/>
+                <a:gd name="connsiteX16" fmla="*/ 757391 w 804424"/>
+                <a:gd name="connsiteY16" fmla="*/ 539 h 2013481"/>
+              </a:gdLst>
+              <a:ahLst/>
+              <a:cxnLst>
+                <a:cxn ang="0">
+                  <a:pos x="connsiteX0" y="connsiteY0"/>
+                </a:cxn>
+                <a:cxn ang="0">
+                  <a:pos x="connsiteX1" y="connsiteY1"/>
+                </a:cxn>
+                <a:cxn ang="0">
+                  <a:pos x="connsiteX2" y="connsiteY2"/>
+                </a:cxn>
+                <a:cxn ang="0">
+                  <a:pos x="connsiteX3" y="connsiteY3"/>
+                </a:cxn>
+                <a:cxn ang="0">
+                  <a:pos x="connsiteX4" y="connsiteY4"/>
+                </a:cxn>
+                <a:cxn ang="0">
+                  <a:pos x="connsiteX5" y="connsiteY5"/>
+                </a:cxn>
+                <a:cxn ang="0">
+                  <a:pos x="connsiteX6" y="connsiteY6"/>
+                </a:cxn>
+                <a:cxn ang="0">
+                  <a:pos x="connsiteX7" y="connsiteY7"/>
+                </a:cxn>
+                <a:cxn ang="0">
+                  <a:pos x="connsiteX8" y="connsiteY8"/>
+                </a:cxn>
+                <a:cxn ang="0">
+                  <a:pos x="connsiteX9" y="connsiteY9"/>
+                </a:cxn>
+                <a:cxn ang="0">
+                  <a:pos x="connsiteX10" y="connsiteY10"/>
+                </a:cxn>
+                <a:cxn ang="0">
+                  <a:pos x="connsiteX11" y="connsiteY11"/>
+                </a:cxn>
+                <a:cxn ang="0">
+                  <a:pos x="connsiteX12" y="connsiteY12"/>
+                </a:cxn>
+                <a:cxn ang="0">
+                  <a:pos x="connsiteX13" y="connsiteY13"/>
+                </a:cxn>
+                <a:cxn ang="0">
+                  <a:pos x="connsiteX14" y="connsiteY14"/>
+                </a:cxn>
+                <a:cxn ang="0">
+                  <a:pos x="connsiteX15" y="connsiteY15"/>
+                </a:cxn>
+                <a:cxn ang="0">
+                  <a:pos x="connsiteX16" y="connsiteY16"/>
+                </a:cxn>
+              </a:cxnLst>
+              <a:rect l="l" t="t" r="r" b="b"/>
+              <a:pathLst>
+                <a:path w="804424" h="2013481">
+                  <a:moveTo>
+                    <a:pt x="758328" y="0"/>
+                  </a:moveTo>
+                  <a:lnTo>
+                    <a:pt x="784522" y="169327"/>
+                  </a:lnTo>
+                  <a:cubicBezTo>
+                    <a:pt x="800106" y="298125"/>
+                    <a:pt x="807202" y="430575"/>
+                    <a:pt x="803430" y="565623"/>
+                  </a:cubicBezTo>
+                  <a:cubicBezTo>
+                    <a:pt x="800223" y="655234"/>
+                    <a:pt x="794754" y="741615"/>
+                    <a:pt x="786361" y="824765"/>
+                  </a:cubicBezTo>
+                  <a:cubicBezTo>
+                    <a:pt x="784570" y="841198"/>
+                    <a:pt x="782589" y="857210"/>
+                    <a:pt x="780797" y="873362"/>
+                  </a:cubicBezTo>
+                  <a:cubicBezTo>
+                    <a:pt x="778817" y="889936"/>
+                    <a:pt x="776743" y="906510"/>
+                    <a:pt x="774762" y="922662"/>
+                  </a:cubicBezTo>
+                  <a:cubicBezTo>
+                    <a:pt x="732138" y="1238267"/>
+                    <a:pt x="644910" y="1500077"/>
+                    <a:pt x="516755" y="1690675"/>
+                  </a:cubicBezTo>
+                  <a:cubicBezTo>
+                    <a:pt x="416324" y="1840261"/>
+                    <a:pt x="293774" y="1944813"/>
+                    <a:pt x="154634" y="2001783"/>
+                  </a:cubicBezTo>
+                  <a:lnTo>
+                    <a:pt x="113432" y="2013481"/>
+                  </a:lnTo>
+                  <a:lnTo>
+                    <a:pt x="0" y="1976645"/>
+                  </a:lnTo>
+                  <a:cubicBezTo>
+                    <a:pt x="164818" y="1949137"/>
+                    <a:pt x="307972" y="1850478"/>
+                    <a:pt x="418630" y="1685660"/>
+                  </a:cubicBezTo>
+                  <a:cubicBezTo>
+                    <a:pt x="524534" y="1528154"/>
+                    <a:pt x="596617" y="1311800"/>
+                    <a:pt x="631841" y="1050993"/>
+                  </a:cubicBezTo>
+                  <a:cubicBezTo>
+                    <a:pt x="633477" y="1037645"/>
+                    <a:pt x="635192" y="1023949"/>
+                    <a:pt x="636828" y="1010252"/>
+                  </a:cubicBezTo>
+                  <a:cubicBezTo>
+                    <a:pt x="638309" y="996904"/>
+                    <a:pt x="639945" y="983672"/>
+                    <a:pt x="641426" y="970092"/>
+                  </a:cubicBezTo>
+                  <a:cubicBezTo>
+                    <a:pt x="648361" y="901379"/>
+                    <a:pt x="652881" y="829997"/>
+                    <a:pt x="655531" y="755945"/>
+                  </a:cubicBezTo>
+                  <a:cubicBezTo>
+                    <a:pt x="661765" y="532743"/>
+                    <a:pt x="632074" y="318131"/>
+                    <a:pt x="582201" y="119072"/>
+                  </a:cubicBezTo>
+                  <a:cubicBezTo>
+                    <a:pt x="640462" y="76214"/>
+                    <a:pt x="699101" y="36785"/>
+                    <a:pt x="757391" y="539"/>
+                  </a:cubicBezTo>
+                  <a:close/>
+                </a:path>
+              </a:pathLst>
+            </a:custGeom>
+            <a:solidFill>
+              <a:srgbClr val="333333">
+                <a:alpha val="22000"/>
+              </a:srgbClr>
+            </a:solidFill>
+            <a:ln w="12700" cap="flat" cmpd="sng" algn="ctr">
+              <a:noFill/>
+              <a:prstDash val="solid"/>
+              <a:miter lim="800000"/>
+            </a:ln>
+            <a:effectLst/>
+          </p:spPr>
+          <p:txBody>
+            <a:bodyPr rtlCol="0" anchor="ctr"/>
+            <a:lstStyle/>
+            <a:p>
+              <a:pPr marL="0" marR="0" lvl="0" indent="0" algn="ctr" defTabSz="914400" eaLnBrk="1" fontAlgn="auto" latinLnBrk="0" hangingPunct="1">
+                <a:lnSpc>
+                  <a:spcPct val="100000"/>
+                </a:lnSpc>
+                <a:spcBef>
+                  <a:spcPts val="0"/>
+                </a:spcBef>
+                <a:spcAft>
+                  <a:spcPts val="0"/>
+                </a:spcAft>
+                <a:buClrTx/>
+                <a:buSzTx/>
+                <a:buFontTx/>
+                <a:buNone/>
+                <a:tabLst/>
+                <a:defRPr/>
+              </a:pPr>
+              <a:endParaRPr kumimoji="0" sz="1800" b="0" i="0" u="none" strike="noStrike" kern="0" cap="none" spc="0" normalizeH="0" baseline="0" noProof="0">
+                <a:ln>
+                  <a:noFill/>
+                </a:ln>
+                <a:solidFill>
+                  <a:prstClr val="white"/>
+                </a:solidFill>
+                <a:effectLst/>
+                <a:uLnTx/>
+                <a:uFillTx/>
+                <a:latin typeface="Calibri" panose="020F0502020204030204"/>
+                <a:ea typeface="+mn-ea"/>
+                <a:cs typeface="+mn-cs"/>
+              </a:endParaRPr>
+            </a:p>
+          </p:txBody>
+        </p:sp>
+        <p:sp>
+          <p:nvSpPr>
+            <p:cNvPr id="49" name="Freeform: Shape 48">
+              <a:extLst>
+                <a:ext uri="{FF2B5EF4-FFF2-40B4-BE49-F238E27FC236}">
+                  <a16:creationId xmlns:a16="http://schemas.microsoft.com/office/drawing/2014/main" id="{BF575A2A-3438-4A44-93D9-626AAEEF2AE3}"/>
+                </a:ext>
+              </a:extLst>
+            </p:cNvPr>
+            <p:cNvSpPr/>
+            <p:nvPr/>
+          </p:nvSpPr>
+          <p:spPr>
+            <a:xfrm>
+              <a:off x="5502618" y="2168800"/>
+              <a:ext cx="891325" cy="2095296"/>
+            </a:xfrm>
+            <a:custGeom>
+              <a:avLst/>
+              <a:gdLst>
+                <a:gd name="connsiteX0" fmla="*/ 95165 w 891325"/>
+                <a:gd name="connsiteY0" fmla="*/ 0 h 2095296"/>
+                <a:gd name="connsiteX1" fmla="*/ 212786 w 891325"/>
+                <a:gd name="connsiteY1" fmla="*/ 111528 h 2095296"/>
+                <a:gd name="connsiteX2" fmla="*/ 460792 w 891325"/>
+                <a:gd name="connsiteY2" fmla="*/ 421126 h 2095296"/>
+                <a:gd name="connsiteX3" fmla="*/ 599884 w 891325"/>
+                <a:gd name="connsiteY3" fmla="*/ 640752 h 2095296"/>
+                <a:gd name="connsiteX4" fmla="*/ 623644 w 891325"/>
+                <a:gd name="connsiteY4" fmla="*/ 683025 h 2095296"/>
+                <a:gd name="connsiteX5" fmla="*/ 647745 w 891325"/>
+                <a:gd name="connsiteY5" fmla="*/ 726594 h 2095296"/>
+                <a:gd name="connsiteX6" fmla="*/ 861932 w 891325"/>
+                <a:gd name="connsiteY6" fmla="*/ 1281004 h 2095296"/>
+                <a:gd name="connsiteX7" fmla="*/ 871463 w 891325"/>
+                <a:gd name="connsiteY7" fmla="*/ 1328784 h 2095296"/>
+                <a:gd name="connsiteX8" fmla="*/ 879905 w 891325"/>
+                <a:gd name="connsiteY8" fmla="*/ 1379480 h 2095296"/>
+                <a:gd name="connsiteX9" fmla="*/ 890594 w 891325"/>
+                <a:gd name="connsiteY9" fmla="*/ 1499497 h 2095296"/>
+                <a:gd name="connsiteX10" fmla="*/ 781039 w 891325"/>
+                <a:gd name="connsiteY10" fmla="*/ 1963568 h 2095296"/>
+                <a:gd name="connsiteX11" fmla="*/ 695518 w 891325"/>
+                <a:gd name="connsiteY11" fmla="*/ 2072914 h 2095296"/>
+                <a:gd name="connsiteX12" fmla="*/ 621520 w 891325"/>
+                <a:gd name="connsiteY12" fmla="*/ 2095296 h 2095296"/>
+                <a:gd name="connsiteX13" fmla="*/ 788447 w 891325"/>
+                <a:gd name="connsiteY13" fmla="*/ 1614124 h 2095296"/>
+                <a:gd name="connsiteX14" fmla="*/ 779614 w 891325"/>
+                <a:gd name="connsiteY14" fmla="*/ 1514945 h 2095296"/>
+                <a:gd name="connsiteX15" fmla="*/ 772638 w 891325"/>
+                <a:gd name="connsiteY15" fmla="*/ 1473052 h 2095296"/>
+                <a:gd name="connsiteX16" fmla="*/ 764761 w 891325"/>
+                <a:gd name="connsiteY16" fmla="*/ 1433568 h 2095296"/>
+                <a:gd name="connsiteX17" fmla="*/ 587763 w 891325"/>
+                <a:gd name="connsiteY17" fmla="*/ 975417 h 2095296"/>
+                <a:gd name="connsiteX18" fmla="*/ 567846 w 891325"/>
+                <a:gd name="connsiteY18" fmla="*/ 939413 h 2095296"/>
+                <a:gd name="connsiteX19" fmla="*/ 548211 w 891325"/>
+                <a:gd name="connsiteY19" fmla="*/ 904479 h 2095296"/>
+                <a:gd name="connsiteX20" fmla="*/ 433269 w 891325"/>
+                <a:gd name="connsiteY20" fmla="*/ 722986 h 2095296"/>
+                <a:gd name="connsiteX21" fmla="*/ 0 w 891325"/>
+                <a:gd name="connsiteY21" fmla="*/ 250648 h 2095296"/>
+                <a:gd name="connsiteX22" fmla="*/ 71980 w 891325"/>
+                <a:gd name="connsiteY22" fmla="*/ 51803 h 2095296"/>
+              </a:gdLst>
+              <a:ahLst/>
+              <a:cxnLst>
+                <a:cxn ang="0">
+                  <a:pos x="connsiteX0" y="connsiteY0"/>
+                </a:cxn>
+                <a:cxn ang="0">
+                  <a:pos x="connsiteX1" y="connsiteY1"/>
+                </a:cxn>
+                <a:cxn ang="0">
+                  <a:pos x="connsiteX2" y="connsiteY2"/>
+                </a:cxn>
+                <a:cxn ang="0">
+                  <a:pos x="connsiteX3" y="connsiteY3"/>
+                </a:cxn>
+                <a:cxn ang="0">
+                  <a:pos x="connsiteX4" y="connsiteY4"/>
+                </a:cxn>
+                <a:cxn ang="0">
+                  <a:pos x="connsiteX5" y="connsiteY5"/>
+                </a:cxn>
+                <a:cxn ang="0">
+                  <a:pos x="connsiteX6" y="connsiteY6"/>
+                </a:cxn>
+                <a:cxn ang="0">
+                  <a:pos x="connsiteX7" y="connsiteY7"/>
+                </a:cxn>
+                <a:cxn ang="0">
+                  <a:pos x="connsiteX8" y="connsiteY8"/>
+                </a:cxn>
+                <a:cxn ang="0">
+                  <a:pos x="connsiteX9" y="connsiteY9"/>
+                </a:cxn>
+                <a:cxn ang="0">
+                  <a:pos x="connsiteX10" y="connsiteY10"/>
+                </a:cxn>
+                <a:cxn ang="0">
+                  <a:pos x="connsiteX11" y="connsiteY11"/>
+                </a:cxn>
+                <a:cxn ang="0">
+                  <a:pos x="connsiteX12" y="connsiteY12"/>
+                </a:cxn>
+                <a:cxn ang="0">
+                  <a:pos x="connsiteX13" y="connsiteY13"/>
+                </a:cxn>
+                <a:cxn ang="0">
+                  <a:pos x="connsiteX14" y="connsiteY14"/>
+                </a:cxn>
+                <a:cxn ang="0">
+                  <a:pos x="connsiteX15" y="connsiteY15"/>
+                </a:cxn>
+                <a:cxn ang="0">
+                  <a:pos x="connsiteX16" y="connsiteY16"/>
+                </a:cxn>
+                <a:cxn ang="0">
+                  <a:pos x="connsiteX17" y="connsiteY17"/>
+                </a:cxn>
+                <a:cxn ang="0">
+                  <a:pos x="connsiteX18" y="connsiteY18"/>
+                </a:cxn>
+                <a:cxn ang="0">
+                  <a:pos x="connsiteX19" y="connsiteY19"/>
+                </a:cxn>
+                <a:cxn ang="0">
+                  <a:pos x="connsiteX20" y="connsiteY20"/>
+                </a:cxn>
+                <a:cxn ang="0">
+                  <a:pos x="connsiteX21" y="connsiteY21"/>
+                </a:cxn>
+                <a:cxn ang="0">
+                  <a:pos x="connsiteX22" y="connsiteY22"/>
+                </a:cxn>
+              </a:cxnLst>
+              <a:rect l="l" t="t" r="r" b="b"/>
+              <a:pathLst>
+                <a:path w="891325" h="2095296">
+                  <a:moveTo>
+                    <a:pt x="95165" y="0"/>
+                  </a:moveTo>
+                  <a:lnTo>
+                    <a:pt x="212786" y="111528"/>
+                  </a:lnTo>
+                  <a:cubicBezTo>
+                    <a:pt x="301037" y="206642"/>
+                    <a:pt x="384574" y="309693"/>
+                    <a:pt x="460792" y="421126"/>
+                  </a:cubicBezTo>
+                  <a:cubicBezTo>
+                    <a:pt x="511513" y="495307"/>
+                    <a:pt x="557877" y="568515"/>
+                    <a:pt x="599884" y="640752"/>
+                  </a:cubicBezTo>
+                  <a:cubicBezTo>
+                    <a:pt x="607985" y="655005"/>
+                    <a:pt x="615815" y="669096"/>
+                    <a:pt x="623644" y="683025"/>
+                  </a:cubicBezTo>
+                  <a:cubicBezTo>
+                    <a:pt x="631814" y="697602"/>
+                    <a:pt x="639916" y="712017"/>
+                    <a:pt x="647745" y="726594"/>
+                  </a:cubicBezTo>
+                  <a:cubicBezTo>
+                    <a:pt x="752660" y="921602"/>
+                    <a:pt x="824827" y="1108187"/>
+                    <a:pt x="861932" y="1281004"/>
+                  </a:cubicBezTo>
+                  <a:cubicBezTo>
+                    <a:pt x="865404" y="1296877"/>
+                    <a:pt x="868604" y="1313074"/>
+                    <a:pt x="871463" y="1328784"/>
+                  </a:cubicBezTo>
+                  <a:cubicBezTo>
+                    <a:pt x="874391" y="1345953"/>
+                    <a:pt x="877523" y="1362635"/>
+                    <a:pt x="879905" y="1379480"/>
+                  </a:cubicBezTo>
+                  <a:cubicBezTo>
+                    <a:pt x="885692" y="1420457"/>
+                    <a:pt x="889165" y="1460301"/>
+                    <a:pt x="890594" y="1499497"/>
+                  </a:cubicBezTo>
+                  <a:cubicBezTo>
+                    <a:pt x="897130" y="1679037"/>
+                    <a:pt x="859779" y="1835617"/>
+                    <a:pt x="781039" y="1963568"/>
+                  </a:cubicBezTo>
+                  <a:lnTo>
+                    <a:pt x="695518" y="2072914"/>
+                  </a:lnTo>
+                  <a:lnTo>
+                    <a:pt x="621520" y="2095296"/>
+                  </a:lnTo>
+                  <a:cubicBezTo>
+                    <a:pt x="738375" y="1976040"/>
+                    <a:pt x="795649" y="1811947"/>
+                    <a:pt x="788447" y="1614124"/>
+                  </a:cubicBezTo>
+                  <a:cubicBezTo>
+                    <a:pt x="787266" y="1581734"/>
+                    <a:pt x="784397" y="1548808"/>
+                    <a:pt x="779614" y="1514945"/>
+                  </a:cubicBezTo>
+                  <a:cubicBezTo>
+                    <a:pt x="777645" y="1501025"/>
+                    <a:pt x="775057" y="1487239"/>
+                    <a:pt x="772638" y="1473052"/>
+                  </a:cubicBezTo>
+                  <a:cubicBezTo>
+                    <a:pt x="770275" y="1460069"/>
+                    <a:pt x="767631" y="1446684"/>
+                    <a:pt x="764761" y="1433568"/>
+                  </a:cubicBezTo>
+                  <a:cubicBezTo>
+                    <a:pt x="734099" y="1290755"/>
+                    <a:pt x="674462" y="1136566"/>
+                    <a:pt x="587763" y="975417"/>
+                  </a:cubicBezTo>
+                  <a:cubicBezTo>
+                    <a:pt x="581293" y="963371"/>
+                    <a:pt x="574598" y="951459"/>
+                    <a:pt x="567846" y="939413"/>
+                  </a:cubicBezTo>
+                  <a:cubicBezTo>
+                    <a:pt x="561376" y="927902"/>
+                    <a:pt x="554906" y="916258"/>
+                    <a:pt x="548211" y="904479"/>
+                  </a:cubicBezTo>
+                  <a:cubicBezTo>
+                    <a:pt x="513498" y="844785"/>
+                    <a:pt x="475184" y="784287"/>
+                    <a:pt x="433269" y="722986"/>
+                  </a:cubicBezTo>
+                  <a:cubicBezTo>
+                    <a:pt x="307300" y="538815"/>
+                    <a:pt x="157138" y="382351"/>
+                    <a:pt x="0" y="250648"/>
+                  </a:cubicBezTo>
+                  <a:cubicBezTo>
+                    <a:pt x="21914" y="181734"/>
+                    <a:pt x="46152" y="115377"/>
+                    <a:pt x="71980" y="51803"/>
+                  </a:cubicBezTo>
+                  <a:close/>
+                </a:path>
+              </a:pathLst>
+            </a:custGeom>
+            <a:solidFill>
+              <a:srgbClr val="333333">
+                <a:alpha val="22000"/>
+              </a:srgbClr>
+            </a:solidFill>
+            <a:ln w="12700" cap="flat" cmpd="sng" algn="ctr">
+              <a:noFill/>
+              <a:prstDash val="solid"/>
+              <a:miter lim="800000"/>
+            </a:ln>
+            <a:effectLst/>
+          </p:spPr>
+          <p:txBody>
+            <a:bodyPr rtlCol="0" anchor="ctr"/>
+            <a:lstStyle/>
+            <a:p>
+              <a:pPr marL="0" marR="0" lvl="0" indent="0" algn="ctr" defTabSz="914400" eaLnBrk="1" fontAlgn="auto" latinLnBrk="0" hangingPunct="1">
+                <a:lnSpc>
+                  <a:spcPct val="100000"/>
+                </a:lnSpc>
+                <a:spcBef>
+                  <a:spcPts val="0"/>
+                </a:spcBef>
+                <a:spcAft>
+                  <a:spcPts val="0"/>
+                </a:spcAft>
+                <a:buClrTx/>
+                <a:buSzTx/>
+                <a:buFontTx/>
+                <a:buNone/>
+                <a:tabLst/>
+                <a:defRPr/>
+              </a:pPr>
+              <a:endParaRPr kumimoji="0" sz="1800" b="0" i="0" u="none" strike="noStrike" kern="0" cap="none" spc="0" normalizeH="0" baseline="0" noProof="0">
+                <a:ln>
+                  <a:noFill/>
+                </a:ln>
+                <a:solidFill>
+                  <a:prstClr val="white"/>
+                </a:solidFill>
+                <a:effectLst/>
+                <a:uLnTx/>
+                <a:uFillTx/>
+                <a:latin typeface="Calibri" panose="020F0502020204030204"/>
+                <a:ea typeface="+mn-ea"/>
+                <a:cs typeface="+mn-cs"/>
+              </a:endParaRPr>
+            </a:p>
+          </p:txBody>
+        </p:sp>
+        <p:sp>
+          <p:nvSpPr>
+            <p:cNvPr id="50" name="Freeform: Shape 49">
+              <a:extLst>
+                <a:ext uri="{FF2B5EF4-FFF2-40B4-BE49-F238E27FC236}">
+                  <a16:creationId xmlns:a16="http://schemas.microsoft.com/office/drawing/2014/main" id="{493285A7-C2DB-4E4A-AD82-99E8B6BD9E86}"/>
+                </a:ext>
+              </a:extLst>
+            </p:cNvPr>
+            <p:cNvSpPr/>
+            <p:nvPr/>
+          </p:nvSpPr>
+          <p:spPr>
+            <a:xfrm>
+              <a:off x="4433881" y="2874585"/>
+              <a:ext cx="1713569" cy="1366522"/>
+            </a:xfrm>
+            <a:custGeom>
+              <a:avLst/>
+              <a:gdLst>
+                <a:gd name="connsiteX0" fmla="*/ 0 w 1713569"/>
+                <a:gd name="connsiteY0" fmla="*/ 0 h 1366522"/>
+                <a:gd name="connsiteX1" fmla="*/ 187374 w 1713569"/>
+                <a:gd name="connsiteY1" fmla="*/ 35066 h 1366522"/>
+                <a:gd name="connsiteX2" fmla="*/ 581585 w 1713569"/>
+                <a:gd name="connsiteY2" fmla="*/ 154594 h 1366522"/>
+                <a:gd name="connsiteX3" fmla="*/ 802719 w 1713569"/>
+                <a:gd name="connsiteY3" fmla="*/ 249576 h 1366522"/>
+                <a:gd name="connsiteX4" fmla="*/ 847312 w 1713569"/>
+                <a:gd name="connsiteY4" fmla="*/ 271002 h 1366522"/>
+                <a:gd name="connsiteX5" fmla="*/ 892549 w 1713569"/>
+                <a:gd name="connsiteY5" fmla="*/ 293343 h 1366522"/>
+                <a:gd name="connsiteX6" fmla="*/ 1383493 w 1713569"/>
+                <a:gd name="connsiteY6" fmla="*/ 625845 h 1366522"/>
+                <a:gd name="connsiteX7" fmla="*/ 1418844 w 1713569"/>
+                <a:gd name="connsiteY7" fmla="*/ 659683 h 1366522"/>
+                <a:gd name="connsiteX8" fmla="*/ 1455700 w 1713569"/>
+                <a:gd name="connsiteY8" fmla="*/ 697963 h 1366522"/>
+                <a:gd name="connsiteX9" fmla="*/ 1544347 w 1713569"/>
+                <a:gd name="connsiteY9" fmla="*/ 803789 h 1366522"/>
+                <a:gd name="connsiteX10" fmla="*/ 1646640 w 1713569"/>
+                <a:gd name="connsiteY10" fmla="*/ 975854 h 1366522"/>
+                <a:gd name="connsiteX11" fmla="*/ 1669850 w 1713569"/>
+                <a:gd name="connsiteY11" fmla="*/ 1031903 h 1366522"/>
+                <a:gd name="connsiteX12" fmla="*/ 1691018 w 1713569"/>
+                <a:gd name="connsiteY12" fmla="*/ 1098795 h 1366522"/>
+                <a:gd name="connsiteX13" fmla="*/ 1713569 w 1713569"/>
+                <a:gd name="connsiteY13" fmla="*/ 1226897 h 1366522"/>
+                <a:gd name="connsiteX14" fmla="*/ 1712724 w 1713569"/>
+                <a:gd name="connsiteY14" fmla="*/ 1280248 h 1366522"/>
+                <a:gd name="connsiteX15" fmla="*/ 1644583 w 1713569"/>
+                <a:gd name="connsiteY15" fmla="*/ 1366522 h 1366522"/>
+                <a:gd name="connsiteX16" fmla="*/ 1627623 w 1713569"/>
+                <a:gd name="connsiteY16" fmla="*/ 1154802 h 1366522"/>
+                <a:gd name="connsiteX17" fmla="*/ 1610130 w 1713569"/>
+                <a:gd name="connsiteY17" fmla="*/ 1099524 h 1366522"/>
+                <a:gd name="connsiteX18" fmla="*/ 1590951 w 1713569"/>
+                <a:gd name="connsiteY18" fmla="*/ 1053207 h 1366522"/>
+                <a:gd name="connsiteX19" fmla="*/ 1506418 w 1713569"/>
+                <a:gd name="connsiteY19" fmla="*/ 911017 h 1366522"/>
+                <a:gd name="connsiteX20" fmla="*/ 1433162 w 1713569"/>
+                <a:gd name="connsiteY20" fmla="*/ 823565 h 1366522"/>
+                <a:gd name="connsiteX21" fmla="*/ 1402705 w 1713569"/>
+                <a:gd name="connsiteY21" fmla="*/ 791931 h 1366522"/>
+                <a:gd name="connsiteX22" fmla="*/ 1373492 w 1713569"/>
+                <a:gd name="connsiteY22" fmla="*/ 763968 h 1366522"/>
+                <a:gd name="connsiteX23" fmla="*/ 967788 w 1713569"/>
+                <a:gd name="connsiteY23" fmla="*/ 489197 h 1366522"/>
+                <a:gd name="connsiteX24" fmla="*/ 930405 w 1713569"/>
+                <a:gd name="connsiteY24" fmla="*/ 470735 h 1366522"/>
+                <a:gd name="connsiteX25" fmla="*/ 893556 w 1713569"/>
+                <a:gd name="connsiteY25" fmla="*/ 453029 h 1366522"/>
+                <a:gd name="connsiteX26" fmla="*/ 710816 w 1713569"/>
+                <a:gd name="connsiteY26" fmla="*/ 374538 h 1366522"/>
+                <a:gd name="connsiteX27" fmla="*/ 62879 w 1713569"/>
+                <a:gd name="connsiteY27" fmla="*/ 225978 h 1366522"/>
+                <a:gd name="connsiteX28" fmla="*/ 4931 w 1713569"/>
+                <a:gd name="connsiteY28" fmla="*/ 23609 h 1366522"/>
+              </a:gdLst>
+              <a:ahLst/>
+              <a:cxnLst>
+                <a:cxn ang="0">
+                  <a:pos x="connsiteX0" y="connsiteY0"/>
+                </a:cxn>
+                <a:cxn ang="0">
+                  <a:pos x="connsiteX1" y="connsiteY1"/>
+                </a:cxn>
+                <a:cxn ang="0">
+                  <a:pos x="connsiteX2" y="connsiteY2"/>
+                </a:cxn>
+                <a:cxn ang="0">
+                  <a:pos x="connsiteX3" y="connsiteY3"/>
+                </a:cxn>
+                <a:cxn ang="0">
+                  <a:pos x="connsiteX4" y="connsiteY4"/>
+                </a:cxn>
+                <a:cxn ang="0">
+                  <a:pos x="connsiteX5" y="connsiteY5"/>
+                </a:cxn>
+                <a:cxn ang="0">
+                  <a:pos x="connsiteX6" y="connsiteY6"/>
+                </a:cxn>
+                <a:cxn ang="0">
+                  <a:pos x="connsiteX7" y="connsiteY7"/>
+                </a:cxn>
+                <a:cxn ang="0">
+                  <a:pos x="connsiteX8" y="connsiteY8"/>
+                </a:cxn>
+                <a:cxn ang="0">
+                  <a:pos x="connsiteX9" y="connsiteY9"/>
+                </a:cxn>
+                <a:cxn ang="0">
+                  <a:pos x="connsiteX10" y="connsiteY10"/>
+                </a:cxn>
+                <a:cxn ang="0">
+                  <a:pos x="connsiteX11" y="connsiteY11"/>
+                </a:cxn>
+                <a:cxn ang="0">
+                  <a:pos x="connsiteX12" y="connsiteY12"/>
+                </a:cxn>
+                <a:cxn ang="0">
+                  <a:pos x="connsiteX13" y="connsiteY13"/>
+                </a:cxn>
+                <a:cxn ang="0">
+                  <a:pos x="connsiteX14" y="connsiteY14"/>
+                </a:cxn>
+                <a:cxn ang="0">
+                  <a:pos x="connsiteX15" y="connsiteY15"/>
+                </a:cxn>
+                <a:cxn ang="0">
+                  <a:pos x="connsiteX16" y="connsiteY16"/>
+                </a:cxn>
+                <a:cxn ang="0">
+                  <a:pos x="connsiteX17" y="connsiteY17"/>
+                </a:cxn>
+                <a:cxn ang="0">
+                  <a:pos x="connsiteX18" y="connsiteY18"/>
+                </a:cxn>
+                <a:cxn ang="0">
+                  <a:pos x="connsiteX19" y="connsiteY19"/>
+                </a:cxn>
+                <a:cxn ang="0">
+                  <a:pos x="connsiteX20" y="connsiteY20"/>
+                </a:cxn>
+                <a:cxn ang="0">
+                  <a:pos x="connsiteX21" y="connsiteY21"/>
+                </a:cxn>
+                <a:cxn ang="0">
+                  <a:pos x="connsiteX22" y="connsiteY22"/>
+                </a:cxn>
+                <a:cxn ang="0">
+                  <a:pos x="connsiteX23" y="connsiteY23"/>
+                </a:cxn>
+                <a:cxn ang="0">
+                  <a:pos x="connsiteX24" y="connsiteY24"/>
+                </a:cxn>
+                <a:cxn ang="0">
+                  <a:pos x="connsiteX25" y="connsiteY25"/>
+                </a:cxn>
+                <a:cxn ang="0">
+                  <a:pos x="connsiteX26" y="connsiteY26"/>
+                </a:cxn>
+                <a:cxn ang="0">
+                  <a:pos x="connsiteX27" y="connsiteY27"/>
+                </a:cxn>
+                <a:cxn ang="0">
+                  <a:pos x="connsiteX28" y="connsiteY28"/>
+                </a:cxn>
+              </a:cxnLst>
+              <a:rect l="l" t="t" r="r" b="b"/>
+              <a:pathLst>
+                <a:path w="1713569" h="1366522">
+                  <a:moveTo>
+                    <a:pt x="0" y="0"/>
+                  </a:moveTo>
+                  <a:lnTo>
+                    <a:pt x="187374" y="35066"/>
+                  </a:lnTo>
+                  <a:cubicBezTo>
+                    <a:pt x="318760" y="64315"/>
+                    <a:pt x="450871" y="103444"/>
+                    <a:pt x="581585" y="154594"/>
+                  </a:cubicBezTo>
+                  <a:cubicBezTo>
+                    <a:pt x="658628" y="184643"/>
+                    <a:pt x="732232" y="216521"/>
+                    <a:pt x="802719" y="249576"/>
+                  </a:cubicBezTo>
+                  <a:cubicBezTo>
+                    <a:pt x="817763" y="256500"/>
+                    <a:pt x="832483" y="263816"/>
+                    <a:pt x="847312" y="271002"/>
+                  </a:cubicBezTo>
+                  <a:cubicBezTo>
+                    <a:pt x="862355" y="278580"/>
+                    <a:pt x="877720" y="285896"/>
+                    <a:pt x="892549" y="293343"/>
+                  </a:cubicBezTo>
+                  <a:cubicBezTo>
+                    <a:pt x="1089077" y="393682"/>
+                    <a:pt x="1254229" y="505517"/>
+                    <a:pt x="1383493" y="625845"/>
+                  </a:cubicBezTo>
+                  <a:cubicBezTo>
+                    <a:pt x="1395635" y="637081"/>
+                    <a:pt x="1407239" y="648447"/>
+                    <a:pt x="1418844" y="659683"/>
+                  </a:cubicBezTo>
+                  <a:cubicBezTo>
+                    <a:pt x="1431631" y="672487"/>
+                    <a:pt x="1443773" y="685160"/>
+                    <a:pt x="1455700" y="697963"/>
+                  </a:cubicBezTo>
+                  <a:cubicBezTo>
+                    <a:pt x="1488150" y="732716"/>
+                    <a:pt x="1518021" y="768122"/>
+                    <a:pt x="1544347" y="803789"/>
+                  </a:cubicBezTo>
+                  <a:cubicBezTo>
+                    <a:pt x="1586038" y="860230"/>
+                    <a:pt x="1619993" y="917977"/>
+                    <a:pt x="1646640" y="975854"/>
+                  </a:cubicBezTo>
+                  <a:cubicBezTo>
+                    <a:pt x="1655022" y="994406"/>
+                    <a:pt x="1662865" y="1012959"/>
+                    <a:pt x="1669850" y="1031903"/>
+                  </a:cubicBezTo>
+                  <a:cubicBezTo>
+                    <a:pt x="1678231" y="1054113"/>
+                    <a:pt x="1684893" y="1076454"/>
+                    <a:pt x="1691018" y="1098795"/>
+                  </a:cubicBezTo>
+                  <a:cubicBezTo>
+                    <a:pt x="1702622" y="1141387"/>
+                    <a:pt x="1710144" y="1184142"/>
+                    <a:pt x="1713569" y="1226897"/>
+                  </a:cubicBezTo>
+                  <a:lnTo>
+                    <a:pt x="1712724" y="1280248"/>
+                  </a:lnTo>
+                  <a:lnTo>
+                    <a:pt x="1644583" y="1366522"/>
+                  </a:lnTo>
+                  <a:cubicBezTo>
+                    <a:pt x="1652486" y="1296129"/>
+                    <a:pt x="1646803" y="1225196"/>
+                    <a:pt x="1627623" y="1154802"/>
+                  </a:cubicBezTo>
+                  <a:cubicBezTo>
+                    <a:pt x="1622562" y="1136340"/>
+                    <a:pt x="1617056" y="1117878"/>
+                    <a:pt x="1610130" y="1099524"/>
+                  </a:cubicBezTo>
+                  <a:cubicBezTo>
+                    <a:pt x="1604359" y="1083869"/>
+                    <a:pt x="1597877" y="1068538"/>
+                    <a:pt x="1590951" y="1053207"/>
+                  </a:cubicBezTo>
+                  <a:cubicBezTo>
+                    <a:pt x="1568930" y="1005379"/>
+                    <a:pt x="1540870" y="957658"/>
+                    <a:pt x="1506418" y="911017"/>
+                  </a:cubicBezTo>
+                  <a:cubicBezTo>
+                    <a:pt x="1484663" y="881543"/>
+                    <a:pt x="1459978" y="852284"/>
+                    <a:pt x="1433162" y="823565"/>
+                  </a:cubicBezTo>
+                  <a:cubicBezTo>
+                    <a:pt x="1423306" y="812985"/>
+                    <a:pt x="1413272" y="802512"/>
+                    <a:pt x="1402705" y="791931"/>
+                  </a:cubicBezTo>
+                  <a:cubicBezTo>
+                    <a:pt x="1393116" y="782646"/>
+                    <a:pt x="1383526" y="773253"/>
+                    <a:pt x="1373492" y="763968"/>
+                  </a:cubicBezTo>
+                  <a:cubicBezTo>
+                    <a:pt x="1266672" y="664533"/>
+                    <a:pt x="1130194" y="572114"/>
+                    <a:pt x="967788" y="489197"/>
+                  </a:cubicBezTo>
+                  <a:cubicBezTo>
+                    <a:pt x="955534" y="483043"/>
+                    <a:pt x="942837" y="476997"/>
+                    <a:pt x="930405" y="470735"/>
+                  </a:cubicBezTo>
+                  <a:cubicBezTo>
+                    <a:pt x="918152" y="464797"/>
+                    <a:pt x="905987" y="458751"/>
+                    <a:pt x="893556" y="453029"/>
+                  </a:cubicBezTo>
+                  <a:cubicBezTo>
+                    <a:pt x="835306" y="425714"/>
+                    <a:pt x="774482" y="399370"/>
+                    <a:pt x="710816" y="374538"/>
+                  </a:cubicBezTo>
+                  <a:cubicBezTo>
+                    <a:pt x="494778" y="290001"/>
+                    <a:pt x="274122" y="245196"/>
+                    <a:pt x="62879" y="225978"/>
+                  </a:cubicBezTo>
+                  <a:cubicBezTo>
+                    <a:pt x="40370" y="157609"/>
+                    <a:pt x="21205" y="89948"/>
+                    <a:pt x="4931" y="23609"/>
+                  </a:cubicBezTo>
+                  <a:close/>
+                </a:path>
+              </a:pathLst>
+            </a:custGeom>
+            <a:solidFill>
+              <a:srgbClr val="333333">
+                <a:alpha val="22000"/>
+              </a:srgbClr>
+            </a:solidFill>
+            <a:ln w="12700" cap="flat" cmpd="sng" algn="ctr">
+              <a:noFill/>
+              <a:prstDash val="solid"/>
+              <a:miter lim="800000"/>
+            </a:ln>
+            <a:effectLst/>
+          </p:spPr>
+          <p:txBody>
+            <a:bodyPr rtlCol="0" anchor="ctr"/>
+            <a:lstStyle/>
+            <a:p>
+              <a:pPr marL="0" marR="0" lvl="0" indent="0" algn="ctr" defTabSz="914400" eaLnBrk="1" fontAlgn="auto" latinLnBrk="0" hangingPunct="1">
+                <a:lnSpc>
+                  <a:spcPct val="100000"/>
+                </a:lnSpc>
+                <a:spcBef>
+                  <a:spcPts val="0"/>
+                </a:spcBef>
+                <a:spcAft>
+                  <a:spcPts val="0"/>
+                </a:spcAft>
+                <a:buClrTx/>
+                <a:buSzTx/>
+                <a:buFontTx/>
+                <a:buNone/>
+                <a:tabLst/>
+                <a:defRPr/>
+              </a:pPr>
+              <a:endParaRPr kumimoji="0" sz="1800" b="0" i="0" u="none" strike="noStrike" kern="0" cap="none" spc="0" normalizeH="0" baseline="0" noProof="0">
+                <a:ln>
+                  <a:noFill/>
+                </a:ln>
+                <a:solidFill>
+                  <a:prstClr val="white"/>
+                </a:solidFill>
+                <a:effectLst/>
+                <a:uLnTx/>
+                <a:uFillTx/>
+                <a:latin typeface="Calibri" panose="020F0502020204030204"/>
+                <a:ea typeface="+mn-ea"/>
+                <a:cs typeface="+mn-cs"/>
+              </a:endParaRPr>
+            </a:p>
+          </p:txBody>
+        </p:sp>
+      </p:grpSp>
+      <p:grpSp>
+        <p:nvGrpSpPr>
+          <p:cNvPr id="51" name="Group 50">
+            <a:extLst>
+              <a:ext uri="{FF2B5EF4-FFF2-40B4-BE49-F238E27FC236}">
+                <a16:creationId xmlns:a16="http://schemas.microsoft.com/office/drawing/2014/main" id="{B714F4ED-19C2-4689-97A5-A21A5F2D0643}"/>
+              </a:ext>
+            </a:extLst>
+          </p:cNvPr>
+          <p:cNvGrpSpPr/>
+          <p:nvPr/>
+        </p:nvGrpSpPr>
+        <p:grpSpPr>
+          <a:xfrm>
+            <a:off x="8209287" y="4331102"/>
+            <a:ext cx="3647770" cy="1659485"/>
+            <a:chOff x="8921977" y="4073386"/>
+            <a:chExt cx="2937088" cy="1659485"/>
+          </a:xfrm>
+        </p:grpSpPr>
+        <p:sp>
+          <p:nvSpPr>
+            <p:cNvPr id="52" name="TextBox 51">
+              <a:extLst>
+                <a:ext uri="{FF2B5EF4-FFF2-40B4-BE49-F238E27FC236}">
+                  <a16:creationId xmlns:a16="http://schemas.microsoft.com/office/drawing/2014/main" id="{5709B9D5-9D67-4057-90CD-6121A610C1CD}"/>
+                </a:ext>
+              </a:extLst>
+            </p:cNvPr>
+            <p:cNvSpPr txBox="1"/>
+            <p:nvPr/>
+          </p:nvSpPr>
+          <p:spPr>
+            <a:xfrm>
+              <a:off x="8921977" y="4073386"/>
+              <a:ext cx="2937088" cy="461665"/>
+            </a:xfrm>
+            <a:prstGeom prst="rect">
+              <a:avLst/>
+            </a:prstGeom>
+            <a:noFill/>
+          </p:spPr>
+          <p:txBody>
+            <a:bodyPr wrap="square" lIns="0" rIns="0" rtlCol="0" anchor="b">
+              <a:spAutoFit/>
+            </a:bodyPr>
+            <a:lstStyle/>
+            <a:p>
+              <a:pPr defTabSz="914400"/>
+              <a:r>
+                <a:rPr lang="en-US" sz="2400" b="1" cap="all" noProof="1">
+                  <a:solidFill>
+                    <a:srgbClr val="F7931F"/>
+                  </a:solidFill>
+                  <a:latin typeface="Calibri" panose="020F0502020204030204"/>
+                </a:rPr>
+                <a:t>Always new</a:t>
+              </a:r>
+            </a:p>
+          </p:txBody>
+        </p:sp>
+        <p:sp>
+          <p:nvSpPr>
+            <p:cNvPr id="53" name="TextBox 52">
+              <a:extLst>
+                <a:ext uri="{FF2B5EF4-FFF2-40B4-BE49-F238E27FC236}">
+                  <a16:creationId xmlns:a16="http://schemas.microsoft.com/office/drawing/2014/main" id="{E53AF701-77BE-40F8-8F60-82C4F8ECBE73}"/>
+                </a:ext>
+              </a:extLst>
+            </p:cNvPr>
+            <p:cNvSpPr txBox="1"/>
+            <p:nvPr/>
+          </p:nvSpPr>
+          <p:spPr>
+            <a:xfrm>
+              <a:off x="8929772" y="4532542"/>
+              <a:ext cx="2929293" cy="1200329"/>
+            </a:xfrm>
+            <a:prstGeom prst="rect">
+              <a:avLst/>
+            </a:prstGeom>
+            <a:noFill/>
+          </p:spPr>
+          <p:txBody>
+            <a:bodyPr wrap="square" lIns="0" rIns="0" rtlCol="0" anchor="t">
+              <a:spAutoFit/>
+            </a:bodyPr>
+            <a:lstStyle/>
+            <a:p>
+              <a:pPr algn="just" defTabSz="914400"/>
+              <a:r>
+                <a:rPr lang="en-US" sz="1200" b="1" noProof="1">
+                  <a:solidFill>
+                    <a:schemeClr val="accent1"/>
+                  </a:solidFill>
+                  <a:latin typeface="Calibri" panose="020F0502020204030204"/>
+                </a:rPr>
+                <a:t>As the package is keeping update, there are always something new:</a:t>
+              </a:r>
+            </a:p>
+            <a:p>
+              <a:pPr marL="171450" indent="-171450" algn="just" defTabSz="914400">
+                <a:buFont typeface="Arial" panose="020B0604020202020204" pitchFamily="34" charset="0"/>
+                <a:buChar char="•"/>
+              </a:pPr>
+              <a:r>
+                <a:rPr lang="en-US" sz="1200" b="1" noProof="1">
+                  <a:solidFill>
+                    <a:schemeClr val="accent1"/>
+                  </a:solidFill>
+                  <a:latin typeface="Calibri" panose="020F0502020204030204"/>
+                </a:rPr>
+                <a:t>Source identification and quantitative apportionment</a:t>
+              </a:r>
+            </a:p>
+            <a:p>
+              <a:pPr marL="171450" indent="-171450" algn="just" defTabSz="914400">
+                <a:buFont typeface="Arial" panose="020B0604020202020204" pitchFamily="34" charset="0"/>
+                <a:buChar char="•"/>
+              </a:pPr>
+              <a:r>
+                <a:rPr lang="en-US" sz="1200" b="1" noProof="1">
+                  <a:solidFill>
+                    <a:schemeClr val="accent1"/>
+                  </a:solidFill>
+                  <a:latin typeface="Calibri" panose="020F0502020204030204"/>
+                </a:rPr>
+                <a:t>MS2 data mining</a:t>
+              </a:r>
+            </a:p>
+            <a:p>
+              <a:pPr marL="171450" indent="-171450" algn="just" defTabSz="914400">
+                <a:buFont typeface="Arial" panose="020B0604020202020204" pitchFamily="34" charset="0"/>
+                <a:buChar char="•"/>
+              </a:pPr>
+              <a:r>
+                <a:rPr lang="en-US" sz="1200" b="1" noProof="1">
+                  <a:solidFill>
+                    <a:schemeClr val="accent1"/>
+                  </a:solidFill>
+                  <a:latin typeface="Calibri" panose="020F0502020204030204"/>
+                </a:rPr>
+                <a:t>Always more..</a:t>
+              </a:r>
+            </a:p>
+          </p:txBody>
+        </p:sp>
+      </p:grpSp>
+      <p:grpSp>
+        <p:nvGrpSpPr>
+          <p:cNvPr id="54" name="Group 53">
+            <a:extLst>
+              <a:ext uri="{FF2B5EF4-FFF2-40B4-BE49-F238E27FC236}">
+                <a16:creationId xmlns:a16="http://schemas.microsoft.com/office/drawing/2014/main" id="{AB781471-D043-40DB-9384-06BFE1CDA37F}"/>
+              </a:ext>
+            </a:extLst>
+          </p:cNvPr>
+          <p:cNvGrpSpPr/>
+          <p:nvPr/>
+        </p:nvGrpSpPr>
+        <p:grpSpPr>
+          <a:xfrm>
+            <a:off x="332936" y="4264057"/>
+            <a:ext cx="2937088" cy="1474819"/>
+            <a:chOff x="332936" y="4652338"/>
+            <a:chExt cx="2937088" cy="1474819"/>
+          </a:xfrm>
+        </p:grpSpPr>
+        <p:sp>
+          <p:nvSpPr>
+            <p:cNvPr id="55" name="TextBox 54">
+              <a:extLst>
+                <a:ext uri="{FF2B5EF4-FFF2-40B4-BE49-F238E27FC236}">
+                  <a16:creationId xmlns:a16="http://schemas.microsoft.com/office/drawing/2014/main" id="{0819E825-1198-49C0-A460-4155EEE985BF}"/>
+                </a:ext>
+              </a:extLst>
+            </p:cNvPr>
+            <p:cNvSpPr txBox="1"/>
+            <p:nvPr/>
+          </p:nvSpPr>
+          <p:spPr>
+            <a:xfrm>
+              <a:off x="332936" y="4652338"/>
+              <a:ext cx="2937088" cy="461665"/>
+            </a:xfrm>
+            <a:prstGeom prst="rect">
+              <a:avLst/>
+            </a:prstGeom>
+            <a:noFill/>
+          </p:spPr>
+          <p:txBody>
+            <a:bodyPr wrap="square" lIns="0" rIns="0" rtlCol="0" anchor="b">
+              <a:spAutoFit/>
+            </a:bodyPr>
+            <a:lstStyle/>
+            <a:p>
+              <a:pPr algn="r" defTabSz="914400"/>
+              <a:r>
+                <a:rPr lang="en-US" sz="2400" b="1" cap="all" noProof="1">
+                  <a:solidFill>
+                    <a:srgbClr val="FFCC4C"/>
+                  </a:solidFill>
+                  <a:latin typeface="Calibri" panose="020F0502020204030204"/>
+                </a:rPr>
+                <a:t>Other tools</a:t>
+              </a:r>
+            </a:p>
+          </p:txBody>
+        </p:sp>
+        <p:sp>
+          <p:nvSpPr>
+            <p:cNvPr id="56" name="TextBox 55">
+              <a:extLst>
+                <a:ext uri="{FF2B5EF4-FFF2-40B4-BE49-F238E27FC236}">
+                  <a16:creationId xmlns:a16="http://schemas.microsoft.com/office/drawing/2014/main" id="{CA1F81FD-24CC-4935-A306-382310F676BE}"/>
+                </a:ext>
+              </a:extLst>
+            </p:cNvPr>
+            <p:cNvSpPr txBox="1"/>
+            <p:nvPr/>
+          </p:nvSpPr>
+          <p:spPr>
+            <a:xfrm>
+              <a:off x="340731" y="5111494"/>
+              <a:ext cx="2929293" cy="1015663"/>
+            </a:xfrm>
+            <a:prstGeom prst="rect">
+              <a:avLst/>
+            </a:prstGeom>
+            <a:noFill/>
+          </p:spPr>
+          <p:txBody>
+            <a:bodyPr wrap="square" lIns="0" rIns="0" rtlCol="0" anchor="t">
+              <a:spAutoFit/>
+            </a:bodyPr>
+            <a:lstStyle/>
+            <a:p>
+              <a:pPr algn="just" defTabSz="914400"/>
+              <a:r>
+                <a:rPr lang="en-US" sz="1200" b="1" noProof="1">
+                  <a:solidFill>
+                    <a:schemeClr val="accent1"/>
+                  </a:solidFill>
+                  <a:latin typeface="Calibri" panose="020F0502020204030204"/>
+                </a:rPr>
+                <a:t>HRMS data processing assisting tools:</a:t>
+              </a:r>
+            </a:p>
+            <a:p>
+              <a:pPr marL="171450" indent="-171450" algn="just" defTabSz="914400">
+                <a:buFont typeface="Arial" panose="020B0604020202020204" pitchFamily="34" charset="0"/>
+                <a:buChar char="•"/>
+              </a:pPr>
+              <a:r>
+                <a:rPr lang="en-US" sz="1200" b="1" noProof="1">
+                  <a:solidFill>
+                    <a:schemeClr val="accent1"/>
+                  </a:solidFill>
+                  <a:latin typeface="Calibri" panose="020F0502020204030204"/>
+                </a:rPr>
+                <a:t>Formula annotation</a:t>
+              </a:r>
+            </a:p>
+            <a:p>
+              <a:pPr marL="171450" indent="-171450" algn="just" defTabSz="914400">
+                <a:buFont typeface="Arial" panose="020B0604020202020204" pitchFamily="34" charset="0"/>
+                <a:buChar char="•"/>
+              </a:pPr>
+              <a:r>
+                <a:rPr lang="en-US" sz="1200" b="1" noProof="1">
+                  <a:solidFill>
+                    <a:schemeClr val="accent1"/>
+                  </a:solidFill>
+                  <a:latin typeface="Calibri" panose="020F0502020204030204"/>
+                </a:rPr>
+                <a:t>MS2 spectrum online search</a:t>
+              </a:r>
+            </a:p>
+            <a:p>
+              <a:pPr marL="171450" indent="-171450" algn="just" defTabSz="914400">
+                <a:buFont typeface="Arial" panose="020B0604020202020204" pitchFamily="34" charset="0"/>
+                <a:buChar char="•"/>
+              </a:pPr>
+              <a:r>
+                <a:rPr lang="en-US" sz="1200" b="1" noProof="1">
+                  <a:solidFill>
+                    <a:schemeClr val="accent1"/>
+                  </a:solidFill>
+                  <a:latin typeface="Calibri" panose="020F0502020204030204"/>
+                </a:rPr>
+                <a:t>HRMS data quality report</a:t>
+              </a:r>
+            </a:p>
+            <a:p>
+              <a:pPr marL="171450" indent="-171450" algn="just" defTabSz="914400">
+                <a:buFont typeface="Arial" panose="020B0604020202020204" pitchFamily="34" charset="0"/>
+                <a:buChar char="•"/>
+              </a:pPr>
+              <a:r>
+                <a:rPr lang="en-US" sz="1200" b="1" noProof="1">
+                  <a:solidFill>
+                    <a:schemeClr val="accent1"/>
+                  </a:solidFill>
+                  <a:latin typeface="Calibri" panose="020F0502020204030204"/>
+                </a:rPr>
+                <a:t>More.. </a:t>
+              </a:r>
+            </a:p>
+          </p:txBody>
+        </p:sp>
+      </p:grpSp>
+      <p:grpSp>
+        <p:nvGrpSpPr>
+          <p:cNvPr id="57" name="Group 56">
+            <a:extLst>
+              <a:ext uri="{FF2B5EF4-FFF2-40B4-BE49-F238E27FC236}">
+                <a16:creationId xmlns:a16="http://schemas.microsoft.com/office/drawing/2014/main" id="{47726574-0CF9-42DF-97DB-0706CF1C92D0}"/>
+              </a:ext>
+            </a:extLst>
+          </p:cNvPr>
+          <p:cNvGrpSpPr/>
+          <p:nvPr/>
+        </p:nvGrpSpPr>
+        <p:grpSpPr>
+          <a:xfrm>
+            <a:off x="8568403" y="1580869"/>
+            <a:ext cx="2937088" cy="1659485"/>
+            <a:chOff x="8921977" y="4073386"/>
+            <a:chExt cx="2937088" cy="1659485"/>
+          </a:xfrm>
+        </p:grpSpPr>
+        <p:sp>
+          <p:nvSpPr>
+            <p:cNvPr id="58" name="TextBox 57">
+              <a:extLst>
+                <a:ext uri="{FF2B5EF4-FFF2-40B4-BE49-F238E27FC236}">
+                  <a16:creationId xmlns:a16="http://schemas.microsoft.com/office/drawing/2014/main" id="{8D921685-6E8C-45D4-A6D3-BC44CFCCFCBE}"/>
+                </a:ext>
+              </a:extLst>
+            </p:cNvPr>
+            <p:cNvSpPr txBox="1"/>
+            <p:nvPr/>
+          </p:nvSpPr>
+          <p:spPr>
+            <a:xfrm>
+              <a:off x="8921977" y="4073386"/>
+              <a:ext cx="2937088" cy="461665"/>
+            </a:xfrm>
+            <a:prstGeom prst="rect">
+              <a:avLst/>
+            </a:prstGeom>
+            <a:noFill/>
+          </p:spPr>
+          <p:txBody>
+            <a:bodyPr wrap="square" lIns="0" rIns="0" rtlCol="0" anchor="b">
+              <a:spAutoFit/>
+            </a:bodyPr>
+            <a:lstStyle/>
+            <a:p>
+              <a:pPr defTabSz="914400"/>
+              <a:r>
+                <a:rPr lang="en-US" sz="2400" b="1" cap="all" noProof="1">
+                  <a:solidFill>
+                    <a:srgbClr val="A2B969"/>
+                  </a:solidFill>
+                  <a:latin typeface="Calibri" panose="020F0502020204030204"/>
+                </a:rPr>
+                <a:t>visualization</a:t>
+              </a:r>
+            </a:p>
+          </p:txBody>
+        </p:sp>
+        <p:sp>
+          <p:nvSpPr>
+            <p:cNvPr id="59" name="TextBox 58">
+              <a:extLst>
+                <a:ext uri="{FF2B5EF4-FFF2-40B4-BE49-F238E27FC236}">
+                  <a16:creationId xmlns:a16="http://schemas.microsoft.com/office/drawing/2014/main" id="{3F0A96A2-276F-44C7-AD5F-E5A4C928DCF5}"/>
+                </a:ext>
+              </a:extLst>
+            </p:cNvPr>
+            <p:cNvSpPr txBox="1"/>
+            <p:nvPr/>
+          </p:nvSpPr>
+          <p:spPr>
+            <a:xfrm>
+              <a:off x="8929772" y="4532542"/>
+              <a:ext cx="2929293" cy="1200329"/>
+            </a:xfrm>
+            <a:prstGeom prst="rect">
+              <a:avLst/>
+            </a:prstGeom>
+            <a:noFill/>
+          </p:spPr>
+          <p:txBody>
+            <a:bodyPr wrap="square" lIns="0" rIns="0" rtlCol="0" anchor="t">
+              <a:spAutoFit/>
+            </a:bodyPr>
+            <a:lstStyle/>
+            <a:p>
+              <a:pPr algn="just" defTabSz="914400"/>
+              <a:r>
+                <a:rPr lang="en-US" sz="1200" b="1" noProof="1">
+                  <a:solidFill>
+                    <a:schemeClr val="accent1"/>
+                  </a:solidFill>
+                  <a:latin typeface="Calibri" panose="020F0502020204030204"/>
+                </a:rPr>
+                <a:t>Various plot tools for visualizing HRMS data:</a:t>
+              </a:r>
+            </a:p>
+            <a:p>
+              <a:pPr marL="171450" indent="-171450" algn="just" defTabSz="914400">
+                <a:buFont typeface="Arial" panose="020B0604020202020204" pitchFamily="34" charset="0"/>
+                <a:buChar char="•"/>
+              </a:pPr>
+              <a:r>
+                <a:rPr lang="en-US" sz="1200" b="1" noProof="1">
+                  <a:solidFill>
+                    <a:schemeClr val="accent1"/>
+                  </a:solidFill>
+                  <a:latin typeface="Calibri" panose="020F0502020204030204"/>
+                </a:rPr>
+                <a:t>Chromatograms </a:t>
+              </a:r>
+            </a:p>
+            <a:p>
+              <a:pPr marL="171450" indent="-171450" algn="just" defTabSz="914400">
+                <a:buFont typeface="Arial" panose="020B0604020202020204" pitchFamily="34" charset="0"/>
+                <a:buChar char="•"/>
+              </a:pPr>
+              <a:r>
+                <a:rPr lang="en-US" sz="1200" b="1" noProof="1">
+                  <a:solidFill>
+                    <a:schemeClr val="accent1"/>
+                  </a:solidFill>
+                  <a:latin typeface="Calibri" panose="020F0502020204030204"/>
+                </a:rPr>
+                <a:t>Spectrums</a:t>
+              </a:r>
+            </a:p>
+            <a:p>
+              <a:pPr marL="171450" indent="-171450" algn="just" defTabSz="914400">
+                <a:buFont typeface="Arial" panose="020B0604020202020204" pitchFamily="34" charset="0"/>
+                <a:buChar char="•"/>
+              </a:pPr>
+              <a:r>
+                <a:rPr lang="en-US" sz="1200" b="1" noProof="1">
+                  <a:solidFill>
+                    <a:schemeClr val="accent1"/>
+                  </a:solidFill>
+                  <a:latin typeface="Calibri" panose="020F0502020204030204"/>
+                </a:rPr>
+                <a:t>Static/Interactive options</a:t>
+              </a:r>
+            </a:p>
+            <a:p>
+              <a:pPr marL="171450" indent="-171450" algn="just" defTabSz="914400">
+                <a:buFont typeface="Arial" panose="020B0604020202020204" pitchFamily="34" charset="0"/>
+                <a:buChar char="•"/>
+              </a:pPr>
+              <a:r>
+                <a:rPr lang="en-US" sz="1200" b="1" noProof="1">
+                  <a:solidFill>
+                    <a:schemeClr val="accent1"/>
+                  </a:solidFill>
+                  <a:latin typeface="Calibri" panose="020F0502020204030204"/>
+                </a:rPr>
+                <a:t>More..</a:t>
+              </a:r>
+            </a:p>
+          </p:txBody>
+        </p:sp>
+      </p:grpSp>
+      <p:grpSp>
+        <p:nvGrpSpPr>
+          <p:cNvPr id="60" name="Group 59">
+            <a:extLst>
+              <a:ext uri="{FF2B5EF4-FFF2-40B4-BE49-F238E27FC236}">
+                <a16:creationId xmlns:a16="http://schemas.microsoft.com/office/drawing/2014/main" id="{060A1ACA-94B8-442E-9FFA-D3173D8C3F25}"/>
+              </a:ext>
+            </a:extLst>
+          </p:cNvPr>
+          <p:cNvGrpSpPr/>
+          <p:nvPr/>
+        </p:nvGrpSpPr>
+        <p:grpSpPr>
+          <a:xfrm>
+            <a:off x="340732" y="1580869"/>
+            <a:ext cx="3269464" cy="1659485"/>
+            <a:chOff x="332936" y="4652338"/>
+            <a:chExt cx="2937088" cy="1659485"/>
+          </a:xfrm>
+        </p:grpSpPr>
+        <p:sp>
+          <p:nvSpPr>
+            <p:cNvPr id="61" name="TextBox 60">
+              <a:extLst>
+                <a:ext uri="{FF2B5EF4-FFF2-40B4-BE49-F238E27FC236}">
+                  <a16:creationId xmlns:a16="http://schemas.microsoft.com/office/drawing/2014/main" id="{7B96D3EE-F309-4C30-AAAA-2F8A805F939A}"/>
+                </a:ext>
+              </a:extLst>
+            </p:cNvPr>
+            <p:cNvSpPr txBox="1"/>
+            <p:nvPr/>
+          </p:nvSpPr>
+          <p:spPr>
+            <a:xfrm>
+              <a:off x="332936" y="4652338"/>
+              <a:ext cx="2937088" cy="461665"/>
+            </a:xfrm>
+            <a:prstGeom prst="rect">
+              <a:avLst/>
+            </a:prstGeom>
+            <a:noFill/>
+          </p:spPr>
+          <p:txBody>
+            <a:bodyPr wrap="square" lIns="0" rIns="0" rtlCol="0" anchor="b">
+              <a:spAutoFit/>
+            </a:bodyPr>
+            <a:lstStyle/>
+            <a:p>
+              <a:pPr algn="ctr" defTabSz="914400"/>
+              <a:r>
+                <a:rPr lang="en-US" sz="2400" b="1" cap="all" noProof="1">
+                  <a:solidFill>
+                    <a:srgbClr val="4CC1EF"/>
+                  </a:solidFill>
+                  <a:latin typeface="Calibri" panose="020F0502020204030204"/>
+                </a:rPr>
+                <a:t>Data mining</a:t>
+              </a:r>
+            </a:p>
+          </p:txBody>
+        </p:sp>
+        <p:sp>
+          <p:nvSpPr>
+            <p:cNvPr id="62" name="TextBox 61">
+              <a:extLst>
+                <a:ext uri="{FF2B5EF4-FFF2-40B4-BE49-F238E27FC236}">
+                  <a16:creationId xmlns:a16="http://schemas.microsoft.com/office/drawing/2014/main" id="{A01B1A23-BF46-4E9B-87D6-0987A2C24F29}"/>
+                </a:ext>
+              </a:extLst>
+            </p:cNvPr>
+            <p:cNvSpPr txBox="1"/>
+            <p:nvPr/>
+          </p:nvSpPr>
+          <p:spPr>
+            <a:xfrm>
+              <a:off x="340731" y="5111494"/>
+              <a:ext cx="2929293" cy="1200329"/>
+            </a:xfrm>
+            <a:prstGeom prst="rect">
+              <a:avLst/>
+            </a:prstGeom>
+            <a:noFill/>
+          </p:spPr>
+          <p:txBody>
+            <a:bodyPr wrap="square" lIns="0" rIns="0" rtlCol="0" anchor="t">
+              <a:spAutoFit/>
+            </a:bodyPr>
+            <a:lstStyle/>
+            <a:p>
+              <a:pPr algn="just" defTabSz="914400"/>
+              <a:r>
+                <a:rPr lang="en-US" sz="1200" b="1" noProof="1">
+                  <a:solidFill>
+                    <a:schemeClr val="accent1"/>
+                  </a:solidFill>
+                  <a:latin typeface="Calibri" panose="020F0502020204030204"/>
+                </a:rPr>
+                <a:t>Explore HRMS data with data science tools:</a:t>
+              </a:r>
+            </a:p>
+            <a:p>
+              <a:pPr marL="171450" indent="-171450" algn="just" defTabSz="914400">
+                <a:buFont typeface="Arial" panose="020B0604020202020204" pitchFamily="34" charset="0"/>
+                <a:buChar char="•"/>
+              </a:pPr>
+              <a:r>
+                <a:rPr lang="en-US" sz="1200" b="1" noProof="1">
+                  <a:solidFill>
+                    <a:schemeClr val="accent1"/>
+                  </a:solidFill>
+                  <a:latin typeface="Calibri" panose="020F0502020204030204"/>
+                </a:rPr>
+                <a:t>Principle Component Analysis</a:t>
+              </a:r>
+            </a:p>
+            <a:p>
+              <a:pPr marL="171450" indent="-171450" algn="just" defTabSz="914400">
+                <a:buFont typeface="Arial" panose="020B0604020202020204" pitchFamily="34" charset="0"/>
+                <a:buChar char="•"/>
+              </a:pPr>
+              <a:r>
+                <a:rPr lang="en-US" sz="1200" b="1" noProof="1">
+                  <a:solidFill>
+                    <a:schemeClr val="accent1"/>
+                  </a:solidFill>
+                  <a:latin typeface="Calibri" panose="020F0502020204030204"/>
+                </a:rPr>
+                <a:t>T-SNE Dimension reduction</a:t>
+              </a:r>
+            </a:p>
+            <a:p>
+              <a:pPr marL="171450" indent="-171450" algn="just" defTabSz="914400">
+                <a:buFont typeface="Arial" panose="020B0604020202020204" pitchFamily="34" charset="0"/>
+                <a:buChar char="•"/>
+              </a:pPr>
+              <a:r>
+                <a:rPr lang="en-US" sz="1200" b="1" noProof="1">
+                  <a:solidFill>
+                    <a:schemeClr val="accent1"/>
+                  </a:solidFill>
+                  <a:latin typeface="Calibri" panose="020F0502020204030204"/>
+                </a:rPr>
+                <a:t>Clustering analysis based on DBSCAN/OPTICS</a:t>
+              </a:r>
+            </a:p>
+            <a:p>
+              <a:pPr marL="171450" indent="-171450" algn="just" defTabSz="914400">
+                <a:buFont typeface="Arial" panose="020B0604020202020204" pitchFamily="34" charset="0"/>
+                <a:buChar char="•"/>
+              </a:pPr>
+              <a:r>
+                <a:rPr lang="en-US" sz="1200" b="1" noProof="1">
+                  <a:solidFill>
+                    <a:schemeClr val="accent1"/>
+                  </a:solidFill>
+                  <a:latin typeface="Calibri" panose="020F0502020204030204"/>
+                </a:rPr>
+                <a:t>Various modeling options</a:t>
+              </a:r>
+            </a:p>
+            <a:p>
+              <a:pPr marL="171450" indent="-171450" algn="just" defTabSz="914400">
+                <a:buFont typeface="Arial" panose="020B0604020202020204" pitchFamily="34" charset="0"/>
+                <a:buChar char="•"/>
+              </a:pPr>
+              <a:r>
+                <a:rPr lang="en-US" sz="1200" b="1" noProof="1">
+                  <a:solidFill>
+                    <a:schemeClr val="accent1"/>
+                  </a:solidFill>
+                  <a:latin typeface="Calibri" panose="020F0502020204030204"/>
+                </a:rPr>
+                <a:t>More..</a:t>
+              </a:r>
+            </a:p>
+          </p:txBody>
+        </p:sp>
+      </p:grpSp>
+      <p:pic>
+        <p:nvPicPr>
+          <p:cNvPr id="63" name="Graphic 62" descr="Signal">
+            <a:extLst>
+              <a:ext uri="{FF2B5EF4-FFF2-40B4-BE49-F238E27FC236}">
+                <a16:creationId xmlns:a16="http://schemas.microsoft.com/office/drawing/2014/main" id="{044262C5-DEBF-4662-9BD6-208F2ABB8A0C}"/>
+              </a:ext>
+            </a:extLst>
+          </p:cNvPr>
+          <p:cNvPicPr>
+            <a:picLocks noChangeAspect="1"/>
+          </p:cNvPicPr>
+          <p:nvPr/>
+        </p:nvPicPr>
+        <p:blipFill>
+          <a:blip r:embed="rId2">
+            <a:extLst>
+              <a:ext uri="{28A0092B-C50C-407E-A947-70E740481C1C}">
+                <a14:useLocalDpi xmlns:a14="http://schemas.microsoft.com/office/drawing/2010/main" val="0"/>
+              </a:ext>
+              <a:ext uri="{96DAC541-7B7A-43D3-8B79-37D633B846F1}">
+                <asvg:svgBlip xmlns:asvg="http://schemas.microsoft.com/office/drawing/2016/SVG/main" r:embed="rId3"/>
+              </a:ext>
+            </a:extLst>
+          </a:blip>
+          <a:stretch>
+            <a:fillRect/>
+          </a:stretch>
+        </p:blipFill>
+        <p:spPr>
+          <a:xfrm>
+            <a:off x="10519229" y="1491295"/>
+            <a:ext cx="580838" cy="580838"/>
+          </a:xfrm>
+          <a:prstGeom prst="rect">
+            <a:avLst/>
+          </a:prstGeom>
+        </p:spPr>
+      </p:pic>
+      <p:pic>
+        <p:nvPicPr>
+          <p:cNvPr id="64" name="Graphic 63" descr="Puzzle">
+            <a:extLst>
+              <a:ext uri="{FF2B5EF4-FFF2-40B4-BE49-F238E27FC236}">
+                <a16:creationId xmlns:a16="http://schemas.microsoft.com/office/drawing/2014/main" id="{3AC13F50-5AE2-45D9-B97D-7789586A5632}"/>
+              </a:ext>
+            </a:extLst>
+          </p:cNvPr>
+          <p:cNvPicPr>
+            <a:picLocks noChangeAspect="1"/>
+          </p:cNvPicPr>
+          <p:nvPr/>
+        </p:nvPicPr>
+        <p:blipFill>
+          <a:blip r:embed="rId4">
+            <a:extLst>
+              <a:ext uri="{28A0092B-C50C-407E-A947-70E740481C1C}">
+                <a14:useLocalDpi xmlns:a14="http://schemas.microsoft.com/office/drawing/2010/main" val="0"/>
+              </a:ext>
+              <a:ext uri="{96DAC541-7B7A-43D3-8B79-37D633B846F1}">
+                <asvg:svgBlip xmlns:asvg="http://schemas.microsoft.com/office/drawing/2016/SVG/main" r:embed="rId5"/>
+              </a:ext>
+            </a:extLst>
+          </a:blip>
+          <a:stretch>
+            <a:fillRect/>
+          </a:stretch>
+        </p:blipFill>
+        <p:spPr>
+          <a:xfrm>
+            <a:off x="10021687" y="4249216"/>
+            <a:ext cx="580838" cy="580838"/>
+          </a:xfrm>
+          <a:prstGeom prst="rect">
+            <a:avLst/>
+          </a:prstGeom>
+        </p:spPr>
+      </p:pic>
+      <p:pic>
+        <p:nvPicPr>
+          <p:cNvPr id="65" name="Graphic 64" descr="Lightbulb">
+            <a:extLst>
+              <a:ext uri="{FF2B5EF4-FFF2-40B4-BE49-F238E27FC236}">
+                <a16:creationId xmlns:a16="http://schemas.microsoft.com/office/drawing/2014/main" id="{35344D72-FAE1-413E-BC67-E93E633D5570}"/>
+              </a:ext>
+            </a:extLst>
+          </p:cNvPr>
+          <p:cNvPicPr>
+            <a:picLocks noChangeAspect="1"/>
+          </p:cNvPicPr>
+          <p:nvPr/>
+        </p:nvPicPr>
+        <p:blipFill>
+          <a:blip r:embed="rId6">
+            <a:extLst>
+              <a:ext uri="{28A0092B-C50C-407E-A947-70E740481C1C}">
+                <a14:useLocalDpi xmlns:a14="http://schemas.microsoft.com/office/drawing/2010/main" val="0"/>
+              </a:ext>
+              <a:ext uri="{96DAC541-7B7A-43D3-8B79-37D633B846F1}">
+                <asvg:svgBlip xmlns:asvg="http://schemas.microsoft.com/office/drawing/2016/SVG/main" r:embed="rId7"/>
+              </a:ext>
+            </a:extLst>
+          </a:blip>
+          <a:stretch>
+            <a:fillRect/>
+          </a:stretch>
+        </p:blipFill>
+        <p:spPr>
+          <a:xfrm>
+            <a:off x="713528" y="4127348"/>
+            <a:ext cx="580838" cy="580838"/>
+          </a:xfrm>
+          <a:prstGeom prst="rect">
+            <a:avLst/>
+          </a:prstGeom>
+        </p:spPr>
+      </p:pic>
+      <p:pic>
+        <p:nvPicPr>
+          <p:cNvPr id="66" name="Graphic 65" descr="Atom">
+            <a:extLst>
+              <a:ext uri="{FF2B5EF4-FFF2-40B4-BE49-F238E27FC236}">
+                <a16:creationId xmlns:a16="http://schemas.microsoft.com/office/drawing/2014/main" id="{E4396593-4EFF-4D3C-98C0-4CE4EC9A9527}"/>
+              </a:ext>
+            </a:extLst>
+          </p:cNvPr>
+          <p:cNvPicPr>
+            <a:picLocks noChangeAspect="1"/>
+          </p:cNvPicPr>
+          <p:nvPr/>
+        </p:nvPicPr>
+        <p:blipFill>
+          <a:blip r:embed="rId8">
+            <a:extLst>
+              <a:ext uri="{28A0092B-C50C-407E-A947-70E740481C1C}">
+                <a14:useLocalDpi xmlns:a14="http://schemas.microsoft.com/office/drawing/2010/main" val="0"/>
+              </a:ext>
+              <a:ext uri="{96DAC541-7B7A-43D3-8B79-37D633B846F1}">
+                <asvg:svgBlip xmlns:asvg="http://schemas.microsoft.com/office/drawing/2016/SVG/main" r:embed="rId9"/>
+              </a:ext>
+            </a:extLst>
+          </a:blip>
+          <a:stretch>
+            <a:fillRect/>
+          </a:stretch>
+        </p:blipFill>
+        <p:spPr>
+          <a:xfrm>
+            <a:off x="547781" y="1491295"/>
+            <a:ext cx="580838" cy="580838"/>
+          </a:xfrm>
+          <a:prstGeom prst="rect">
+            <a:avLst/>
+          </a:prstGeom>
+        </p:spPr>
+      </p:pic>
+      <p:pic>
+        <p:nvPicPr>
+          <p:cNvPr id="67" name="Graphic 66" descr="Puzzle">
+            <a:extLst>
+              <a:ext uri="{FF2B5EF4-FFF2-40B4-BE49-F238E27FC236}">
+                <a16:creationId xmlns:a16="http://schemas.microsoft.com/office/drawing/2014/main" id="{FA2D8F95-DF7C-4742-8CC2-7737849CBF1B}"/>
+              </a:ext>
+            </a:extLst>
+          </p:cNvPr>
+          <p:cNvPicPr>
+            <a:picLocks noChangeAspect="1"/>
+          </p:cNvPicPr>
+          <p:nvPr/>
+        </p:nvPicPr>
+        <p:blipFill>
+          <a:blip r:embed="rId10">
+            <a:extLst>
+              <a:ext uri="{28A0092B-C50C-407E-A947-70E740481C1C}">
+                <a14:useLocalDpi xmlns:a14="http://schemas.microsoft.com/office/drawing/2010/main" val="0"/>
+              </a:ext>
+              <a:ext uri="{96DAC541-7B7A-43D3-8B79-37D633B846F1}">
+                <asvg:svgBlip xmlns:asvg="http://schemas.microsoft.com/office/drawing/2016/SVG/main" r:embed="rId11"/>
+              </a:ext>
+            </a:extLst>
+          </a:blip>
+          <a:stretch>
+            <a:fillRect/>
+          </a:stretch>
+        </p:blipFill>
+        <p:spPr>
+          <a:xfrm>
+            <a:off x="7821203" y="3412674"/>
+            <a:ext cx="597366" cy="597366"/>
+          </a:xfrm>
+          <a:prstGeom prst="rect">
+            <a:avLst/>
+          </a:prstGeom>
+        </p:spPr>
+      </p:pic>
+      <p:pic>
+        <p:nvPicPr>
+          <p:cNvPr id="68" name="Graphic 67" descr="Lightbulb">
+            <a:extLst>
+              <a:ext uri="{FF2B5EF4-FFF2-40B4-BE49-F238E27FC236}">
+                <a16:creationId xmlns:a16="http://schemas.microsoft.com/office/drawing/2014/main" id="{91A6E35A-B9FD-48ED-AA76-B1FC47BBB3B6}"/>
+              </a:ext>
+            </a:extLst>
+          </p:cNvPr>
+          <p:cNvPicPr>
+            <a:picLocks noChangeAspect="1"/>
+          </p:cNvPicPr>
+          <p:nvPr/>
+        </p:nvPicPr>
+        <p:blipFill>
+          <a:blip r:embed="rId12">
+            <a:extLst>
+              <a:ext uri="{28A0092B-C50C-407E-A947-70E740481C1C}">
+                <a14:useLocalDpi xmlns:a14="http://schemas.microsoft.com/office/drawing/2010/main" val="0"/>
+              </a:ext>
+              <a:ext uri="{96DAC541-7B7A-43D3-8B79-37D633B846F1}">
+                <asvg:svgBlip xmlns:asvg="http://schemas.microsoft.com/office/drawing/2016/SVG/main" r:embed="rId13"/>
+              </a:ext>
+            </a:extLst>
+          </a:blip>
+          <a:stretch>
+            <a:fillRect/>
+          </a:stretch>
+        </p:blipFill>
+        <p:spPr>
+          <a:xfrm>
+            <a:off x="3681320" y="3312166"/>
+            <a:ext cx="597366" cy="597366"/>
+          </a:xfrm>
+          <a:prstGeom prst="rect">
+            <a:avLst/>
+          </a:prstGeom>
+        </p:spPr>
+      </p:pic>
+      <p:pic>
+        <p:nvPicPr>
+          <p:cNvPr id="69" name="Graphic 68" descr="Signal">
+            <a:extLst>
+              <a:ext uri="{FF2B5EF4-FFF2-40B4-BE49-F238E27FC236}">
+                <a16:creationId xmlns:a16="http://schemas.microsoft.com/office/drawing/2014/main" id="{9EF36BD6-2CF9-49C6-911F-FF0052825E89}"/>
+              </a:ext>
+            </a:extLst>
+          </p:cNvPr>
+          <p:cNvPicPr>
+            <a:picLocks noChangeAspect="1"/>
+          </p:cNvPicPr>
+          <p:nvPr/>
+        </p:nvPicPr>
+        <p:blipFill>
+          <a:blip r:embed="rId14">
+            <a:extLst>
+              <a:ext uri="{28A0092B-C50C-407E-A947-70E740481C1C}">
+                <a14:useLocalDpi xmlns:a14="http://schemas.microsoft.com/office/drawing/2010/main" val="0"/>
+              </a:ext>
+              <a:ext uri="{96DAC541-7B7A-43D3-8B79-37D633B846F1}">
+                <asvg:svgBlip xmlns:asvg="http://schemas.microsoft.com/office/drawing/2016/SVG/main" r:embed="rId15"/>
+              </a:ext>
+            </a:extLst>
+          </a:blip>
+          <a:stretch>
+            <a:fillRect/>
+          </a:stretch>
+        </p:blipFill>
+        <p:spPr>
+          <a:xfrm>
+            <a:off x="7058973" y="2372849"/>
+            <a:ext cx="597366" cy="597366"/>
+          </a:xfrm>
+          <a:prstGeom prst="rect">
+            <a:avLst/>
+          </a:prstGeom>
+        </p:spPr>
+      </p:pic>
+      <p:pic>
+        <p:nvPicPr>
+          <p:cNvPr id="70" name="Graphic 69" descr="Atom">
+            <a:extLst>
+              <a:ext uri="{FF2B5EF4-FFF2-40B4-BE49-F238E27FC236}">
+                <a16:creationId xmlns:a16="http://schemas.microsoft.com/office/drawing/2014/main" id="{26516881-C34F-4720-895B-FBC6C8CB6F57}"/>
+              </a:ext>
+            </a:extLst>
+          </p:cNvPr>
+          <p:cNvPicPr>
+            <a:picLocks noChangeAspect="1"/>
+          </p:cNvPicPr>
+          <p:nvPr/>
+        </p:nvPicPr>
+        <p:blipFill>
+          <a:blip r:embed="rId16">
+            <a:extLst>
+              <a:ext uri="{28A0092B-C50C-407E-A947-70E740481C1C}">
+                <a14:useLocalDpi xmlns:a14="http://schemas.microsoft.com/office/drawing/2010/main" val="0"/>
+              </a:ext>
+              <a:ext uri="{96DAC541-7B7A-43D3-8B79-37D633B846F1}">
+                <asvg:svgBlip xmlns:asvg="http://schemas.microsoft.com/office/drawing/2016/SVG/main" r:embed="rId17"/>
+              </a:ext>
+            </a:extLst>
+          </a:blip>
+          <a:stretch>
+            <a:fillRect/>
+          </a:stretch>
+        </p:blipFill>
+        <p:spPr>
+          <a:xfrm>
+            <a:off x="4449602" y="2261381"/>
+            <a:ext cx="597366" cy="597366"/>
+          </a:xfrm>
+          <a:prstGeom prst="rect">
+            <a:avLst/>
+          </a:prstGeom>
+        </p:spPr>
+      </p:pic>
+      <p:pic>
+        <p:nvPicPr>
+          <p:cNvPr id="71" name="Graphic 70" descr="Magnifying glass">
+            <a:extLst>
+              <a:ext uri="{FF2B5EF4-FFF2-40B4-BE49-F238E27FC236}">
+                <a16:creationId xmlns:a16="http://schemas.microsoft.com/office/drawing/2014/main" id="{B2AB8741-8987-412D-8ECD-C2AF86A94067}"/>
+              </a:ext>
+            </a:extLst>
+          </p:cNvPr>
+          <p:cNvPicPr>
+            <a:picLocks noChangeAspect="1"/>
+          </p:cNvPicPr>
+          <p:nvPr/>
+        </p:nvPicPr>
+        <p:blipFill>
+          <a:blip r:embed="rId18">
+            <a:extLst>
+              <a:ext uri="{28A0092B-C50C-407E-A947-70E740481C1C}">
+                <a14:useLocalDpi xmlns:a14="http://schemas.microsoft.com/office/drawing/2010/main" val="0"/>
+              </a:ext>
+              <a:ext uri="{96DAC541-7B7A-43D3-8B79-37D633B846F1}">
+                <asvg:svgBlip xmlns:asvg="http://schemas.microsoft.com/office/drawing/2016/SVG/main" r:embed="rId19"/>
+              </a:ext>
+            </a:extLst>
+          </a:blip>
+          <a:stretch>
+            <a:fillRect/>
+          </a:stretch>
+        </p:blipFill>
+        <p:spPr>
+          <a:xfrm>
+            <a:off x="5798820" y="1714867"/>
+            <a:ext cx="594360" cy="594360"/>
+          </a:xfrm>
+          <a:prstGeom prst="rect">
+            <a:avLst/>
+          </a:prstGeom>
+        </p:spPr>
+      </p:pic>
+      <p:pic>
+        <p:nvPicPr>
+          <p:cNvPr id="72" name="Graphic 71" descr="Magnifying glass">
+            <a:extLst>
+              <a:ext uri="{FF2B5EF4-FFF2-40B4-BE49-F238E27FC236}">
+                <a16:creationId xmlns:a16="http://schemas.microsoft.com/office/drawing/2014/main" id="{E85843FB-D167-4C7D-AE20-47CAF745D521}"/>
+              </a:ext>
+            </a:extLst>
+          </p:cNvPr>
+          <p:cNvPicPr>
+            <a:picLocks noChangeAspect="1"/>
+          </p:cNvPicPr>
+          <p:nvPr/>
+        </p:nvPicPr>
+        <p:blipFill>
+          <a:blip r:embed="rId20">
+            <a:extLst>
+              <a:ext uri="{28A0092B-C50C-407E-A947-70E740481C1C}">
+                <a14:useLocalDpi xmlns:a14="http://schemas.microsoft.com/office/drawing/2010/main" val="0"/>
+              </a:ext>
+              <a:ext uri="{96DAC541-7B7A-43D3-8B79-37D633B846F1}">
+                <asvg:svgBlip xmlns:asvg="http://schemas.microsoft.com/office/drawing/2016/SVG/main" r:embed="rId21"/>
+              </a:ext>
+            </a:extLst>
+          </a:blip>
+          <a:stretch>
+            <a:fillRect/>
+          </a:stretch>
+        </p:blipFill>
+        <p:spPr>
+          <a:xfrm>
+            <a:off x="4627456" y="4919856"/>
+            <a:ext cx="585216" cy="585216"/>
+          </a:xfrm>
+          <a:prstGeom prst="rect">
+            <a:avLst/>
+          </a:prstGeom>
+        </p:spPr>
+      </p:pic>
+      <p:grpSp>
+        <p:nvGrpSpPr>
+          <p:cNvPr id="73" name="Group 72">
+            <a:extLst>
+              <a:ext uri="{FF2B5EF4-FFF2-40B4-BE49-F238E27FC236}">
+                <a16:creationId xmlns:a16="http://schemas.microsoft.com/office/drawing/2014/main" id="{CACC6F0A-9342-4F8C-A150-44B7998B0190}"/>
+              </a:ext>
+            </a:extLst>
+          </p:cNvPr>
+          <p:cNvGrpSpPr/>
+          <p:nvPr/>
+        </p:nvGrpSpPr>
+        <p:grpSpPr>
+          <a:xfrm>
+            <a:off x="4627456" y="4982886"/>
+            <a:ext cx="2937088" cy="1474819"/>
+            <a:chOff x="332936" y="4652338"/>
+            <a:chExt cx="2937088" cy="1474819"/>
+          </a:xfrm>
+        </p:grpSpPr>
+        <p:sp>
+          <p:nvSpPr>
+            <p:cNvPr id="74" name="TextBox 73">
+              <a:extLst>
+                <a:ext uri="{FF2B5EF4-FFF2-40B4-BE49-F238E27FC236}">
+                  <a16:creationId xmlns:a16="http://schemas.microsoft.com/office/drawing/2014/main" id="{25FD4E26-304A-497E-9EAB-2BE6B56B9BA7}"/>
+                </a:ext>
+              </a:extLst>
+            </p:cNvPr>
+            <p:cNvSpPr txBox="1"/>
+            <p:nvPr/>
+          </p:nvSpPr>
+          <p:spPr>
+            <a:xfrm>
+              <a:off x="332936" y="4652338"/>
+              <a:ext cx="2937088" cy="461665"/>
+            </a:xfrm>
+            <a:prstGeom prst="rect">
+              <a:avLst/>
+            </a:prstGeom>
+            <a:noFill/>
+          </p:spPr>
+          <p:txBody>
+            <a:bodyPr wrap="square" lIns="640080" rIns="0" rtlCol="0" anchor="b">
+              <a:spAutoFit/>
+            </a:bodyPr>
+            <a:lstStyle/>
+            <a:p>
+              <a:pPr defTabSz="914400"/>
+              <a:r>
+                <a:rPr lang="en-US" sz="2400" b="1" cap="all" noProof="1">
+                  <a:solidFill>
+                    <a:srgbClr val="C13018"/>
+                  </a:solidFill>
+                  <a:latin typeface="Calibri" panose="020F0502020204030204"/>
+                </a:rPr>
+                <a:t>Mss main</a:t>
+              </a:r>
+            </a:p>
+          </p:txBody>
+        </p:sp>
+        <p:sp>
+          <p:nvSpPr>
+            <p:cNvPr id="75" name="TextBox 74">
+              <a:extLst>
+                <a:ext uri="{FF2B5EF4-FFF2-40B4-BE49-F238E27FC236}">
+                  <a16:creationId xmlns:a16="http://schemas.microsoft.com/office/drawing/2014/main" id="{36002B38-BA52-4299-8968-12ECF60DFEE6}"/>
+                </a:ext>
+              </a:extLst>
+            </p:cNvPr>
+            <p:cNvSpPr txBox="1"/>
+            <p:nvPr/>
+          </p:nvSpPr>
+          <p:spPr>
+            <a:xfrm>
+              <a:off x="340731" y="5111494"/>
+              <a:ext cx="2929293" cy="1015663"/>
+            </a:xfrm>
+            <a:prstGeom prst="rect">
+              <a:avLst/>
+            </a:prstGeom>
+            <a:noFill/>
+          </p:spPr>
+          <p:txBody>
+            <a:bodyPr wrap="square" lIns="0" rIns="0" rtlCol="0" anchor="t">
+              <a:spAutoFit/>
+            </a:bodyPr>
+            <a:lstStyle/>
+            <a:p>
+              <a:pPr algn="just" defTabSz="914400"/>
+              <a:r>
+                <a:rPr lang="en-US" sz="1200" b="1" noProof="1">
+                  <a:solidFill>
+                    <a:schemeClr val="accent1"/>
+                  </a:solidFill>
+                  <a:latin typeface="Calibri" panose="020F0502020204030204"/>
+                </a:rPr>
+                <a:t>Essential functions for HRMS data processing:</a:t>
+              </a:r>
+            </a:p>
+            <a:p>
+              <a:pPr marL="171450" indent="-171450" algn="just" defTabSz="914400">
+                <a:buFont typeface="Arial" panose="020B0604020202020204" pitchFamily="34" charset="0"/>
+                <a:buChar char="•"/>
+              </a:pPr>
+              <a:r>
+                <a:rPr lang="en-US" sz="1200" b="1" noProof="1">
+                  <a:solidFill>
+                    <a:schemeClr val="accent1"/>
+                  </a:solidFill>
+                  <a:latin typeface="Calibri" panose="020F0502020204030204"/>
+                </a:rPr>
+                <a:t>Peak picking</a:t>
+              </a:r>
+            </a:p>
+            <a:p>
+              <a:pPr marL="171450" indent="-171450" algn="just" defTabSz="914400">
+                <a:buFont typeface="Arial" panose="020B0604020202020204" pitchFamily="34" charset="0"/>
+                <a:buChar char="•"/>
+              </a:pPr>
+              <a:r>
+                <a:rPr lang="en-US" sz="1200" b="1" noProof="1">
+                  <a:solidFill>
+                    <a:schemeClr val="accent1"/>
+                  </a:solidFill>
+                  <a:latin typeface="Calibri" panose="020F0502020204030204"/>
+                </a:rPr>
+                <a:t>Alignment</a:t>
+              </a:r>
+            </a:p>
+            <a:p>
+              <a:pPr marL="171450" indent="-171450" algn="just" defTabSz="914400">
+                <a:buFont typeface="Arial" panose="020B0604020202020204" pitchFamily="34" charset="0"/>
+                <a:buChar char="•"/>
+              </a:pPr>
+              <a:r>
+                <a:rPr lang="en-US" sz="1200" b="1" noProof="1">
+                  <a:solidFill>
+                    <a:schemeClr val="accent1"/>
+                  </a:solidFill>
+                  <a:latin typeface="Calibri" panose="020F0502020204030204"/>
+                </a:rPr>
+                <a:t>Data curation</a:t>
+              </a:r>
+            </a:p>
+            <a:p>
+              <a:pPr marL="171450" indent="-171450" algn="just" defTabSz="914400">
+                <a:buFont typeface="Arial" panose="020B0604020202020204" pitchFamily="34" charset="0"/>
+                <a:buChar char="•"/>
+              </a:pPr>
+              <a:r>
+                <a:rPr lang="en-US" sz="1200" b="1" noProof="1">
+                  <a:solidFill>
+                    <a:schemeClr val="accent1"/>
+                  </a:solidFill>
+                  <a:latin typeface="Calibri" panose="020F0502020204030204"/>
+                </a:rPr>
+                <a:t>More..</a:t>
+              </a:r>
+            </a:p>
+          </p:txBody>
+        </p:sp>
+      </p:grpSp>
+    </p:spTree>
+    <p:extLst>
+      <p:ext uri="{BB962C8B-B14F-4D97-AF65-F5344CB8AC3E}">
+        <p14:creationId xmlns:p14="http://schemas.microsoft.com/office/powerpoint/2010/main" val="415345879"/>
+      </p:ext>
+    </p:extLst>
+  </p:cSld>
+  <p:clrMapOvr>
+    <a:masterClrMapping/>
+  </p:clrMapOvr>
+</p:sld>
+</file>
+
+<file path=ppt/slides/slide6.xml><?xml version="1.0" encoding="utf-8"?>
+<p:sld xmlns:a="http://schemas.openxmlformats.org/drawingml/2006/main" xmlns:r="http://schemas.openxmlformats.org/officeDocument/2006/relationships" xmlns:p="http://schemas.openxmlformats.org/presentationml/2006/main">
+  <p:cSld>
     <p:bg>
       <p:bgPr>
         <a:solidFill>
@@ -27278,7 +30955,7 @@
 </p:sld>
 </file>
 
-<file path=ppt/slides/slide6.xml><?xml version="1.0" encoding="utf-8"?>
+<file path=ppt/slides/slide7.xml><?xml version="1.0" encoding="utf-8"?>
 <p:sld xmlns:a="http://schemas.openxmlformats.org/drawingml/2006/main" xmlns:r="http://schemas.openxmlformats.org/officeDocument/2006/relationships" xmlns:p="http://schemas.openxmlformats.org/presentationml/2006/main">
   <p:cSld>
     <p:bg>
@@ -28238,7 +31915,7 @@
 </p:sld>
 </file>
 
-<file path=ppt/slides/slide7.xml><?xml version="1.0" encoding="utf-8"?>
+<file path=ppt/slides/slide8.xml><?xml version="1.0" encoding="utf-8"?>
 <p:sld xmlns:a="http://schemas.openxmlformats.org/drawingml/2006/main" xmlns:r="http://schemas.openxmlformats.org/officeDocument/2006/relationships" xmlns:p="http://schemas.openxmlformats.org/presentationml/2006/main">
   <p:cSld>
     <p:spTree>
@@ -28405,7 +32082,7 @@
 </p:sld>
 </file>
 
-<file path=ppt/slides/slide8.xml><?xml version="1.0" encoding="utf-8"?>
+<file path=ppt/slides/slide9.xml><?xml version="1.0" encoding="utf-8"?>
 <p:sld xmlns:a="http://schemas.openxmlformats.org/drawingml/2006/main" xmlns:r="http://schemas.openxmlformats.org/officeDocument/2006/relationships" xmlns:p="http://schemas.openxmlformats.org/presentationml/2006/main">
   <p:cSld>
     <p:bg>
@@ -28701,267 +32378,6 @@
   </p:cSld>
   <p:clrMapOvr>
     <a:overrideClrMapping bg1="dk1" tx1="lt1" bg2="dk2" tx2="lt2" accent1="accent1" accent2="accent2" accent3="accent3" accent4="accent4" accent5="accent5" accent6="accent6" hlink="hlink" folHlink="folHlink"/>
-  </p:clrMapOvr>
-</p:sld>
-</file>
-
-<file path=ppt/slides/slide9.xml><?xml version="1.0" encoding="utf-8"?>
-<p:sld xmlns:a="http://schemas.openxmlformats.org/drawingml/2006/main" xmlns:r="http://schemas.openxmlformats.org/officeDocument/2006/relationships" xmlns:p="http://schemas.openxmlformats.org/presentationml/2006/main">
-  <p:cSld>
-    <p:bg>
-      <p:bgPr>
-        <a:solidFill>
-          <a:schemeClr val="bg1"/>
-        </a:solidFill>
-        <a:effectLst/>
-      </p:bgPr>
-    </p:bg>
-    <p:spTree>
-      <p:nvGrpSpPr>
-        <p:cNvPr id="1" name=""/>
-        <p:cNvGrpSpPr/>
-        <p:nvPr/>
-      </p:nvGrpSpPr>
-      <p:grpSpPr>
-        <a:xfrm>
-          <a:off x="0" y="0"/>
-          <a:ext cx="0" cy="0"/>
-          <a:chOff x="0" y="0"/>
-          <a:chExt cx="0" cy="0"/>
-        </a:xfrm>
-      </p:grpSpPr>
-      <p:sp>
-        <p:nvSpPr>
-          <p:cNvPr id="12" name="Rectangle 9">
-            <a:extLst>
-              <a:ext uri="{FF2B5EF4-FFF2-40B4-BE49-F238E27FC236}">
-                <a16:creationId xmlns:a16="http://schemas.microsoft.com/office/drawing/2014/main" id="{07CEFFDD-605F-41E2-8017-6484074C5CAA}"/>
-              </a:ext>
-              <a:ext uri="{C183D7F6-B498-43B3-948B-1728B52AA6E4}">
-                <adec:decorative xmlns:adec="http://schemas.microsoft.com/office/drawing/2017/decorative" val="1"/>
-              </a:ext>
-            </a:extLst>
-          </p:cNvPr>
-          <p:cNvSpPr>
-            <a:spLocks noGrp="1" noRot="1" noChangeAspect="1" noMove="1" noResize="1" noEditPoints="1" noAdjustHandles="1" noChangeArrowheads="1" noChangeShapeType="1" noTextEdit="1"/>
-          </p:cNvSpPr>
-          <p:nvPr>
-            <p:extLst>
-              <p:ext uri="{386F3935-93C4-4BCD-93E2-E3B085C9AB24}">
-                <p16:designElem xmlns:p16="http://schemas.microsoft.com/office/powerpoint/2015/main" val="1"/>
-              </p:ext>
-            </p:extLst>
-          </p:nvPr>
-        </p:nvSpPr>
-        <p:spPr>
-          <a:xfrm>
-            <a:off x="7555992" y="0"/>
-            <a:ext cx="4636008" cy="6858000"/>
-          </a:xfrm>
-          <a:prstGeom prst="rect">
-            <a:avLst/>
-          </a:prstGeom>
-          <a:solidFill>
-            <a:schemeClr val="accent1"/>
-          </a:solidFill>
-          <a:ln>
-            <a:noFill/>
-          </a:ln>
-        </p:spPr>
-        <p:style>
-          <a:lnRef idx="2">
-            <a:schemeClr val="accent1">
-              <a:shade val="50000"/>
-            </a:schemeClr>
-          </a:lnRef>
-          <a:fillRef idx="1">
-            <a:schemeClr val="accent1"/>
-          </a:fillRef>
-          <a:effectRef idx="0">
-            <a:schemeClr val="accent1"/>
-          </a:effectRef>
-          <a:fontRef idx="minor">
-            <a:schemeClr val="lt1"/>
-          </a:fontRef>
-        </p:style>
-        <p:txBody>
-          <a:bodyPr rtlCol="0" anchor="ctr"/>
-          <a:lstStyle/>
-          <a:p>
-            <a:pPr algn="ctr"/>
-            <a:endParaRPr lang="en-US"/>
-          </a:p>
-        </p:txBody>
-      </p:sp>
-      <p:pic>
-        <p:nvPicPr>
-          <p:cNvPr id="5" name="Picture 2">
-            <a:extLst>
-              <a:ext uri="{FF2B5EF4-FFF2-40B4-BE49-F238E27FC236}">
-                <a16:creationId xmlns:a16="http://schemas.microsoft.com/office/drawing/2014/main" id="{D0CC0152-B5A5-42BC-A461-1A1C5BAD4CB3}"/>
-              </a:ext>
-            </a:extLst>
-          </p:cNvPr>
-          <p:cNvPicPr>
-            <a:picLocks noChangeAspect="1" noChangeArrowheads="1"/>
-          </p:cNvPicPr>
-          <p:nvPr/>
-        </p:nvPicPr>
-        <p:blipFill>
-          <a:blip r:embed="rId2">
-            <a:extLst>
-              <a:ext uri="{28A0092B-C50C-407E-A947-70E740481C1C}">
-                <a14:useLocalDpi xmlns:a14="http://schemas.microsoft.com/office/drawing/2010/main" val="0"/>
-              </a:ext>
-            </a:extLst>
-          </a:blip>
-          <a:stretch>
-            <a:fillRect/>
-          </a:stretch>
-        </p:blipFill>
-        <p:spPr bwMode="auto">
-          <a:xfrm>
-            <a:off x="7655001" y="3746376"/>
-            <a:ext cx="4396249" cy="2978458"/>
-          </a:xfrm>
-          <a:prstGeom prst="rect">
-            <a:avLst/>
-          </a:prstGeom>
-          <a:noFill/>
-          <a:extLst>
-            <a:ext uri="{909E8E84-426E-40DD-AFC4-6F175D3DCCD1}">
-              <a14:hiddenFill xmlns:a14="http://schemas.microsoft.com/office/drawing/2010/main">
-                <a:solidFill>
-                  <a:srgbClr val="FFFFFF"/>
-                </a:solidFill>
-              </a14:hiddenFill>
-            </a:ext>
-          </a:extLst>
-        </p:spPr>
-      </p:pic>
-      <p:sp>
-        <p:nvSpPr>
-          <p:cNvPr id="3" name="Content Placeholder 2">
-            <a:extLst>
-              <a:ext uri="{FF2B5EF4-FFF2-40B4-BE49-F238E27FC236}">
-                <a16:creationId xmlns:a16="http://schemas.microsoft.com/office/drawing/2014/main" id="{7F65B831-6491-4048-8EB6-ABEEB16A549A}"/>
-              </a:ext>
-            </a:extLst>
-          </p:cNvPr>
-          <p:cNvSpPr>
-            <a:spLocks noGrp="1"/>
-          </p:cNvSpPr>
-          <p:nvPr>
-            <p:ph idx="1"/>
-          </p:nvPr>
-        </p:nvSpPr>
-        <p:spPr>
-          <a:xfrm>
-            <a:off x="7837714" y="1292308"/>
-            <a:ext cx="4030825" cy="3358092"/>
-          </a:xfrm>
-        </p:spPr>
-        <p:txBody>
-          <a:bodyPr>
-            <a:normAutofit/>
-          </a:bodyPr>
-          <a:lstStyle/>
-          <a:p>
-            <a:pPr>
-              <a:buFont typeface="Wingdings" panose="05000000000000000000" pitchFamily="2" charset="2"/>
-              <a:buChar char="Ø"/>
-            </a:pPr>
-            <a:r>
-              <a:rPr lang="en-US" altLang="zh-CN" sz="1800" dirty="0">
-                <a:solidFill>
-                  <a:srgbClr val="FFFFFF"/>
-                </a:solidFill>
-              </a:rPr>
-              <a:t>Data analysis based on machine learning algorithms</a:t>
-            </a:r>
-          </a:p>
-          <a:p>
-            <a:pPr lvl="1">
-              <a:buFont typeface="Wingdings" panose="05000000000000000000" pitchFamily="2" charset="2"/>
-              <a:buChar char="Ø"/>
-            </a:pPr>
-            <a:r>
-              <a:rPr lang="en-US" altLang="zh-CN" sz="1800" dirty="0">
-                <a:solidFill>
-                  <a:srgbClr val="FFFFFF"/>
-                </a:solidFill>
-              </a:rPr>
-              <a:t>Feature clustering based on scikit-learn algorithms or hypothesis testing</a:t>
-            </a:r>
-          </a:p>
-          <a:p>
-            <a:pPr lvl="1">
-              <a:buFont typeface="Wingdings" panose="05000000000000000000" pitchFamily="2" charset="2"/>
-              <a:buChar char="Ø"/>
-            </a:pPr>
-            <a:r>
-              <a:rPr lang="en-US" altLang="zh-CN" sz="1800" dirty="0">
-                <a:solidFill>
-                  <a:srgbClr val="FFFFFF"/>
-                </a:solidFill>
-              </a:rPr>
-              <a:t>Advanced modeling on dilution series samples</a:t>
-            </a:r>
-          </a:p>
-          <a:p>
-            <a:pPr lvl="1">
-              <a:buFont typeface="Wingdings" panose="05000000000000000000" pitchFamily="2" charset="2"/>
-              <a:buChar char="Ø"/>
-            </a:pPr>
-            <a:r>
-              <a:rPr lang="en-US" altLang="zh-CN" sz="1800" dirty="0">
-                <a:solidFill>
-                  <a:srgbClr val="FFFFFF"/>
-                </a:solidFill>
-              </a:rPr>
-              <a:t>Preliminary source tracking tool</a:t>
-            </a:r>
-          </a:p>
-        </p:txBody>
-      </p:sp>
-      <p:pic>
-        <p:nvPicPr>
-          <p:cNvPr id="8" name="Picture 7">
-            <a:extLst>
-              <a:ext uri="{FF2B5EF4-FFF2-40B4-BE49-F238E27FC236}">
-                <a16:creationId xmlns:a16="http://schemas.microsoft.com/office/drawing/2014/main" id="{4A074D88-4E1B-4496-AC08-C5775CB6D0D6}"/>
-              </a:ext>
-            </a:extLst>
-          </p:cNvPr>
-          <p:cNvPicPr>
-            <a:picLocks noChangeAspect="1"/>
-          </p:cNvPicPr>
-          <p:nvPr/>
-        </p:nvPicPr>
-        <p:blipFill rotWithShape="1">
-          <a:blip r:embed="rId3"/>
-          <a:srcRect l="25271" r="2510"/>
-          <a:stretch/>
-        </p:blipFill>
-        <p:spPr>
-          <a:xfrm>
-            <a:off x="137464" y="292277"/>
-            <a:ext cx="7376787" cy="6214369"/>
-          </a:xfrm>
-          <a:prstGeom prst="rect">
-            <a:avLst/>
-          </a:prstGeom>
-        </p:spPr>
-      </p:pic>
-    </p:spTree>
-    <p:extLst>
-      <p:ext uri="{BB962C8B-B14F-4D97-AF65-F5344CB8AC3E}">
-        <p14:creationId xmlns:p14="http://schemas.microsoft.com/office/powerpoint/2010/main" val="2479981837"/>
-      </p:ext>
-    </p:extLst>
-  </p:cSld>
-  <p:clrMapOvr>
-    <a:masterClrMapping/>
   </p:clrMapOvr>
 </p:sld>
 </file>
